--- a/resources/Balancer.pptx
+++ b/resources/Balancer.pptx
@@ -26,6 +26,7 @@
     <p:sldId id="271" r:id="rId21"/>
     <p:sldId id="272" r:id="rId22"/>
     <p:sldId id="273" r:id="rId23"/>
+    <p:sldId id="274" r:id="rId24"/>
   </p:sldIdLst>
   <p:sldSz cy="5143500" cx="9144000"/>
   <p:notesSz cx="6858000" cy="9144000"/>
@@ -807,7 +808,7 @@
   <p:cSld>
     <p:spTree>
       <p:nvGrpSpPr>
-        <p:cNvPr id="109" name="Shape 109"/>
+        <p:cNvPr id="108" name="Shape 108"/>
         <p:cNvGrpSpPr/>
         <p:nvPr/>
       </p:nvGrpSpPr>
@@ -821,7 +822,7 @@
       </p:grpSpPr>
       <p:sp>
         <p:nvSpPr>
-          <p:cNvPr id="110" name="Google Shape;110;g12681677524_0_31:notes"/>
+          <p:cNvPr id="109" name="Google Shape;109;g126d66c4844_0_10:notes"/>
           <p:cNvSpPr/>
           <p:nvPr>
             <p:ph idx="2" type="sldImg"/>
@@ -856,7 +857,7 @@
       </p:sp>
       <p:sp>
         <p:nvSpPr>
-          <p:cNvPr id="111" name="Google Shape;111;g12681677524_0_31:notes"/>
+          <p:cNvPr id="110" name="Google Shape;110;g126d66c4844_0_10:notes"/>
           <p:cNvSpPr txBox="1"/>
           <p:nvPr>
             <p:ph idx="1" type="body"/>
@@ -920,7 +921,7 @@
       </p:grpSpPr>
       <p:sp>
         <p:nvSpPr>
-          <p:cNvPr id="116" name="Google Shape;116;g12681677524_0_41:notes"/>
+          <p:cNvPr id="116" name="Google Shape;116;g12681677524_0_31:notes"/>
           <p:cNvSpPr/>
           <p:nvPr>
             <p:ph idx="2" type="sldImg"/>
@@ -955,7 +956,7 @@
       </p:sp>
       <p:sp>
         <p:nvSpPr>
-          <p:cNvPr id="117" name="Google Shape;117;g12681677524_0_41:notes"/>
+          <p:cNvPr id="117" name="Google Shape;117;g12681677524_0_31:notes"/>
           <p:cNvSpPr txBox="1"/>
           <p:nvPr>
             <p:ph idx="1" type="body"/>
@@ -977,14 +978,11 @@
           <a:lstStyle/>
           <a:p>
             <a:pPr indent="0" lvl="0" marL="0" rtl="0" algn="l">
-              <a:lnSpc>
-                <a:spcPct val="115000"/>
-              </a:lnSpc>
-              <a:spcBef>
-                <a:spcPts val="0"/>
-              </a:spcBef>
-              <a:spcAft>
-                <a:spcPts val="1200"/>
+              <a:spcBef>
+                <a:spcPts val="0"/>
+              </a:spcBef>
+              <a:spcAft>
+                <a:spcPts val="0"/>
               </a:spcAft>
               <a:buNone/>
             </a:pPr>
@@ -1022,7 +1020,7 @@
       </p:grpSpPr>
       <p:sp>
         <p:nvSpPr>
-          <p:cNvPr id="122" name="Google Shape;122;g126d66c4844_0_15:notes"/>
+          <p:cNvPr id="122" name="Google Shape;122;g12681677524_0_41:notes"/>
           <p:cNvSpPr/>
           <p:nvPr>
             <p:ph idx="2" type="sldImg"/>
@@ -1057,7 +1055,7 @@
       </p:sp>
       <p:sp>
         <p:nvSpPr>
-          <p:cNvPr id="123" name="Google Shape;123;g126d66c4844_0_15:notes"/>
+          <p:cNvPr id="123" name="Google Shape;123;g12681677524_0_41:notes"/>
           <p:cNvSpPr txBox="1"/>
           <p:nvPr>
             <p:ph idx="1" type="body"/>
@@ -1079,11 +1077,14 @@
           <a:lstStyle/>
           <a:p>
             <a:pPr indent="0" lvl="0" marL="0" rtl="0" algn="l">
-              <a:spcBef>
-                <a:spcPts val="0"/>
-              </a:spcBef>
-              <a:spcAft>
-                <a:spcPts val="0"/>
+              <a:lnSpc>
+                <a:spcPct val="115000"/>
+              </a:lnSpc>
+              <a:spcBef>
+                <a:spcPts val="0"/>
+              </a:spcBef>
+              <a:spcAft>
+                <a:spcPts val="1200"/>
               </a:spcAft>
               <a:buNone/>
             </a:pPr>
@@ -1107,7 +1108,7 @@
   <p:cSld>
     <p:spTree>
       <p:nvGrpSpPr>
-        <p:cNvPr id="128" name="Shape 128"/>
+        <p:cNvPr id="127" name="Shape 127"/>
         <p:cNvGrpSpPr/>
         <p:nvPr/>
       </p:nvGrpSpPr>
@@ -1121,7 +1122,7 @@
       </p:grpSpPr>
       <p:sp>
         <p:nvSpPr>
-          <p:cNvPr id="129" name="Google Shape;129;g12681677524_0_36:notes"/>
+          <p:cNvPr id="128" name="Google Shape;128;g126d66c4844_0_15:notes"/>
           <p:cNvSpPr/>
           <p:nvPr>
             <p:ph idx="2" type="sldImg"/>
@@ -1156,7 +1157,7 @@
       </p:sp>
       <p:sp>
         <p:nvSpPr>
-          <p:cNvPr id="130" name="Google Shape;130;g12681677524_0_36:notes"/>
+          <p:cNvPr id="129" name="Google Shape;129;g126d66c4844_0_15:notes"/>
           <p:cNvSpPr txBox="1"/>
           <p:nvPr>
             <p:ph idx="1" type="body"/>
@@ -1220,7 +1221,7 @@
       </p:grpSpPr>
       <p:sp>
         <p:nvSpPr>
-          <p:cNvPr id="135" name="Google Shape;135;g12681677524_0_46:notes"/>
+          <p:cNvPr id="135" name="Google Shape;135;g12681677524_0_36:notes"/>
           <p:cNvSpPr/>
           <p:nvPr>
             <p:ph idx="2" type="sldImg"/>
@@ -1255,7 +1256,7 @@
       </p:sp>
       <p:sp>
         <p:nvSpPr>
-          <p:cNvPr id="136" name="Google Shape;136;g12681677524_0_46:notes"/>
+          <p:cNvPr id="136" name="Google Shape;136;g12681677524_0_36:notes"/>
           <p:cNvSpPr txBox="1"/>
           <p:nvPr>
             <p:ph idx="1" type="body"/>
@@ -1319,7 +1320,7 @@
       </p:grpSpPr>
       <p:sp>
         <p:nvSpPr>
-          <p:cNvPr id="141" name="Google Shape;141;g12681677524_0_66:notes"/>
+          <p:cNvPr id="141" name="Google Shape;141;g12681677524_0_46:notes"/>
           <p:cNvSpPr/>
           <p:nvPr>
             <p:ph idx="2" type="sldImg"/>
@@ -1354,7 +1355,7 @@
       </p:sp>
       <p:sp>
         <p:nvSpPr>
-          <p:cNvPr id="142" name="Google Shape;142;g12681677524_0_66:notes"/>
+          <p:cNvPr id="142" name="Google Shape;142;g12681677524_0_46:notes"/>
           <p:cNvSpPr txBox="1"/>
           <p:nvPr>
             <p:ph idx="1" type="body"/>
@@ -1418,7 +1419,7 @@
       </p:grpSpPr>
       <p:sp>
         <p:nvSpPr>
-          <p:cNvPr id="147" name="Google Shape;147;g126d66c4844_0_26:notes"/>
+          <p:cNvPr id="147" name="Google Shape;147;g12681677524_0_66:notes"/>
           <p:cNvSpPr/>
           <p:nvPr>
             <p:ph idx="2" type="sldImg"/>
@@ -1453,7 +1454,7 @@
       </p:sp>
       <p:sp>
         <p:nvSpPr>
-          <p:cNvPr id="148" name="Google Shape;148;g126d66c4844_0_26:notes"/>
+          <p:cNvPr id="148" name="Google Shape;148;g12681677524_0_66:notes"/>
           <p:cNvSpPr txBox="1"/>
           <p:nvPr>
             <p:ph idx="1" type="body"/>
@@ -1517,7 +1518,7 @@
       </p:grpSpPr>
       <p:sp>
         <p:nvSpPr>
-          <p:cNvPr id="153" name="Google Shape;153;g12681677524_0_56:notes"/>
+          <p:cNvPr id="153" name="Google Shape;153;g126d66c4844_0_26:notes"/>
           <p:cNvSpPr/>
           <p:nvPr>
             <p:ph idx="2" type="sldImg"/>
@@ -1552,7 +1553,7 @@
       </p:sp>
       <p:sp>
         <p:nvSpPr>
-          <p:cNvPr id="154" name="Google Shape;154;g12681677524_0_56:notes"/>
+          <p:cNvPr id="154" name="Google Shape;154;g126d66c4844_0_26:notes"/>
           <p:cNvSpPr txBox="1"/>
           <p:nvPr>
             <p:ph idx="1" type="body"/>
@@ -1602,7 +1603,7 @@
   <p:cSld>
     <p:spTree>
       <p:nvGrpSpPr>
-        <p:cNvPr id="160" name="Shape 160"/>
+        <p:cNvPr id="158" name="Shape 158"/>
         <p:cNvGrpSpPr/>
         <p:nvPr/>
       </p:nvGrpSpPr>
@@ -1616,7 +1617,7 @@
       </p:grpSpPr>
       <p:sp>
         <p:nvSpPr>
-          <p:cNvPr id="161" name="Google Shape;161;g12681677524_0_61:notes"/>
+          <p:cNvPr id="159" name="Google Shape;159;g12681677524_0_56:notes"/>
           <p:cNvSpPr/>
           <p:nvPr>
             <p:ph idx="2" type="sldImg"/>
@@ -1651,7 +1652,106 @@
       </p:sp>
       <p:sp>
         <p:nvSpPr>
-          <p:cNvPr id="162" name="Google Shape;162;g12681677524_0_61:notes"/>
+          <p:cNvPr id="160" name="Google Shape;160;g12681677524_0_56:notes"/>
+          <p:cNvSpPr txBox="1"/>
+          <p:nvPr>
+            <p:ph idx="1" type="body"/>
+          </p:nvPr>
+        </p:nvSpPr>
+        <p:spPr>
+          <a:xfrm>
+            <a:off x="685800" y="4343400"/>
+            <a:ext cx="5486400" cy="4114800"/>
+          </a:xfrm>
+          <a:prstGeom prst="rect">
+            <a:avLst/>
+          </a:prstGeom>
+        </p:spPr>
+        <p:txBody>
+          <a:bodyPr anchorCtr="0" anchor="t" bIns="91425" lIns="91425" spcFirstLastPara="1" rIns="91425" wrap="square" tIns="91425">
+            <a:noAutofit/>
+          </a:bodyPr>
+          <a:lstStyle/>
+          <a:p>
+            <a:pPr indent="0" lvl="0" marL="0" rtl="0" algn="l">
+              <a:spcBef>
+                <a:spcPts val="0"/>
+              </a:spcBef>
+              <a:spcAft>
+                <a:spcPts val="0"/>
+              </a:spcAft>
+              <a:buNone/>
+            </a:pPr>
+            <a:r>
+              <a:t/>
+            </a:r>
+            <a:endParaRPr/>
+          </a:p>
+        </p:txBody>
+      </p:sp>
+    </p:spTree>
+  </p:cSld>
+  <p:clrMapOvr>
+    <a:masterClrMapping/>
+  </p:clrMapOvr>
+</p:notes>
+</file>
+
+<file path=ppt/notesSlides/notesSlide19.xml><?xml version="1.0" encoding="utf-8"?>
+<p:notes xmlns:a="http://schemas.openxmlformats.org/drawingml/2006/main" xmlns:r="http://schemas.openxmlformats.org/officeDocument/2006/relationships" xmlns:mc="http://schemas.openxmlformats.org/markup-compatibility/2006" xmlns:mv="urn:schemas-microsoft-com:mac:vml" xmlns:p="http://schemas.openxmlformats.org/presentationml/2006/main" xmlns:c="http://schemas.openxmlformats.org/drawingml/2006/chart" xmlns:dgm="http://schemas.openxmlformats.org/drawingml/2006/diagram" xmlns:o="urn:schemas-microsoft-com:office:office" xmlns:v="urn:schemas-microsoft-com:vml" xmlns:pvml="urn:schemas-microsoft-com:office:powerpoint" xmlns:com="http://schemas.openxmlformats.org/drawingml/2006/compatibility" xmlns:p14="http://schemas.microsoft.com/office/powerpoint/2010/main" xmlns:p15="http://schemas.microsoft.com/office/powerpoint/2012/main" xmlns:ahyp="http://schemas.microsoft.com/office/drawing/2018/hyperlinkcolor" showMasterPhAnim="0" showMasterSp="0">
+  <p:cSld>
+    <p:spTree>
+      <p:nvGrpSpPr>
+        <p:cNvPr id="166" name="Shape 166"/>
+        <p:cNvGrpSpPr/>
+        <p:nvPr/>
+      </p:nvGrpSpPr>
+      <p:grpSpPr>
+        <a:xfrm>
+          <a:off x="0" y="0"/>
+          <a:ext cx="0" cy="0"/>
+          <a:chOff x="0" y="0"/>
+          <a:chExt cx="0" cy="0"/>
+        </a:xfrm>
+      </p:grpSpPr>
+      <p:sp>
+        <p:nvSpPr>
+          <p:cNvPr id="167" name="Google Shape;167;g12681677524_0_61:notes"/>
+          <p:cNvSpPr/>
+          <p:nvPr>
+            <p:ph idx="2" type="sldImg"/>
+          </p:nvPr>
+        </p:nvSpPr>
+        <p:spPr>
+          <a:xfrm>
+            <a:off x="381300" y="685800"/>
+            <a:ext cx="6096000" cy="3429000"/>
+          </a:xfrm>
+          <a:custGeom>
+            <a:rect b="b" l="l" r="r" t="t"/>
+            <a:pathLst>
+              <a:path extrusionOk="0" h="120000" w="120000">
+                <a:moveTo>
+                  <a:pt x="0" y="0"/>
+                </a:moveTo>
+                <a:lnTo>
+                  <a:pt x="120000" y="0"/>
+                </a:lnTo>
+                <a:lnTo>
+                  <a:pt x="120000" y="120000"/>
+                </a:lnTo>
+                <a:lnTo>
+                  <a:pt x="0" y="120000"/>
+                </a:lnTo>
+                <a:close/>
+              </a:path>
+            </a:pathLst>
+          </a:custGeom>
+        </p:spPr>
+      </p:sp>
+      <p:sp>
+        <p:nvSpPr>
+          <p:cNvPr id="168" name="Google Shape;168;g12681677524_0_61:notes"/>
           <p:cNvSpPr txBox="1"/>
           <p:nvPr>
             <p:ph idx="1" type="body"/>
@@ -1715,7 +1815,7 @@
       </p:grpSpPr>
       <p:sp>
         <p:nvSpPr>
-          <p:cNvPr id="57" name="Google Shape;57;g12681677524_0_10:notes"/>
+          <p:cNvPr id="57" name="Google Shape;57;g132642d8e62_0_5:notes"/>
           <p:cNvSpPr/>
           <p:nvPr>
             <p:ph idx="2" type="sldImg"/>
@@ -1750,7 +1850,7 @@
       </p:sp>
       <p:sp>
         <p:nvSpPr>
-          <p:cNvPr id="58" name="Google Shape;58;g12681677524_0_10:notes"/>
+          <p:cNvPr id="58" name="Google Shape;58;g132642d8e62_0_5:notes"/>
           <p:cNvSpPr txBox="1"/>
           <p:nvPr>
             <p:ph idx="1" type="body"/>
@@ -1814,7 +1914,7 @@
       </p:grpSpPr>
       <p:sp>
         <p:nvSpPr>
-          <p:cNvPr id="63" name="Google Shape;63;g126d66c4844_0_0:notes"/>
+          <p:cNvPr id="63" name="Google Shape;63;g12681677524_0_10:notes"/>
           <p:cNvSpPr/>
           <p:nvPr>
             <p:ph idx="2" type="sldImg"/>
@@ -1849,7 +1949,7 @@
       </p:sp>
       <p:sp>
         <p:nvSpPr>
-          <p:cNvPr id="64" name="Google Shape;64;g126d66c4844_0_0:notes"/>
+          <p:cNvPr id="64" name="Google Shape;64;g12681677524_0_10:notes"/>
           <p:cNvSpPr txBox="1"/>
           <p:nvPr>
             <p:ph idx="1" type="body"/>
@@ -1913,7 +2013,7 @@
       </p:grpSpPr>
       <p:sp>
         <p:nvSpPr>
-          <p:cNvPr id="69" name="Google Shape;69;g12681677524_0_0:notes"/>
+          <p:cNvPr id="69" name="Google Shape;69;g126d66c4844_0_0:notes"/>
           <p:cNvSpPr/>
           <p:nvPr>
             <p:ph idx="2" type="sldImg"/>
@@ -1948,7 +2048,7 @@
       </p:sp>
       <p:sp>
         <p:nvSpPr>
-          <p:cNvPr id="70" name="Google Shape;70;g12681677524_0_0:notes"/>
+          <p:cNvPr id="70" name="Google Shape;70;g126d66c4844_0_0:notes"/>
           <p:cNvSpPr txBox="1"/>
           <p:nvPr>
             <p:ph idx="1" type="body"/>
@@ -2012,7 +2112,7 @@
       </p:grpSpPr>
       <p:sp>
         <p:nvSpPr>
-          <p:cNvPr id="75" name="Google Shape;75;g126d66c4844_0_5:notes"/>
+          <p:cNvPr id="75" name="Google Shape;75;g12681677524_0_0:notes"/>
           <p:cNvSpPr/>
           <p:nvPr>
             <p:ph idx="2" type="sldImg"/>
@@ -2047,7 +2147,7 @@
       </p:sp>
       <p:sp>
         <p:nvSpPr>
-          <p:cNvPr id="76" name="Google Shape;76;g126d66c4844_0_5:notes"/>
+          <p:cNvPr id="76" name="Google Shape;76;g12681677524_0_0:notes"/>
           <p:cNvSpPr txBox="1"/>
           <p:nvPr>
             <p:ph idx="1" type="body"/>
@@ -2111,7 +2211,7 @@
       </p:grpSpPr>
       <p:sp>
         <p:nvSpPr>
-          <p:cNvPr id="81" name="Google Shape;81;g12681677524_0_15:notes"/>
+          <p:cNvPr id="81" name="Google Shape;81;g126d66c4844_0_5:notes"/>
           <p:cNvSpPr/>
           <p:nvPr>
             <p:ph idx="2" type="sldImg"/>
@@ -2146,7 +2246,7 @@
       </p:sp>
       <p:sp>
         <p:nvSpPr>
-          <p:cNvPr id="82" name="Google Shape;82;g12681677524_0_15:notes"/>
+          <p:cNvPr id="82" name="Google Shape;82;g126d66c4844_0_5:notes"/>
           <p:cNvSpPr txBox="1"/>
           <p:nvPr>
             <p:ph idx="1" type="body"/>
@@ -2210,7 +2310,7 @@
       </p:grpSpPr>
       <p:sp>
         <p:nvSpPr>
-          <p:cNvPr id="87" name="Google Shape;87;g12681677524_0_20:notes"/>
+          <p:cNvPr id="87" name="Google Shape;87;g12681677524_0_15:notes"/>
           <p:cNvSpPr/>
           <p:nvPr>
             <p:ph idx="2" type="sldImg"/>
@@ -2245,7 +2345,7 @@
       </p:sp>
       <p:sp>
         <p:nvSpPr>
-          <p:cNvPr id="88" name="Google Shape;88;g12681677524_0_20:notes"/>
+          <p:cNvPr id="88" name="Google Shape;88;g12681677524_0_15:notes"/>
           <p:cNvSpPr txBox="1"/>
           <p:nvPr>
             <p:ph idx="1" type="body"/>
@@ -2295,7 +2395,7 @@
   <p:cSld>
     <p:spTree>
       <p:nvGrpSpPr>
-        <p:cNvPr id="95" name="Shape 95"/>
+        <p:cNvPr id="92" name="Shape 92"/>
         <p:cNvGrpSpPr/>
         <p:nvPr/>
       </p:nvGrpSpPr>
@@ -2309,7 +2409,7 @@
       </p:grpSpPr>
       <p:sp>
         <p:nvSpPr>
-          <p:cNvPr id="96" name="Google Shape;96;g127d21310b8_1_8:notes"/>
+          <p:cNvPr id="93" name="Google Shape;93;g12681677524_0_20:notes"/>
           <p:cNvSpPr/>
           <p:nvPr>
             <p:ph idx="2" type="sldImg"/>
@@ -2344,7 +2444,7 @@
       </p:sp>
       <p:sp>
         <p:nvSpPr>
-          <p:cNvPr id="97" name="Google Shape;97;g127d21310b8_1_8:notes"/>
+          <p:cNvPr id="94" name="Google Shape;94;g12681677524_0_20:notes"/>
           <p:cNvSpPr txBox="1"/>
           <p:nvPr>
             <p:ph idx="1" type="body"/>
@@ -2394,7 +2494,7 @@
   <p:cSld>
     <p:spTree>
       <p:nvGrpSpPr>
-        <p:cNvPr id="102" name="Shape 102"/>
+        <p:cNvPr id="101" name="Shape 101"/>
         <p:cNvGrpSpPr/>
         <p:nvPr/>
       </p:nvGrpSpPr>
@@ -2408,7 +2508,7 @@
       </p:grpSpPr>
       <p:sp>
         <p:nvSpPr>
-          <p:cNvPr id="103" name="Google Shape;103;g126d66c4844_0_10:notes"/>
+          <p:cNvPr id="102" name="Google Shape;102;g127d21310b8_1_8:notes"/>
           <p:cNvSpPr/>
           <p:nvPr>
             <p:ph idx="2" type="sldImg"/>
@@ -2443,7 +2543,7 @@
       </p:sp>
       <p:sp>
         <p:nvSpPr>
-          <p:cNvPr id="104" name="Google Shape;104;g126d66c4844_0_10:notes"/>
+          <p:cNvPr id="103" name="Google Shape;103;g127d21310b8_1_8:notes"/>
           <p:cNvSpPr txBox="1"/>
           <p:nvPr>
             <p:ph idx="1" type="body"/>
@@ -7247,7 +7347,7 @@
   <p:cSld>
     <p:spTree>
       <p:nvGrpSpPr>
-        <p:cNvPr id="112" name="Shape 112"/>
+        <p:cNvPr id="111" name="Shape 111"/>
         <p:cNvGrpSpPr/>
         <p:nvPr/>
       </p:nvGrpSpPr>
@@ -7261,7 +7361,7 @@
       </p:grpSpPr>
       <p:sp>
         <p:nvSpPr>
-          <p:cNvPr id="113" name="Google Shape;113;p22"/>
+          <p:cNvPr id="112" name="Google Shape;112;p22"/>
           <p:cNvSpPr txBox="1"/>
           <p:nvPr>
             <p:ph type="title"/>
@@ -7293,7 +7393,7 @@
             </a:pPr>
             <a:r>
               <a:rPr lang="en"/>
-              <a:t>Compositional Heap Limit Rule</a:t>
+              <a:t>Is current v8 heap limit rule compositional</a:t>
             </a:r>
             <a:endParaRPr/>
           </a:p>
@@ -7301,7 +7401,7 @@
       </p:sp>
       <p:sp>
         <p:nvSpPr>
-          <p:cNvPr id="114" name="Google Shape;114;p22"/>
+          <p:cNvPr id="113" name="Google Shape;113;p22"/>
           <p:cNvSpPr txBox="1"/>
           <p:nvPr>
             <p:ph idx="1" type="body"/>
@@ -7333,7 +7433,7 @@
             </a:pPr>
             <a:r>
               <a:rPr lang="en"/>
-              <a:t>Make a formal model of program time vs memory</a:t>
+              <a:t>Heap Limit Rule: given a program, return a heap limit</a:t>
             </a:r>
             <a:endParaRPr/>
           </a:p>
@@ -7349,23 +7449,7 @@
             </a:pPr>
             <a:r>
               <a:rPr lang="en"/>
-              <a:t>Take two program, set their total heap size = constant</a:t>
-            </a:r>
-            <a:endParaRPr/>
-          </a:p>
-          <a:p>
-            <a:pPr indent="0" lvl="0" marL="0" rtl="0" algn="l">
-              <a:spcBef>
-                <a:spcPts val="1200"/>
-              </a:spcBef>
-              <a:spcAft>
-                <a:spcPts val="0"/>
-              </a:spcAft>
-              <a:buNone/>
-            </a:pPr>
-            <a:r>
-              <a:rPr lang="en"/>
-              <a:t>Take derivative of total run time w.r.t heap size split, optimize</a:t>
+              <a:t>Currently: about ~2x working memory</a:t>
             </a:r>
             <a:endParaRPr/>
           </a:p>
@@ -7386,6 +7470,34 @@
           </a:p>
         </p:txBody>
       </p:sp>
+      <p:pic>
+        <p:nvPicPr>
+          <p:cNvPr id="114" name="Google Shape;114;p22"/>
+          <p:cNvPicPr preferRelativeResize="0"/>
+          <p:nvPr/>
+        </p:nvPicPr>
+        <p:blipFill>
+          <a:blip r:embed="rId3">
+            <a:alphaModFix/>
+          </a:blip>
+          <a:stretch>
+            <a:fillRect/>
+          </a:stretch>
+        </p:blipFill>
+        <p:spPr>
+          <a:xfrm>
+            <a:off x="4774401" y="1545350"/>
+            <a:ext cx="4057900" cy="3023525"/>
+          </a:xfrm>
+          <a:prstGeom prst="rect">
+            <a:avLst/>
+          </a:prstGeom>
+          <a:noFill/>
+          <a:ln>
+            <a:noFill/>
+          </a:ln>
+        </p:spPr>
+      </p:pic>
     </p:spTree>
   </p:cSld>
   <p:clrMapOvr>
@@ -7445,7 +7557,7 @@
             </a:pPr>
             <a:r>
               <a:rPr lang="en"/>
-              <a:t>The squareroot rule</a:t>
+              <a:t>Compositional Heap Limit Rule</a:t>
             </a:r>
             <a:endParaRPr/>
           </a:p>
@@ -7485,13 +7597,9 @@
             </a:pPr>
             <a:r>
               <a:rPr lang="en"/>
-              <a:t>Result: Memory should be </a:t>
-            </a:r>
-            <a:r>
-              <a:rPr b="1" lang="en"/>
-              <a:t>W + Sqrt(W)</a:t>
-            </a:r>
-            <a:endParaRPr b="1"/>
+              <a:t>Make a formal model of program time vs memory</a:t>
+            </a:r>
+            <a:endParaRPr/>
           </a:p>
           <a:p>
             <a:pPr indent="0" lvl="0" marL="0" rtl="0" algn="l">
@@ -7505,7 +7613,7 @@
             </a:pPr>
             <a:r>
               <a:rPr lang="en"/>
-              <a:t>Giving 1MB to big heap &lt; 1MB to small heap</a:t>
+              <a:t>Take two program, set their total heap size = constant</a:t>
             </a:r>
             <a:endParaRPr/>
           </a:p>
@@ -7521,11 +7629,7 @@
             </a:pPr>
             <a:r>
               <a:rPr lang="en"/>
-              <a:t>G</a:t>
-            </a:r>
-            <a:r>
-              <a:rPr lang="en"/>
-              <a:t>ive me 1000$ &gt; Give bill gate 1000$</a:t>
+              <a:t>Take derivative of total run time w.r.t heap size split, optimize</a:t>
             </a:r>
             <a:endParaRPr/>
           </a:p>
@@ -7535,61 +7639,12 @@
                 <a:spcPts val="1200"/>
               </a:spcBef>
               <a:spcAft>
-                <a:spcPts val="0"/>
-              </a:spcAft>
-              <a:buNone/>
-            </a:pPr>
-            <a:r>
-              <a:rPr lang="en"/>
-              <a:t>time ~ 1/memory</a:t>
-            </a:r>
-            <a:endParaRPr/>
-          </a:p>
-          <a:p>
-            <a:pPr indent="0" lvl="0" marL="0" rtl="0" algn="l">
-              <a:spcBef>
                 <a:spcPts val="1200"/>
-              </a:spcBef>
-              <a:spcAft>
-                <a:spcPts val="0"/>
-              </a:spcAft>
-              <a:buNone/>
-            </a:pPr>
-            <a:r>
-              <a:rPr lang="en"/>
-              <a:t>So - instead of a proportional rule, a square root rule is used</a:t>
-            </a:r>
-            <a:endParaRPr/>
-          </a:p>
-          <a:p>
-            <a:pPr indent="0" lvl="0" marL="0" rtl="0" algn="l">
-              <a:spcBef>
-                <a:spcPts val="1200"/>
-              </a:spcBef>
-              <a:spcAft>
-                <a:spcPts val="0"/>
-              </a:spcAft>
-              <a:buNone/>
-            </a:pPr>
-            <a:r>
-              <a:rPr lang="en"/>
-              <a:t>Compare to baseline - take memory from big heap, give to small heap</a:t>
-            </a:r>
-            <a:endParaRPr/>
-          </a:p>
-          <a:p>
-            <a:pPr indent="0" lvl="0" marL="0" rtl="0" algn="l">
-              <a:spcBef>
-                <a:spcPts val="1200"/>
-              </a:spcBef>
-              <a:spcAft>
-                <a:spcPts val="1200"/>
-              </a:spcAft>
-              <a:buNone/>
-            </a:pPr>
-            <a:r>
-              <a:rPr lang="en"/>
-              <a:t>Just like robinhood!</a:t>
+              </a:spcAft>
+              <a:buNone/>
+            </a:pPr>
+            <a:r>
+              <a:t/>
             </a:r>
             <a:endParaRPr/>
           </a:p>
@@ -7654,68 +7709,156 @@
             </a:pPr>
             <a:r>
               <a:rPr lang="en"/>
-              <a:t>How it look for jetstream</a:t>
+              <a:t>The squareroot rule</a:t>
             </a:r>
             <a:endParaRPr/>
           </a:p>
         </p:txBody>
       </p:sp>
-      <p:pic>
-        <p:nvPicPr>
+      <p:sp>
+        <p:nvSpPr>
           <p:cNvPr id="126" name="Google Shape;126;p24"/>
-          <p:cNvPicPr preferRelativeResize="0"/>
-          <p:nvPr/>
-        </p:nvPicPr>
-        <p:blipFill>
-          <a:blip r:embed="rId3">
-            <a:alphaModFix/>
-          </a:blip>
-          <a:stretch>
-            <a:fillRect/>
-          </a:stretch>
-        </p:blipFill>
-        <p:spPr>
-          <a:xfrm>
-            <a:off x="311700" y="1677063"/>
-            <a:ext cx="4260300" cy="3174337"/>
+          <p:cNvSpPr txBox="1"/>
+          <p:nvPr>
+            <p:ph idx="1" type="body"/>
+          </p:nvPr>
+        </p:nvSpPr>
+        <p:spPr>
+          <a:xfrm>
+            <a:off x="311700" y="1152475"/>
+            <a:ext cx="8520600" cy="3416400"/>
           </a:xfrm>
           <a:prstGeom prst="rect">
             <a:avLst/>
           </a:prstGeom>
-          <a:noFill/>
-          <a:ln>
-            <a:noFill/>
-          </a:ln>
-        </p:spPr>
-      </p:pic>
-      <p:pic>
-        <p:nvPicPr>
-          <p:cNvPr id="127" name="Google Shape;127;p24"/>
-          <p:cNvPicPr preferRelativeResize="0"/>
-          <p:nvPr/>
-        </p:nvPicPr>
-        <p:blipFill>
-          <a:blip r:embed="rId4">
-            <a:alphaModFix/>
-          </a:blip>
-          <a:stretch>
-            <a:fillRect/>
-          </a:stretch>
-        </p:blipFill>
-        <p:spPr>
-          <a:xfrm>
-            <a:off x="4572000" y="1677063"/>
-            <a:ext cx="4260300" cy="3174337"/>
-          </a:xfrm>
-          <a:prstGeom prst="rect">
-            <a:avLst/>
-          </a:prstGeom>
-          <a:noFill/>
-          <a:ln>
-            <a:noFill/>
-          </a:ln>
-        </p:spPr>
-      </p:pic>
+        </p:spPr>
+        <p:txBody>
+          <a:bodyPr anchorCtr="0" anchor="t" bIns="91425" lIns="91425" spcFirstLastPara="1" rIns="91425" wrap="square" tIns="91425">
+            <a:normAutofit/>
+          </a:bodyPr>
+          <a:lstStyle/>
+          <a:p>
+            <a:pPr indent="0" lvl="0" marL="0" rtl="0" algn="l">
+              <a:spcBef>
+                <a:spcPts val="0"/>
+              </a:spcBef>
+              <a:spcAft>
+                <a:spcPts val="0"/>
+              </a:spcAft>
+              <a:buNone/>
+            </a:pPr>
+            <a:r>
+              <a:rPr lang="en"/>
+              <a:t>Result: Memory should be </a:t>
+            </a:r>
+            <a:r>
+              <a:rPr b="1" lang="en"/>
+              <a:t>W + Sqrt(W)</a:t>
+            </a:r>
+            <a:endParaRPr b="1"/>
+          </a:p>
+          <a:p>
+            <a:pPr indent="0" lvl="0" marL="0" rtl="0" algn="l">
+              <a:spcBef>
+                <a:spcPts val="1200"/>
+              </a:spcBef>
+              <a:spcAft>
+                <a:spcPts val="0"/>
+              </a:spcAft>
+              <a:buNone/>
+            </a:pPr>
+            <a:r>
+              <a:rPr lang="en"/>
+              <a:t>Giving 1MB to big heap &lt; 1MB to small heap</a:t>
+            </a:r>
+            <a:endParaRPr/>
+          </a:p>
+          <a:p>
+            <a:pPr indent="0" lvl="0" marL="0" rtl="0" algn="l">
+              <a:spcBef>
+                <a:spcPts val="1200"/>
+              </a:spcBef>
+              <a:spcAft>
+                <a:spcPts val="0"/>
+              </a:spcAft>
+              <a:buNone/>
+            </a:pPr>
+            <a:r>
+              <a:rPr lang="en"/>
+              <a:t>G</a:t>
+            </a:r>
+            <a:r>
+              <a:rPr lang="en"/>
+              <a:t>ive me 1000$ &gt; Give bill gate 1000$</a:t>
+            </a:r>
+            <a:endParaRPr/>
+          </a:p>
+          <a:p>
+            <a:pPr indent="0" lvl="0" marL="0" rtl="0" algn="l">
+              <a:spcBef>
+                <a:spcPts val="1200"/>
+              </a:spcBef>
+              <a:spcAft>
+                <a:spcPts val="0"/>
+              </a:spcAft>
+              <a:buNone/>
+            </a:pPr>
+            <a:r>
+              <a:rPr lang="en"/>
+              <a:t>time ~ 1/memory</a:t>
+            </a:r>
+            <a:endParaRPr/>
+          </a:p>
+          <a:p>
+            <a:pPr indent="0" lvl="0" marL="0" rtl="0" algn="l">
+              <a:spcBef>
+                <a:spcPts val="1200"/>
+              </a:spcBef>
+              <a:spcAft>
+                <a:spcPts val="0"/>
+              </a:spcAft>
+              <a:buNone/>
+            </a:pPr>
+            <a:r>
+              <a:rPr lang="en"/>
+              <a:t>So - instead of a proportional rule, a square root rule is used</a:t>
+            </a:r>
+            <a:endParaRPr/>
+          </a:p>
+          <a:p>
+            <a:pPr indent="0" lvl="0" marL="0" rtl="0" algn="l">
+              <a:spcBef>
+                <a:spcPts val="1200"/>
+              </a:spcBef>
+              <a:spcAft>
+                <a:spcPts val="0"/>
+              </a:spcAft>
+              <a:buNone/>
+            </a:pPr>
+            <a:r>
+              <a:rPr lang="en"/>
+              <a:t>Compare to baseline - take memory from big heap, give to small heap</a:t>
+            </a:r>
+            <a:endParaRPr/>
+          </a:p>
+          <a:p>
+            <a:pPr indent="0" lvl="0" marL="0" rtl="0" algn="l">
+              <a:spcBef>
+                <a:spcPts val="1200"/>
+              </a:spcBef>
+              <a:spcAft>
+                <a:spcPts val="1200"/>
+              </a:spcAft>
+              <a:buNone/>
+            </a:pPr>
+            <a:r>
+              <a:rPr lang="en"/>
+              <a:t>Just like robinhood!</a:t>
+            </a:r>
+            <a:endParaRPr/>
+          </a:p>
+        </p:txBody>
+      </p:sp>
     </p:spTree>
   </p:cSld>
   <p:clrMapOvr>
@@ -7729,7 +7872,7 @@
   <p:cSld>
     <p:spTree>
       <p:nvGrpSpPr>
-        <p:cNvPr id="131" name="Shape 131"/>
+        <p:cNvPr id="130" name="Shape 130"/>
         <p:cNvGrpSpPr/>
         <p:nvPr/>
       </p:nvGrpSpPr>
@@ -7743,7 +7886,7 @@
       </p:grpSpPr>
       <p:sp>
         <p:nvSpPr>
-          <p:cNvPr id="132" name="Google Shape;132;p25"/>
+          <p:cNvPr id="131" name="Google Shape;131;p25"/>
           <p:cNvSpPr txBox="1"/>
           <p:nvPr>
             <p:ph type="title"/>
@@ -7775,156 +7918,68 @@
             </a:pPr>
             <a:r>
               <a:rPr lang="en"/>
-              <a:t>W + Sqrt(Wg/cs)</a:t>
+              <a:t>How it look for jetstream</a:t>
             </a:r>
             <a:endParaRPr/>
           </a:p>
         </p:txBody>
       </p:sp>
-      <p:sp>
-        <p:nvSpPr>
-          <p:cNvPr id="133" name="Google Shape;133;p25"/>
-          <p:cNvSpPr txBox="1"/>
-          <p:nvPr>
-            <p:ph idx="1" type="body"/>
-          </p:nvPr>
-        </p:nvSpPr>
-        <p:spPr>
-          <a:xfrm>
-            <a:off x="311700" y="1152475"/>
-            <a:ext cx="8520600" cy="3416400"/>
+      <p:pic>
+        <p:nvPicPr>
+          <p:cNvPr id="132" name="Google Shape;132;p25"/>
+          <p:cNvPicPr preferRelativeResize="0"/>
+          <p:nvPr/>
+        </p:nvPicPr>
+        <p:blipFill>
+          <a:blip r:embed="rId3">
+            <a:alphaModFix/>
+          </a:blip>
+          <a:stretch>
+            <a:fillRect/>
+          </a:stretch>
+        </p:blipFill>
+        <p:spPr>
+          <a:xfrm>
+            <a:off x="311700" y="1677063"/>
+            <a:ext cx="4260300" cy="3174337"/>
           </a:xfrm>
           <a:prstGeom prst="rect">
             <a:avLst/>
           </a:prstGeom>
-        </p:spPr>
-        <p:txBody>
-          <a:bodyPr anchorCtr="0" anchor="t" bIns="91425" lIns="91425" spcFirstLastPara="1" rIns="91425" wrap="square" tIns="91425">
-            <a:normAutofit/>
-          </a:bodyPr>
-          <a:lstStyle/>
-          <a:p>
-            <a:pPr indent="0" lvl="0" marL="0" rtl="0" algn="l">
-              <a:spcBef>
-                <a:spcPts val="0"/>
-              </a:spcBef>
-              <a:spcAft>
-                <a:spcPts val="0"/>
-              </a:spcAft>
-              <a:buNone/>
-            </a:pPr>
-            <a:r>
-              <a:rPr lang="en"/>
-              <a:t>More measurement improve the result</a:t>
-            </a:r>
-            <a:endParaRPr/>
-          </a:p>
-          <a:p>
-            <a:pPr indent="0" lvl="0" marL="0" rtl="0" algn="l">
-              <a:spcBef>
-                <a:spcPts val="1200"/>
-              </a:spcBef>
-              <a:spcAft>
-                <a:spcPts val="0"/>
-              </a:spcAft>
-              <a:buClr>
-                <a:schemeClr val="dk1"/>
-              </a:buClr>
-              <a:buSzPts val="1100"/>
-              <a:buFont typeface="Arial"/>
-              <a:buNone/>
-            </a:pPr>
-            <a:r>
-              <a:rPr lang="en"/>
-              <a:t>Enrich our mathematical model</a:t>
-            </a:r>
-            <a:endParaRPr/>
-          </a:p>
-          <a:p>
-            <a:pPr indent="0" lvl="0" marL="0" rtl="0" algn="l">
-              <a:spcBef>
-                <a:spcPts val="1200"/>
-              </a:spcBef>
-              <a:spcAft>
-                <a:spcPts val="0"/>
-              </a:spcAft>
-              <a:buNone/>
-            </a:pPr>
-            <a:r>
-              <a:rPr lang="en"/>
-              <a:t>More Extra Memory when:</a:t>
-            </a:r>
-            <a:endParaRPr/>
-          </a:p>
-          <a:p>
-            <a:pPr indent="-342900" lvl="0" marL="457200" rtl="0" algn="l">
-              <a:spcBef>
-                <a:spcPts val="1200"/>
-              </a:spcBef>
-              <a:spcAft>
-                <a:spcPts val="0"/>
-              </a:spcAft>
-              <a:buSzPts val="1800"/>
-              <a:buChar char="-"/>
-            </a:pPr>
-            <a:r>
-              <a:rPr lang="en"/>
-              <a:t>More working memory (W)</a:t>
-            </a:r>
-            <a:endParaRPr/>
-          </a:p>
-          <a:p>
-            <a:pPr indent="-342900" lvl="0" marL="457200" rtl="0" algn="l">
-              <a:spcBef>
-                <a:spcPts val="0"/>
-              </a:spcBef>
-              <a:spcAft>
-                <a:spcPts val="0"/>
-              </a:spcAft>
-              <a:buSzPts val="1800"/>
-              <a:buChar char="-"/>
-            </a:pPr>
-            <a:r>
-              <a:rPr lang="en"/>
-              <a:t>Allocate faster (g)</a:t>
-            </a:r>
-            <a:endParaRPr/>
-          </a:p>
-          <a:p>
-            <a:pPr indent="-342900" lvl="0" marL="457200" rtl="0" algn="l">
-              <a:spcBef>
-                <a:spcPts val="0"/>
-              </a:spcBef>
-              <a:spcAft>
-                <a:spcPts val="0"/>
-              </a:spcAft>
-              <a:buSzPts val="1800"/>
-              <a:buChar char="-"/>
-            </a:pPr>
-            <a:r>
-              <a:rPr lang="en"/>
-              <a:t>GC slower (s)</a:t>
-            </a:r>
-            <a:endParaRPr/>
-          </a:p>
-          <a:p>
-            <a:pPr indent="0" lvl="0" marL="0" rtl="0" algn="l">
-              <a:spcBef>
-                <a:spcPts val="1200"/>
-              </a:spcBef>
-              <a:spcAft>
-                <a:spcPts val="1200"/>
-              </a:spcAft>
-              <a:buNone/>
-            </a:pPr>
-            <a:r>
-              <a:rPr lang="en"/>
-              <a:t>With a tunable parameter c</a:t>
-            </a:r>
-            <a:endParaRPr/>
-          </a:p>
-        </p:txBody>
-      </p:sp>
+          <a:noFill/>
+          <a:ln>
+            <a:noFill/>
+          </a:ln>
+        </p:spPr>
+      </p:pic>
+      <p:pic>
+        <p:nvPicPr>
+          <p:cNvPr id="133" name="Google Shape;133;p25"/>
+          <p:cNvPicPr preferRelativeResize="0"/>
+          <p:nvPr/>
+        </p:nvPicPr>
+        <p:blipFill>
+          <a:blip r:embed="rId4">
+            <a:alphaModFix/>
+          </a:blip>
+          <a:stretch>
+            <a:fillRect/>
+          </a:stretch>
+        </p:blipFill>
+        <p:spPr>
+          <a:xfrm>
+            <a:off x="4572000" y="1677063"/>
+            <a:ext cx="4260300" cy="3174337"/>
+          </a:xfrm>
+          <a:prstGeom prst="rect">
+            <a:avLst/>
+          </a:prstGeom>
+          <a:noFill/>
+          <a:ln>
+            <a:noFill/>
+          </a:ln>
+        </p:spPr>
+      </p:pic>
     </p:spTree>
   </p:cSld>
   <p:clrMapOvr>
@@ -7984,11 +8039,7 @@
             </a:pPr>
             <a:r>
               <a:rPr lang="en"/>
-              <a:t>Flexible: </a:t>
-            </a:r>
-            <a:r>
-              <a:rPr lang="en"/>
-              <a:t>Tunable parameter c</a:t>
+              <a:t>W + Sqrt(Wg/cs)</a:t>
             </a:r>
             <a:endParaRPr/>
           </a:p>
@@ -8028,7 +8079,7 @@
             </a:pPr>
             <a:r>
               <a:rPr lang="en"/>
-              <a:t>Represent the exchange rate between space and time</a:t>
+              <a:t>More measurement improve the result</a:t>
             </a:r>
             <a:endParaRPr/>
           </a:p>
@@ -8040,11 +8091,16 @@
               <a:spcAft>
                 <a:spcPts val="0"/>
               </a:spcAft>
+              <a:buClr>
+                <a:schemeClr val="dk1"/>
+              </a:buClr>
+              <a:buSzPts val="1100"/>
+              <a:buFont typeface="Arial"/>
               <a:buNone/>
             </a:pPr>
             <a:r>
               <a:rPr lang="en"/>
-              <a:t>W + Sqrt(Wg/cs): Higher c = less memory</a:t>
+              <a:t>Enrich our mathematical model</a:t>
             </a:r>
             <a:endParaRPr/>
           </a:p>
@@ -8060,27 +8116,7 @@
             </a:pPr>
             <a:r>
               <a:rPr lang="en"/>
-              <a:t>API </a:t>
-            </a:r>
-            <a:r>
-              <a:rPr lang="en"/>
-              <a:t>for our model! Tune it to reflect practical concern!</a:t>
-            </a:r>
-            <a:endParaRPr/>
-          </a:p>
-          <a:p>
-            <a:pPr indent="0" lvl="0" marL="0" rtl="0" algn="l">
-              <a:spcBef>
-                <a:spcPts val="1200"/>
-              </a:spcBef>
-              <a:spcAft>
-                <a:spcPts val="0"/>
-              </a:spcAft>
-              <a:buNone/>
-            </a:pPr>
-            <a:r>
-              <a:rPr lang="en"/>
-              <a:t>Higher c for e.g.:</a:t>
+              <a:t>More Extra Memory when:</a:t>
             </a:r>
             <a:endParaRPr/>
           </a:p>
@@ -8097,7 +8133,7 @@
             </a:pPr>
             <a:r>
               <a:rPr lang="en"/>
-              <a:t>Background tab</a:t>
+              <a:t>More working memory (W)</a:t>
             </a:r>
             <a:endParaRPr/>
           </a:p>
@@ -8114,7 +8150,7 @@
             </a:pPr>
             <a:r>
               <a:rPr lang="en"/>
-              <a:t>Phone</a:t>
+              <a:t>Allocate faster (g)</a:t>
             </a:r>
             <a:endParaRPr/>
           </a:p>
@@ -8131,7 +8167,23 @@
             </a:pPr>
             <a:r>
               <a:rPr lang="en"/>
-              <a:t>Outdated Hardware</a:t>
+              <a:t>GC slower (s)</a:t>
+            </a:r>
+            <a:endParaRPr/>
+          </a:p>
+          <a:p>
+            <a:pPr indent="0" lvl="0" marL="0" rtl="0" algn="l">
+              <a:spcBef>
+                <a:spcPts val="1200"/>
+              </a:spcBef>
+              <a:spcAft>
+                <a:spcPts val="1200"/>
+              </a:spcAft>
+              <a:buNone/>
+            </a:pPr>
+            <a:r>
+              <a:rPr lang="en"/>
+              <a:t>With a tunable parameter c</a:t>
             </a:r>
             <a:endParaRPr/>
           </a:p>
@@ -8196,7 +8248,11 @@
             </a:pPr>
             <a:r>
               <a:rPr lang="en"/>
-              <a:t>Potential Implementation in v8</a:t>
+              <a:t>Flexible: </a:t>
+            </a:r>
+            <a:r>
+              <a:rPr lang="en"/>
+              <a:t>Tunable parameter c</a:t>
             </a:r>
             <a:endParaRPr/>
           </a:p>
@@ -8236,7 +8292,7 @@
             </a:pPr>
             <a:r>
               <a:rPr lang="en"/>
-              <a:t>Per heap variable: w(working memory), g(allocation rate), s(gc speed)</a:t>
+              <a:t>Represent the exchange rate between space and time</a:t>
             </a:r>
             <a:endParaRPr/>
           </a:p>
@@ -8252,7 +8308,7 @@
             </a:pPr>
             <a:r>
               <a:rPr lang="en"/>
-              <a:t>On CollectGarbage(): update w, g, s at gc</a:t>
+              <a:t>W + Sqrt(Wg/cs): Higher c = less memory</a:t>
             </a:r>
             <a:endParaRPr/>
           </a:p>
@@ -8268,7 +8324,11 @@
             </a:pPr>
             <a:r>
               <a:rPr lang="en"/>
-              <a:t>Heartbeat thread: update g every second</a:t>
+              <a:t>API </a:t>
+            </a:r>
+            <a:r>
+              <a:rPr lang="en"/>
+              <a:t>for our model! Tune it to reflect practical concern!</a:t>
             </a:r>
             <a:endParaRPr/>
           </a:p>
@@ -8284,38 +8344,58 @@
             </a:pPr>
             <a:r>
               <a:rPr lang="en"/>
-              <a:t>w g s are atomic variable, cheap and safe!</a:t>
-            </a:r>
-            <a:endParaRPr/>
-          </a:p>
-          <a:p>
-            <a:pPr indent="0" lvl="0" marL="0" rtl="0" algn="l">
+              <a:t>Higher c for e.g.:</a:t>
+            </a:r>
+            <a:endParaRPr/>
+          </a:p>
+          <a:p>
+            <a:pPr indent="-342900" lvl="0" marL="457200" rtl="0" algn="l">
               <a:spcBef>
                 <a:spcPts val="1200"/>
               </a:spcBef>
               <a:spcAft>
                 <a:spcPts val="0"/>
               </a:spcAft>
-              <a:buNone/>
+              <a:buSzPts val="1800"/>
+              <a:buChar char="-"/>
             </a:pPr>
             <a:r>
               <a:rPr lang="en"/>
-              <a:t>When w, g, or s is updated: also update heap limit. </a:t>
-            </a:r>
-            <a:endParaRPr/>
-          </a:p>
-          <a:p>
-            <a:pPr indent="0" lvl="0" marL="0" rtl="0" algn="l">
-              <a:spcBef>
-                <a:spcPts val="1200"/>
-              </a:spcBef>
-              <a:spcAft>
-                <a:spcPts val="1200"/>
-              </a:spcAft>
-              <a:buNone/>
-            </a:pPr>
-            <a:r>
-              <a:t/>
+              <a:t>Background tab</a:t>
+            </a:r>
+            <a:endParaRPr/>
+          </a:p>
+          <a:p>
+            <a:pPr indent="-342900" lvl="0" marL="457200" rtl="0" algn="l">
+              <a:spcBef>
+                <a:spcPts val="0"/>
+              </a:spcBef>
+              <a:spcAft>
+                <a:spcPts val="0"/>
+              </a:spcAft>
+              <a:buSzPts val="1800"/>
+              <a:buChar char="-"/>
+            </a:pPr>
+            <a:r>
+              <a:rPr lang="en"/>
+              <a:t>Phone</a:t>
+            </a:r>
+            <a:endParaRPr/>
+          </a:p>
+          <a:p>
+            <a:pPr indent="-342900" lvl="0" marL="457200" rtl="0" algn="l">
+              <a:spcBef>
+                <a:spcPts val="0"/>
+              </a:spcBef>
+              <a:spcAft>
+                <a:spcPts val="0"/>
+              </a:spcAft>
+              <a:buSzPts val="1800"/>
+              <a:buChar char="-"/>
+            </a:pPr>
+            <a:r>
+              <a:rPr lang="en"/>
+              <a:t>Outdated Hardware</a:t>
             </a:r>
             <a:endParaRPr/>
           </a:p>
@@ -8420,7 +8500,7 @@
             </a:pPr>
             <a:r>
               <a:rPr lang="en"/>
-              <a:t>When heap limit drop beyond current limit, schedule a gc</a:t>
+              <a:t>Per heap variable: w(working memory), g(allocation rate), s(gc speed)</a:t>
             </a:r>
             <a:endParaRPr/>
           </a:p>
@@ -8436,11 +8516,23 @@
             </a:pPr>
             <a:r>
               <a:rPr lang="en"/>
-              <a:t>Heap limit may decrease </a:t>
-            </a:r>
+              <a:t>On CollectGarbage(): update w, g, s at gc</a:t>
+            </a:r>
+            <a:endParaRPr/>
+          </a:p>
+          <a:p>
+            <a:pPr indent="0" lvl="0" marL="0" rtl="0" algn="l">
+              <a:spcBef>
+                <a:spcPts val="1200"/>
+              </a:spcBef>
+              <a:spcAft>
+                <a:spcPts val="0"/>
+              </a:spcAft>
+              <a:buNone/>
+            </a:pPr>
             <a:r>
               <a:rPr lang="en"/>
-              <a:t>outside of gc, caused by heartbeat thread</a:t>
+              <a:t>Heartbeat thread: update g every second</a:t>
             </a:r>
             <a:endParaRPr/>
           </a:p>
@@ -8456,7 +8548,7 @@
             </a:pPr>
             <a:r>
               <a:rPr lang="en"/>
-              <a:t>Major example: idleness</a:t>
+              <a:t>w g s are atomic variable, cheap and safe!</a:t>
             </a:r>
             <a:endParaRPr/>
           </a:p>
@@ -8466,13 +8558,28 @@
                 <a:spcPts val="1200"/>
               </a:spcBef>
               <a:spcAft>
+                <a:spcPts val="0"/>
+              </a:spcAft>
+              <a:buNone/>
+            </a:pPr>
+            <a:r>
+              <a:rPr lang="en"/>
+              <a:t>When w, g, or s is updated: also update heap limit. </a:t>
+            </a:r>
+            <a:endParaRPr/>
+          </a:p>
+          <a:p>
+            <a:pPr indent="0" lvl="0" marL="0" rtl="0" algn="l">
+              <a:spcBef>
                 <a:spcPts val="1200"/>
-              </a:spcAft>
-              <a:buNone/>
-            </a:pPr>
-            <a:r>
-              <a:rPr lang="en"/>
-              <a:t>Replace idle time gc memory reducer in a coherent framework</a:t>
+              </a:spcBef>
+              <a:spcAft>
+                <a:spcPts val="1200"/>
+              </a:spcAft>
+              <a:buNone/>
+            </a:pPr>
+            <a:r>
+              <a:t/>
             </a:r>
             <a:endParaRPr/>
           </a:p>
@@ -8537,7 +8644,7 @@
             </a:pPr>
             <a:r>
               <a:rPr lang="en"/>
-              <a:t>Result</a:t>
+              <a:t>Potential Implementation in v8</a:t>
             </a:r>
             <a:endParaRPr/>
           </a:p>
@@ -8577,7 +8684,7 @@
             </a:pPr>
             <a:r>
               <a:rPr lang="en"/>
-              <a:t>Turned off MPN, Memory Reducer, MemCap, the default rule, for MemBalancer</a:t>
+              <a:t>When heap limit drop beyond current heap size, schedule a gc</a:t>
             </a:r>
             <a:endParaRPr/>
           </a:p>
@@ -8587,74 +8694,54 @@
                 <a:spcPts val="1200"/>
               </a:spcBef>
               <a:spcAft>
+                <a:spcPts val="0"/>
+              </a:spcAft>
+              <a:buNone/>
+            </a:pPr>
+            <a:r>
+              <a:rPr lang="en"/>
+              <a:t>Heap limit may decrease </a:t>
+            </a:r>
+            <a:r>
+              <a:rPr lang="en"/>
+              <a:t>outside of gc, caused by heartbeat thread</a:t>
+            </a:r>
+            <a:endParaRPr/>
+          </a:p>
+          <a:p>
+            <a:pPr indent="0" lvl="0" marL="0" rtl="0" algn="l">
+              <a:spcBef>
                 <a:spcPts val="1200"/>
+              </a:spcBef>
+              <a:spcAft>
+                <a:spcPts val="0"/>
               </a:spcAft>
               <a:buNone/>
             </a:pPr>
             <a:r>
               <a:rPr lang="en"/>
-              <a:t>Also cleaner - removed a bunch of heuristic from v8</a:t>
+              <a:t>Major example: idleness</a:t>
+            </a:r>
+            <a:endParaRPr/>
+          </a:p>
+          <a:p>
+            <a:pPr indent="0" lvl="0" marL="0" rtl="0" algn="l">
+              <a:spcBef>
+                <a:spcPts val="1200"/>
+              </a:spcBef>
+              <a:spcAft>
+                <a:spcPts val="1200"/>
+              </a:spcAft>
+              <a:buNone/>
+            </a:pPr>
+            <a:r>
+              <a:rPr lang="en"/>
+              <a:t>Replace idle time gc memory reducer in a coherent framework</a:t>
             </a:r>
             <a:endParaRPr/>
           </a:p>
         </p:txBody>
       </p:sp>
-      <p:pic>
-        <p:nvPicPr>
-          <p:cNvPr id="158" name="Google Shape;158;p29"/>
-          <p:cNvPicPr preferRelativeResize="0"/>
-          <p:nvPr/>
-        </p:nvPicPr>
-        <p:blipFill>
-          <a:blip r:embed="rId3">
-            <a:alphaModFix/>
-          </a:blip>
-          <a:stretch>
-            <a:fillRect/>
-          </a:stretch>
-        </p:blipFill>
-        <p:spPr>
-          <a:xfrm>
-            <a:off x="311700" y="1964525"/>
-            <a:ext cx="3506075" cy="2604350"/>
-          </a:xfrm>
-          <a:prstGeom prst="rect">
-            <a:avLst/>
-          </a:prstGeom>
-          <a:noFill/>
-          <a:ln>
-            <a:noFill/>
-          </a:ln>
-        </p:spPr>
-      </p:pic>
-      <p:pic>
-        <p:nvPicPr>
-          <p:cNvPr id="159" name="Google Shape;159;p29"/>
-          <p:cNvPicPr preferRelativeResize="0"/>
-          <p:nvPr/>
-        </p:nvPicPr>
-        <p:blipFill>
-          <a:blip r:embed="rId4">
-            <a:alphaModFix/>
-          </a:blip>
-          <a:stretch>
-            <a:fillRect/>
-          </a:stretch>
-        </p:blipFill>
-        <p:spPr>
-          <a:xfrm>
-            <a:off x="5408174" y="1964521"/>
-            <a:ext cx="3424121" cy="2604350"/>
-          </a:xfrm>
-          <a:prstGeom prst="rect">
-            <a:avLst/>
-          </a:prstGeom>
-          <a:noFill/>
-          <a:ln>
-            <a:noFill/>
-          </a:ln>
-        </p:spPr>
-      </p:pic>
     </p:spTree>
   </p:cSld>
   <p:clrMapOvr>
@@ -8668,7 +8755,7 @@
   <p:cSld>
     <p:spTree>
       <p:nvGrpSpPr>
-        <p:cNvPr id="163" name="Shape 163"/>
+        <p:cNvPr id="161" name="Shape 161"/>
         <p:cNvGrpSpPr/>
         <p:nvPr/>
       </p:nvGrpSpPr>
@@ -8682,7 +8769,7 @@
       </p:grpSpPr>
       <p:sp>
         <p:nvSpPr>
-          <p:cNvPr id="164" name="Google Shape;164;p30"/>
+          <p:cNvPr id="162" name="Google Shape;162;p30"/>
           <p:cNvSpPr txBox="1"/>
           <p:nvPr>
             <p:ph type="title"/>
@@ -8714,7 +8801,7 @@
             </a:pPr>
             <a:r>
               <a:rPr lang="en"/>
-              <a:t>Q</a:t>
+              <a:t>Result</a:t>
             </a:r>
             <a:endParaRPr/>
           </a:p>
@@ -8722,7 +8809,7 @@
       </p:sp>
       <p:sp>
         <p:nvSpPr>
-          <p:cNvPr id="165" name="Google Shape;165;p30"/>
+          <p:cNvPr id="163" name="Google Shape;163;p30"/>
           <p:cNvSpPr txBox="1"/>
           <p:nvPr>
             <p:ph idx="1" type="body"/>
@@ -8754,6 +8841,199 @@
             </a:pPr>
             <a:r>
               <a:rPr lang="en"/>
+              <a:t>Turned off MPN, Memory Reducer, MemCap, the default rule, for MemBalancer</a:t>
+            </a:r>
+            <a:endParaRPr/>
+          </a:p>
+          <a:p>
+            <a:pPr indent="0" lvl="0" marL="0" rtl="0" algn="l">
+              <a:spcBef>
+                <a:spcPts val="1200"/>
+              </a:spcBef>
+              <a:spcAft>
+                <a:spcPts val="0"/>
+              </a:spcAft>
+              <a:buNone/>
+            </a:pPr>
+            <a:r>
+              <a:rPr lang="en"/>
+              <a:t>Also cleaner - removed a bunch of heuristic from v8</a:t>
+            </a:r>
+            <a:endParaRPr/>
+          </a:p>
+          <a:p>
+            <a:pPr indent="0" lvl="0" marL="0" rtl="0" algn="l">
+              <a:spcBef>
+                <a:spcPts val="1200"/>
+              </a:spcBef>
+              <a:spcAft>
+                <a:spcPts val="1200"/>
+              </a:spcAft>
+              <a:buNone/>
+            </a:pPr>
+            <a:r>
+              <a:rPr lang="en"/>
+              <a:t>Save ~15% memory on real web page!</a:t>
+            </a:r>
+            <a:endParaRPr/>
+          </a:p>
+        </p:txBody>
+      </p:sp>
+      <p:pic>
+        <p:nvPicPr>
+          <p:cNvPr id="164" name="Google Shape;164;p30"/>
+          <p:cNvPicPr preferRelativeResize="0"/>
+          <p:nvPr/>
+        </p:nvPicPr>
+        <p:blipFill>
+          <a:blip r:embed="rId3">
+            <a:alphaModFix/>
+          </a:blip>
+          <a:stretch>
+            <a:fillRect/>
+          </a:stretch>
+        </p:blipFill>
+        <p:spPr>
+          <a:xfrm>
+            <a:off x="311700" y="2571750"/>
+            <a:ext cx="3506075" cy="2604350"/>
+          </a:xfrm>
+          <a:prstGeom prst="rect">
+            <a:avLst/>
+          </a:prstGeom>
+          <a:noFill/>
+          <a:ln>
+            <a:noFill/>
+          </a:ln>
+        </p:spPr>
+      </p:pic>
+      <p:pic>
+        <p:nvPicPr>
+          <p:cNvPr id="165" name="Google Shape;165;p30"/>
+          <p:cNvPicPr preferRelativeResize="0"/>
+          <p:nvPr/>
+        </p:nvPicPr>
+        <p:blipFill>
+          <a:blip r:embed="rId4">
+            <a:alphaModFix/>
+          </a:blip>
+          <a:stretch>
+            <a:fillRect/>
+          </a:stretch>
+        </p:blipFill>
+        <p:spPr>
+          <a:xfrm>
+            <a:off x="5502074" y="2571746"/>
+            <a:ext cx="3424121" cy="2604350"/>
+          </a:xfrm>
+          <a:prstGeom prst="rect">
+            <a:avLst/>
+          </a:prstGeom>
+          <a:noFill/>
+          <a:ln>
+            <a:noFill/>
+          </a:ln>
+        </p:spPr>
+      </p:pic>
+    </p:spTree>
+  </p:cSld>
+  <p:clrMapOvr>
+    <a:masterClrMapping/>
+  </p:clrMapOvr>
+</p:sld>
+</file>
+
+<file path=ppt/slides/slide19.xml><?xml version="1.0" encoding="utf-8"?>
+<p:sld xmlns:a="http://schemas.openxmlformats.org/drawingml/2006/main" xmlns:r="http://schemas.openxmlformats.org/officeDocument/2006/relationships" xmlns:mc="http://schemas.openxmlformats.org/markup-compatibility/2006" xmlns:mv="urn:schemas-microsoft-com:mac:vml" xmlns:p="http://schemas.openxmlformats.org/presentationml/2006/main" xmlns:c="http://schemas.openxmlformats.org/drawingml/2006/chart" xmlns:dgm="http://schemas.openxmlformats.org/drawingml/2006/diagram" xmlns:o="urn:schemas-microsoft-com:office:office" xmlns:v="urn:schemas-microsoft-com:vml" xmlns:pvml="urn:schemas-microsoft-com:office:powerpoint" xmlns:com="http://schemas.openxmlformats.org/drawingml/2006/compatibility" xmlns:p14="http://schemas.microsoft.com/office/powerpoint/2010/main" xmlns:p15="http://schemas.microsoft.com/office/powerpoint/2012/main" xmlns:ahyp="http://schemas.microsoft.com/office/drawing/2018/hyperlinkcolor">
+  <p:cSld>
+    <p:spTree>
+      <p:nvGrpSpPr>
+        <p:cNvPr id="169" name="Shape 169"/>
+        <p:cNvGrpSpPr/>
+        <p:nvPr/>
+      </p:nvGrpSpPr>
+      <p:grpSpPr>
+        <a:xfrm>
+          <a:off x="0" y="0"/>
+          <a:ext cx="0" cy="0"/>
+          <a:chOff x="0" y="0"/>
+          <a:chExt cx="0" cy="0"/>
+        </a:xfrm>
+      </p:grpSpPr>
+      <p:sp>
+        <p:nvSpPr>
+          <p:cNvPr id="170" name="Google Shape;170;p31"/>
+          <p:cNvSpPr txBox="1"/>
+          <p:nvPr>
+            <p:ph type="title"/>
+          </p:nvPr>
+        </p:nvSpPr>
+        <p:spPr>
+          <a:xfrm>
+            <a:off x="311700" y="445025"/>
+            <a:ext cx="8520600" cy="572700"/>
+          </a:xfrm>
+          <a:prstGeom prst="rect">
+            <a:avLst/>
+          </a:prstGeom>
+        </p:spPr>
+        <p:txBody>
+          <a:bodyPr anchorCtr="0" anchor="t" bIns="91425" lIns="91425" spcFirstLastPara="1" rIns="91425" wrap="square" tIns="91425">
+            <a:normAutofit fontScale="90000"/>
+          </a:bodyPr>
+          <a:lstStyle/>
+          <a:p>
+            <a:pPr indent="0" lvl="0" marL="0" rtl="0" algn="l">
+              <a:spcBef>
+                <a:spcPts val="0"/>
+              </a:spcBef>
+              <a:spcAft>
+                <a:spcPts val="0"/>
+              </a:spcAft>
+              <a:buNone/>
+            </a:pPr>
+            <a:r>
+              <a:rPr lang="en"/>
+              <a:t>Q</a:t>
+            </a:r>
+            <a:endParaRPr/>
+          </a:p>
+        </p:txBody>
+      </p:sp>
+      <p:sp>
+        <p:nvSpPr>
+          <p:cNvPr id="171" name="Google Shape;171;p31"/>
+          <p:cNvSpPr txBox="1"/>
+          <p:nvPr>
+            <p:ph idx="1" type="body"/>
+          </p:nvPr>
+        </p:nvSpPr>
+        <p:spPr>
+          <a:xfrm>
+            <a:off x="311700" y="1152475"/>
+            <a:ext cx="8520600" cy="3416400"/>
+          </a:xfrm>
+          <a:prstGeom prst="rect">
+            <a:avLst/>
+          </a:prstGeom>
+        </p:spPr>
+        <p:txBody>
+          <a:bodyPr anchorCtr="0" anchor="t" bIns="91425" lIns="91425" spcFirstLastPara="1" rIns="91425" wrap="square" tIns="91425">
+            <a:normAutofit/>
+          </a:bodyPr>
+          <a:lstStyle/>
+          <a:p>
+            <a:pPr indent="0" lvl="0" marL="0" rtl="0" algn="l">
+              <a:spcBef>
+                <a:spcPts val="0"/>
+              </a:spcBef>
+              <a:spcAft>
+                <a:spcPts val="0"/>
+              </a:spcAft>
+              <a:buNone/>
+            </a:pPr>
+            <a:r>
+              <a:rPr lang="en"/>
               <a:t>Chrome A/B Test?</a:t>
             </a:r>
             <a:endParaRPr/>
@@ -8787,6 +9067,22 @@
             <a:r>
               <a:rPr lang="en"/>
               <a:t>Concurrent GC?</a:t>
+            </a:r>
+            <a:endParaRPr/>
+          </a:p>
+          <a:p>
+            <a:pPr indent="0" lvl="0" marL="0" rtl="0" algn="l">
+              <a:spcBef>
+                <a:spcPts val="1200"/>
+              </a:spcBef>
+              <a:spcAft>
+                <a:spcPts val="0"/>
+              </a:spcAft>
+              <a:buNone/>
+            </a:pPr>
+            <a:r>
+              <a:rPr lang="en"/>
+              <a:t>Cross Component GC?</a:t>
             </a:r>
             <a:endParaRPr/>
           </a:p>
@@ -8832,133 +9128,62 @@
           <a:chExt cx="0" cy="0"/>
         </a:xfrm>
       </p:grpSpPr>
-      <p:sp>
-        <p:nvSpPr>
+      <p:pic>
+        <p:nvPicPr>
           <p:cNvPr id="60" name="Google Shape;60;p14"/>
-          <p:cNvSpPr txBox="1"/>
-          <p:nvPr>
-            <p:ph type="title"/>
-          </p:nvPr>
-        </p:nvSpPr>
-        <p:spPr>
-          <a:xfrm>
-            <a:off x="311700" y="445025"/>
-            <a:ext cx="8520600" cy="572700"/>
+          <p:cNvPicPr preferRelativeResize="0"/>
+          <p:nvPr/>
+        </p:nvPicPr>
+        <p:blipFill>
+          <a:blip r:embed="rId3">
+            <a:alphaModFix/>
+          </a:blip>
+          <a:stretch>
+            <a:fillRect/>
+          </a:stretch>
+        </p:blipFill>
+        <p:spPr>
+          <a:xfrm>
+            <a:off x="4305300" y="0"/>
+            <a:ext cx="4838701" cy="4838701"/>
           </a:xfrm>
           <a:prstGeom prst="rect">
             <a:avLst/>
           </a:prstGeom>
-        </p:spPr>
-        <p:txBody>
-          <a:bodyPr anchorCtr="0" anchor="t" bIns="91425" lIns="91425" spcFirstLastPara="1" rIns="91425" wrap="square" tIns="91425">
-            <a:normAutofit fontScale="90000"/>
-          </a:bodyPr>
-          <a:lstStyle/>
-          <a:p>
-            <a:pPr indent="0" lvl="0" marL="0" rtl="0" algn="l">
-              <a:spcBef>
-                <a:spcPts val="0"/>
-              </a:spcBef>
-              <a:spcAft>
-                <a:spcPts val="0"/>
-              </a:spcAft>
-              <a:buNone/>
-            </a:pPr>
-            <a:r>
-              <a:rPr lang="en"/>
-              <a:t>Lets reduce browser memory use!</a:t>
-            </a:r>
-            <a:endParaRPr/>
-          </a:p>
-        </p:txBody>
-      </p:sp>
-      <p:sp>
-        <p:nvSpPr>
+          <a:noFill/>
+          <a:ln>
+            <a:noFill/>
+          </a:ln>
+        </p:spPr>
+      </p:pic>
+      <p:pic>
+        <p:nvPicPr>
           <p:cNvPr id="61" name="Google Shape;61;p14"/>
-          <p:cNvSpPr txBox="1"/>
-          <p:nvPr>
-            <p:ph idx="1" type="body"/>
-          </p:nvPr>
-        </p:nvSpPr>
-        <p:spPr>
-          <a:xfrm>
-            <a:off x="311700" y="1152475"/>
-            <a:ext cx="8520600" cy="3416400"/>
+          <p:cNvPicPr preferRelativeResize="0"/>
+          <p:nvPr/>
+        </p:nvPicPr>
+        <p:blipFill>
+          <a:blip r:embed="rId4">
+            <a:alphaModFix/>
+          </a:blip>
+          <a:stretch>
+            <a:fillRect/>
+          </a:stretch>
+        </p:blipFill>
+        <p:spPr>
+          <a:xfrm>
+            <a:off x="0" y="0"/>
+            <a:ext cx="3973990" cy="4838700"/>
           </a:xfrm>
           <a:prstGeom prst="rect">
             <a:avLst/>
           </a:prstGeom>
-        </p:spPr>
-        <p:txBody>
-          <a:bodyPr anchorCtr="0" anchor="t" bIns="91425" lIns="91425" spcFirstLastPara="1" rIns="91425" wrap="square" tIns="91425">
-            <a:normAutofit/>
-          </a:bodyPr>
-          <a:lstStyle/>
-          <a:p>
-            <a:pPr indent="0" lvl="0" marL="0" rtl="0" algn="l">
-              <a:spcBef>
-                <a:spcPts val="0"/>
-              </a:spcBef>
-              <a:spcAft>
-                <a:spcPts val="0"/>
-              </a:spcAft>
-              <a:buNone/>
-            </a:pPr>
-            <a:r>
-              <a:rPr lang="en"/>
-              <a:t>JS use a lot of memory in a web browser</a:t>
-            </a:r>
-            <a:endParaRPr/>
-          </a:p>
-          <a:p>
-            <a:pPr indent="0" lvl="0" marL="0" rtl="0" algn="l">
-              <a:spcBef>
-                <a:spcPts val="1200"/>
-              </a:spcBef>
-              <a:spcAft>
-                <a:spcPts val="0"/>
-              </a:spcAft>
-              <a:buNone/>
-            </a:pPr>
-            <a:r>
-              <a:rPr lang="en"/>
-              <a:t>How to make it use less memory?</a:t>
-            </a:r>
-            <a:endParaRPr/>
-          </a:p>
-          <a:p>
-            <a:pPr indent="0" lvl="0" marL="0" rtl="0" algn="l">
-              <a:spcBef>
-                <a:spcPts val="1200"/>
-              </a:spcBef>
-              <a:spcAft>
-                <a:spcPts val="0"/>
-              </a:spcAft>
-              <a:buNone/>
-            </a:pPr>
-            <a:r>
-              <a:rPr lang="en"/>
-              <a:t>Set a lower heap limit!</a:t>
-            </a:r>
-            <a:endParaRPr/>
-          </a:p>
-          <a:p>
-            <a:pPr indent="0" lvl="0" marL="0" rtl="0" algn="l">
-              <a:spcBef>
-                <a:spcPts val="1200"/>
-              </a:spcBef>
-              <a:spcAft>
-                <a:spcPts val="1200"/>
-              </a:spcAft>
-              <a:buNone/>
-            </a:pPr>
-            <a:r>
-              <a:t/>
-            </a:r>
-            <a:endParaRPr/>
-          </a:p>
-        </p:txBody>
-      </p:sp>
+          <a:noFill/>
+          <a:ln>
+            <a:noFill/>
+          </a:ln>
+        </p:spPr>
+      </p:pic>
     </p:spTree>
   </p:cSld>
   <p:clrMapOvr>
@@ -9018,7 +9243,7 @@
             </a:pPr>
             <a:r>
               <a:rPr lang="en"/>
-              <a:t>Lower heap limit</a:t>
+              <a:t>Lets reduce browser memory use!</a:t>
             </a:r>
             <a:endParaRPr/>
           </a:p>
@@ -9058,7 +9283,7 @@
             </a:pPr>
             <a:r>
               <a:rPr lang="en"/>
-              <a:t>Less memory usage, more cpu cost.</a:t>
+              <a:t>JS use a lot of memory in a web browser</a:t>
             </a:r>
             <a:endParaRPr/>
           </a:p>
@@ -9074,7 +9299,7 @@
             </a:pPr>
             <a:r>
               <a:rPr lang="en"/>
-              <a:t>The classical space time tradeoff.</a:t>
+              <a:t>How to make it use less memory?</a:t>
             </a:r>
             <a:endParaRPr/>
           </a:p>
@@ -9086,16 +9311,11 @@
               <a:spcAft>
                 <a:spcPts val="0"/>
               </a:spcAft>
-              <a:buClr>
-                <a:schemeClr val="dk1"/>
-              </a:buClr>
-              <a:buSzPts val="1100"/>
-              <a:buFont typeface="Arial"/>
               <a:buNone/>
             </a:pPr>
             <a:r>
               <a:rPr lang="en"/>
-              <a:t>How to pick the right limit?</a:t>
+              <a:t>Set a lower heap limit!</a:t>
             </a:r>
             <a:endParaRPr/>
           </a:p>
@@ -9175,7 +9395,7 @@
             </a:pPr>
             <a:r>
               <a:rPr lang="en"/>
-              <a:t>What is a right limit?</a:t>
+              <a:t>Lower heap limit</a:t>
             </a:r>
             <a:endParaRPr/>
           </a:p>
@@ -9215,75 +9435,44 @@
             </a:pPr>
             <a:r>
               <a:rPr lang="en"/>
-              <a:t>One abstract framework about tradeoff - pareto-optimality</a:t>
-            </a:r>
-            <a:endParaRPr/>
-          </a:p>
-          <a:p>
-            <a:pPr indent="-342900" lvl="0" marL="457200" rtl="0" algn="l">
+              <a:t>Less memory usage, more cpu cost.</a:t>
+            </a:r>
+            <a:endParaRPr/>
+          </a:p>
+          <a:p>
+            <a:pPr indent="0" lvl="0" marL="0" rtl="0" algn="l">
               <a:spcBef>
                 <a:spcPts val="1200"/>
               </a:spcBef>
               <a:spcAft>
                 <a:spcPts val="0"/>
               </a:spcAft>
-              <a:buSzPts val="1800"/>
-              <a:buChar char="-"/>
+              <a:buNone/>
             </a:pPr>
             <a:r>
               <a:rPr lang="en"/>
-              <a:t>If a vm use less space and less time than another, it is pareto-improvement</a:t>
-            </a:r>
-            <a:endParaRPr/>
-          </a:p>
-          <a:p>
-            <a:pPr indent="-342900" lvl="0" marL="457200" rtl="0" algn="l">
-              <a:spcBef>
-                <a:spcPts val="0"/>
-              </a:spcBef>
-              <a:spcAft>
-                <a:spcPts val="0"/>
-              </a:spcAft>
-              <a:buSzPts val="1800"/>
-              <a:buChar char="-"/>
+              <a:t>The classical space time tradeoff.</a:t>
+            </a:r>
+            <a:endParaRPr/>
+          </a:p>
+          <a:p>
+            <a:pPr indent="0" lvl="0" marL="0" rtl="0" algn="l">
+              <a:spcBef>
+                <a:spcPts val="1200"/>
+              </a:spcBef>
+              <a:spcAft>
+                <a:spcPts val="0"/>
+              </a:spcAft>
+              <a:buClr>
+                <a:schemeClr val="dk1"/>
+              </a:buClr>
+              <a:buSzPts val="1100"/>
+              <a:buFont typeface="Arial"/>
+              <a:buNone/>
             </a:pPr>
             <a:r>
               <a:rPr lang="en"/>
-              <a:t>If no pareto-improvement can be made for a vm, it is pareto-optimal</a:t>
-            </a:r>
-            <a:endParaRPr/>
-          </a:p>
-          <a:p>
-            <a:pPr indent="-342900" lvl="0" marL="457200" rtl="0" algn="l">
-              <a:spcBef>
-                <a:spcPts val="0"/>
-              </a:spcBef>
-              <a:spcAft>
-                <a:spcPts val="0"/>
-              </a:spcAft>
-              <a:buSzPts val="1800"/>
-              <a:buChar char="-"/>
-            </a:pPr>
-            <a:r>
-              <a:rPr lang="en"/>
-              <a:t>If a vm use more space and more time than another, not pareto-optimal</a:t>
-            </a:r>
-            <a:endParaRPr/>
-          </a:p>
-          <a:p>
-            <a:pPr indent="-342900" lvl="0" marL="457200" rtl="0" algn="l">
-              <a:spcBef>
-                <a:spcPts val="0"/>
-              </a:spcBef>
-              <a:spcAft>
-                <a:spcPts val="0"/>
-              </a:spcAft>
-              <a:buSzPts val="1800"/>
-              <a:buChar char="-"/>
-            </a:pPr>
-            <a:r>
-              <a:rPr lang="en"/>
-              <a:t>The set of all pareto optimal point - pareto frontier</a:t>
+              <a:t>How to pick the right limit?</a:t>
             </a:r>
             <a:endParaRPr/>
           </a:p>
@@ -9293,29 +9482,12 @@
                 <a:spcPts val="1200"/>
               </a:spcBef>
               <a:spcAft>
-                <a:spcPts val="0"/>
-              </a:spcAft>
-              <a:buNone/>
-            </a:pPr>
-            <a:r>
-              <a:rPr lang="en"/>
-              <a:t>Pareto optimality allow modeling other tradeoff as well</a:t>
-            </a:r>
-            <a:endParaRPr/>
-          </a:p>
-          <a:p>
-            <a:pPr indent="0" lvl="0" marL="0" rtl="0" algn="l">
-              <a:spcBef>
                 <a:spcPts val="1200"/>
-              </a:spcBef>
-              <a:spcAft>
-                <a:spcPts val="1200"/>
-              </a:spcAft>
-              <a:buNone/>
-            </a:pPr>
-            <a:r>
-              <a:rPr lang="en"/>
-              <a:t>e.g. latency vs throughput, idletime vs critical pause, energy saving…</a:t>
+              </a:spcAft>
+              <a:buNone/>
+            </a:pPr>
+            <a:r>
+              <a:t/>
             </a:r>
             <a:endParaRPr/>
           </a:p>
@@ -9380,7 +9552,7 @@
             </a:pPr>
             <a:r>
               <a:rPr lang="en"/>
-              <a:t>Pareto Optimality</a:t>
+              <a:t>What is a right limit?</a:t>
             </a:r>
             <a:endParaRPr/>
           </a:p>
@@ -9416,16 +9588,79 @@
               <a:spcAft>
                 <a:spcPts val="0"/>
               </a:spcAft>
-              <a:buClr>
-                <a:schemeClr val="dk1"/>
-              </a:buClr>
-              <a:buSzPts val="1100"/>
-              <a:buFont typeface="Arial"/>
               <a:buNone/>
             </a:pPr>
             <a:r>
               <a:rPr lang="en"/>
-              <a:t>But… All heap limit is already pareto optimal!</a:t>
+              <a:t>One abstract framework about tradeoff - pareto-optimality</a:t>
+            </a:r>
+            <a:endParaRPr/>
+          </a:p>
+          <a:p>
+            <a:pPr indent="-342900" lvl="0" marL="457200" rtl="0" algn="l">
+              <a:spcBef>
+                <a:spcPts val="1200"/>
+              </a:spcBef>
+              <a:spcAft>
+                <a:spcPts val="0"/>
+              </a:spcAft>
+              <a:buSzPts val="1800"/>
+              <a:buChar char="-"/>
+            </a:pPr>
+            <a:r>
+              <a:rPr lang="en"/>
+              <a:t>If a vm use less space and less time than another, it is pareto-improvement</a:t>
+            </a:r>
+            <a:endParaRPr/>
+          </a:p>
+          <a:p>
+            <a:pPr indent="-342900" lvl="0" marL="457200" rtl="0" algn="l">
+              <a:spcBef>
+                <a:spcPts val="0"/>
+              </a:spcBef>
+              <a:spcAft>
+                <a:spcPts val="0"/>
+              </a:spcAft>
+              <a:buSzPts val="1800"/>
+              <a:buChar char="-"/>
+            </a:pPr>
+            <a:r>
+              <a:rPr lang="en"/>
+              <a:t>If no pareto-improvement can be made for a vm, it is pareto-optimal</a:t>
+            </a:r>
+            <a:endParaRPr/>
+          </a:p>
+          <a:p>
+            <a:pPr indent="-342900" lvl="0" marL="457200" rtl="0" algn="l">
+              <a:spcBef>
+                <a:spcPts val="0"/>
+              </a:spcBef>
+              <a:spcAft>
+                <a:spcPts val="0"/>
+              </a:spcAft>
+              <a:buSzPts val="1800"/>
+              <a:buChar char="-"/>
+            </a:pPr>
+            <a:r>
+              <a:rPr lang="en"/>
+              <a:t>If a vm use more space and more time than another, not pareto-optimal</a:t>
+            </a:r>
+            <a:endParaRPr/>
+          </a:p>
+          <a:p>
+            <a:pPr indent="-342900" lvl="0" marL="457200" rtl="0" algn="l">
+              <a:spcBef>
+                <a:spcPts val="0"/>
+              </a:spcBef>
+              <a:spcAft>
+                <a:spcPts val="0"/>
+              </a:spcAft>
+              <a:buSzPts val="1800"/>
+              <a:buChar char="-"/>
+            </a:pPr>
+            <a:r>
+              <a:rPr lang="en"/>
+              <a:t>The set of all pareto optimal point - pareto frontier</a:t>
             </a:r>
             <a:endParaRPr/>
           </a:p>
@@ -9437,16 +9672,11 @@
               <a:spcAft>
                 <a:spcPts val="0"/>
               </a:spcAft>
-              <a:buClr>
-                <a:schemeClr val="dk1"/>
-              </a:buClr>
-              <a:buSzPts val="1100"/>
-              <a:buFont typeface="Arial"/>
               <a:buNone/>
             </a:pPr>
             <a:r>
               <a:rPr lang="en"/>
-              <a:t>To be faster, a bigger heap limit is required</a:t>
+              <a:t>Pareto optimality allow modeling other tradeoff as well</a:t>
             </a:r>
             <a:endParaRPr/>
           </a:p>
@@ -9456,59 +9686,13 @@
                 <a:spcPts val="1200"/>
               </a:spcBef>
               <a:spcAft>
-                <a:spcPts val="0"/>
-              </a:spcAft>
-              <a:buClr>
-                <a:schemeClr val="dk1"/>
-              </a:buClr>
-              <a:buSzPts val="1100"/>
-              <a:buFont typeface="Arial"/>
+                <a:spcPts val="1200"/>
+              </a:spcAft>
               <a:buNone/>
             </a:pPr>
             <a:r>
               <a:rPr lang="en"/>
-              <a:t>To use less memory, more time need to be spent on GC</a:t>
-            </a:r>
-            <a:endParaRPr/>
-          </a:p>
-          <a:p>
-            <a:pPr indent="0" lvl="0" marL="0" rtl="0" algn="l">
-              <a:spcBef>
-                <a:spcPts val="1200"/>
-              </a:spcBef>
-              <a:spcAft>
-                <a:spcPts val="0"/>
-              </a:spcAft>
-              <a:buClr>
-                <a:schemeClr val="dk1"/>
-              </a:buClr>
-              <a:buSzPts val="1100"/>
-              <a:buFont typeface="Arial"/>
-              <a:buNone/>
-            </a:pPr>
-            <a:r>
-              <a:rPr lang="en"/>
-              <a:t>So… Is there something to do here?</a:t>
-            </a:r>
-            <a:endParaRPr/>
-          </a:p>
-          <a:p>
-            <a:pPr indent="0" lvl="0" marL="0" rtl="0" algn="l">
-              <a:spcBef>
-                <a:spcPts val="1200"/>
-              </a:spcBef>
-              <a:spcAft>
-                <a:spcPts val="1200"/>
-              </a:spcAft>
-              <a:buClr>
-                <a:schemeClr val="dk1"/>
-              </a:buClr>
-              <a:buSzPts val="1100"/>
-              <a:buFont typeface="Arial"/>
-              <a:buNone/>
-            </a:pPr>
-            <a:r>
-              <a:t/>
+              <a:t>e.g. latency vs throughput, idletime vs critical pause, energy saving…</a:t>
             </a:r>
             <a:endParaRPr/>
           </a:p>
@@ -9569,31 +9753,11 @@
               <a:spcAft>
                 <a:spcPts val="0"/>
               </a:spcAft>
-              <a:buClr>
-                <a:schemeClr val="dk1"/>
-              </a:buClr>
-              <a:buSzPct val="39285"/>
-              <a:buFont typeface="Arial"/>
               <a:buNone/>
             </a:pPr>
             <a:r>
               <a:rPr lang="en"/>
               <a:t>Pareto Optimality</a:t>
-            </a:r>
-            <a:endParaRPr/>
-          </a:p>
-          <a:p>
-            <a:pPr indent="0" lvl="0" marL="0" rtl="0" algn="l">
-              <a:spcBef>
-                <a:spcPts val="0"/>
-              </a:spcBef>
-              <a:spcAft>
-                <a:spcPts val="0"/>
-              </a:spcAft>
-              <a:buNone/>
-            </a:pPr>
-            <a:r>
-              <a:t/>
             </a:r>
             <a:endParaRPr/>
           </a:p>
@@ -9609,7 +9773,7 @@
         </p:nvSpPr>
         <p:spPr>
           <a:xfrm>
-            <a:off x="311700" y="1131600"/>
+            <a:off x="311700" y="1152475"/>
             <a:ext cx="8520600" cy="3416400"/>
           </a:xfrm>
           <a:prstGeom prst="rect">
@@ -9629,11 +9793,16 @@
               <a:spcAft>
                 <a:spcPts val="0"/>
               </a:spcAft>
+              <a:buClr>
+                <a:schemeClr val="dk1"/>
+              </a:buClr>
+              <a:buSzPts val="1100"/>
+              <a:buFont typeface="Arial"/>
               <a:buNone/>
             </a:pPr>
             <a:r>
               <a:rPr lang="en"/>
-              <a:t>Obviously we don’t want spotify to use 1GB of memory</a:t>
+              <a:t>But… All heap limit is already pareto optimal!</a:t>
             </a:r>
             <a:endParaRPr/>
           </a:p>
@@ -9645,11 +9814,16 @@
               <a:spcAft>
                 <a:spcPts val="0"/>
               </a:spcAft>
+              <a:buClr>
+                <a:schemeClr val="dk1"/>
+              </a:buClr>
+              <a:buSzPts val="1100"/>
+              <a:buFont typeface="Arial"/>
               <a:buNone/>
             </a:pPr>
             <a:r>
               <a:rPr lang="en"/>
-              <a:t>(even though it is ‘optimal’)</a:t>
+              <a:t>To be faster, a bigger heap limit is required</a:t>
             </a:r>
             <a:endParaRPr/>
           </a:p>
@@ -9661,11 +9835,16 @@
               <a:spcAft>
                 <a:spcPts val="0"/>
               </a:spcAft>
+              <a:buClr>
+                <a:schemeClr val="dk1"/>
+              </a:buClr>
+              <a:buSzPts val="1100"/>
+              <a:buFont typeface="Arial"/>
               <a:buNone/>
             </a:pPr>
             <a:r>
               <a:rPr lang="en"/>
-              <a:t>Why?</a:t>
+              <a:t>To use less memory, more time need to be spent on GC</a:t>
             </a:r>
             <a:endParaRPr/>
           </a:p>
@@ -9677,61 +9856,36 @@
               <a:spcAft>
                 <a:spcPts val="0"/>
               </a:spcAft>
+              <a:buClr>
+                <a:schemeClr val="dk1"/>
+              </a:buClr>
+              <a:buSzPts val="1100"/>
+              <a:buFont typeface="Arial"/>
               <a:buNone/>
             </a:pPr>
             <a:r>
               <a:rPr lang="en"/>
-              <a:t>Imagine you are also running vs code. </a:t>
-            </a:r>
-            <a:endParaRPr/>
-          </a:p>
-          <a:p>
-            <a:pPr indent="-342900" lvl="0" marL="457200" rtl="0" algn="l">
+              <a:t>So… Is there something to do here?</a:t>
+            </a:r>
+            <a:endParaRPr/>
+          </a:p>
+          <a:p>
+            <a:pPr indent="0" lvl="0" marL="0" rtl="0" algn="l">
               <a:spcBef>
                 <a:spcPts val="1200"/>
               </a:spcBef>
               <a:spcAft>
-                <a:spcPts val="0"/>
-              </a:spcAft>
-              <a:buSzPts val="1800"/>
-              <a:buChar char="-"/>
-            </a:pPr>
-            <a:r>
-              <a:rPr lang="en"/>
-              <a:t>Spotify more memory = Vscode less memory!</a:t>
-            </a:r>
-            <a:endParaRPr/>
-          </a:p>
-          <a:p>
-            <a:pPr indent="-342900" lvl="0" marL="457200" rtl="0" algn="l">
-              <a:spcBef>
-                <a:spcPts val="0"/>
-              </a:spcBef>
-              <a:spcAft>
-                <a:spcPts val="0"/>
-              </a:spcAft>
-              <a:buSzPts val="1800"/>
-              <a:buChar char="-"/>
-            </a:pPr>
-            <a:r>
-              <a:rPr lang="en"/>
-              <a:t>Vscode less memory = Vscode more time = total more time!</a:t>
-            </a:r>
-            <a:endParaRPr/>
-          </a:p>
-          <a:p>
-            <a:pPr indent="0" lvl="0" marL="0" rtl="0" algn="l">
-              <a:spcBef>
                 <a:spcPts val="1200"/>
-              </a:spcBef>
-              <a:spcAft>
-                <a:spcPts val="1200"/>
-              </a:spcAft>
-              <a:buNone/>
-            </a:pPr>
-            <a:r>
-              <a:rPr lang="en"/>
-              <a:t>Does the total system tradeoff make sense?</a:t>
+              </a:spcAft>
+              <a:buClr>
+                <a:schemeClr val="dk1"/>
+              </a:buClr>
+              <a:buSzPts val="1100"/>
+              <a:buFont typeface="Arial"/>
+              <a:buNone/>
+            </a:pPr>
+            <a:r>
+              <a:t/>
             </a:r>
             <a:endParaRPr/>
           </a:p>
@@ -9792,11 +9946,31 @@
               <a:spcAft>
                 <a:spcPts val="0"/>
               </a:spcAft>
+              <a:buClr>
+                <a:schemeClr val="dk1"/>
+              </a:buClr>
+              <a:buSzPct val="39285"/>
+              <a:buFont typeface="Arial"/>
               <a:buNone/>
             </a:pPr>
             <a:r>
               <a:rPr lang="en"/>
-              <a:t>Compositional Heap Limit Rule</a:t>
+              <a:t>Pareto Optimality</a:t>
+            </a:r>
+            <a:endParaRPr/>
+          </a:p>
+          <a:p>
+            <a:pPr indent="0" lvl="0" marL="0" rtl="0" algn="l">
+              <a:spcBef>
+                <a:spcPts val="0"/>
+              </a:spcBef>
+              <a:spcAft>
+                <a:spcPts val="0"/>
+              </a:spcAft>
+              <a:buNone/>
+            </a:pPr>
+            <a:r>
+              <a:t/>
             </a:r>
             <a:endParaRPr/>
           </a:p>
@@ -9812,7 +9986,7 @@
         </p:nvSpPr>
         <p:spPr>
           <a:xfrm>
-            <a:off x="311700" y="1152475"/>
+            <a:off x="311700" y="1131600"/>
             <a:ext cx="8520600" cy="3416400"/>
           </a:xfrm>
           <a:prstGeom prst="rect">
@@ -9836,7 +10010,7 @@
             </a:pPr>
             <a:r>
               <a:rPr lang="en"/>
-              <a:t>Heap Limit Rule: given a program, return a heap limit</a:t>
+              <a:t>Obviously we don’t want spotify to use 1GB of memory</a:t>
             </a:r>
             <a:endParaRPr/>
           </a:p>
@@ -9852,7 +10026,7 @@
             </a:pPr>
             <a:r>
               <a:rPr lang="en"/>
-              <a:t>Given multiple program, a heap limit rule might not be pareto-optimal!</a:t>
+              <a:t>(even though it is ‘optimal’)</a:t>
             </a:r>
             <a:endParaRPr/>
           </a:p>
@@ -9862,101 +10036,84 @@
                 <a:spcPts val="1200"/>
               </a:spcBef>
               <a:spcAft>
+                <a:spcPts val="0"/>
+              </a:spcAft>
+              <a:buNone/>
+            </a:pPr>
+            <a:r>
+              <a:rPr lang="en"/>
+              <a:t>Why?</a:t>
+            </a:r>
+            <a:endParaRPr/>
+          </a:p>
+          <a:p>
+            <a:pPr indent="0" lvl="0" marL="0" rtl="0" algn="l">
+              <a:spcBef>
                 <a:spcPts val="1200"/>
-              </a:spcAft>
-              <a:buNone/>
-            </a:pPr>
-            <a:r>
-              <a:t/>
+              </a:spcBef>
+              <a:spcAft>
+                <a:spcPts val="0"/>
+              </a:spcAft>
+              <a:buNone/>
+            </a:pPr>
+            <a:r>
+              <a:rPr lang="en"/>
+              <a:t>Imagine you are also running vs code. </a:t>
+            </a:r>
+            <a:endParaRPr/>
+          </a:p>
+          <a:p>
+            <a:pPr indent="-342900" lvl="0" marL="457200" rtl="0" algn="l">
+              <a:spcBef>
+                <a:spcPts val="1200"/>
+              </a:spcBef>
+              <a:spcAft>
+                <a:spcPts val="0"/>
+              </a:spcAft>
+              <a:buSzPts val="1800"/>
+              <a:buChar char="-"/>
+            </a:pPr>
+            <a:r>
+              <a:rPr lang="en"/>
+              <a:t>Spotify more memory = Vscode less memory!</a:t>
+            </a:r>
+            <a:endParaRPr/>
+          </a:p>
+          <a:p>
+            <a:pPr indent="-342900" lvl="0" marL="457200" rtl="0" algn="l">
+              <a:spcBef>
+                <a:spcPts val="0"/>
+              </a:spcBef>
+              <a:spcAft>
+                <a:spcPts val="0"/>
+              </a:spcAft>
+              <a:buSzPts val="1800"/>
+              <a:buChar char="-"/>
+            </a:pPr>
+            <a:r>
+              <a:rPr lang="en"/>
+              <a:t>Vscode less memory = Vscode more time = total more time!</a:t>
+            </a:r>
+            <a:endParaRPr/>
+          </a:p>
+          <a:p>
+            <a:pPr indent="0" lvl="0" marL="0" rtl="0" algn="l">
+              <a:spcBef>
+                <a:spcPts val="1200"/>
+              </a:spcBef>
+              <a:spcAft>
+                <a:spcPts val="1200"/>
+              </a:spcAft>
+              <a:buNone/>
+            </a:pPr>
+            <a:r>
+              <a:rPr lang="en"/>
+              <a:t>Does the total system tradeoff make sense?</a:t>
             </a:r>
             <a:endParaRPr/>
           </a:p>
         </p:txBody>
       </p:sp>
-      <p:pic>
-        <p:nvPicPr>
-          <p:cNvPr id="92" name="Google Shape;92;p19"/>
-          <p:cNvPicPr preferRelativeResize="0"/>
-          <p:nvPr/>
-        </p:nvPicPr>
-        <p:blipFill>
-          <a:blip r:embed="rId3">
-            <a:alphaModFix/>
-          </a:blip>
-          <a:stretch>
-            <a:fillRect/>
-          </a:stretch>
-        </p:blipFill>
-        <p:spPr>
-          <a:xfrm>
-            <a:off x="0" y="2502300"/>
-            <a:ext cx="3226799" cy="2641200"/>
-          </a:xfrm>
-          <a:prstGeom prst="rect">
-            <a:avLst/>
-          </a:prstGeom>
-          <a:noFill/>
-          <a:ln>
-            <a:noFill/>
-          </a:ln>
-        </p:spPr>
-      </p:pic>
-      <p:pic>
-        <p:nvPicPr>
-          <p:cNvPr id="93" name="Google Shape;93;p19"/>
-          <p:cNvPicPr preferRelativeResize="0"/>
-          <p:nvPr/>
-        </p:nvPicPr>
-        <p:blipFill>
-          <a:blip r:embed="rId4">
-            <a:alphaModFix/>
-          </a:blip>
-          <a:stretch>
-            <a:fillRect/>
-          </a:stretch>
-        </p:blipFill>
-        <p:spPr>
-          <a:xfrm>
-            <a:off x="3041525" y="2502300"/>
-            <a:ext cx="3226799" cy="2641200"/>
-          </a:xfrm>
-          <a:prstGeom prst="rect">
-            <a:avLst/>
-          </a:prstGeom>
-          <a:noFill/>
-          <a:ln>
-            <a:noFill/>
-          </a:ln>
-        </p:spPr>
-      </p:pic>
-      <p:pic>
-        <p:nvPicPr>
-          <p:cNvPr id="94" name="Google Shape;94;p19"/>
-          <p:cNvPicPr preferRelativeResize="0"/>
-          <p:nvPr/>
-        </p:nvPicPr>
-        <p:blipFill>
-          <a:blip r:embed="rId5">
-            <a:alphaModFix/>
-          </a:blip>
-          <a:stretch>
-            <a:fillRect/>
-          </a:stretch>
-        </p:blipFill>
-        <p:spPr>
-          <a:xfrm>
-            <a:off x="5917200" y="2502300"/>
-            <a:ext cx="3226799" cy="2641200"/>
-          </a:xfrm>
-          <a:prstGeom prst="rect">
-            <a:avLst/>
-          </a:prstGeom>
-          <a:noFill/>
-          <a:ln>
-            <a:noFill/>
-          </a:ln>
-        </p:spPr>
-      </p:pic>
     </p:spTree>
   </p:cSld>
   <p:clrMapOvr>
@@ -9970,7 +10127,7 @@
   <p:cSld>
     <p:spTree>
       <p:nvGrpSpPr>
-        <p:cNvPr id="98" name="Shape 98"/>
+        <p:cNvPr id="95" name="Shape 95"/>
         <p:cNvGrpSpPr/>
         <p:nvPr/>
       </p:nvGrpSpPr>
@@ -9984,7 +10141,7 @@
       </p:grpSpPr>
       <p:sp>
         <p:nvSpPr>
-          <p:cNvPr id="99" name="Google Shape;99;p20"/>
+          <p:cNvPr id="96" name="Google Shape;96;p20"/>
           <p:cNvSpPr txBox="1"/>
           <p:nvPr>
             <p:ph type="title"/>
@@ -10024,7 +10181,7 @@
       </p:sp>
       <p:sp>
         <p:nvSpPr>
-          <p:cNvPr id="100" name="Google Shape;100;p20"/>
+          <p:cNvPr id="97" name="Google Shape;97;p20"/>
           <p:cNvSpPr txBox="1"/>
           <p:nvPr>
             <p:ph idx="1" type="body"/>
@@ -10095,7 +10252,7 @@
       </p:sp>
       <p:pic>
         <p:nvPicPr>
-          <p:cNvPr id="101" name="Google Shape;101;p20"/>
+          <p:cNvPr id="98" name="Google Shape;98;p20"/>
           <p:cNvPicPr preferRelativeResize="0"/>
           <p:nvPr/>
         </p:nvPicPr>
@@ -10109,8 +10266,64 @@
         </p:blipFill>
         <p:spPr>
           <a:xfrm>
-            <a:off x="2401925" y="2146750"/>
-            <a:ext cx="3661176" cy="2996750"/>
+            <a:off x="0" y="2502300"/>
+            <a:ext cx="3226799" cy="2641200"/>
+          </a:xfrm>
+          <a:prstGeom prst="rect">
+            <a:avLst/>
+          </a:prstGeom>
+          <a:noFill/>
+          <a:ln>
+            <a:noFill/>
+          </a:ln>
+        </p:spPr>
+      </p:pic>
+      <p:pic>
+        <p:nvPicPr>
+          <p:cNvPr id="99" name="Google Shape;99;p20"/>
+          <p:cNvPicPr preferRelativeResize="0"/>
+          <p:nvPr/>
+        </p:nvPicPr>
+        <p:blipFill>
+          <a:blip r:embed="rId4">
+            <a:alphaModFix/>
+          </a:blip>
+          <a:stretch>
+            <a:fillRect/>
+          </a:stretch>
+        </p:blipFill>
+        <p:spPr>
+          <a:xfrm>
+            <a:off x="3041525" y="2502300"/>
+            <a:ext cx="3226799" cy="2641200"/>
+          </a:xfrm>
+          <a:prstGeom prst="rect">
+            <a:avLst/>
+          </a:prstGeom>
+          <a:noFill/>
+          <a:ln>
+            <a:noFill/>
+          </a:ln>
+        </p:spPr>
+      </p:pic>
+      <p:pic>
+        <p:nvPicPr>
+          <p:cNvPr id="100" name="Google Shape;100;p20"/>
+          <p:cNvPicPr preferRelativeResize="0"/>
+          <p:nvPr/>
+        </p:nvPicPr>
+        <p:blipFill>
+          <a:blip r:embed="rId5">
+            <a:alphaModFix/>
+          </a:blip>
+          <a:stretch>
+            <a:fillRect/>
+          </a:stretch>
+        </p:blipFill>
+        <p:spPr>
+          <a:xfrm>
+            <a:off x="5917200" y="2502300"/>
+            <a:ext cx="3226799" cy="2641200"/>
           </a:xfrm>
           <a:prstGeom prst="rect">
             <a:avLst/>
@@ -10134,7 +10347,7 @@
   <p:cSld>
     <p:spTree>
       <p:nvGrpSpPr>
-        <p:cNvPr id="105" name="Shape 105"/>
+        <p:cNvPr id="104" name="Shape 104"/>
         <p:cNvGrpSpPr/>
         <p:nvPr/>
       </p:nvGrpSpPr>
@@ -10148,7 +10361,7 @@
       </p:grpSpPr>
       <p:sp>
         <p:nvSpPr>
-          <p:cNvPr id="106" name="Google Shape;106;p21"/>
+          <p:cNvPr id="105" name="Google Shape;105;p21"/>
           <p:cNvSpPr txBox="1"/>
           <p:nvPr>
             <p:ph type="title"/>
@@ -10180,7 +10393,7 @@
             </a:pPr>
             <a:r>
               <a:rPr lang="en"/>
-              <a:t>Is current v8 heap limit rule compositional</a:t>
+              <a:t>Compositional Heap Limit Rule</a:t>
             </a:r>
             <a:endParaRPr/>
           </a:p>
@@ -10188,7 +10401,7 @@
       </p:sp>
       <p:sp>
         <p:nvSpPr>
-          <p:cNvPr id="107" name="Google Shape;107;p21"/>
+          <p:cNvPr id="106" name="Google Shape;106;p21"/>
           <p:cNvSpPr txBox="1"/>
           <p:nvPr>
             <p:ph idx="1" type="body"/>
@@ -10236,7 +10449,7 @@
             </a:pPr>
             <a:r>
               <a:rPr lang="en"/>
-              <a:t>Currently: about ~2x working memory</a:t>
+              <a:t>Given multiple program, a heap limit rule might not be pareto-optimal!</a:t>
             </a:r>
             <a:endParaRPr/>
           </a:p>
@@ -10259,7 +10472,7 @@
       </p:sp>
       <p:pic>
         <p:nvPicPr>
-          <p:cNvPr id="108" name="Google Shape;108;p21"/>
+          <p:cNvPr id="107" name="Google Shape;107;p21"/>
           <p:cNvPicPr preferRelativeResize="0"/>
           <p:nvPr/>
         </p:nvPicPr>
@@ -10273,8 +10486,8 @@
         </p:blipFill>
         <p:spPr>
           <a:xfrm>
-            <a:off x="4774401" y="1545350"/>
-            <a:ext cx="4057900" cy="3023525"/>
+            <a:off x="2401925" y="2146750"/>
+            <a:ext cx="3661176" cy="2996750"/>
           </a:xfrm>
           <a:prstGeom prst="rect">
             <a:avLst/>
@@ -10294,6 +10507,285 @@
 </file>
 
 <file path=ppt/theme/theme1.xml><?xml version="1.0" encoding="utf-8"?>
+<a:theme xmlns:a="http://schemas.openxmlformats.org/drawingml/2006/main" xmlns:r="http://schemas.openxmlformats.org/officeDocument/2006/relationships">
+  <a:themeElements>
+    <a:clrScheme name="Default">
+      <a:dk1>
+        <a:srgbClr val="000000"/>
+      </a:dk1>
+      <a:lt1>
+        <a:srgbClr val="FFFFFF"/>
+      </a:lt1>
+      <a:dk2>
+        <a:srgbClr val="158158"/>
+      </a:dk2>
+      <a:lt2>
+        <a:srgbClr val="F3F3F3"/>
+      </a:lt2>
+      <a:accent1>
+        <a:srgbClr val="058DC7"/>
+      </a:accent1>
+      <a:accent2>
+        <a:srgbClr val="50B432"/>
+      </a:accent2>
+      <a:accent3>
+        <a:srgbClr val="ED561B"/>
+      </a:accent3>
+      <a:accent4>
+        <a:srgbClr val="EDEF00"/>
+      </a:accent4>
+      <a:accent5>
+        <a:srgbClr val="24CBE5"/>
+      </a:accent5>
+      <a:accent6>
+        <a:srgbClr val="64E572"/>
+      </a:accent6>
+      <a:hlink>
+        <a:srgbClr val="2200CC"/>
+      </a:hlink>
+      <a:folHlink>
+        <a:srgbClr val="551A8B"/>
+      </a:folHlink>
+    </a:clrScheme>
+    <a:fontScheme name="Office">
+      <a:majorFont>
+        <a:latin typeface="Arial"/>
+        <a:ea typeface=""/>
+        <a:cs typeface=""/>
+        <a:font script="Jpan" typeface="ＭＳ Ｐゴシック"/>
+        <a:font script="Hang" typeface="맑은 고딕"/>
+        <a:font script="Hans" typeface="宋体"/>
+        <a:font script="Hant" typeface="新細明體"/>
+        <a:font script="Arab" typeface="Times New Roman"/>
+        <a:font script="Hebr" typeface="Times New Roman"/>
+        <a:font script="Thai" typeface="Angsana New"/>
+        <a:font script="Ethi" typeface="Nyala"/>
+        <a:font script="Beng" typeface="Vrinda"/>
+        <a:font script="Gujr" typeface="Shruti"/>
+        <a:font script="Khmr" typeface="MoolBoran"/>
+        <a:font script="Knda" typeface="Tunga"/>
+        <a:font script="Guru" typeface="Raavi"/>
+        <a:font script="Cans" typeface="Euphemia"/>
+        <a:font script="Cher" typeface="Plantagenet Cherokee"/>
+        <a:font script="Yiii" typeface="Microsoft Yi Baiti"/>
+        <a:font script="Tibt" typeface="Microsoft Himalaya"/>
+        <a:font script="Thaa" typeface="MV Boli"/>
+        <a:font script="Deva" typeface="Mangal"/>
+        <a:font script="Telu" typeface="Gautami"/>
+        <a:font script="Taml" typeface="Latha"/>
+        <a:font script="Syrc" typeface="Estrangelo Edessa"/>
+        <a:font script="Orya" typeface="Kalinga"/>
+        <a:font script="Mlym" typeface="Kartika"/>
+        <a:font script="Laoo" typeface="DokChampa"/>
+        <a:font script="Sinh" typeface="Iskoola Pota"/>
+        <a:font script="Mong" typeface="Mongolian Baiti"/>
+        <a:font script="Viet" typeface="Times New Roman"/>
+        <a:font script="Uigh" typeface="Microsoft Uighur"/>
+        <a:font script="Geor" typeface="Sylfaen"/>
+      </a:majorFont>
+      <a:minorFont>
+        <a:latin typeface="Arial"/>
+        <a:ea typeface=""/>
+        <a:cs typeface=""/>
+        <a:font script="Jpan" typeface="ＭＳ Ｐゴシック"/>
+        <a:font script="Hang" typeface="맑은 고딕"/>
+        <a:font script="Hans" typeface="宋体"/>
+        <a:font script="Hant" typeface="新細明體"/>
+        <a:font script="Arab" typeface="Arial"/>
+        <a:font script="Hebr" typeface="Arial"/>
+        <a:font script="Thai" typeface="Cordia New"/>
+        <a:font script="Ethi" typeface="Nyala"/>
+        <a:font script="Beng" typeface="Vrinda"/>
+        <a:font script="Gujr" typeface="Shruti"/>
+        <a:font script="Khmr" typeface="DaunPenh"/>
+        <a:font script="Knda" typeface="Tunga"/>
+        <a:font script="Guru" typeface="Raavi"/>
+        <a:font script="Cans" typeface="Euphemia"/>
+        <a:font script="Cher" typeface="Plantagenet Cherokee"/>
+        <a:font script="Yiii" typeface="Microsoft Yi Baiti"/>
+        <a:font script="Tibt" typeface="Microsoft Himalaya"/>
+        <a:font script="Thaa" typeface="MV Boli"/>
+        <a:font script="Deva" typeface="Mangal"/>
+        <a:font script="Telu" typeface="Gautami"/>
+        <a:font script="Taml" typeface="Latha"/>
+        <a:font script="Syrc" typeface="Estrangelo Edessa"/>
+        <a:font script="Orya" typeface="Kalinga"/>
+        <a:font script="Mlym" typeface="Kartika"/>
+        <a:font script="Laoo" typeface="DokChampa"/>
+        <a:font script="Sinh" typeface="Iskoola Pota"/>
+        <a:font script="Mong" typeface="Mongolian Baiti"/>
+        <a:font script="Viet" typeface="Arial"/>
+        <a:font script="Uigh" typeface="Microsoft Uighur"/>
+        <a:font script="Geor" typeface="Sylfaen"/>
+      </a:minorFont>
+    </a:fontScheme>
+    <a:fmtScheme name="Office">
+      <a:fillStyleLst>
+        <a:solidFill>
+          <a:schemeClr val="phClr"/>
+        </a:solidFill>
+        <a:gradFill rotWithShape="1">
+          <a:gsLst>
+            <a:gs pos="0">
+              <a:schemeClr val="phClr">
+                <a:tint val="50000"/>
+                <a:satMod val="300000"/>
+              </a:schemeClr>
+            </a:gs>
+            <a:gs pos="35000">
+              <a:schemeClr val="phClr">
+                <a:tint val="37000"/>
+                <a:satMod val="300000"/>
+              </a:schemeClr>
+            </a:gs>
+            <a:gs pos="100000">
+              <a:schemeClr val="phClr">
+                <a:tint val="15000"/>
+                <a:satMod val="350000"/>
+              </a:schemeClr>
+            </a:gs>
+          </a:gsLst>
+          <a:lin ang="16200000" scaled="1"/>
+        </a:gradFill>
+        <a:gradFill rotWithShape="1">
+          <a:gsLst>
+            <a:gs pos="0">
+              <a:schemeClr val="phClr">
+                <a:tint val="100000"/>
+                <a:shade val="100000"/>
+                <a:satMod val="130000"/>
+              </a:schemeClr>
+            </a:gs>
+            <a:gs pos="100000">
+              <a:schemeClr val="phClr">
+                <a:tint val="50000"/>
+                <a:shade val="100000"/>
+                <a:satMod val="350000"/>
+              </a:schemeClr>
+            </a:gs>
+          </a:gsLst>
+          <a:lin ang="16200000" scaled="0"/>
+        </a:gradFill>
+      </a:fillStyleLst>
+      <a:lnStyleLst>
+        <a:ln w="9525" cap="flat" cmpd="sng" algn="ctr">
+          <a:solidFill>
+            <a:schemeClr val="phClr">
+              <a:shade val="95000"/>
+              <a:satMod val="105000"/>
+            </a:schemeClr>
+          </a:solidFill>
+          <a:prstDash val="solid"/>
+        </a:ln>
+        <a:ln w="25400" cap="flat" cmpd="sng" algn="ctr">
+          <a:solidFill>
+            <a:schemeClr val="phClr"/>
+          </a:solidFill>
+          <a:prstDash val="solid"/>
+        </a:ln>
+        <a:ln w="38100" cap="flat" cmpd="sng" algn="ctr">
+          <a:solidFill>
+            <a:schemeClr val="phClr"/>
+          </a:solidFill>
+          <a:prstDash val="solid"/>
+        </a:ln>
+      </a:lnStyleLst>
+      <a:effectStyleLst>
+        <a:effectStyle>
+          <a:effectLst>
+            <a:outerShdw blurRad="40000" dist="20000" dir="5400000" rotWithShape="0">
+              <a:srgbClr val="000000">
+                <a:alpha val="38000"/>
+              </a:srgbClr>
+            </a:outerShdw>
+          </a:effectLst>
+        </a:effectStyle>
+        <a:effectStyle>
+          <a:effectLst>
+            <a:outerShdw blurRad="40000" dist="23000" dir="5400000" rotWithShape="0">
+              <a:srgbClr val="000000">
+                <a:alpha val="35000"/>
+              </a:srgbClr>
+            </a:outerShdw>
+          </a:effectLst>
+        </a:effectStyle>
+        <a:effectStyle>
+          <a:effectLst>
+            <a:outerShdw blurRad="40000" dist="23000" dir="5400000" rotWithShape="0">
+              <a:srgbClr val="000000">
+                <a:alpha val="35000"/>
+              </a:srgbClr>
+            </a:outerShdw>
+          </a:effectLst>
+          <a:scene3d>
+            <a:camera prst="orthographicFront">
+              <a:rot lat="0" lon="0" rev="0"/>
+            </a:camera>
+            <a:lightRig rig="threePt" dir="t">
+              <a:rot lat="0" lon="0" rev="1200000"/>
+            </a:lightRig>
+          </a:scene3d>
+          <a:sp3d>
+            <a:bevelT w="63500" h="25400"/>
+          </a:sp3d>
+        </a:effectStyle>
+      </a:effectStyleLst>
+      <a:bgFillStyleLst>
+        <a:solidFill>
+          <a:schemeClr val="phClr"/>
+        </a:solidFill>
+        <a:gradFill rotWithShape="1">
+          <a:gsLst>
+            <a:gs pos="0">
+              <a:schemeClr val="phClr">
+                <a:tint val="40000"/>
+                <a:satMod val="350000"/>
+              </a:schemeClr>
+            </a:gs>
+            <a:gs pos="40000">
+              <a:schemeClr val="phClr">
+                <a:tint val="45000"/>
+                <a:shade val="99000"/>
+                <a:satMod val="350000"/>
+              </a:schemeClr>
+            </a:gs>
+            <a:gs pos="100000">
+              <a:schemeClr val="phClr">
+                <a:shade val="20000"/>
+                <a:satMod val="255000"/>
+              </a:schemeClr>
+            </a:gs>
+          </a:gsLst>
+          <a:path path="circle">
+            <a:fillToRect l="50000" t="-80000" r="50000" b="180000"/>
+          </a:path>
+        </a:gradFill>
+        <a:gradFill rotWithShape="1">
+          <a:gsLst>
+            <a:gs pos="0">
+              <a:schemeClr val="phClr">
+                <a:tint val="80000"/>
+                <a:satMod val="300000"/>
+              </a:schemeClr>
+            </a:gs>
+            <a:gs pos="100000">
+              <a:schemeClr val="phClr">
+                <a:shade val="30000"/>
+                <a:satMod val="200000"/>
+              </a:schemeClr>
+            </a:gs>
+          </a:gsLst>
+          <a:path path="circle">
+            <a:fillToRect l="50000" t="50000" r="50000" b="50000"/>
+          </a:path>
+        </a:gradFill>
+      </a:bgFillStyleLst>
+    </a:fmtScheme>
+  </a:themeElements>
+</a:theme>
+</file>
+
+<file path=ppt/theme/theme2.xml><?xml version="1.0" encoding="utf-8"?>
 <a:theme xmlns:a="http://schemas.openxmlformats.org/drawingml/2006/main" xmlns:r="http://schemas.openxmlformats.org/officeDocument/2006/relationships" name="Simple Light">
   <a:themeElements>
     <a:clrScheme name="Simple Light">
@@ -10570,283 +11062,4 @@
     </a:fmtScheme>
   </a:themeElements>
 </a:theme>
-</file>
-
-<file path=ppt/theme/theme2.xml><?xml version="1.0" encoding="utf-8"?>
-<a:theme xmlns:a="http://schemas.openxmlformats.org/drawingml/2006/main" xmlns:r="http://schemas.openxmlformats.org/officeDocument/2006/relationships">
-  <a:themeElements>
-    <a:clrScheme name="Default">
-      <a:dk1>
-        <a:srgbClr val="000000"/>
-      </a:dk1>
-      <a:lt1>
-        <a:srgbClr val="FFFFFF"/>
-      </a:lt1>
-      <a:dk2>
-        <a:srgbClr val="158158"/>
-      </a:dk2>
-      <a:lt2>
-        <a:srgbClr val="F3F3F3"/>
-      </a:lt2>
-      <a:accent1>
-        <a:srgbClr val="058DC7"/>
-      </a:accent1>
-      <a:accent2>
-        <a:srgbClr val="50B432"/>
-      </a:accent2>
-      <a:accent3>
-        <a:srgbClr val="ED561B"/>
-      </a:accent3>
-      <a:accent4>
-        <a:srgbClr val="EDEF00"/>
-      </a:accent4>
-      <a:accent5>
-        <a:srgbClr val="24CBE5"/>
-      </a:accent5>
-      <a:accent6>
-        <a:srgbClr val="64E572"/>
-      </a:accent6>
-      <a:hlink>
-        <a:srgbClr val="2200CC"/>
-      </a:hlink>
-      <a:folHlink>
-        <a:srgbClr val="551A8B"/>
-      </a:folHlink>
-    </a:clrScheme>
-    <a:fontScheme name="Office">
-      <a:majorFont>
-        <a:latin typeface="Arial"/>
-        <a:ea typeface=""/>
-        <a:cs typeface=""/>
-        <a:font script="Jpan" typeface="ＭＳ Ｐゴシック"/>
-        <a:font script="Hang" typeface="맑은 고딕"/>
-        <a:font script="Hans" typeface="宋体"/>
-        <a:font script="Hant" typeface="新細明體"/>
-        <a:font script="Arab" typeface="Times New Roman"/>
-        <a:font script="Hebr" typeface="Times New Roman"/>
-        <a:font script="Thai" typeface="Angsana New"/>
-        <a:font script="Ethi" typeface="Nyala"/>
-        <a:font script="Beng" typeface="Vrinda"/>
-        <a:font script="Gujr" typeface="Shruti"/>
-        <a:font script="Khmr" typeface="MoolBoran"/>
-        <a:font script="Knda" typeface="Tunga"/>
-        <a:font script="Guru" typeface="Raavi"/>
-        <a:font script="Cans" typeface="Euphemia"/>
-        <a:font script="Cher" typeface="Plantagenet Cherokee"/>
-        <a:font script="Yiii" typeface="Microsoft Yi Baiti"/>
-        <a:font script="Tibt" typeface="Microsoft Himalaya"/>
-        <a:font script="Thaa" typeface="MV Boli"/>
-        <a:font script="Deva" typeface="Mangal"/>
-        <a:font script="Telu" typeface="Gautami"/>
-        <a:font script="Taml" typeface="Latha"/>
-        <a:font script="Syrc" typeface="Estrangelo Edessa"/>
-        <a:font script="Orya" typeface="Kalinga"/>
-        <a:font script="Mlym" typeface="Kartika"/>
-        <a:font script="Laoo" typeface="DokChampa"/>
-        <a:font script="Sinh" typeface="Iskoola Pota"/>
-        <a:font script="Mong" typeface="Mongolian Baiti"/>
-        <a:font script="Viet" typeface="Times New Roman"/>
-        <a:font script="Uigh" typeface="Microsoft Uighur"/>
-        <a:font script="Geor" typeface="Sylfaen"/>
-      </a:majorFont>
-      <a:minorFont>
-        <a:latin typeface="Arial"/>
-        <a:ea typeface=""/>
-        <a:cs typeface=""/>
-        <a:font script="Jpan" typeface="ＭＳ Ｐゴシック"/>
-        <a:font script="Hang" typeface="맑은 고딕"/>
-        <a:font script="Hans" typeface="宋体"/>
-        <a:font script="Hant" typeface="新細明體"/>
-        <a:font script="Arab" typeface="Arial"/>
-        <a:font script="Hebr" typeface="Arial"/>
-        <a:font script="Thai" typeface="Cordia New"/>
-        <a:font script="Ethi" typeface="Nyala"/>
-        <a:font script="Beng" typeface="Vrinda"/>
-        <a:font script="Gujr" typeface="Shruti"/>
-        <a:font script="Khmr" typeface="DaunPenh"/>
-        <a:font script="Knda" typeface="Tunga"/>
-        <a:font script="Guru" typeface="Raavi"/>
-        <a:font script="Cans" typeface="Euphemia"/>
-        <a:font script="Cher" typeface="Plantagenet Cherokee"/>
-        <a:font script="Yiii" typeface="Microsoft Yi Baiti"/>
-        <a:font script="Tibt" typeface="Microsoft Himalaya"/>
-        <a:font script="Thaa" typeface="MV Boli"/>
-        <a:font script="Deva" typeface="Mangal"/>
-        <a:font script="Telu" typeface="Gautami"/>
-        <a:font script="Taml" typeface="Latha"/>
-        <a:font script="Syrc" typeface="Estrangelo Edessa"/>
-        <a:font script="Orya" typeface="Kalinga"/>
-        <a:font script="Mlym" typeface="Kartika"/>
-        <a:font script="Laoo" typeface="DokChampa"/>
-        <a:font script="Sinh" typeface="Iskoola Pota"/>
-        <a:font script="Mong" typeface="Mongolian Baiti"/>
-        <a:font script="Viet" typeface="Arial"/>
-        <a:font script="Uigh" typeface="Microsoft Uighur"/>
-        <a:font script="Geor" typeface="Sylfaen"/>
-      </a:minorFont>
-    </a:fontScheme>
-    <a:fmtScheme name="Office">
-      <a:fillStyleLst>
-        <a:solidFill>
-          <a:schemeClr val="phClr"/>
-        </a:solidFill>
-        <a:gradFill rotWithShape="1">
-          <a:gsLst>
-            <a:gs pos="0">
-              <a:schemeClr val="phClr">
-                <a:tint val="50000"/>
-                <a:satMod val="300000"/>
-              </a:schemeClr>
-            </a:gs>
-            <a:gs pos="35000">
-              <a:schemeClr val="phClr">
-                <a:tint val="37000"/>
-                <a:satMod val="300000"/>
-              </a:schemeClr>
-            </a:gs>
-            <a:gs pos="100000">
-              <a:schemeClr val="phClr">
-                <a:tint val="15000"/>
-                <a:satMod val="350000"/>
-              </a:schemeClr>
-            </a:gs>
-          </a:gsLst>
-          <a:lin ang="16200000" scaled="1"/>
-        </a:gradFill>
-        <a:gradFill rotWithShape="1">
-          <a:gsLst>
-            <a:gs pos="0">
-              <a:schemeClr val="phClr">
-                <a:tint val="100000"/>
-                <a:shade val="100000"/>
-                <a:satMod val="130000"/>
-              </a:schemeClr>
-            </a:gs>
-            <a:gs pos="100000">
-              <a:schemeClr val="phClr">
-                <a:tint val="50000"/>
-                <a:shade val="100000"/>
-                <a:satMod val="350000"/>
-              </a:schemeClr>
-            </a:gs>
-          </a:gsLst>
-          <a:lin ang="16200000" scaled="0"/>
-        </a:gradFill>
-      </a:fillStyleLst>
-      <a:lnStyleLst>
-        <a:ln w="9525" cap="flat" cmpd="sng" algn="ctr">
-          <a:solidFill>
-            <a:schemeClr val="phClr">
-              <a:shade val="95000"/>
-              <a:satMod val="105000"/>
-            </a:schemeClr>
-          </a:solidFill>
-          <a:prstDash val="solid"/>
-        </a:ln>
-        <a:ln w="25400" cap="flat" cmpd="sng" algn="ctr">
-          <a:solidFill>
-            <a:schemeClr val="phClr"/>
-          </a:solidFill>
-          <a:prstDash val="solid"/>
-        </a:ln>
-        <a:ln w="38100" cap="flat" cmpd="sng" algn="ctr">
-          <a:solidFill>
-            <a:schemeClr val="phClr"/>
-          </a:solidFill>
-          <a:prstDash val="solid"/>
-        </a:ln>
-      </a:lnStyleLst>
-      <a:effectStyleLst>
-        <a:effectStyle>
-          <a:effectLst>
-            <a:outerShdw blurRad="40000" dist="20000" dir="5400000" rotWithShape="0">
-              <a:srgbClr val="000000">
-                <a:alpha val="38000"/>
-              </a:srgbClr>
-            </a:outerShdw>
-          </a:effectLst>
-        </a:effectStyle>
-        <a:effectStyle>
-          <a:effectLst>
-            <a:outerShdw blurRad="40000" dist="23000" dir="5400000" rotWithShape="0">
-              <a:srgbClr val="000000">
-                <a:alpha val="35000"/>
-              </a:srgbClr>
-            </a:outerShdw>
-          </a:effectLst>
-        </a:effectStyle>
-        <a:effectStyle>
-          <a:effectLst>
-            <a:outerShdw blurRad="40000" dist="23000" dir="5400000" rotWithShape="0">
-              <a:srgbClr val="000000">
-                <a:alpha val="35000"/>
-              </a:srgbClr>
-            </a:outerShdw>
-          </a:effectLst>
-          <a:scene3d>
-            <a:camera prst="orthographicFront">
-              <a:rot lat="0" lon="0" rev="0"/>
-            </a:camera>
-            <a:lightRig rig="threePt" dir="t">
-              <a:rot lat="0" lon="0" rev="1200000"/>
-            </a:lightRig>
-          </a:scene3d>
-          <a:sp3d>
-            <a:bevelT w="63500" h="25400"/>
-          </a:sp3d>
-        </a:effectStyle>
-      </a:effectStyleLst>
-      <a:bgFillStyleLst>
-        <a:solidFill>
-          <a:schemeClr val="phClr"/>
-        </a:solidFill>
-        <a:gradFill rotWithShape="1">
-          <a:gsLst>
-            <a:gs pos="0">
-              <a:schemeClr val="phClr">
-                <a:tint val="40000"/>
-                <a:satMod val="350000"/>
-              </a:schemeClr>
-            </a:gs>
-            <a:gs pos="40000">
-              <a:schemeClr val="phClr">
-                <a:tint val="45000"/>
-                <a:shade val="99000"/>
-                <a:satMod val="350000"/>
-              </a:schemeClr>
-            </a:gs>
-            <a:gs pos="100000">
-              <a:schemeClr val="phClr">
-                <a:shade val="20000"/>
-                <a:satMod val="255000"/>
-              </a:schemeClr>
-            </a:gs>
-          </a:gsLst>
-          <a:path path="circle">
-            <a:fillToRect l="50000" t="-80000" r="50000" b="180000"/>
-          </a:path>
-        </a:gradFill>
-        <a:gradFill rotWithShape="1">
-          <a:gsLst>
-            <a:gs pos="0">
-              <a:schemeClr val="phClr">
-                <a:tint val="80000"/>
-                <a:satMod val="300000"/>
-              </a:schemeClr>
-            </a:gs>
-            <a:gs pos="100000">
-              <a:schemeClr val="phClr">
-                <a:shade val="30000"/>
-                <a:satMod val="200000"/>
-              </a:schemeClr>
-            </a:gs>
-          </a:gsLst>
-          <a:path path="circle">
-            <a:fillToRect l="50000" t="50000" r="50000" b="50000"/>
-          </a:path>
-        </a:gradFill>
-      </a:bgFillStyleLst>
-    </a:fmtScheme>
-  </a:themeElements>
-</a:theme>
 </file>
--- a/resources/Balancer.pptx
+++ b/resources/Balancer.pptx
@@ -1,37 +1,36 @@
 
 <file path=ppt/presentation.xml><?xml version="1.0" encoding="utf-8"?>
-<p:presentation xmlns:a="http://schemas.openxmlformats.org/drawingml/2006/main" xmlns:r="http://schemas.openxmlformats.org/officeDocument/2006/relationships" xmlns:mc="http://schemas.openxmlformats.org/markup-compatibility/2006" xmlns:mv="urn:schemas-microsoft-com:mac:vml" xmlns:p="http://schemas.openxmlformats.org/presentationml/2006/main" xmlns:c="http://schemas.openxmlformats.org/drawingml/2006/chart" xmlns:dgm="http://schemas.openxmlformats.org/drawingml/2006/diagram" xmlns:o="urn:schemas-microsoft-com:office:office" xmlns:v="urn:schemas-microsoft-com:vml" xmlns:pvml="urn:schemas-microsoft-com:office:powerpoint" xmlns:com="http://schemas.openxmlformats.org/drawingml/2006/compatibility" xmlns:p14="http://schemas.microsoft.com/office/powerpoint/2010/main" xmlns:p15="http://schemas.microsoft.com/office/powerpoint/2012/main" xmlns:ahyp="http://schemas.microsoft.com/office/drawing/2018/hyperlinkcolor" autoCompressPictures="0" strictFirstAndLastChars="0" saveSubsetFonts="1">
+<p:presentation xmlns:a="http://schemas.openxmlformats.org/drawingml/2006/main" xmlns:r="http://schemas.openxmlformats.org/officeDocument/2006/relationships" xmlns:p="http://schemas.openxmlformats.org/presentationml/2006/main" strictFirstAndLastChars="0" saveSubsetFonts="1" autoCompressPictures="0">
   <p:sldMasterIdLst>
-    <p:sldMasterId id="2147483659" r:id="rId4"/>
+    <p:sldMasterId id="2147483659" r:id="rId1"/>
   </p:sldMasterIdLst>
   <p:notesMasterIdLst>
-    <p:notesMasterId r:id="rId5"/>
+    <p:notesMasterId r:id="rId20"/>
   </p:notesMasterIdLst>
   <p:sldIdLst>
-    <p:sldId id="256" r:id="rId6"/>
-    <p:sldId id="257" r:id="rId7"/>
-    <p:sldId id="258" r:id="rId8"/>
-    <p:sldId id="259" r:id="rId9"/>
-    <p:sldId id="260" r:id="rId10"/>
-    <p:sldId id="261" r:id="rId11"/>
-    <p:sldId id="262" r:id="rId12"/>
-    <p:sldId id="263" r:id="rId13"/>
-    <p:sldId id="264" r:id="rId14"/>
-    <p:sldId id="265" r:id="rId15"/>
-    <p:sldId id="266" r:id="rId16"/>
-    <p:sldId id="267" r:id="rId17"/>
-    <p:sldId id="268" r:id="rId18"/>
-    <p:sldId id="269" r:id="rId19"/>
-    <p:sldId id="270" r:id="rId20"/>
-    <p:sldId id="271" r:id="rId21"/>
-    <p:sldId id="272" r:id="rId22"/>
-    <p:sldId id="273" r:id="rId23"/>
-    <p:sldId id="274" r:id="rId24"/>
+    <p:sldId id="256" r:id="rId2"/>
+    <p:sldId id="257" r:id="rId3"/>
+    <p:sldId id="258" r:id="rId4"/>
+    <p:sldId id="259" r:id="rId5"/>
+    <p:sldId id="260" r:id="rId6"/>
+    <p:sldId id="261" r:id="rId7"/>
+    <p:sldId id="262" r:id="rId8"/>
+    <p:sldId id="263" r:id="rId9"/>
+    <p:sldId id="264" r:id="rId10"/>
+    <p:sldId id="265" r:id="rId11"/>
+    <p:sldId id="266" r:id="rId12"/>
+    <p:sldId id="267" r:id="rId13"/>
+    <p:sldId id="268" r:id="rId14"/>
+    <p:sldId id="269" r:id="rId15"/>
+    <p:sldId id="270" r:id="rId16"/>
+    <p:sldId id="271" r:id="rId17"/>
+    <p:sldId id="273" r:id="rId18"/>
+    <p:sldId id="274" r:id="rId19"/>
   </p:sldIdLst>
-  <p:sldSz cy="5143500" cx="9144000"/>
+  <p:sldSz cx="9144000" cy="5143500" type="screen16x9"/>
   <p:notesSz cx="6858000" cy="9144000"/>
   <p:defaultTextStyle>
-    <a:defPPr lvl="0" marR="0" rtl="0" algn="l">
+    <a:defPPr marR="0" lvl="0" algn="l" rtl="0">
       <a:lnSpc>
         <a:spcPct val="100000"/>
       </a:lnSpc>
@@ -42,7 +41,7 @@
         <a:spcPts val="0"/>
       </a:spcAft>
     </a:defPPr>
-    <a:lvl1pPr lvl="0" marR="0" rtl="0" algn="l">
+    <a:lvl1pPr marR="0" lvl="0" algn="l" rtl="0">
       <a:lnSpc>
         <a:spcPct val="100000"/>
       </a:lnSpc>
@@ -56,7 +55,7 @@
         <a:srgbClr val="000000"/>
       </a:buClr>
       <a:buFont typeface="Arial"/>
-      <a:defRPr b="0" i="0" sz="1400" u="none" cap="none" strike="noStrike">
+      <a:defRPr sz="1400" b="0" i="0" u="none" strike="noStrike" cap="none">
         <a:solidFill>
           <a:srgbClr val="000000"/>
         </a:solidFill>
@@ -66,7 +65,7 @@
         <a:sym typeface="Arial"/>
       </a:defRPr>
     </a:lvl1pPr>
-    <a:lvl2pPr lvl="1" marR="0" rtl="0" algn="l">
+    <a:lvl2pPr marR="0" lvl="1" algn="l" rtl="0">
       <a:lnSpc>
         <a:spcPct val="100000"/>
       </a:lnSpc>
@@ -80,7 +79,7 @@
         <a:srgbClr val="000000"/>
       </a:buClr>
       <a:buFont typeface="Arial"/>
-      <a:defRPr b="0" i="0" sz="1400" u="none" cap="none" strike="noStrike">
+      <a:defRPr sz="1400" b="0" i="0" u="none" strike="noStrike" cap="none">
         <a:solidFill>
           <a:srgbClr val="000000"/>
         </a:solidFill>
@@ -90,7 +89,7 @@
         <a:sym typeface="Arial"/>
       </a:defRPr>
     </a:lvl2pPr>
-    <a:lvl3pPr lvl="2" marR="0" rtl="0" algn="l">
+    <a:lvl3pPr marR="0" lvl="2" algn="l" rtl="0">
       <a:lnSpc>
         <a:spcPct val="100000"/>
       </a:lnSpc>
@@ -104,7 +103,7 @@
         <a:srgbClr val="000000"/>
       </a:buClr>
       <a:buFont typeface="Arial"/>
-      <a:defRPr b="0" i="0" sz="1400" u="none" cap="none" strike="noStrike">
+      <a:defRPr sz="1400" b="0" i="0" u="none" strike="noStrike" cap="none">
         <a:solidFill>
           <a:srgbClr val="000000"/>
         </a:solidFill>
@@ -114,7 +113,7 @@
         <a:sym typeface="Arial"/>
       </a:defRPr>
     </a:lvl3pPr>
-    <a:lvl4pPr lvl="3" marR="0" rtl="0" algn="l">
+    <a:lvl4pPr marR="0" lvl="3" algn="l" rtl="0">
       <a:lnSpc>
         <a:spcPct val="100000"/>
       </a:lnSpc>
@@ -128,7 +127,7 @@
         <a:srgbClr val="000000"/>
       </a:buClr>
       <a:buFont typeface="Arial"/>
-      <a:defRPr b="0" i="0" sz="1400" u="none" cap="none" strike="noStrike">
+      <a:defRPr sz="1400" b="0" i="0" u="none" strike="noStrike" cap="none">
         <a:solidFill>
           <a:srgbClr val="000000"/>
         </a:solidFill>
@@ -138,7 +137,7 @@
         <a:sym typeface="Arial"/>
       </a:defRPr>
     </a:lvl4pPr>
-    <a:lvl5pPr lvl="4" marR="0" rtl="0" algn="l">
+    <a:lvl5pPr marR="0" lvl="4" algn="l" rtl="0">
       <a:lnSpc>
         <a:spcPct val="100000"/>
       </a:lnSpc>
@@ -152,7 +151,7 @@
         <a:srgbClr val="000000"/>
       </a:buClr>
       <a:buFont typeface="Arial"/>
-      <a:defRPr b="0" i="0" sz="1400" u="none" cap="none" strike="noStrike">
+      <a:defRPr sz="1400" b="0" i="0" u="none" strike="noStrike" cap="none">
         <a:solidFill>
           <a:srgbClr val="000000"/>
         </a:solidFill>
@@ -162,7 +161,7 @@
         <a:sym typeface="Arial"/>
       </a:defRPr>
     </a:lvl5pPr>
-    <a:lvl6pPr lvl="5" marR="0" rtl="0" algn="l">
+    <a:lvl6pPr marR="0" lvl="5" algn="l" rtl="0">
       <a:lnSpc>
         <a:spcPct val="100000"/>
       </a:lnSpc>
@@ -176,7 +175,7 @@
         <a:srgbClr val="000000"/>
       </a:buClr>
       <a:buFont typeface="Arial"/>
-      <a:defRPr b="0" i="0" sz="1400" u="none" cap="none" strike="noStrike">
+      <a:defRPr sz="1400" b="0" i="0" u="none" strike="noStrike" cap="none">
         <a:solidFill>
           <a:srgbClr val="000000"/>
         </a:solidFill>
@@ -186,7 +185,7 @@
         <a:sym typeface="Arial"/>
       </a:defRPr>
     </a:lvl6pPr>
-    <a:lvl7pPr lvl="6" marR="0" rtl="0" algn="l">
+    <a:lvl7pPr marR="0" lvl="6" algn="l" rtl="0">
       <a:lnSpc>
         <a:spcPct val="100000"/>
       </a:lnSpc>
@@ -200,7 +199,7 @@
         <a:srgbClr val="000000"/>
       </a:buClr>
       <a:buFont typeface="Arial"/>
-      <a:defRPr b="0" i="0" sz="1400" u="none" cap="none" strike="noStrike">
+      <a:defRPr sz="1400" b="0" i="0" u="none" strike="noStrike" cap="none">
         <a:solidFill>
           <a:srgbClr val="000000"/>
         </a:solidFill>
@@ -210,7 +209,7 @@
         <a:sym typeface="Arial"/>
       </a:defRPr>
     </a:lvl7pPr>
-    <a:lvl8pPr lvl="7" marR="0" rtl="0" algn="l">
+    <a:lvl8pPr marR="0" lvl="7" algn="l" rtl="0">
       <a:lnSpc>
         <a:spcPct val="100000"/>
       </a:lnSpc>
@@ -224,7 +223,7 @@
         <a:srgbClr val="000000"/>
       </a:buClr>
       <a:buFont typeface="Arial"/>
-      <a:defRPr b="0" i="0" sz="1400" u="none" cap="none" strike="noStrike">
+      <a:defRPr sz="1400" b="0" i="0" u="none" strike="noStrike" cap="none">
         <a:solidFill>
           <a:srgbClr val="000000"/>
         </a:solidFill>
@@ -234,7 +233,7 @@
         <a:sym typeface="Arial"/>
       </a:defRPr>
     </a:lvl8pPr>
-    <a:lvl9pPr lvl="8" marR="0" rtl="0" algn="l">
+    <a:lvl9pPr marR="0" lvl="8" algn="l" rtl="0">
       <a:lnSpc>
         <a:spcPct val="100000"/>
       </a:lnSpc>
@@ -248,7 +247,7 @@
         <a:srgbClr val="000000"/>
       </a:buClr>
       <a:buFont typeface="Arial"/>
-      <a:defRPr b="0" i="0" sz="1400" u="none" cap="none" strike="noStrike">
+      <a:defRPr sz="1400" b="0" i="0" u="none" strike="noStrike" cap="none">
         <a:solidFill>
           <a:srgbClr val="000000"/>
         </a:solidFill>
@@ -261,7 +260,7 @@
   </p:defaultTextStyle>
   <p:extLst>
     <p:ext uri="{EFAFB233-063F-42B5-8137-9DF3F51BA10A}">
-      <p15:sldGuideLst>
+      <p15:sldGuideLst xmlns:p15="http://schemas.microsoft.com/office/powerpoint/2012/main">
         <p15:guide id="1" orient="horz" pos="1620">
           <p15:clr>
             <a:srgbClr val="A4A3A4"/>
@@ -278,12 +277,25 @@
 </p:presentation>
 </file>
 
+<file path=ppt/revisionInfo.xml><?xml version="1.0" encoding="utf-8"?>
+<p1510:revInfo xmlns:a="http://schemas.openxmlformats.org/drawingml/2006/main" xmlns:r="http://schemas.openxmlformats.org/officeDocument/2006/relationships" xmlns:p1510="http://schemas.microsoft.com/office/powerpoint/2015/10/main">
+  <p1510:revLst>
+    <p1510:client id="{319ABF5A-61A6-458A-B347-21FD3E15C241}" v="1" dt="2022-10-25T20:34:13.008"/>
+  </p1510:revLst>
+</p1510:revInfo>
+</file>
+
 <file path=ppt/notesMasters/notesMaster1.xml><?xml version="1.0" encoding="utf-8"?>
-<p:notesMaster xmlns:a="http://schemas.openxmlformats.org/drawingml/2006/main" xmlns:r="http://schemas.openxmlformats.org/officeDocument/2006/relationships" xmlns:mc="http://schemas.openxmlformats.org/markup-compatibility/2006" xmlns:mv="urn:schemas-microsoft-com:mac:vml" xmlns:p="http://schemas.openxmlformats.org/presentationml/2006/main" xmlns:c="http://schemas.openxmlformats.org/drawingml/2006/chart" xmlns:dgm="http://schemas.openxmlformats.org/drawingml/2006/diagram" xmlns:o="urn:schemas-microsoft-com:office:office" xmlns:v="urn:schemas-microsoft-com:vml" xmlns:pvml="urn:schemas-microsoft-com:office:powerpoint" xmlns:com="http://schemas.openxmlformats.org/drawingml/2006/compatibility" xmlns:p14="http://schemas.microsoft.com/office/powerpoint/2010/main" xmlns:p15="http://schemas.microsoft.com/office/powerpoint/2012/main" xmlns:ahyp="http://schemas.microsoft.com/office/drawing/2018/hyperlinkcolor">
+<p:notesMaster xmlns:a="http://schemas.openxmlformats.org/drawingml/2006/main" xmlns:r="http://schemas.openxmlformats.org/officeDocument/2006/relationships" xmlns:p="http://schemas.openxmlformats.org/presentationml/2006/main">
   <p:cSld>
+    <p:bg>
+      <p:bgRef idx="1001">
+        <a:schemeClr val="bg1"/>
+      </p:bgRef>
+    </p:bg>
     <p:spTree>
       <p:nvGrpSpPr>
-        <p:cNvPr id="2" name="Shape 2"/>
+        <p:cNvPr id="1" name="Shape 2"/>
         <p:cNvGrpSpPr/>
         <p:nvPr/>
       </p:nvGrpSpPr>
@@ -298,9 +310,11 @@
       <p:sp>
         <p:nvSpPr>
           <p:cNvPr id="3" name="Google Shape;3;n"/>
-          <p:cNvSpPr/>
+          <p:cNvSpPr>
+            <a:spLocks noGrp="1" noRot="1" noChangeAspect="1"/>
+          </p:cNvSpPr>
           <p:nvPr>
-            <p:ph idx="2" type="sldImg"/>
+            <p:ph type="sldImg" idx="2"/>
           </p:nvPr>
         </p:nvSpPr>
         <p:spPr>
@@ -309,9 +323,13 @@
             <a:ext cx="6096075" cy="3429000"/>
           </a:xfrm>
           <a:custGeom>
-            <a:rect b="b" l="l" r="r" t="t"/>
+            <a:avLst/>
+            <a:gdLst/>
+            <a:ahLst/>
+            <a:cxnLst/>
+            <a:rect l="l" t="t" r="r" b="b"/>
             <a:pathLst>
-              <a:path extrusionOk="0" h="120000" w="120000">
+              <a:path w="120000" h="120000" extrusionOk="0">
                 <a:moveTo>
                   <a:pt x="0" y="0"/>
                 </a:moveTo>
@@ -329,23 +347,25 @@
             </a:pathLst>
           </a:custGeom>
           <a:noFill/>
-          <a:ln cap="flat" cmpd="sng" w="9525">
+          <a:ln w="9525" cap="flat" cmpd="sng">
             <a:solidFill>
               <a:srgbClr val="000000"/>
             </a:solidFill>
             <a:prstDash val="solid"/>
             <a:round/>
-            <a:headEnd len="sm" w="sm" type="none"/>
-            <a:tailEnd len="sm" w="sm" type="none"/>
+            <a:headEnd type="none" w="sm" len="sm"/>
+            <a:tailEnd type="none" w="sm" len="sm"/>
           </a:ln>
         </p:spPr>
       </p:sp>
       <p:sp>
         <p:nvSpPr>
           <p:cNvPr id="4" name="Google Shape;4;n"/>
-          <p:cNvSpPr txBox="1"/>
+          <p:cNvSpPr txBox="1">
+            <a:spLocks noGrp="1"/>
+          </p:cNvSpPr>
           <p:nvPr>
-            <p:ph idx="1" type="body"/>
+            <p:ph type="body" idx="1"/>
           </p:nvPr>
         </p:nvSpPr>
         <p:spPr>
@@ -362,11 +382,11 @@
           </a:ln>
         </p:spPr>
         <p:txBody>
-          <a:bodyPr anchorCtr="0" anchor="t" bIns="91425" lIns="91425" spcFirstLastPara="1" rIns="91425" wrap="square" tIns="91425">
+          <a:bodyPr spcFirstLastPara="1" wrap="square" lIns="91425" tIns="91425" rIns="91425" bIns="91425" anchor="t" anchorCtr="0">
             <a:noAutofit/>
           </a:bodyPr>
           <a:lstStyle>
-            <a:lvl1pPr indent="-298450" lvl="0" marL="457200">
+            <a:lvl1pPr marL="457200" lvl="0" indent="-298450">
               <a:spcBef>
                 <a:spcPts val="0"/>
               </a:spcBef>
@@ -377,7 +397,7 @@
               <a:buChar char="●"/>
               <a:defRPr sz="1100"/>
             </a:lvl1pPr>
-            <a:lvl2pPr indent="-298450" lvl="1" marL="914400">
+            <a:lvl2pPr marL="914400" lvl="1" indent="-298450">
               <a:spcBef>
                 <a:spcPts val="0"/>
               </a:spcBef>
@@ -388,7 +408,7 @@
               <a:buChar char="○"/>
               <a:defRPr sz="1100"/>
             </a:lvl2pPr>
-            <a:lvl3pPr indent="-298450" lvl="2" marL="1371600">
+            <a:lvl3pPr marL="1371600" lvl="2" indent="-298450">
               <a:spcBef>
                 <a:spcPts val="0"/>
               </a:spcBef>
@@ -399,7 +419,7 @@
               <a:buChar char="■"/>
               <a:defRPr sz="1100"/>
             </a:lvl3pPr>
-            <a:lvl4pPr indent="-298450" lvl="3" marL="1828800">
+            <a:lvl4pPr marL="1828800" lvl="3" indent="-298450">
               <a:spcBef>
                 <a:spcPts val="0"/>
               </a:spcBef>
@@ -410,7 +430,7 @@
               <a:buChar char="●"/>
               <a:defRPr sz="1100"/>
             </a:lvl4pPr>
-            <a:lvl5pPr indent="-298450" lvl="4" marL="2286000">
+            <a:lvl5pPr marL="2286000" lvl="4" indent="-298450">
               <a:spcBef>
                 <a:spcPts val="0"/>
               </a:spcBef>
@@ -421,7 +441,7 @@
               <a:buChar char="○"/>
               <a:defRPr sz="1100"/>
             </a:lvl5pPr>
-            <a:lvl6pPr indent="-298450" lvl="5" marL="2743200">
+            <a:lvl6pPr marL="2743200" lvl="5" indent="-298450">
               <a:spcBef>
                 <a:spcPts val="0"/>
               </a:spcBef>
@@ -432,7 +452,7 @@
               <a:buChar char="■"/>
               <a:defRPr sz="1100"/>
             </a:lvl6pPr>
-            <a:lvl7pPr indent="-298450" lvl="6" marL="3200400">
+            <a:lvl7pPr marL="3200400" lvl="6" indent="-298450">
               <a:spcBef>
                 <a:spcPts val="0"/>
               </a:spcBef>
@@ -443,7 +463,7 @@
               <a:buChar char="●"/>
               <a:defRPr sz="1100"/>
             </a:lvl7pPr>
-            <a:lvl8pPr indent="-298450" lvl="7" marL="3657600">
+            <a:lvl8pPr marL="3657600" lvl="7" indent="-298450">
               <a:spcBef>
                 <a:spcPts val="0"/>
               </a:spcBef>
@@ -454,7 +474,7 @@
               <a:buChar char="○"/>
               <a:defRPr sz="1100"/>
             </a:lvl8pPr>
-            <a:lvl9pPr indent="-298450" lvl="8" marL="4114800">
+            <a:lvl9pPr marL="4114800" lvl="8" indent="-298450">
               <a:spcBef>
                 <a:spcPts val="0"/>
               </a:spcBef>
@@ -466,14 +486,16 @@
               <a:defRPr sz="1100"/>
             </a:lvl9pPr>
           </a:lstStyle>
-          <a:p/>
+          <a:p>
+            <a:endParaRPr/>
+          </a:p>
         </p:txBody>
       </p:sp>
     </p:spTree>
   </p:cSld>
-  <p:clrMap accent1="accent1" accent2="accent2" accent3="accent3" accent4="accent4" accent5="accent5" accent6="accent6" bg1="lt1" bg2="dk2" tx1="dk1" tx2="lt2" folHlink="folHlink" hlink="hlink"/>
+  <p:clrMap bg1="lt1" tx1="dk1" bg2="dk2" tx2="lt2" accent1="accent1" accent2="accent2" accent3="accent3" accent4="accent4" accent5="accent5" accent6="accent6" hlink="hlink" folHlink="folHlink"/>
   <p:notesStyle>
-    <a:defPPr lvl="0" marR="0" rtl="0" algn="l">
+    <a:defPPr marR="0" lvl="0" algn="l" rtl="0">
       <a:lnSpc>
         <a:spcPct val="100000"/>
       </a:lnSpc>
@@ -484,7 +506,7 @@
         <a:spcPts val="0"/>
       </a:spcAft>
     </a:defPPr>
-    <a:lvl1pPr lvl="0" marR="0" rtl="0" algn="l">
+    <a:lvl1pPr marR="0" lvl="0" algn="l" rtl="0">
       <a:lnSpc>
         <a:spcPct val="100000"/>
       </a:lnSpc>
@@ -498,7 +520,7 @@
         <a:srgbClr val="000000"/>
       </a:buClr>
       <a:buFont typeface="Arial"/>
-      <a:defRPr b="0" i="0" sz="1400" u="none" cap="none" strike="noStrike">
+      <a:defRPr sz="1400" b="0" i="0" u="none" strike="noStrike" cap="none">
         <a:solidFill>
           <a:srgbClr val="000000"/>
         </a:solidFill>
@@ -508,7 +530,7 @@
         <a:sym typeface="Arial"/>
       </a:defRPr>
     </a:lvl1pPr>
-    <a:lvl2pPr lvl="1" marR="0" rtl="0" algn="l">
+    <a:lvl2pPr marR="0" lvl="1" algn="l" rtl="0">
       <a:lnSpc>
         <a:spcPct val="100000"/>
       </a:lnSpc>
@@ -522,7 +544,7 @@
         <a:srgbClr val="000000"/>
       </a:buClr>
       <a:buFont typeface="Arial"/>
-      <a:defRPr b="0" i="0" sz="1400" u="none" cap="none" strike="noStrike">
+      <a:defRPr sz="1400" b="0" i="0" u="none" strike="noStrike" cap="none">
         <a:solidFill>
           <a:srgbClr val="000000"/>
         </a:solidFill>
@@ -532,7 +554,7 @@
         <a:sym typeface="Arial"/>
       </a:defRPr>
     </a:lvl2pPr>
-    <a:lvl3pPr lvl="2" marR="0" rtl="0" algn="l">
+    <a:lvl3pPr marR="0" lvl="2" algn="l" rtl="0">
       <a:lnSpc>
         <a:spcPct val="100000"/>
       </a:lnSpc>
@@ -546,7 +568,7 @@
         <a:srgbClr val="000000"/>
       </a:buClr>
       <a:buFont typeface="Arial"/>
-      <a:defRPr b="0" i="0" sz="1400" u="none" cap="none" strike="noStrike">
+      <a:defRPr sz="1400" b="0" i="0" u="none" strike="noStrike" cap="none">
         <a:solidFill>
           <a:srgbClr val="000000"/>
         </a:solidFill>
@@ -556,7 +578,7 @@
         <a:sym typeface="Arial"/>
       </a:defRPr>
     </a:lvl3pPr>
-    <a:lvl4pPr lvl="3" marR="0" rtl="0" algn="l">
+    <a:lvl4pPr marR="0" lvl="3" algn="l" rtl="0">
       <a:lnSpc>
         <a:spcPct val="100000"/>
       </a:lnSpc>
@@ -570,7 +592,7 @@
         <a:srgbClr val="000000"/>
       </a:buClr>
       <a:buFont typeface="Arial"/>
-      <a:defRPr b="0" i="0" sz="1400" u="none" cap="none" strike="noStrike">
+      <a:defRPr sz="1400" b="0" i="0" u="none" strike="noStrike" cap="none">
         <a:solidFill>
           <a:srgbClr val="000000"/>
         </a:solidFill>
@@ -580,7 +602,7 @@
         <a:sym typeface="Arial"/>
       </a:defRPr>
     </a:lvl4pPr>
-    <a:lvl5pPr lvl="4" marR="0" rtl="0" algn="l">
+    <a:lvl5pPr marR="0" lvl="4" algn="l" rtl="0">
       <a:lnSpc>
         <a:spcPct val="100000"/>
       </a:lnSpc>
@@ -594,7 +616,7 @@
         <a:srgbClr val="000000"/>
       </a:buClr>
       <a:buFont typeface="Arial"/>
-      <a:defRPr b="0" i="0" sz="1400" u="none" cap="none" strike="noStrike">
+      <a:defRPr sz="1400" b="0" i="0" u="none" strike="noStrike" cap="none">
         <a:solidFill>
           <a:srgbClr val="000000"/>
         </a:solidFill>
@@ -604,7 +626,7 @@
         <a:sym typeface="Arial"/>
       </a:defRPr>
     </a:lvl5pPr>
-    <a:lvl6pPr lvl="5" marR="0" rtl="0" algn="l">
+    <a:lvl6pPr marR="0" lvl="5" algn="l" rtl="0">
       <a:lnSpc>
         <a:spcPct val="100000"/>
       </a:lnSpc>
@@ -618,7 +640,7 @@
         <a:srgbClr val="000000"/>
       </a:buClr>
       <a:buFont typeface="Arial"/>
-      <a:defRPr b="0" i="0" sz="1400" u="none" cap="none" strike="noStrike">
+      <a:defRPr sz="1400" b="0" i="0" u="none" strike="noStrike" cap="none">
         <a:solidFill>
           <a:srgbClr val="000000"/>
         </a:solidFill>
@@ -628,7 +650,7 @@
         <a:sym typeface="Arial"/>
       </a:defRPr>
     </a:lvl6pPr>
-    <a:lvl7pPr lvl="6" marR="0" rtl="0" algn="l">
+    <a:lvl7pPr marR="0" lvl="6" algn="l" rtl="0">
       <a:lnSpc>
         <a:spcPct val="100000"/>
       </a:lnSpc>
@@ -642,7 +664,7 @@
         <a:srgbClr val="000000"/>
       </a:buClr>
       <a:buFont typeface="Arial"/>
-      <a:defRPr b="0" i="0" sz="1400" u="none" cap="none" strike="noStrike">
+      <a:defRPr sz="1400" b="0" i="0" u="none" strike="noStrike" cap="none">
         <a:solidFill>
           <a:srgbClr val="000000"/>
         </a:solidFill>
@@ -652,7 +674,7 @@
         <a:sym typeface="Arial"/>
       </a:defRPr>
     </a:lvl7pPr>
-    <a:lvl8pPr lvl="7" marR="0" rtl="0" algn="l">
+    <a:lvl8pPr marR="0" lvl="7" algn="l" rtl="0">
       <a:lnSpc>
         <a:spcPct val="100000"/>
       </a:lnSpc>
@@ -666,7 +688,7 @@
         <a:srgbClr val="000000"/>
       </a:buClr>
       <a:buFont typeface="Arial"/>
-      <a:defRPr b="0" i="0" sz="1400" u="none" cap="none" strike="noStrike">
+      <a:defRPr sz="1400" b="0" i="0" u="none" strike="noStrike" cap="none">
         <a:solidFill>
           <a:srgbClr val="000000"/>
         </a:solidFill>
@@ -676,7 +698,7 @@
         <a:sym typeface="Arial"/>
       </a:defRPr>
     </a:lvl8pPr>
-    <a:lvl9pPr lvl="8" marR="0" rtl="0" algn="l">
+    <a:lvl9pPr marR="0" lvl="8" algn="l" rtl="0">
       <a:lnSpc>
         <a:spcPct val="100000"/>
       </a:lnSpc>
@@ -690,7 +712,7 @@
         <a:srgbClr val="000000"/>
       </a:buClr>
       <a:buFont typeface="Arial"/>
-      <a:defRPr b="0" i="0" sz="1400" u="none" cap="none" strike="noStrike">
+      <a:defRPr sz="1400" b="0" i="0" u="none" strike="noStrike" cap="none">
         <a:solidFill>
           <a:srgbClr val="000000"/>
         </a:solidFill>
@@ -705,11 +727,11 @@
 </file>
 
 <file path=ppt/notesSlides/notesSlide1.xml><?xml version="1.0" encoding="utf-8"?>
-<p:notes xmlns:a="http://schemas.openxmlformats.org/drawingml/2006/main" xmlns:r="http://schemas.openxmlformats.org/officeDocument/2006/relationships" xmlns:mc="http://schemas.openxmlformats.org/markup-compatibility/2006" xmlns:mv="urn:schemas-microsoft-com:mac:vml" xmlns:p="http://schemas.openxmlformats.org/presentationml/2006/main" xmlns:c="http://schemas.openxmlformats.org/drawingml/2006/chart" xmlns:dgm="http://schemas.openxmlformats.org/drawingml/2006/diagram" xmlns:o="urn:schemas-microsoft-com:office:office" xmlns:v="urn:schemas-microsoft-com:vml" xmlns:pvml="urn:schemas-microsoft-com:office:powerpoint" xmlns:com="http://schemas.openxmlformats.org/drawingml/2006/compatibility" xmlns:p14="http://schemas.microsoft.com/office/powerpoint/2010/main" xmlns:p15="http://schemas.microsoft.com/office/powerpoint/2012/main" xmlns:ahyp="http://schemas.microsoft.com/office/drawing/2018/hyperlinkcolor" showMasterPhAnim="0" showMasterSp="0">
+<p:notes xmlns:a="http://schemas.openxmlformats.org/drawingml/2006/main" xmlns:r="http://schemas.openxmlformats.org/officeDocument/2006/relationships" xmlns:p="http://schemas.openxmlformats.org/presentationml/2006/main" showMasterSp="0" showMasterPhAnim="0">
   <p:cSld>
     <p:spTree>
       <p:nvGrpSpPr>
-        <p:cNvPr id="50" name="Shape 50"/>
+        <p:cNvPr id="1" name="Shape 50"/>
         <p:cNvGrpSpPr/>
         <p:nvPr/>
       </p:nvGrpSpPr>
@@ -724,20 +746,26 @@
       <p:sp>
         <p:nvSpPr>
           <p:cNvPr id="51" name="Google Shape;51;p:notes"/>
-          <p:cNvSpPr/>
+          <p:cNvSpPr>
+            <a:spLocks noGrp="1" noRot="1" noChangeAspect="1"/>
+          </p:cNvSpPr>
           <p:nvPr>
-            <p:ph idx="2" type="sldImg"/>
+            <p:ph type="sldImg" idx="2"/>
           </p:nvPr>
         </p:nvSpPr>
         <p:spPr>
           <a:xfrm>
-            <a:off x="381300" y="685800"/>
-            <a:ext cx="6096075" cy="3429000"/>
+            <a:off x="381000" y="685800"/>
+            <a:ext cx="6096000" cy="3429000"/>
           </a:xfrm>
           <a:custGeom>
-            <a:rect b="b" l="l" r="r" t="t"/>
+            <a:avLst/>
+            <a:gdLst/>
+            <a:ahLst/>
+            <a:cxnLst/>
+            <a:rect l="l" t="t" r="r" b="b"/>
             <a:pathLst>
-              <a:path extrusionOk="0" h="120000" w="120000">
+              <a:path w="120000" h="120000" extrusionOk="0">
                 <a:moveTo>
                   <a:pt x="0" y="0"/>
                 </a:moveTo>
@@ -759,9 +787,11 @@
       <p:sp>
         <p:nvSpPr>
           <p:cNvPr id="52" name="Google Shape;52;p:notes"/>
-          <p:cNvSpPr txBox="1"/>
+          <p:cNvSpPr txBox="1">
+            <a:spLocks noGrp="1"/>
+          </p:cNvSpPr>
           <p:nvPr>
-            <p:ph idx="1" type="body"/>
+            <p:ph type="body" idx="1"/>
           </p:nvPr>
         </p:nvSpPr>
         <p:spPr>
@@ -774,23 +804,20 @@
           </a:prstGeom>
         </p:spPr>
         <p:txBody>
-          <a:bodyPr anchorCtr="0" anchor="t" bIns="91425" lIns="91425" spcFirstLastPara="1" rIns="91425" wrap="square" tIns="91425">
+          <a:bodyPr spcFirstLastPara="1" wrap="square" lIns="91425" tIns="91425" rIns="91425" bIns="91425" anchor="t" anchorCtr="0">
             <a:noAutofit/>
           </a:bodyPr>
           <a:lstStyle/>
           <a:p>
-            <a:pPr indent="0" lvl="0" marL="0" rtl="0" algn="l">
-              <a:spcBef>
-                <a:spcPts val="0"/>
-              </a:spcBef>
-              <a:spcAft>
-                <a:spcPts val="0"/>
-              </a:spcAft>
-              <a:buNone/>
-            </a:pPr>
-            <a:r>
-              <a:t/>
-            </a:r>
+            <a:pPr marL="0" lvl="0" indent="0" algn="l" rtl="0">
+              <a:spcBef>
+                <a:spcPts val="0"/>
+              </a:spcBef>
+              <a:spcAft>
+                <a:spcPts val="0"/>
+              </a:spcAft>
+              <a:buNone/>
+            </a:pPr>
             <a:endParaRPr/>
           </a:p>
         </p:txBody>
@@ -804,11 +831,11 @@
 </file>
 
 <file path=ppt/notesSlides/notesSlide10.xml><?xml version="1.0" encoding="utf-8"?>
-<p:notes xmlns:a="http://schemas.openxmlformats.org/drawingml/2006/main" xmlns:r="http://schemas.openxmlformats.org/officeDocument/2006/relationships" xmlns:mc="http://schemas.openxmlformats.org/markup-compatibility/2006" xmlns:mv="urn:schemas-microsoft-com:mac:vml" xmlns:p="http://schemas.openxmlformats.org/presentationml/2006/main" xmlns:c="http://schemas.openxmlformats.org/drawingml/2006/chart" xmlns:dgm="http://schemas.openxmlformats.org/drawingml/2006/diagram" xmlns:o="urn:schemas-microsoft-com:office:office" xmlns:v="urn:schemas-microsoft-com:vml" xmlns:pvml="urn:schemas-microsoft-com:office:powerpoint" xmlns:com="http://schemas.openxmlformats.org/drawingml/2006/compatibility" xmlns:p14="http://schemas.microsoft.com/office/powerpoint/2010/main" xmlns:p15="http://schemas.microsoft.com/office/powerpoint/2012/main" xmlns:ahyp="http://schemas.microsoft.com/office/drawing/2018/hyperlinkcolor" showMasterPhAnim="0" showMasterSp="0">
+<p:notes xmlns:a="http://schemas.openxmlformats.org/drawingml/2006/main" xmlns:r="http://schemas.openxmlformats.org/officeDocument/2006/relationships" xmlns:p="http://schemas.openxmlformats.org/presentationml/2006/main" showMasterSp="0" showMasterPhAnim="0">
   <p:cSld>
     <p:spTree>
       <p:nvGrpSpPr>
-        <p:cNvPr id="108" name="Shape 108"/>
+        <p:cNvPr id="1" name="Shape 108"/>
         <p:cNvGrpSpPr/>
         <p:nvPr/>
       </p:nvGrpSpPr>
@@ -823,20 +850,26 @@
       <p:sp>
         <p:nvSpPr>
           <p:cNvPr id="109" name="Google Shape;109;g126d66c4844_0_10:notes"/>
-          <p:cNvSpPr/>
+          <p:cNvSpPr>
+            <a:spLocks noGrp="1" noRot="1" noChangeAspect="1"/>
+          </p:cNvSpPr>
           <p:nvPr>
-            <p:ph idx="2" type="sldImg"/>
+            <p:ph type="sldImg" idx="2"/>
           </p:nvPr>
         </p:nvSpPr>
         <p:spPr>
           <a:xfrm>
-            <a:off x="381300" y="685800"/>
+            <a:off x="381000" y="685800"/>
             <a:ext cx="6096000" cy="3429000"/>
           </a:xfrm>
           <a:custGeom>
-            <a:rect b="b" l="l" r="r" t="t"/>
+            <a:avLst/>
+            <a:gdLst/>
+            <a:ahLst/>
+            <a:cxnLst/>
+            <a:rect l="l" t="t" r="r" b="b"/>
             <a:pathLst>
-              <a:path extrusionOk="0" h="120000" w="120000">
+              <a:path w="120000" h="120000" extrusionOk="0">
                 <a:moveTo>
                   <a:pt x="0" y="0"/>
                 </a:moveTo>
@@ -858,9 +891,11 @@
       <p:sp>
         <p:nvSpPr>
           <p:cNvPr id="110" name="Google Shape;110;g126d66c4844_0_10:notes"/>
-          <p:cNvSpPr txBox="1"/>
+          <p:cNvSpPr txBox="1">
+            <a:spLocks noGrp="1"/>
+          </p:cNvSpPr>
           <p:nvPr>
-            <p:ph idx="1" type="body"/>
+            <p:ph type="body" idx="1"/>
           </p:nvPr>
         </p:nvSpPr>
         <p:spPr>
@@ -873,23 +908,20 @@
           </a:prstGeom>
         </p:spPr>
         <p:txBody>
-          <a:bodyPr anchorCtr="0" anchor="t" bIns="91425" lIns="91425" spcFirstLastPara="1" rIns="91425" wrap="square" tIns="91425">
+          <a:bodyPr spcFirstLastPara="1" wrap="square" lIns="91425" tIns="91425" rIns="91425" bIns="91425" anchor="t" anchorCtr="0">
             <a:noAutofit/>
           </a:bodyPr>
           <a:lstStyle/>
           <a:p>
-            <a:pPr indent="0" lvl="0" marL="0" rtl="0" algn="l">
-              <a:spcBef>
-                <a:spcPts val="0"/>
-              </a:spcBef>
-              <a:spcAft>
-                <a:spcPts val="0"/>
-              </a:spcAft>
-              <a:buNone/>
-            </a:pPr>
-            <a:r>
-              <a:t/>
-            </a:r>
+            <a:pPr marL="0" lvl="0" indent="0" algn="l" rtl="0">
+              <a:spcBef>
+                <a:spcPts val="0"/>
+              </a:spcBef>
+              <a:spcAft>
+                <a:spcPts val="0"/>
+              </a:spcAft>
+              <a:buNone/>
+            </a:pPr>
             <a:endParaRPr/>
           </a:p>
         </p:txBody>
@@ -903,11 +935,11 @@
 </file>
 
 <file path=ppt/notesSlides/notesSlide11.xml><?xml version="1.0" encoding="utf-8"?>
-<p:notes xmlns:a="http://schemas.openxmlformats.org/drawingml/2006/main" xmlns:r="http://schemas.openxmlformats.org/officeDocument/2006/relationships" xmlns:mc="http://schemas.openxmlformats.org/markup-compatibility/2006" xmlns:mv="urn:schemas-microsoft-com:mac:vml" xmlns:p="http://schemas.openxmlformats.org/presentationml/2006/main" xmlns:c="http://schemas.openxmlformats.org/drawingml/2006/chart" xmlns:dgm="http://schemas.openxmlformats.org/drawingml/2006/diagram" xmlns:o="urn:schemas-microsoft-com:office:office" xmlns:v="urn:schemas-microsoft-com:vml" xmlns:pvml="urn:schemas-microsoft-com:office:powerpoint" xmlns:com="http://schemas.openxmlformats.org/drawingml/2006/compatibility" xmlns:p14="http://schemas.microsoft.com/office/powerpoint/2010/main" xmlns:p15="http://schemas.microsoft.com/office/powerpoint/2012/main" xmlns:ahyp="http://schemas.microsoft.com/office/drawing/2018/hyperlinkcolor" showMasterPhAnim="0" showMasterSp="0">
+<p:notes xmlns:a="http://schemas.openxmlformats.org/drawingml/2006/main" xmlns:r="http://schemas.openxmlformats.org/officeDocument/2006/relationships" xmlns:p="http://schemas.openxmlformats.org/presentationml/2006/main" showMasterSp="0" showMasterPhAnim="0">
   <p:cSld>
     <p:spTree>
       <p:nvGrpSpPr>
-        <p:cNvPr id="115" name="Shape 115"/>
+        <p:cNvPr id="1" name="Shape 115"/>
         <p:cNvGrpSpPr/>
         <p:nvPr/>
       </p:nvGrpSpPr>
@@ -922,20 +954,26 @@
       <p:sp>
         <p:nvSpPr>
           <p:cNvPr id="116" name="Google Shape;116;g12681677524_0_31:notes"/>
-          <p:cNvSpPr/>
+          <p:cNvSpPr>
+            <a:spLocks noGrp="1" noRot="1" noChangeAspect="1"/>
+          </p:cNvSpPr>
           <p:nvPr>
-            <p:ph idx="2" type="sldImg"/>
+            <p:ph type="sldImg" idx="2"/>
           </p:nvPr>
         </p:nvSpPr>
         <p:spPr>
           <a:xfrm>
-            <a:off x="381300" y="685800"/>
+            <a:off x="381000" y="685800"/>
             <a:ext cx="6096000" cy="3429000"/>
           </a:xfrm>
           <a:custGeom>
-            <a:rect b="b" l="l" r="r" t="t"/>
+            <a:avLst/>
+            <a:gdLst/>
+            <a:ahLst/>
+            <a:cxnLst/>
+            <a:rect l="l" t="t" r="r" b="b"/>
             <a:pathLst>
-              <a:path extrusionOk="0" h="120000" w="120000">
+              <a:path w="120000" h="120000" extrusionOk="0">
                 <a:moveTo>
                   <a:pt x="0" y="0"/>
                 </a:moveTo>
@@ -957,9 +995,11 @@
       <p:sp>
         <p:nvSpPr>
           <p:cNvPr id="117" name="Google Shape;117;g12681677524_0_31:notes"/>
-          <p:cNvSpPr txBox="1"/>
+          <p:cNvSpPr txBox="1">
+            <a:spLocks noGrp="1"/>
+          </p:cNvSpPr>
           <p:nvPr>
-            <p:ph idx="1" type="body"/>
+            <p:ph type="body" idx="1"/>
           </p:nvPr>
         </p:nvSpPr>
         <p:spPr>
@@ -972,23 +1012,20 @@
           </a:prstGeom>
         </p:spPr>
         <p:txBody>
-          <a:bodyPr anchorCtr="0" anchor="t" bIns="91425" lIns="91425" spcFirstLastPara="1" rIns="91425" wrap="square" tIns="91425">
+          <a:bodyPr spcFirstLastPara="1" wrap="square" lIns="91425" tIns="91425" rIns="91425" bIns="91425" anchor="t" anchorCtr="0">
             <a:noAutofit/>
           </a:bodyPr>
           <a:lstStyle/>
           <a:p>
-            <a:pPr indent="0" lvl="0" marL="0" rtl="0" algn="l">
-              <a:spcBef>
-                <a:spcPts val="0"/>
-              </a:spcBef>
-              <a:spcAft>
-                <a:spcPts val="0"/>
-              </a:spcAft>
-              <a:buNone/>
-            </a:pPr>
-            <a:r>
-              <a:t/>
-            </a:r>
+            <a:pPr marL="0" lvl="0" indent="0" algn="l" rtl="0">
+              <a:spcBef>
+                <a:spcPts val="0"/>
+              </a:spcBef>
+              <a:spcAft>
+                <a:spcPts val="0"/>
+              </a:spcAft>
+              <a:buNone/>
+            </a:pPr>
             <a:endParaRPr/>
           </a:p>
         </p:txBody>
@@ -1002,11 +1039,11 @@
 </file>
 
 <file path=ppt/notesSlides/notesSlide12.xml><?xml version="1.0" encoding="utf-8"?>
-<p:notes xmlns:a="http://schemas.openxmlformats.org/drawingml/2006/main" xmlns:r="http://schemas.openxmlformats.org/officeDocument/2006/relationships" xmlns:mc="http://schemas.openxmlformats.org/markup-compatibility/2006" xmlns:mv="urn:schemas-microsoft-com:mac:vml" xmlns:p="http://schemas.openxmlformats.org/presentationml/2006/main" xmlns:c="http://schemas.openxmlformats.org/drawingml/2006/chart" xmlns:dgm="http://schemas.openxmlformats.org/drawingml/2006/diagram" xmlns:o="urn:schemas-microsoft-com:office:office" xmlns:v="urn:schemas-microsoft-com:vml" xmlns:pvml="urn:schemas-microsoft-com:office:powerpoint" xmlns:com="http://schemas.openxmlformats.org/drawingml/2006/compatibility" xmlns:p14="http://schemas.microsoft.com/office/powerpoint/2010/main" xmlns:p15="http://schemas.microsoft.com/office/powerpoint/2012/main" xmlns:ahyp="http://schemas.microsoft.com/office/drawing/2018/hyperlinkcolor" showMasterPhAnim="0" showMasterSp="0">
+<p:notes xmlns:a="http://schemas.openxmlformats.org/drawingml/2006/main" xmlns:r="http://schemas.openxmlformats.org/officeDocument/2006/relationships" xmlns:p="http://schemas.openxmlformats.org/presentationml/2006/main" showMasterSp="0" showMasterPhAnim="0">
   <p:cSld>
     <p:spTree>
       <p:nvGrpSpPr>
-        <p:cNvPr id="121" name="Shape 121"/>
+        <p:cNvPr id="1" name="Shape 121"/>
         <p:cNvGrpSpPr/>
         <p:nvPr/>
       </p:nvGrpSpPr>
@@ -1021,20 +1058,26 @@
       <p:sp>
         <p:nvSpPr>
           <p:cNvPr id="122" name="Google Shape;122;g12681677524_0_41:notes"/>
-          <p:cNvSpPr/>
+          <p:cNvSpPr>
+            <a:spLocks noGrp="1" noRot="1" noChangeAspect="1"/>
+          </p:cNvSpPr>
           <p:nvPr>
-            <p:ph idx="2" type="sldImg"/>
+            <p:ph type="sldImg" idx="2"/>
           </p:nvPr>
         </p:nvSpPr>
         <p:spPr>
           <a:xfrm>
-            <a:off x="381300" y="685800"/>
+            <a:off x="381000" y="685800"/>
             <a:ext cx="6096000" cy="3429000"/>
           </a:xfrm>
           <a:custGeom>
-            <a:rect b="b" l="l" r="r" t="t"/>
+            <a:avLst/>
+            <a:gdLst/>
+            <a:ahLst/>
+            <a:cxnLst/>
+            <a:rect l="l" t="t" r="r" b="b"/>
             <a:pathLst>
-              <a:path extrusionOk="0" h="120000" w="120000">
+              <a:path w="120000" h="120000" extrusionOk="0">
                 <a:moveTo>
                   <a:pt x="0" y="0"/>
                 </a:moveTo>
@@ -1056,9 +1099,11 @@
       <p:sp>
         <p:nvSpPr>
           <p:cNvPr id="123" name="Google Shape;123;g12681677524_0_41:notes"/>
-          <p:cNvSpPr txBox="1"/>
+          <p:cNvSpPr txBox="1">
+            <a:spLocks noGrp="1"/>
+          </p:cNvSpPr>
           <p:nvPr>
-            <p:ph idx="1" type="body"/>
+            <p:ph type="body" idx="1"/>
           </p:nvPr>
         </p:nvSpPr>
         <p:spPr>
@@ -1071,12 +1116,12 @@
           </a:prstGeom>
         </p:spPr>
         <p:txBody>
-          <a:bodyPr anchorCtr="0" anchor="t" bIns="91425" lIns="91425" spcFirstLastPara="1" rIns="91425" wrap="square" tIns="91425">
+          <a:bodyPr spcFirstLastPara="1" wrap="square" lIns="91425" tIns="91425" rIns="91425" bIns="91425" anchor="t" anchorCtr="0">
             <a:noAutofit/>
           </a:bodyPr>
           <a:lstStyle/>
           <a:p>
-            <a:pPr indent="0" lvl="0" marL="0" rtl="0" algn="l">
+            <a:pPr marL="0" lvl="0" indent="0" algn="l" rtl="0">
               <a:lnSpc>
                 <a:spcPct val="115000"/>
               </a:lnSpc>
@@ -1088,9 +1133,6 @@
               </a:spcAft>
               <a:buNone/>
             </a:pPr>
-            <a:r>
-              <a:t/>
-            </a:r>
             <a:endParaRPr/>
           </a:p>
         </p:txBody>
@@ -1104,11 +1146,11 @@
 </file>
 
 <file path=ppt/notesSlides/notesSlide13.xml><?xml version="1.0" encoding="utf-8"?>
-<p:notes xmlns:a="http://schemas.openxmlformats.org/drawingml/2006/main" xmlns:r="http://schemas.openxmlformats.org/officeDocument/2006/relationships" xmlns:mc="http://schemas.openxmlformats.org/markup-compatibility/2006" xmlns:mv="urn:schemas-microsoft-com:mac:vml" xmlns:p="http://schemas.openxmlformats.org/presentationml/2006/main" xmlns:c="http://schemas.openxmlformats.org/drawingml/2006/chart" xmlns:dgm="http://schemas.openxmlformats.org/drawingml/2006/diagram" xmlns:o="urn:schemas-microsoft-com:office:office" xmlns:v="urn:schemas-microsoft-com:vml" xmlns:pvml="urn:schemas-microsoft-com:office:powerpoint" xmlns:com="http://schemas.openxmlformats.org/drawingml/2006/compatibility" xmlns:p14="http://schemas.microsoft.com/office/powerpoint/2010/main" xmlns:p15="http://schemas.microsoft.com/office/powerpoint/2012/main" xmlns:ahyp="http://schemas.microsoft.com/office/drawing/2018/hyperlinkcolor" showMasterPhAnim="0" showMasterSp="0">
+<p:notes xmlns:a="http://schemas.openxmlformats.org/drawingml/2006/main" xmlns:r="http://schemas.openxmlformats.org/officeDocument/2006/relationships" xmlns:p="http://schemas.openxmlformats.org/presentationml/2006/main" showMasterSp="0" showMasterPhAnim="0">
   <p:cSld>
     <p:spTree>
       <p:nvGrpSpPr>
-        <p:cNvPr id="127" name="Shape 127"/>
+        <p:cNvPr id="1" name="Shape 127"/>
         <p:cNvGrpSpPr/>
         <p:nvPr/>
       </p:nvGrpSpPr>
@@ -1123,20 +1165,26 @@
       <p:sp>
         <p:nvSpPr>
           <p:cNvPr id="128" name="Google Shape;128;g126d66c4844_0_15:notes"/>
-          <p:cNvSpPr/>
+          <p:cNvSpPr>
+            <a:spLocks noGrp="1" noRot="1" noChangeAspect="1"/>
+          </p:cNvSpPr>
           <p:nvPr>
-            <p:ph idx="2" type="sldImg"/>
+            <p:ph type="sldImg" idx="2"/>
           </p:nvPr>
         </p:nvSpPr>
         <p:spPr>
           <a:xfrm>
-            <a:off x="381300" y="685800"/>
+            <a:off x="381000" y="685800"/>
             <a:ext cx="6096000" cy="3429000"/>
           </a:xfrm>
           <a:custGeom>
-            <a:rect b="b" l="l" r="r" t="t"/>
+            <a:avLst/>
+            <a:gdLst/>
+            <a:ahLst/>
+            <a:cxnLst/>
+            <a:rect l="l" t="t" r="r" b="b"/>
             <a:pathLst>
-              <a:path extrusionOk="0" h="120000" w="120000">
+              <a:path w="120000" h="120000" extrusionOk="0">
                 <a:moveTo>
                   <a:pt x="0" y="0"/>
                 </a:moveTo>
@@ -1158,9 +1206,11 @@
       <p:sp>
         <p:nvSpPr>
           <p:cNvPr id="129" name="Google Shape;129;g126d66c4844_0_15:notes"/>
-          <p:cNvSpPr txBox="1"/>
+          <p:cNvSpPr txBox="1">
+            <a:spLocks noGrp="1"/>
+          </p:cNvSpPr>
           <p:nvPr>
-            <p:ph idx="1" type="body"/>
+            <p:ph type="body" idx="1"/>
           </p:nvPr>
         </p:nvSpPr>
         <p:spPr>
@@ -1173,23 +1223,20 @@
           </a:prstGeom>
         </p:spPr>
         <p:txBody>
-          <a:bodyPr anchorCtr="0" anchor="t" bIns="91425" lIns="91425" spcFirstLastPara="1" rIns="91425" wrap="square" tIns="91425">
+          <a:bodyPr spcFirstLastPara="1" wrap="square" lIns="91425" tIns="91425" rIns="91425" bIns="91425" anchor="t" anchorCtr="0">
             <a:noAutofit/>
           </a:bodyPr>
           <a:lstStyle/>
           <a:p>
-            <a:pPr indent="0" lvl="0" marL="0" rtl="0" algn="l">
-              <a:spcBef>
-                <a:spcPts val="0"/>
-              </a:spcBef>
-              <a:spcAft>
-                <a:spcPts val="0"/>
-              </a:spcAft>
-              <a:buNone/>
-            </a:pPr>
-            <a:r>
-              <a:t/>
-            </a:r>
+            <a:pPr marL="0" lvl="0" indent="0" algn="l" rtl="0">
+              <a:spcBef>
+                <a:spcPts val="0"/>
+              </a:spcBef>
+              <a:spcAft>
+                <a:spcPts val="0"/>
+              </a:spcAft>
+              <a:buNone/>
+            </a:pPr>
             <a:endParaRPr/>
           </a:p>
         </p:txBody>
@@ -1203,11 +1250,11 @@
 </file>
 
 <file path=ppt/notesSlides/notesSlide14.xml><?xml version="1.0" encoding="utf-8"?>
-<p:notes xmlns:a="http://schemas.openxmlformats.org/drawingml/2006/main" xmlns:r="http://schemas.openxmlformats.org/officeDocument/2006/relationships" xmlns:mc="http://schemas.openxmlformats.org/markup-compatibility/2006" xmlns:mv="urn:schemas-microsoft-com:mac:vml" xmlns:p="http://schemas.openxmlformats.org/presentationml/2006/main" xmlns:c="http://schemas.openxmlformats.org/drawingml/2006/chart" xmlns:dgm="http://schemas.openxmlformats.org/drawingml/2006/diagram" xmlns:o="urn:schemas-microsoft-com:office:office" xmlns:v="urn:schemas-microsoft-com:vml" xmlns:pvml="urn:schemas-microsoft-com:office:powerpoint" xmlns:com="http://schemas.openxmlformats.org/drawingml/2006/compatibility" xmlns:p14="http://schemas.microsoft.com/office/powerpoint/2010/main" xmlns:p15="http://schemas.microsoft.com/office/powerpoint/2012/main" xmlns:ahyp="http://schemas.microsoft.com/office/drawing/2018/hyperlinkcolor" showMasterPhAnim="0" showMasterSp="0">
+<p:notes xmlns:a="http://schemas.openxmlformats.org/drawingml/2006/main" xmlns:r="http://schemas.openxmlformats.org/officeDocument/2006/relationships" xmlns:p="http://schemas.openxmlformats.org/presentationml/2006/main" showMasterSp="0" showMasterPhAnim="0">
   <p:cSld>
     <p:spTree>
       <p:nvGrpSpPr>
-        <p:cNvPr id="134" name="Shape 134"/>
+        <p:cNvPr id="1" name="Shape 134"/>
         <p:cNvGrpSpPr/>
         <p:nvPr/>
       </p:nvGrpSpPr>
@@ -1222,20 +1269,26 @@
       <p:sp>
         <p:nvSpPr>
           <p:cNvPr id="135" name="Google Shape;135;g12681677524_0_36:notes"/>
-          <p:cNvSpPr/>
+          <p:cNvSpPr>
+            <a:spLocks noGrp="1" noRot="1" noChangeAspect="1"/>
+          </p:cNvSpPr>
           <p:nvPr>
-            <p:ph idx="2" type="sldImg"/>
+            <p:ph type="sldImg" idx="2"/>
           </p:nvPr>
         </p:nvSpPr>
         <p:spPr>
           <a:xfrm>
-            <a:off x="381300" y="685800"/>
+            <a:off x="381000" y="685800"/>
             <a:ext cx="6096000" cy="3429000"/>
           </a:xfrm>
           <a:custGeom>
-            <a:rect b="b" l="l" r="r" t="t"/>
+            <a:avLst/>
+            <a:gdLst/>
+            <a:ahLst/>
+            <a:cxnLst/>
+            <a:rect l="l" t="t" r="r" b="b"/>
             <a:pathLst>
-              <a:path extrusionOk="0" h="120000" w="120000">
+              <a:path w="120000" h="120000" extrusionOk="0">
                 <a:moveTo>
                   <a:pt x="0" y="0"/>
                 </a:moveTo>
@@ -1257,9 +1310,11 @@
       <p:sp>
         <p:nvSpPr>
           <p:cNvPr id="136" name="Google Shape;136;g12681677524_0_36:notes"/>
-          <p:cNvSpPr txBox="1"/>
+          <p:cNvSpPr txBox="1">
+            <a:spLocks noGrp="1"/>
+          </p:cNvSpPr>
           <p:nvPr>
-            <p:ph idx="1" type="body"/>
+            <p:ph type="body" idx="1"/>
           </p:nvPr>
         </p:nvSpPr>
         <p:spPr>
@@ -1272,23 +1327,20 @@
           </a:prstGeom>
         </p:spPr>
         <p:txBody>
-          <a:bodyPr anchorCtr="0" anchor="t" bIns="91425" lIns="91425" spcFirstLastPara="1" rIns="91425" wrap="square" tIns="91425">
+          <a:bodyPr spcFirstLastPara="1" wrap="square" lIns="91425" tIns="91425" rIns="91425" bIns="91425" anchor="t" anchorCtr="0">
             <a:noAutofit/>
           </a:bodyPr>
           <a:lstStyle/>
           <a:p>
-            <a:pPr indent="0" lvl="0" marL="0" rtl="0" algn="l">
-              <a:spcBef>
-                <a:spcPts val="0"/>
-              </a:spcBef>
-              <a:spcAft>
-                <a:spcPts val="0"/>
-              </a:spcAft>
-              <a:buNone/>
-            </a:pPr>
-            <a:r>
-              <a:t/>
-            </a:r>
+            <a:pPr marL="0" lvl="0" indent="0" algn="l" rtl="0">
+              <a:spcBef>
+                <a:spcPts val="0"/>
+              </a:spcBef>
+              <a:spcAft>
+                <a:spcPts val="0"/>
+              </a:spcAft>
+              <a:buNone/>
+            </a:pPr>
             <a:endParaRPr/>
           </a:p>
         </p:txBody>
@@ -1302,11 +1354,11 @@
 </file>
 
 <file path=ppt/notesSlides/notesSlide15.xml><?xml version="1.0" encoding="utf-8"?>
-<p:notes xmlns:a="http://schemas.openxmlformats.org/drawingml/2006/main" xmlns:r="http://schemas.openxmlformats.org/officeDocument/2006/relationships" xmlns:mc="http://schemas.openxmlformats.org/markup-compatibility/2006" xmlns:mv="urn:schemas-microsoft-com:mac:vml" xmlns:p="http://schemas.openxmlformats.org/presentationml/2006/main" xmlns:c="http://schemas.openxmlformats.org/drawingml/2006/chart" xmlns:dgm="http://schemas.openxmlformats.org/drawingml/2006/diagram" xmlns:o="urn:schemas-microsoft-com:office:office" xmlns:v="urn:schemas-microsoft-com:vml" xmlns:pvml="urn:schemas-microsoft-com:office:powerpoint" xmlns:com="http://schemas.openxmlformats.org/drawingml/2006/compatibility" xmlns:p14="http://schemas.microsoft.com/office/powerpoint/2010/main" xmlns:p15="http://schemas.microsoft.com/office/powerpoint/2012/main" xmlns:ahyp="http://schemas.microsoft.com/office/drawing/2018/hyperlinkcolor" showMasterPhAnim="0" showMasterSp="0">
+<p:notes xmlns:a="http://schemas.openxmlformats.org/drawingml/2006/main" xmlns:r="http://schemas.openxmlformats.org/officeDocument/2006/relationships" xmlns:p="http://schemas.openxmlformats.org/presentationml/2006/main" showMasterSp="0" showMasterPhAnim="0">
   <p:cSld>
     <p:spTree>
       <p:nvGrpSpPr>
-        <p:cNvPr id="140" name="Shape 140"/>
+        <p:cNvPr id="1" name="Shape 140"/>
         <p:cNvGrpSpPr/>
         <p:nvPr/>
       </p:nvGrpSpPr>
@@ -1321,20 +1373,26 @@
       <p:sp>
         <p:nvSpPr>
           <p:cNvPr id="141" name="Google Shape;141;g12681677524_0_46:notes"/>
-          <p:cNvSpPr/>
+          <p:cNvSpPr>
+            <a:spLocks noGrp="1" noRot="1" noChangeAspect="1"/>
+          </p:cNvSpPr>
           <p:nvPr>
-            <p:ph idx="2" type="sldImg"/>
+            <p:ph type="sldImg" idx="2"/>
           </p:nvPr>
         </p:nvSpPr>
         <p:spPr>
           <a:xfrm>
-            <a:off x="381300" y="685800"/>
+            <a:off x="381000" y="685800"/>
             <a:ext cx="6096000" cy="3429000"/>
           </a:xfrm>
           <a:custGeom>
-            <a:rect b="b" l="l" r="r" t="t"/>
+            <a:avLst/>
+            <a:gdLst/>
+            <a:ahLst/>
+            <a:cxnLst/>
+            <a:rect l="l" t="t" r="r" b="b"/>
             <a:pathLst>
-              <a:path extrusionOk="0" h="120000" w="120000">
+              <a:path w="120000" h="120000" extrusionOk="0">
                 <a:moveTo>
                   <a:pt x="0" y="0"/>
                 </a:moveTo>
@@ -1356,9 +1414,11 @@
       <p:sp>
         <p:nvSpPr>
           <p:cNvPr id="142" name="Google Shape;142;g12681677524_0_46:notes"/>
-          <p:cNvSpPr txBox="1"/>
+          <p:cNvSpPr txBox="1">
+            <a:spLocks noGrp="1"/>
+          </p:cNvSpPr>
           <p:nvPr>
-            <p:ph idx="1" type="body"/>
+            <p:ph type="body" idx="1"/>
           </p:nvPr>
         </p:nvSpPr>
         <p:spPr>
@@ -1371,23 +1431,20 @@
           </a:prstGeom>
         </p:spPr>
         <p:txBody>
-          <a:bodyPr anchorCtr="0" anchor="t" bIns="91425" lIns="91425" spcFirstLastPara="1" rIns="91425" wrap="square" tIns="91425">
+          <a:bodyPr spcFirstLastPara="1" wrap="square" lIns="91425" tIns="91425" rIns="91425" bIns="91425" anchor="t" anchorCtr="0">
             <a:noAutofit/>
           </a:bodyPr>
           <a:lstStyle/>
           <a:p>
-            <a:pPr indent="0" lvl="0" marL="0" rtl="0" algn="l">
-              <a:spcBef>
-                <a:spcPts val="0"/>
-              </a:spcBef>
-              <a:spcAft>
-                <a:spcPts val="0"/>
-              </a:spcAft>
-              <a:buNone/>
-            </a:pPr>
-            <a:r>
-              <a:t/>
-            </a:r>
+            <a:pPr marL="0" lvl="0" indent="0" algn="l" rtl="0">
+              <a:spcBef>
+                <a:spcPts val="0"/>
+              </a:spcBef>
+              <a:spcAft>
+                <a:spcPts val="0"/>
+              </a:spcAft>
+              <a:buNone/>
+            </a:pPr>
             <a:endParaRPr/>
           </a:p>
         </p:txBody>
@@ -1401,11 +1458,11 @@
 </file>
 
 <file path=ppt/notesSlides/notesSlide16.xml><?xml version="1.0" encoding="utf-8"?>
-<p:notes xmlns:a="http://schemas.openxmlformats.org/drawingml/2006/main" xmlns:r="http://schemas.openxmlformats.org/officeDocument/2006/relationships" xmlns:mc="http://schemas.openxmlformats.org/markup-compatibility/2006" xmlns:mv="urn:schemas-microsoft-com:mac:vml" xmlns:p="http://schemas.openxmlformats.org/presentationml/2006/main" xmlns:c="http://schemas.openxmlformats.org/drawingml/2006/chart" xmlns:dgm="http://schemas.openxmlformats.org/drawingml/2006/diagram" xmlns:o="urn:schemas-microsoft-com:office:office" xmlns:v="urn:schemas-microsoft-com:vml" xmlns:pvml="urn:schemas-microsoft-com:office:powerpoint" xmlns:com="http://schemas.openxmlformats.org/drawingml/2006/compatibility" xmlns:p14="http://schemas.microsoft.com/office/powerpoint/2010/main" xmlns:p15="http://schemas.microsoft.com/office/powerpoint/2012/main" xmlns:ahyp="http://schemas.microsoft.com/office/drawing/2018/hyperlinkcolor" showMasterPhAnim="0" showMasterSp="0">
+<p:notes xmlns:a="http://schemas.openxmlformats.org/drawingml/2006/main" xmlns:r="http://schemas.openxmlformats.org/officeDocument/2006/relationships" xmlns:p="http://schemas.openxmlformats.org/presentationml/2006/main" showMasterSp="0" showMasterPhAnim="0">
   <p:cSld>
     <p:spTree>
       <p:nvGrpSpPr>
-        <p:cNvPr id="146" name="Shape 146"/>
+        <p:cNvPr id="1" name="Shape 146"/>
         <p:cNvGrpSpPr/>
         <p:nvPr/>
       </p:nvGrpSpPr>
@@ -1420,20 +1477,26 @@
       <p:sp>
         <p:nvSpPr>
           <p:cNvPr id="147" name="Google Shape;147;g12681677524_0_66:notes"/>
-          <p:cNvSpPr/>
+          <p:cNvSpPr>
+            <a:spLocks noGrp="1" noRot="1" noChangeAspect="1"/>
+          </p:cNvSpPr>
           <p:nvPr>
-            <p:ph idx="2" type="sldImg"/>
+            <p:ph type="sldImg" idx="2"/>
           </p:nvPr>
         </p:nvSpPr>
         <p:spPr>
           <a:xfrm>
-            <a:off x="381300" y="685800"/>
+            <a:off x="381000" y="685800"/>
             <a:ext cx="6096000" cy="3429000"/>
           </a:xfrm>
           <a:custGeom>
-            <a:rect b="b" l="l" r="r" t="t"/>
+            <a:avLst/>
+            <a:gdLst/>
+            <a:ahLst/>
+            <a:cxnLst/>
+            <a:rect l="l" t="t" r="r" b="b"/>
             <a:pathLst>
-              <a:path extrusionOk="0" h="120000" w="120000">
+              <a:path w="120000" h="120000" extrusionOk="0">
                 <a:moveTo>
                   <a:pt x="0" y="0"/>
                 </a:moveTo>
@@ -1455,9 +1518,11 @@
       <p:sp>
         <p:nvSpPr>
           <p:cNvPr id="148" name="Google Shape;148;g12681677524_0_66:notes"/>
-          <p:cNvSpPr txBox="1"/>
+          <p:cNvSpPr txBox="1">
+            <a:spLocks noGrp="1"/>
+          </p:cNvSpPr>
           <p:nvPr>
-            <p:ph idx="1" type="body"/>
+            <p:ph type="body" idx="1"/>
           </p:nvPr>
         </p:nvSpPr>
         <p:spPr>
@@ -1470,23 +1535,20 @@
           </a:prstGeom>
         </p:spPr>
         <p:txBody>
-          <a:bodyPr anchorCtr="0" anchor="t" bIns="91425" lIns="91425" spcFirstLastPara="1" rIns="91425" wrap="square" tIns="91425">
+          <a:bodyPr spcFirstLastPara="1" wrap="square" lIns="91425" tIns="91425" rIns="91425" bIns="91425" anchor="t" anchorCtr="0">
             <a:noAutofit/>
           </a:bodyPr>
           <a:lstStyle/>
           <a:p>
-            <a:pPr indent="0" lvl="0" marL="0" rtl="0" algn="l">
-              <a:spcBef>
-                <a:spcPts val="0"/>
-              </a:spcBef>
-              <a:spcAft>
-                <a:spcPts val="0"/>
-              </a:spcAft>
-              <a:buNone/>
-            </a:pPr>
-            <a:r>
-              <a:t/>
-            </a:r>
+            <a:pPr marL="0" lvl="0" indent="0" algn="l" rtl="0">
+              <a:spcBef>
+                <a:spcPts val="0"/>
+              </a:spcBef>
+              <a:spcAft>
+                <a:spcPts val="0"/>
+              </a:spcAft>
+              <a:buNone/>
+            </a:pPr>
             <a:endParaRPr/>
           </a:p>
         </p:txBody>
@@ -1500,11 +1562,11 @@
 </file>
 
 <file path=ppt/notesSlides/notesSlide17.xml><?xml version="1.0" encoding="utf-8"?>
-<p:notes xmlns:a="http://schemas.openxmlformats.org/drawingml/2006/main" xmlns:r="http://schemas.openxmlformats.org/officeDocument/2006/relationships" xmlns:mc="http://schemas.openxmlformats.org/markup-compatibility/2006" xmlns:mv="urn:schemas-microsoft-com:mac:vml" xmlns:p="http://schemas.openxmlformats.org/presentationml/2006/main" xmlns:c="http://schemas.openxmlformats.org/drawingml/2006/chart" xmlns:dgm="http://schemas.openxmlformats.org/drawingml/2006/diagram" xmlns:o="urn:schemas-microsoft-com:office:office" xmlns:v="urn:schemas-microsoft-com:vml" xmlns:pvml="urn:schemas-microsoft-com:office:powerpoint" xmlns:com="http://schemas.openxmlformats.org/drawingml/2006/compatibility" xmlns:p14="http://schemas.microsoft.com/office/powerpoint/2010/main" xmlns:p15="http://schemas.microsoft.com/office/powerpoint/2012/main" xmlns:ahyp="http://schemas.microsoft.com/office/drawing/2018/hyperlinkcolor" showMasterPhAnim="0" showMasterSp="0">
+<p:notes xmlns:a="http://schemas.openxmlformats.org/drawingml/2006/main" xmlns:r="http://schemas.openxmlformats.org/officeDocument/2006/relationships" xmlns:p="http://schemas.openxmlformats.org/presentationml/2006/main" showMasterSp="0" showMasterPhAnim="0">
   <p:cSld>
     <p:spTree>
       <p:nvGrpSpPr>
-        <p:cNvPr id="152" name="Shape 152"/>
+        <p:cNvPr id="1" name="Shape 158"/>
         <p:cNvGrpSpPr/>
         <p:nvPr/>
       </p:nvGrpSpPr>
@@ -1518,21 +1580,27 @@
       </p:grpSpPr>
       <p:sp>
         <p:nvSpPr>
-          <p:cNvPr id="153" name="Google Shape;153;g126d66c4844_0_26:notes"/>
-          <p:cNvSpPr/>
+          <p:cNvPr id="159" name="Google Shape;159;g12681677524_0_56:notes"/>
+          <p:cNvSpPr>
+            <a:spLocks noGrp="1" noRot="1" noChangeAspect="1"/>
+          </p:cNvSpPr>
           <p:nvPr>
-            <p:ph idx="2" type="sldImg"/>
+            <p:ph type="sldImg" idx="2"/>
           </p:nvPr>
         </p:nvSpPr>
         <p:spPr>
           <a:xfrm>
-            <a:off x="381300" y="685800"/>
+            <a:off x="381000" y="685800"/>
             <a:ext cx="6096000" cy="3429000"/>
           </a:xfrm>
           <a:custGeom>
-            <a:rect b="b" l="l" r="r" t="t"/>
+            <a:avLst/>
+            <a:gdLst/>
+            <a:ahLst/>
+            <a:cxnLst/>
+            <a:rect l="l" t="t" r="r" b="b"/>
             <a:pathLst>
-              <a:path extrusionOk="0" h="120000" w="120000">
+              <a:path w="120000" h="120000" extrusionOk="0">
                 <a:moveTo>
                   <a:pt x="0" y="0"/>
                 </a:moveTo>
@@ -1553,10 +1621,12 @@
       </p:sp>
       <p:sp>
         <p:nvSpPr>
-          <p:cNvPr id="154" name="Google Shape;154;g126d66c4844_0_26:notes"/>
-          <p:cNvSpPr txBox="1"/>
+          <p:cNvPr id="160" name="Google Shape;160;g12681677524_0_56:notes"/>
+          <p:cNvSpPr txBox="1">
+            <a:spLocks noGrp="1"/>
+          </p:cNvSpPr>
           <p:nvPr>
-            <p:ph idx="1" type="body"/>
+            <p:ph type="body" idx="1"/>
           </p:nvPr>
         </p:nvSpPr>
         <p:spPr>
@@ -1569,23 +1639,20 @@
           </a:prstGeom>
         </p:spPr>
         <p:txBody>
-          <a:bodyPr anchorCtr="0" anchor="t" bIns="91425" lIns="91425" spcFirstLastPara="1" rIns="91425" wrap="square" tIns="91425">
+          <a:bodyPr spcFirstLastPara="1" wrap="square" lIns="91425" tIns="91425" rIns="91425" bIns="91425" anchor="t" anchorCtr="0">
             <a:noAutofit/>
           </a:bodyPr>
           <a:lstStyle/>
           <a:p>
-            <a:pPr indent="0" lvl="0" marL="0" rtl="0" algn="l">
-              <a:spcBef>
-                <a:spcPts val="0"/>
-              </a:spcBef>
-              <a:spcAft>
-                <a:spcPts val="0"/>
-              </a:spcAft>
-              <a:buNone/>
-            </a:pPr>
-            <a:r>
-              <a:t/>
-            </a:r>
+            <a:pPr marL="0" lvl="0" indent="0" algn="l" rtl="0">
+              <a:spcBef>
+                <a:spcPts val="0"/>
+              </a:spcBef>
+              <a:spcAft>
+                <a:spcPts val="0"/>
+              </a:spcAft>
+              <a:buNone/>
+            </a:pPr>
             <a:endParaRPr/>
           </a:p>
         </p:txBody>
@@ -1599,11 +1666,11 @@
 </file>
 
 <file path=ppt/notesSlides/notesSlide18.xml><?xml version="1.0" encoding="utf-8"?>
-<p:notes xmlns:a="http://schemas.openxmlformats.org/drawingml/2006/main" xmlns:r="http://schemas.openxmlformats.org/officeDocument/2006/relationships" xmlns:mc="http://schemas.openxmlformats.org/markup-compatibility/2006" xmlns:mv="urn:schemas-microsoft-com:mac:vml" xmlns:p="http://schemas.openxmlformats.org/presentationml/2006/main" xmlns:c="http://schemas.openxmlformats.org/drawingml/2006/chart" xmlns:dgm="http://schemas.openxmlformats.org/drawingml/2006/diagram" xmlns:o="urn:schemas-microsoft-com:office:office" xmlns:v="urn:schemas-microsoft-com:vml" xmlns:pvml="urn:schemas-microsoft-com:office:powerpoint" xmlns:com="http://schemas.openxmlformats.org/drawingml/2006/compatibility" xmlns:p14="http://schemas.microsoft.com/office/powerpoint/2010/main" xmlns:p15="http://schemas.microsoft.com/office/powerpoint/2012/main" xmlns:ahyp="http://schemas.microsoft.com/office/drawing/2018/hyperlinkcolor" showMasterPhAnim="0" showMasterSp="0">
+<p:notes xmlns:a="http://schemas.openxmlformats.org/drawingml/2006/main" xmlns:r="http://schemas.openxmlformats.org/officeDocument/2006/relationships" xmlns:p="http://schemas.openxmlformats.org/presentationml/2006/main" showMasterSp="0" showMasterPhAnim="0">
   <p:cSld>
     <p:spTree>
       <p:nvGrpSpPr>
-        <p:cNvPr id="158" name="Shape 158"/>
+        <p:cNvPr id="1" name="Shape 166"/>
         <p:cNvGrpSpPr/>
         <p:nvPr/>
       </p:nvGrpSpPr>
@@ -1617,21 +1684,27 @@
       </p:grpSpPr>
       <p:sp>
         <p:nvSpPr>
-          <p:cNvPr id="159" name="Google Shape;159;g12681677524_0_56:notes"/>
-          <p:cNvSpPr/>
+          <p:cNvPr id="167" name="Google Shape;167;g12681677524_0_61:notes"/>
+          <p:cNvSpPr>
+            <a:spLocks noGrp="1" noRot="1" noChangeAspect="1"/>
+          </p:cNvSpPr>
           <p:nvPr>
-            <p:ph idx="2" type="sldImg"/>
+            <p:ph type="sldImg" idx="2"/>
           </p:nvPr>
         </p:nvSpPr>
         <p:spPr>
           <a:xfrm>
-            <a:off x="381300" y="685800"/>
+            <a:off x="381000" y="685800"/>
             <a:ext cx="6096000" cy="3429000"/>
           </a:xfrm>
           <a:custGeom>
-            <a:rect b="b" l="l" r="r" t="t"/>
+            <a:avLst/>
+            <a:gdLst/>
+            <a:ahLst/>
+            <a:cxnLst/>
+            <a:rect l="l" t="t" r="r" b="b"/>
             <a:pathLst>
-              <a:path extrusionOk="0" h="120000" w="120000">
+              <a:path w="120000" h="120000" extrusionOk="0">
                 <a:moveTo>
                   <a:pt x="0" y="0"/>
                 </a:moveTo>
@@ -1652,10 +1725,12 @@
       </p:sp>
       <p:sp>
         <p:nvSpPr>
-          <p:cNvPr id="160" name="Google Shape;160;g12681677524_0_56:notes"/>
-          <p:cNvSpPr txBox="1"/>
+          <p:cNvPr id="168" name="Google Shape;168;g12681677524_0_61:notes"/>
+          <p:cNvSpPr txBox="1">
+            <a:spLocks noGrp="1"/>
+          </p:cNvSpPr>
           <p:nvPr>
-            <p:ph idx="1" type="body"/>
+            <p:ph type="body" idx="1"/>
           </p:nvPr>
         </p:nvSpPr>
         <p:spPr>
@@ -1668,23 +1743,20 @@
           </a:prstGeom>
         </p:spPr>
         <p:txBody>
-          <a:bodyPr anchorCtr="0" anchor="t" bIns="91425" lIns="91425" spcFirstLastPara="1" rIns="91425" wrap="square" tIns="91425">
+          <a:bodyPr spcFirstLastPara="1" wrap="square" lIns="91425" tIns="91425" rIns="91425" bIns="91425" anchor="t" anchorCtr="0">
             <a:noAutofit/>
           </a:bodyPr>
           <a:lstStyle/>
           <a:p>
-            <a:pPr indent="0" lvl="0" marL="0" rtl="0" algn="l">
-              <a:spcBef>
-                <a:spcPts val="0"/>
-              </a:spcBef>
-              <a:spcAft>
-                <a:spcPts val="0"/>
-              </a:spcAft>
-              <a:buNone/>
-            </a:pPr>
-            <a:r>
-              <a:t/>
-            </a:r>
+            <a:pPr marL="0" lvl="0" indent="0" algn="l" rtl="0">
+              <a:spcBef>
+                <a:spcPts val="0"/>
+              </a:spcBef>
+              <a:spcAft>
+                <a:spcPts val="0"/>
+              </a:spcAft>
+              <a:buNone/>
+            </a:pPr>
             <a:endParaRPr/>
           </a:p>
         </p:txBody>
@@ -1697,12 +1769,12 @@
 </p:notes>
 </file>
 
-<file path=ppt/notesSlides/notesSlide19.xml><?xml version="1.0" encoding="utf-8"?>
-<p:notes xmlns:a="http://schemas.openxmlformats.org/drawingml/2006/main" xmlns:r="http://schemas.openxmlformats.org/officeDocument/2006/relationships" xmlns:mc="http://schemas.openxmlformats.org/markup-compatibility/2006" xmlns:mv="urn:schemas-microsoft-com:mac:vml" xmlns:p="http://schemas.openxmlformats.org/presentationml/2006/main" xmlns:c="http://schemas.openxmlformats.org/drawingml/2006/chart" xmlns:dgm="http://schemas.openxmlformats.org/drawingml/2006/diagram" xmlns:o="urn:schemas-microsoft-com:office:office" xmlns:v="urn:schemas-microsoft-com:vml" xmlns:pvml="urn:schemas-microsoft-com:office:powerpoint" xmlns:com="http://schemas.openxmlformats.org/drawingml/2006/compatibility" xmlns:p14="http://schemas.microsoft.com/office/powerpoint/2010/main" xmlns:p15="http://schemas.microsoft.com/office/powerpoint/2012/main" xmlns:ahyp="http://schemas.microsoft.com/office/drawing/2018/hyperlinkcolor" showMasterPhAnim="0" showMasterSp="0">
+<file path=ppt/notesSlides/notesSlide2.xml><?xml version="1.0" encoding="utf-8"?>
+<p:notes xmlns:a="http://schemas.openxmlformats.org/drawingml/2006/main" xmlns:r="http://schemas.openxmlformats.org/officeDocument/2006/relationships" xmlns:p="http://schemas.openxmlformats.org/presentationml/2006/main" showMasterSp="0" showMasterPhAnim="0">
   <p:cSld>
     <p:spTree>
       <p:nvGrpSpPr>
-        <p:cNvPr id="166" name="Shape 166"/>
+        <p:cNvPr id="1" name="Shape 56"/>
         <p:cNvGrpSpPr/>
         <p:nvPr/>
       </p:nvGrpSpPr>
@@ -1716,21 +1788,27 @@
       </p:grpSpPr>
       <p:sp>
         <p:nvSpPr>
-          <p:cNvPr id="167" name="Google Shape;167;g12681677524_0_61:notes"/>
-          <p:cNvSpPr/>
+          <p:cNvPr id="57" name="Google Shape;57;g132642d8e62_0_5:notes"/>
+          <p:cNvSpPr>
+            <a:spLocks noGrp="1" noRot="1" noChangeAspect="1"/>
+          </p:cNvSpPr>
           <p:nvPr>
-            <p:ph idx="2" type="sldImg"/>
+            <p:ph type="sldImg" idx="2"/>
           </p:nvPr>
         </p:nvSpPr>
         <p:spPr>
           <a:xfrm>
-            <a:off x="381300" y="685800"/>
+            <a:off x="381000" y="685800"/>
             <a:ext cx="6096000" cy="3429000"/>
           </a:xfrm>
           <a:custGeom>
-            <a:rect b="b" l="l" r="r" t="t"/>
+            <a:avLst/>
+            <a:gdLst/>
+            <a:ahLst/>
+            <a:cxnLst/>
+            <a:rect l="l" t="t" r="r" b="b"/>
             <a:pathLst>
-              <a:path extrusionOk="0" h="120000" w="120000">
+              <a:path w="120000" h="120000" extrusionOk="0">
                 <a:moveTo>
                   <a:pt x="0" y="0"/>
                 </a:moveTo>
@@ -1751,10 +1829,12 @@
       </p:sp>
       <p:sp>
         <p:nvSpPr>
-          <p:cNvPr id="168" name="Google Shape;168;g12681677524_0_61:notes"/>
-          <p:cNvSpPr txBox="1"/>
+          <p:cNvPr id="58" name="Google Shape;58;g132642d8e62_0_5:notes"/>
+          <p:cNvSpPr txBox="1">
+            <a:spLocks noGrp="1"/>
+          </p:cNvSpPr>
           <p:nvPr>
-            <p:ph idx="1" type="body"/>
+            <p:ph type="body" idx="1"/>
           </p:nvPr>
         </p:nvSpPr>
         <p:spPr>
@@ -1767,23 +1847,20 @@
           </a:prstGeom>
         </p:spPr>
         <p:txBody>
-          <a:bodyPr anchorCtr="0" anchor="t" bIns="91425" lIns="91425" spcFirstLastPara="1" rIns="91425" wrap="square" tIns="91425">
+          <a:bodyPr spcFirstLastPara="1" wrap="square" lIns="91425" tIns="91425" rIns="91425" bIns="91425" anchor="t" anchorCtr="0">
             <a:noAutofit/>
           </a:bodyPr>
           <a:lstStyle/>
           <a:p>
-            <a:pPr indent="0" lvl="0" marL="0" rtl="0" algn="l">
-              <a:spcBef>
-                <a:spcPts val="0"/>
-              </a:spcBef>
-              <a:spcAft>
-                <a:spcPts val="0"/>
-              </a:spcAft>
-              <a:buNone/>
-            </a:pPr>
-            <a:r>
-              <a:t/>
-            </a:r>
+            <a:pPr marL="0" lvl="0" indent="0" algn="l" rtl="0">
+              <a:spcBef>
+                <a:spcPts val="0"/>
+              </a:spcBef>
+              <a:spcAft>
+                <a:spcPts val="0"/>
+              </a:spcAft>
+              <a:buNone/>
+            </a:pPr>
             <a:endParaRPr/>
           </a:p>
         </p:txBody>
@@ -1796,12 +1873,12 @@
 </p:notes>
 </file>
 
-<file path=ppt/notesSlides/notesSlide2.xml><?xml version="1.0" encoding="utf-8"?>
-<p:notes xmlns:a="http://schemas.openxmlformats.org/drawingml/2006/main" xmlns:r="http://schemas.openxmlformats.org/officeDocument/2006/relationships" xmlns:mc="http://schemas.openxmlformats.org/markup-compatibility/2006" xmlns:mv="urn:schemas-microsoft-com:mac:vml" xmlns:p="http://schemas.openxmlformats.org/presentationml/2006/main" xmlns:c="http://schemas.openxmlformats.org/drawingml/2006/chart" xmlns:dgm="http://schemas.openxmlformats.org/drawingml/2006/diagram" xmlns:o="urn:schemas-microsoft-com:office:office" xmlns:v="urn:schemas-microsoft-com:vml" xmlns:pvml="urn:schemas-microsoft-com:office:powerpoint" xmlns:com="http://schemas.openxmlformats.org/drawingml/2006/compatibility" xmlns:p14="http://schemas.microsoft.com/office/powerpoint/2010/main" xmlns:p15="http://schemas.microsoft.com/office/powerpoint/2012/main" xmlns:ahyp="http://schemas.microsoft.com/office/drawing/2018/hyperlinkcolor" showMasterPhAnim="0" showMasterSp="0">
+<file path=ppt/notesSlides/notesSlide3.xml><?xml version="1.0" encoding="utf-8"?>
+<p:notes xmlns:a="http://schemas.openxmlformats.org/drawingml/2006/main" xmlns:r="http://schemas.openxmlformats.org/officeDocument/2006/relationships" xmlns:p="http://schemas.openxmlformats.org/presentationml/2006/main" showMasterSp="0" showMasterPhAnim="0">
   <p:cSld>
     <p:spTree>
       <p:nvGrpSpPr>
-        <p:cNvPr id="56" name="Shape 56"/>
+        <p:cNvPr id="1" name="Shape 62"/>
         <p:cNvGrpSpPr/>
         <p:nvPr/>
       </p:nvGrpSpPr>
@@ -1815,21 +1892,27 @@
       </p:grpSpPr>
       <p:sp>
         <p:nvSpPr>
-          <p:cNvPr id="57" name="Google Shape;57;g132642d8e62_0_5:notes"/>
-          <p:cNvSpPr/>
+          <p:cNvPr id="63" name="Google Shape;63;g12681677524_0_10:notes"/>
+          <p:cNvSpPr>
+            <a:spLocks noGrp="1" noRot="1" noChangeAspect="1"/>
+          </p:cNvSpPr>
           <p:nvPr>
-            <p:ph idx="2" type="sldImg"/>
+            <p:ph type="sldImg" idx="2"/>
           </p:nvPr>
         </p:nvSpPr>
         <p:spPr>
           <a:xfrm>
-            <a:off x="381300" y="685800"/>
+            <a:off x="381000" y="685800"/>
             <a:ext cx="6096000" cy="3429000"/>
           </a:xfrm>
           <a:custGeom>
-            <a:rect b="b" l="l" r="r" t="t"/>
+            <a:avLst/>
+            <a:gdLst/>
+            <a:ahLst/>
+            <a:cxnLst/>
+            <a:rect l="l" t="t" r="r" b="b"/>
             <a:pathLst>
-              <a:path extrusionOk="0" h="120000" w="120000">
+              <a:path w="120000" h="120000" extrusionOk="0">
                 <a:moveTo>
                   <a:pt x="0" y="0"/>
                 </a:moveTo>
@@ -1850,10 +1933,12 @@
       </p:sp>
       <p:sp>
         <p:nvSpPr>
-          <p:cNvPr id="58" name="Google Shape;58;g132642d8e62_0_5:notes"/>
-          <p:cNvSpPr txBox="1"/>
+          <p:cNvPr id="64" name="Google Shape;64;g12681677524_0_10:notes"/>
+          <p:cNvSpPr txBox="1">
+            <a:spLocks noGrp="1"/>
+          </p:cNvSpPr>
           <p:nvPr>
-            <p:ph idx="1" type="body"/>
+            <p:ph type="body" idx="1"/>
           </p:nvPr>
         </p:nvSpPr>
         <p:spPr>
@@ -1866,23 +1951,20 @@
           </a:prstGeom>
         </p:spPr>
         <p:txBody>
-          <a:bodyPr anchorCtr="0" anchor="t" bIns="91425" lIns="91425" spcFirstLastPara="1" rIns="91425" wrap="square" tIns="91425">
+          <a:bodyPr spcFirstLastPara="1" wrap="square" lIns="91425" tIns="91425" rIns="91425" bIns="91425" anchor="t" anchorCtr="0">
             <a:noAutofit/>
           </a:bodyPr>
           <a:lstStyle/>
           <a:p>
-            <a:pPr indent="0" lvl="0" marL="0" rtl="0" algn="l">
-              <a:spcBef>
-                <a:spcPts val="0"/>
-              </a:spcBef>
-              <a:spcAft>
-                <a:spcPts val="0"/>
-              </a:spcAft>
-              <a:buNone/>
-            </a:pPr>
-            <a:r>
-              <a:t/>
-            </a:r>
+            <a:pPr marL="0" lvl="0" indent="0" algn="l" rtl="0">
+              <a:spcBef>
+                <a:spcPts val="0"/>
+              </a:spcBef>
+              <a:spcAft>
+                <a:spcPts val="0"/>
+              </a:spcAft>
+              <a:buNone/>
+            </a:pPr>
             <a:endParaRPr/>
           </a:p>
         </p:txBody>
@@ -1895,12 +1977,12 @@
 </p:notes>
 </file>
 
-<file path=ppt/notesSlides/notesSlide3.xml><?xml version="1.0" encoding="utf-8"?>
-<p:notes xmlns:a="http://schemas.openxmlformats.org/drawingml/2006/main" xmlns:r="http://schemas.openxmlformats.org/officeDocument/2006/relationships" xmlns:mc="http://schemas.openxmlformats.org/markup-compatibility/2006" xmlns:mv="urn:schemas-microsoft-com:mac:vml" xmlns:p="http://schemas.openxmlformats.org/presentationml/2006/main" xmlns:c="http://schemas.openxmlformats.org/drawingml/2006/chart" xmlns:dgm="http://schemas.openxmlformats.org/drawingml/2006/diagram" xmlns:o="urn:schemas-microsoft-com:office:office" xmlns:v="urn:schemas-microsoft-com:vml" xmlns:pvml="urn:schemas-microsoft-com:office:powerpoint" xmlns:com="http://schemas.openxmlformats.org/drawingml/2006/compatibility" xmlns:p14="http://schemas.microsoft.com/office/powerpoint/2010/main" xmlns:p15="http://schemas.microsoft.com/office/powerpoint/2012/main" xmlns:ahyp="http://schemas.microsoft.com/office/drawing/2018/hyperlinkcolor" showMasterPhAnim="0" showMasterSp="0">
+<file path=ppt/notesSlides/notesSlide4.xml><?xml version="1.0" encoding="utf-8"?>
+<p:notes xmlns:a="http://schemas.openxmlformats.org/drawingml/2006/main" xmlns:r="http://schemas.openxmlformats.org/officeDocument/2006/relationships" xmlns:p="http://schemas.openxmlformats.org/presentationml/2006/main" showMasterSp="0" showMasterPhAnim="0">
   <p:cSld>
     <p:spTree>
       <p:nvGrpSpPr>
-        <p:cNvPr id="62" name="Shape 62"/>
+        <p:cNvPr id="1" name="Shape 68"/>
         <p:cNvGrpSpPr/>
         <p:nvPr/>
       </p:nvGrpSpPr>
@@ -1914,21 +1996,27 @@
       </p:grpSpPr>
       <p:sp>
         <p:nvSpPr>
-          <p:cNvPr id="63" name="Google Shape;63;g12681677524_0_10:notes"/>
-          <p:cNvSpPr/>
+          <p:cNvPr id="69" name="Google Shape;69;g126d66c4844_0_0:notes"/>
+          <p:cNvSpPr>
+            <a:spLocks noGrp="1" noRot="1" noChangeAspect="1"/>
+          </p:cNvSpPr>
           <p:nvPr>
-            <p:ph idx="2" type="sldImg"/>
+            <p:ph type="sldImg" idx="2"/>
           </p:nvPr>
         </p:nvSpPr>
         <p:spPr>
           <a:xfrm>
-            <a:off x="381300" y="685800"/>
+            <a:off x="381000" y="685800"/>
             <a:ext cx="6096000" cy="3429000"/>
           </a:xfrm>
           <a:custGeom>
-            <a:rect b="b" l="l" r="r" t="t"/>
+            <a:avLst/>
+            <a:gdLst/>
+            <a:ahLst/>
+            <a:cxnLst/>
+            <a:rect l="l" t="t" r="r" b="b"/>
             <a:pathLst>
-              <a:path extrusionOk="0" h="120000" w="120000">
+              <a:path w="120000" h="120000" extrusionOk="0">
                 <a:moveTo>
                   <a:pt x="0" y="0"/>
                 </a:moveTo>
@@ -1949,10 +2037,12 @@
       </p:sp>
       <p:sp>
         <p:nvSpPr>
-          <p:cNvPr id="64" name="Google Shape;64;g12681677524_0_10:notes"/>
-          <p:cNvSpPr txBox="1"/>
+          <p:cNvPr id="70" name="Google Shape;70;g126d66c4844_0_0:notes"/>
+          <p:cNvSpPr txBox="1">
+            <a:spLocks noGrp="1"/>
+          </p:cNvSpPr>
           <p:nvPr>
-            <p:ph idx="1" type="body"/>
+            <p:ph type="body" idx="1"/>
           </p:nvPr>
         </p:nvSpPr>
         <p:spPr>
@@ -1965,23 +2055,20 @@
           </a:prstGeom>
         </p:spPr>
         <p:txBody>
-          <a:bodyPr anchorCtr="0" anchor="t" bIns="91425" lIns="91425" spcFirstLastPara="1" rIns="91425" wrap="square" tIns="91425">
+          <a:bodyPr spcFirstLastPara="1" wrap="square" lIns="91425" tIns="91425" rIns="91425" bIns="91425" anchor="t" anchorCtr="0">
             <a:noAutofit/>
           </a:bodyPr>
           <a:lstStyle/>
           <a:p>
-            <a:pPr indent="0" lvl="0" marL="0" rtl="0" algn="l">
-              <a:spcBef>
-                <a:spcPts val="0"/>
-              </a:spcBef>
-              <a:spcAft>
-                <a:spcPts val="0"/>
-              </a:spcAft>
-              <a:buNone/>
-            </a:pPr>
-            <a:r>
-              <a:t/>
-            </a:r>
+            <a:pPr marL="0" lvl="0" indent="0" algn="l" rtl="0">
+              <a:spcBef>
+                <a:spcPts val="0"/>
+              </a:spcBef>
+              <a:spcAft>
+                <a:spcPts val="0"/>
+              </a:spcAft>
+              <a:buNone/>
+            </a:pPr>
             <a:endParaRPr/>
           </a:p>
         </p:txBody>
@@ -1994,12 +2081,12 @@
 </p:notes>
 </file>
 
-<file path=ppt/notesSlides/notesSlide4.xml><?xml version="1.0" encoding="utf-8"?>
-<p:notes xmlns:a="http://schemas.openxmlformats.org/drawingml/2006/main" xmlns:r="http://schemas.openxmlformats.org/officeDocument/2006/relationships" xmlns:mc="http://schemas.openxmlformats.org/markup-compatibility/2006" xmlns:mv="urn:schemas-microsoft-com:mac:vml" xmlns:p="http://schemas.openxmlformats.org/presentationml/2006/main" xmlns:c="http://schemas.openxmlformats.org/drawingml/2006/chart" xmlns:dgm="http://schemas.openxmlformats.org/drawingml/2006/diagram" xmlns:o="urn:schemas-microsoft-com:office:office" xmlns:v="urn:schemas-microsoft-com:vml" xmlns:pvml="urn:schemas-microsoft-com:office:powerpoint" xmlns:com="http://schemas.openxmlformats.org/drawingml/2006/compatibility" xmlns:p14="http://schemas.microsoft.com/office/powerpoint/2010/main" xmlns:p15="http://schemas.microsoft.com/office/powerpoint/2012/main" xmlns:ahyp="http://schemas.microsoft.com/office/drawing/2018/hyperlinkcolor" showMasterPhAnim="0" showMasterSp="0">
+<file path=ppt/notesSlides/notesSlide5.xml><?xml version="1.0" encoding="utf-8"?>
+<p:notes xmlns:a="http://schemas.openxmlformats.org/drawingml/2006/main" xmlns:r="http://schemas.openxmlformats.org/officeDocument/2006/relationships" xmlns:p="http://schemas.openxmlformats.org/presentationml/2006/main" showMasterSp="0" showMasterPhAnim="0">
   <p:cSld>
     <p:spTree>
       <p:nvGrpSpPr>
-        <p:cNvPr id="68" name="Shape 68"/>
+        <p:cNvPr id="1" name="Shape 74"/>
         <p:cNvGrpSpPr/>
         <p:nvPr/>
       </p:nvGrpSpPr>
@@ -2013,21 +2100,27 @@
       </p:grpSpPr>
       <p:sp>
         <p:nvSpPr>
-          <p:cNvPr id="69" name="Google Shape;69;g126d66c4844_0_0:notes"/>
-          <p:cNvSpPr/>
+          <p:cNvPr id="75" name="Google Shape;75;g12681677524_0_0:notes"/>
+          <p:cNvSpPr>
+            <a:spLocks noGrp="1" noRot="1" noChangeAspect="1"/>
+          </p:cNvSpPr>
           <p:nvPr>
-            <p:ph idx="2" type="sldImg"/>
+            <p:ph type="sldImg" idx="2"/>
           </p:nvPr>
         </p:nvSpPr>
         <p:spPr>
           <a:xfrm>
-            <a:off x="381300" y="685800"/>
+            <a:off x="381000" y="685800"/>
             <a:ext cx="6096000" cy="3429000"/>
           </a:xfrm>
           <a:custGeom>
-            <a:rect b="b" l="l" r="r" t="t"/>
+            <a:avLst/>
+            <a:gdLst/>
+            <a:ahLst/>
+            <a:cxnLst/>
+            <a:rect l="l" t="t" r="r" b="b"/>
             <a:pathLst>
-              <a:path extrusionOk="0" h="120000" w="120000">
+              <a:path w="120000" h="120000" extrusionOk="0">
                 <a:moveTo>
                   <a:pt x="0" y="0"/>
                 </a:moveTo>
@@ -2048,10 +2141,12 @@
       </p:sp>
       <p:sp>
         <p:nvSpPr>
-          <p:cNvPr id="70" name="Google Shape;70;g126d66c4844_0_0:notes"/>
-          <p:cNvSpPr txBox="1"/>
+          <p:cNvPr id="76" name="Google Shape;76;g12681677524_0_0:notes"/>
+          <p:cNvSpPr txBox="1">
+            <a:spLocks noGrp="1"/>
+          </p:cNvSpPr>
           <p:nvPr>
-            <p:ph idx="1" type="body"/>
+            <p:ph type="body" idx="1"/>
           </p:nvPr>
         </p:nvSpPr>
         <p:spPr>
@@ -2064,23 +2159,20 @@
           </a:prstGeom>
         </p:spPr>
         <p:txBody>
-          <a:bodyPr anchorCtr="0" anchor="t" bIns="91425" lIns="91425" spcFirstLastPara="1" rIns="91425" wrap="square" tIns="91425">
+          <a:bodyPr spcFirstLastPara="1" wrap="square" lIns="91425" tIns="91425" rIns="91425" bIns="91425" anchor="t" anchorCtr="0">
             <a:noAutofit/>
           </a:bodyPr>
           <a:lstStyle/>
           <a:p>
-            <a:pPr indent="0" lvl="0" marL="0" rtl="0" algn="l">
-              <a:spcBef>
-                <a:spcPts val="0"/>
-              </a:spcBef>
-              <a:spcAft>
-                <a:spcPts val="0"/>
-              </a:spcAft>
-              <a:buNone/>
-            </a:pPr>
-            <a:r>
-              <a:t/>
-            </a:r>
+            <a:pPr marL="0" lvl="0" indent="0" algn="l" rtl="0">
+              <a:spcBef>
+                <a:spcPts val="0"/>
+              </a:spcBef>
+              <a:spcAft>
+                <a:spcPts val="0"/>
+              </a:spcAft>
+              <a:buNone/>
+            </a:pPr>
             <a:endParaRPr/>
           </a:p>
         </p:txBody>
@@ -2093,12 +2185,12 @@
 </p:notes>
 </file>
 
-<file path=ppt/notesSlides/notesSlide5.xml><?xml version="1.0" encoding="utf-8"?>
-<p:notes xmlns:a="http://schemas.openxmlformats.org/drawingml/2006/main" xmlns:r="http://schemas.openxmlformats.org/officeDocument/2006/relationships" xmlns:mc="http://schemas.openxmlformats.org/markup-compatibility/2006" xmlns:mv="urn:schemas-microsoft-com:mac:vml" xmlns:p="http://schemas.openxmlformats.org/presentationml/2006/main" xmlns:c="http://schemas.openxmlformats.org/drawingml/2006/chart" xmlns:dgm="http://schemas.openxmlformats.org/drawingml/2006/diagram" xmlns:o="urn:schemas-microsoft-com:office:office" xmlns:v="urn:schemas-microsoft-com:vml" xmlns:pvml="urn:schemas-microsoft-com:office:powerpoint" xmlns:com="http://schemas.openxmlformats.org/drawingml/2006/compatibility" xmlns:p14="http://schemas.microsoft.com/office/powerpoint/2010/main" xmlns:p15="http://schemas.microsoft.com/office/powerpoint/2012/main" xmlns:ahyp="http://schemas.microsoft.com/office/drawing/2018/hyperlinkcolor" showMasterPhAnim="0" showMasterSp="0">
+<file path=ppt/notesSlides/notesSlide6.xml><?xml version="1.0" encoding="utf-8"?>
+<p:notes xmlns:a="http://schemas.openxmlformats.org/drawingml/2006/main" xmlns:r="http://schemas.openxmlformats.org/officeDocument/2006/relationships" xmlns:p="http://schemas.openxmlformats.org/presentationml/2006/main" showMasterSp="0" showMasterPhAnim="0">
   <p:cSld>
     <p:spTree>
       <p:nvGrpSpPr>
-        <p:cNvPr id="74" name="Shape 74"/>
+        <p:cNvPr id="1" name="Shape 80"/>
         <p:cNvGrpSpPr/>
         <p:nvPr/>
       </p:nvGrpSpPr>
@@ -2112,21 +2204,27 @@
       </p:grpSpPr>
       <p:sp>
         <p:nvSpPr>
-          <p:cNvPr id="75" name="Google Shape;75;g12681677524_0_0:notes"/>
-          <p:cNvSpPr/>
+          <p:cNvPr id="81" name="Google Shape;81;g126d66c4844_0_5:notes"/>
+          <p:cNvSpPr>
+            <a:spLocks noGrp="1" noRot="1" noChangeAspect="1"/>
+          </p:cNvSpPr>
           <p:nvPr>
-            <p:ph idx="2" type="sldImg"/>
+            <p:ph type="sldImg" idx="2"/>
           </p:nvPr>
         </p:nvSpPr>
         <p:spPr>
           <a:xfrm>
-            <a:off x="381300" y="685800"/>
+            <a:off x="381000" y="685800"/>
             <a:ext cx="6096000" cy="3429000"/>
           </a:xfrm>
           <a:custGeom>
-            <a:rect b="b" l="l" r="r" t="t"/>
+            <a:avLst/>
+            <a:gdLst/>
+            <a:ahLst/>
+            <a:cxnLst/>
+            <a:rect l="l" t="t" r="r" b="b"/>
             <a:pathLst>
-              <a:path extrusionOk="0" h="120000" w="120000">
+              <a:path w="120000" h="120000" extrusionOk="0">
                 <a:moveTo>
                   <a:pt x="0" y="0"/>
                 </a:moveTo>
@@ -2147,10 +2245,12 @@
       </p:sp>
       <p:sp>
         <p:nvSpPr>
-          <p:cNvPr id="76" name="Google Shape;76;g12681677524_0_0:notes"/>
-          <p:cNvSpPr txBox="1"/>
+          <p:cNvPr id="82" name="Google Shape;82;g126d66c4844_0_5:notes"/>
+          <p:cNvSpPr txBox="1">
+            <a:spLocks noGrp="1"/>
+          </p:cNvSpPr>
           <p:nvPr>
-            <p:ph idx="1" type="body"/>
+            <p:ph type="body" idx="1"/>
           </p:nvPr>
         </p:nvSpPr>
         <p:spPr>
@@ -2163,23 +2263,20 @@
           </a:prstGeom>
         </p:spPr>
         <p:txBody>
-          <a:bodyPr anchorCtr="0" anchor="t" bIns="91425" lIns="91425" spcFirstLastPara="1" rIns="91425" wrap="square" tIns="91425">
+          <a:bodyPr spcFirstLastPara="1" wrap="square" lIns="91425" tIns="91425" rIns="91425" bIns="91425" anchor="t" anchorCtr="0">
             <a:noAutofit/>
           </a:bodyPr>
           <a:lstStyle/>
           <a:p>
-            <a:pPr indent="0" lvl="0" marL="0" rtl="0" algn="l">
-              <a:spcBef>
-                <a:spcPts val="0"/>
-              </a:spcBef>
-              <a:spcAft>
-                <a:spcPts val="0"/>
-              </a:spcAft>
-              <a:buNone/>
-            </a:pPr>
-            <a:r>
-              <a:t/>
-            </a:r>
+            <a:pPr marL="0" lvl="0" indent="0" algn="l" rtl="0">
+              <a:spcBef>
+                <a:spcPts val="0"/>
+              </a:spcBef>
+              <a:spcAft>
+                <a:spcPts val="0"/>
+              </a:spcAft>
+              <a:buNone/>
+            </a:pPr>
             <a:endParaRPr/>
           </a:p>
         </p:txBody>
@@ -2192,12 +2289,12 @@
 </p:notes>
 </file>
 
-<file path=ppt/notesSlides/notesSlide6.xml><?xml version="1.0" encoding="utf-8"?>
-<p:notes xmlns:a="http://schemas.openxmlformats.org/drawingml/2006/main" xmlns:r="http://schemas.openxmlformats.org/officeDocument/2006/relationships" xmlns:mc="http://schemas.openxmlformats.org/markup-compatibility/2006" xmlns:mv="urn:schemas-microsoft-com:mac:vml" xmlns:p="http://schemas.openxmlformats.org/presentationml/2006/main" xmlns:c="http://schemas.openxmlformats.org/drawingml/2006/chart" xmlns:dgm="http://schemas.openxmlformats.org/drawingml/2006/diagram" xmlns:o="urn:schemas-microsoft-com:office:office" xmlns:v="urn:schemas-microsoft-com:vml" xmlns:pvml="urn:schemas-microsoft-com:office:powerpoint" xmlns:com="http://schemas.openxmlformats.org/drawingml/2006/compatibility" xmlns:p14="http://schemas.microsoft.com/office/powerpoint/2010/main" xmlns:p15="http://schemas.microsoft.com/office/powerpoint/2012/main" xmlns:ahyp="http://schemas.microsoft.com/office/drawing/2018/hyperlinkcolor" showMasterPhAnim="0" showMasterSp="0">
+<file path=ppt/notesSlides/notesSlide7.xml><?xml version="1.0" encoding="utf-8"?>
+<p:notes xmlns:a="http://schemas.openxmlformats.org/drawingml/2006/main" xmlns:r="http://schemas.openxmlformats.org/officeDocument/2006/relationships" xmlns:p="http://schemas.openxmlformats.org/presentationml/2006/main" showMasterSp="0" showMasterPhAnim="0">
   <p:cSld>
     <p:spTree>
       <p:nvGrpSpPr>
-        <p:cNvPr id="80" name="Shape 80"/>
+        <p:cNvPr id="1" name="Shape 86"/>
         <p:cNvGrpSpPr/>
         <p:nvPr/>
       </p:nvGrpSpPr>
@@ -2211,21 +2308,27 @@
       </p:grpSpPr>
       <p:sp>
         <p:nvSpPr>
-          <p:cNvPr id="81" name="Google Shape;81;g126d66c4844_0_5:notes"/>
-          <p:cNvSpPr/>
+          <p:cNvPr id="87" name="Google Shape;87;g12681677524_0_15:notes"/>
+          <p:cNvSpPr>
+            <a:spLocks noGrp="1" noRot="1" noChangeAspect="1"/>
+          </p:cNvSpPr>
           <p:nvPr>
-            <p:ph idx="2" type="sldImg"/>
+            <p:ph type="sldImg" idx="2"/>
           </p:nvPr>
         </p:nvSpPr>
         <p:spPr>
           <a:xfrm>
-            <a:off x="381300" y="685800"/>
+            <a:off x="381000" y="685800"/>
             <a:ext cx="6096000" cy="3429000"/>
           </a:xfrm>
           <a:custGeom>
-            <a:rect b="b" l="l" r="r" t="t"/>
+            <a:avLst/>
+            <a:gdLst/>
+            <a:ahLst/>
+            <a:cxnLst/>
+            <a:rect l="l" t="t" r="r" b="b"/>
             <a:pathLst>
-              <a:path extrusionOk="0" h="120000" w="120000">
+              <a:path w="120000" h="120000" extrusionOk="0">
                 <a:moveTo>
                   <a:pt x="0" y="0"/>
                 </a:moveTo>
@@ -2246,10 +2349,12 @@
       </p:sp>
       <p:sp>
         <p:nvSpPr>
-          <p:cNvPr id="82" name="Google Shape;82;g126d66c4844_0_5:notes"/>
-          <p:cNvSpPr txBox="1"/>
+          <p:cNvPr id="88" name="Google Shape;88;g12681677524_0_15:notes"/>
+          <p:cNvSpPr txBox="1">
+            <a:spLocks noGrp="1"/>
+          </p:cNvSpPr>
           <p:nvPr>
-            <p:ph idx="1" type="body"/>
+            <p:ph type="body" idx="1"/>
           </p:nvPr>
         </p:nvSpPr>
         <p:spPr>
@@ -2262,23 +2367,20 @@
           </a:prstGeom>
         </p:spPr>
         <p:txBody>
-          <a:bodyPr anchorCtr="0" anchor="t" bIns="91425" lIns="91425" spcFirstLastPara="1" rIns="91425" wrap="square" tIns="91425">
+          <a:bodyPr spcFirstLastPara="1" wrap="square" lIns="91425" tIns="91425" rIns="91425" bIns="91425" anchor="t" anchorCtr="0">
             <a:noAutofit/>
           </a:bodyPr>
           <a:lstStyle/>
           <a:p>
-            <a:pPr indent="0" lvl="0" marL="0" rtl="0" algn="l">
-              <a:spcBef>
-                <a:spcPts val="0"/>
-              </a:spcBef>
-              <a:spcAft>
-                <a:spcPts val="0"/>
-              </a:spcAft>
-              <a:buNone/>
-            </a:pPr>
-            <a:r>
-              <a:t/>
-            </a:r>
+            <a:pPr marL="0" lvl="0" indent="0" algn="l" rtl="0">
+              <a:spcBef>
+                <a:spcPts val="0"/>
+              </a:spcBef>
+              <a:spcAft>
+                <a:spcPts val="0"/>
+              </a:spcAft>
+              <a:buNone/>
+            </a:pPr>
             <a:endParaRPr/>
           </a:p>
         </p:txBody>
@@ -2291,12 +2393,12 @@
 </p:notes>
 </file>
 
-<file path=ppt/notesSlides/notesSlide7.xml><?xml version="1.0" encoding="utf-8"?>
-<p:notes xmlns:a="http://schemas.openxmlformats.org/drawingml/2006/main" xmlns:r="http://schemas.openxmlformats.org/officeDocument/2006/relationships" xmlns:mc="http://schemas.openxmlformats.org/markup-compatibility/2006" xmlns:mv="urn:schemas-microsoft-com:mac:vml" xmlns:p="http://schemas.openxmlformats.org/presentationml/2006/main" xmlns:c="http://schemas.openxmlformats.org/drawingml/2006/chart" xmlns:dgm="http://schemas.openxmlformats.org/drawingml/2006/diagram" xmlns:o="urn:schemas-microsoft-com:office:office" xmlns:v="urn:schemas-microsoft-com:vml" xmlns:pvml="urn:schemas-microsoft-com:office:powerpoint" xmlns:com="http://schemas.openxmlformats.org/drawingml/2006/compatibility" xmlns:p14="http://schemas.microsoft.com/office/powerpoint/2010/main" xmlns:p15="http://schemas.microsoft.com/office/powerpoint/2012/main" xmlns:ahyp="http://schemas.microsoft.com/office/drawing/2018/hyperlinkcolor" showMasterPhAnim="0" showMasterSp="0">
+<file path=ppt/notesSlides/notesSlide8.xml><?xml version="1.0" encoding="utf-8"?>
+<p:notes xmlns:a="http://schemas.openxmlformats.org/drawingml/2006/main" xmlns:r="http://schemas.openxmlformats.org/officeDocument/2006/relationships" xmlns:p="http://schemas.openxmlformats.org/presentationml/2006/main" showMasterSp="0" showMasterPhAnim="0">
   <p:cSld>
     <p:spTree>
       <p:nvGrpSpPr>
-        <p:cNvPr id="86" name="Shape 86"/>
+        <p:cNvPr id="1" name="Shape 92"/>
         <p:cNvGrpSpPr/>
         <p:nvPr/>
       </p:nvGrpSpPr>
@@ -2310,21 +2412,27 @@
       </p:grpSpPr>
       <p:sp>
         <p:nvSpPr>
-          <p:cNvPr id="87" name="Google Shape;87;g12681677524_0_15:notes"/>
-          <p:cNvSpPr/>
+          <p:cNvPr id="93" name="Google Shape;93;g12681677524_0_20:notes"/>
+          <p:cNvSpPr>
+            <a:spLocks noGrp="1" noRot="1" noChangeAspect="1"/>
+          </p:cNvSpPr>
           <p:nvPr>
-            <p:ph idx="2" type="sldImg"/>
+            <p:ph type="sldImg" idx="2"/>
           </p:nvPr>
         </p:nvSpPr>
         <p:spPr>
           <a:xfrm>
-            <a:off x="381300" y="685800"/>
+            <a:off x="381000" y="685800"/>
             <a:ext cx="6096000" cy="3429000"/>
           </a:xfrm>
           <a:custGeom>
-            <a:rect b="b" l="l" r="r" t="t"/>
+            <a:avLst/>
+            <a:gdLst/>
+            <a:ahLst/>
+            <a:cxnLst/>
+            <a:rect l="l" t="t" r="r" b="b"/>
             <a:pathLst>
-              <a:path extrusionOk="0" h="120000" w="120000">
+              <a:path w="120000" h="120000" extrusionOk="0">
                 <a:moveTo>
                   <a:pt x="0" y="0"/>
                 </a:moveTo>
@@ -2345,10 +2453,12 @@
       </p:sp>
       <p:sp>
         <p:nvSpPr>
-          <p:cNvPr id="88" name="Google Shape;88;g12681677524_0_15:notes"/>
-          <p:cNvSpPr txBox="1"/>
+          <p:cNvPr id="94" name="Google Shape;94;g12681677524_0_20:notes"/>
+          <p:cNvSpPr txBox="1">
+            <a:spLocks noGrp="1"/>
+          </p:cNvSpPr>
           <p:nvPr>
-            <p:ph idx="1" type="body"/>
+            <p:ph type="body" idx="1"/>
           </p:nvPr>
         </p:nvSpPr>
         <p:spPr>
@@ -2361,23 +2471,20 @@
           </a:prstGeom>
         </p:spPr>
         <p:txBody>
-          <a:bodyPr anchorCtr="0" anchor="t" bIns="91425" lIns="91425" spcFirstLastPara="1" rIns="91425" wrap="square" tIns="91425">
+          <a:bodyPr spcFirstLastPara="1" wrap="square" lIns="91425" tIns="91425" rIns="91425" bIns="91425" anchor="t" anchorCtr="0">
             <a:noAutofit/>
           </a:bodyPr>
           <a:lstStyle/>
           <a:p>
-            <a:pPr indent="0" lvl="0" marL="0" rtl="0" algn="l">
-              <a:spcBef>
-                <a:spcPts val="0"/>
-              </a:spcBef>
-              <a:spcAft>
-                <a:spcPts val="0"/>
-              </a:spcAft>
-              <a:buNone/>
-            </a:pPr>
-            <a:r>
-              <a:t/>
-            </a:r>
+            <a:pPr marL="0" lvl="0" indent="0" algn="l" rtl="0">
+              <a:spcBef>
+                <a:spcPts val="0"/>
+              </a:spcBef>
+              <a:spcAft>
+                <a:spcPts val="0"/>
+              </a:spcAft>
+              <a:buNone/>
+            </a:pPr>
             <a:endParaRPr/>
           </a:p>
         </p:txBody>
@@ -2390,12 +2497,12 @@
 </p:notes>
 </file>
 
-<file path=ppt/notesSlides/notesSlide8.xml><?xml version="1.0" encoding="utf-8"?>
-<p:notes xmlns:a="http://schemas.openxmlformats.org/drawingml/2006/main" xmlns:r="http://schemas.openxmlformats.org/officeDocument/2006/relationships" xmlns:mc="http://schemas.openxmlformats.org/markup-compatibility/2006" xmlns:mv="urn:schemas-microsoft-com:mac:vml" xmlns:p="http://schemas.openxmlformats.org/presentationml/2006/main" xmlns:c="http://schemas.openxmlformats.org/drawingml/2006/chart" xmlns:dgm="http://schemas.openxmlformats.org/drawingml/2006/diagram" xmlns:o="urn:schemas-microsoft-com:office:office" xmlns:v="urn:schemas-microsoft-com:vml" xmlns:pvml="urn:schemas-microsoft-com:office:powerpoint" xmlns:com="http://schemas.openxmlformats.org/drawingml/2006/compatibility" xmlns:p14="http://schemas.microsoft.com/office/powerpoint/2010/main" xmlns:p15="http://schemas.microsoft.com/office/powerpoint/2012/main" xmlns:ahyp="http://schemas.microsoft.com/office/drawing/2018/hyperlinkcolor" showMasterPhAnim="0" showMasterSp="0">
+<file path=ppt/notesSlides/notesSlide9.xml><?xml version="1.0" encoding="utf-8"?>
+<p:notes xmlns:a="http://schemas.openxmlformats.org/drawingml/2006/main" xmlns:r="http://schemas.openxmlformats.org/officeDocument/2006/relationships" xmlns:p="http://schemas.openxmlformats.org/presentationml/2006/main" showMasterSp="0" showMasterPhAnim="0">
   <p:cSld>
     <p:spTree>
       <p:nvGrpSpPr>
-        <p:cNvPr id="92" name="Shape 92"/>
+        <p:cNvPr id="1" name="Shape 101"/>
         <p:cNvGrpSpPr/>
         <p:nvPr/>
       </p:nvGrpSpPr>
@@ -2409,21 +2516,27 @@
       </p:grpSpPr>
       <p:sp>
         <p:nvSpPr>
-          <p:cNvPr id="93" name="Google Shape;93;g12681677524_0_20:notes"/>
-          <p:cNvSpPr/>
+          <p:cNvPr id="102" name="Google Shape;102;g127d21310b8_1_8:notes"/>
+          <p:cNvSpPr>
+            <a:spLocks noGrp="1" noRot="1" noChangeAspect="1"/>
+          </p:cNvSpPr>
           <p:nvPr>
-            <p:ph idx="2" type="sldImg"/>
+            <p:ph type="sldImg" idx="2"/>
           </p:nvPr>
         </p:nvSpPr>
         <p:spPr>
           <a:xfrm>
-            <a:off x="381300" y="685800"/>
+            <a:off x="381000" y="685800"/>
             <a:ext cx="6096000" cy="3429000"/>
           </a:xfrm>
           <a:custGeom>
-            <a:rect b="b" l="l" r="r" t="t"/>
+            <a:avLst/>
+            <a:gdLst/>
+            <a:ahLst/>
+            <a:cxnLst/>
+            <a:rect l="l" t="t" r="r" b="b"/>
             <a:pathLst>
-              <a:path extrusionOk="0" h="120000" w="120000">
+              <a:path w="120000" h="120000" extrusionOk="0">
                 <a:moveTo>
                   <a:pt x="0" y="0"/>
                 </a:moveTo>
@@ -2444,10 +2557,12 @@
       </p:sp>
       <p:sp>
         <p:nvSpPr>
-          <p:cNvPr id="94" name="Google Shape;94;g12681677524_0_20:notes"/>
-          <p:cNvSpPr txBox="1"/>
+          <p:cNvPr id="103" name="Google Shape;103;g127d21310b8_1_8:notes"/>
+          <p:cNvSpPr txBox="1">
+            <a:spLocks noGrp="1"/>
+          </p:cNvSpPr>
           <p:nvPr>
-            <p:ph idx="1" type="body"/>
+            <p:ph type="body" idx="1"/>
           </p:nvPr>
         </p:nvSpPr>
         <p:spPr>
@@ -2460,122 +2575,20 @@
           </a:prstGeom>
         </p:spPr>
         <p:txBody>
-          <a:bodyPr anchorCtr="0" anchor="t" bIns="91425" lIns="91425" spcFirstLastPara="1" rIns="91425" wrap="square" tIns="91425">
+          <a:bodyPr spcFirstLastPara="1" wrap="square" lIns="91425" tIns="91425" rIns="91425" bIns="91425" anchor="t" anchorCtr="0">
             <a:noAutofit/>
           </a:bodyPr>
           <a:lstStyle/>
           <a:p>
-            <a:pPr indent="0" lvl="0" marL="0" rtl="0" algn="l">
-              <a:spcBef>
-                <a:spcPts val="0"/>
-              </a:spcBef>
-              <a:spcAft>
-                <a:spcPts val="0"/>
-              </a:spcAft>
-              <a:buNone/>
-            </a:pPr>
-            <a:r>
-              <a:t/>
-            </a:r>
-            <a:endParaRPr/>
-          </a:p>
-        </p:txBody>
-      </p:sp>
-    </p:spTree>
-  </p:cSld>
-  <p:clrMapOvr>
-    <a:masterClrMapping/>
-  </p:clrMapOvr>
-</p:notes>
-</file>
-
-<file path=ppt/notesSlides/notesSlide9.xml><?xml version="1.0" encoding="utf-8"?>
-<p:notes xmlns:a="http://schemas.openxmlformats.org/drawingml/2006/main" xmlns:r="http://schemas.openxmlformats.org/officeDocument/2006/relationships" xmlns:mc="http://schemas.openxmlformats.org/markup-compatibility/2006" xmlns:mv="urn:schemas-microsoft-com:mac:vml" xmlns:p="http://schemas.openxmlformats.org/presentationml/2006/main" xmlns:c="http://schemas.openxmlformats.org/drawingml/2006/chart" xmlns:dgm="http://schemas.openxmlformats.org/drawingml/2006/diagram" xmlns:o="urn:schemas-microsoft-com:office:office" xmlns:v="urn:schemas-microsoft-com:vml" xmlns:pvml="urn:schemas-microsoft-com:office:powerpoint" xmlns:com="http://schemas.openxmlformats.org/drawingml/2006/compatibility" xmlns:p14="http://schemas.microsoft.com/office/powerpoint/2010/main" xmlns:p15="http://schemas.microsoft.com/office/powerpoint/2012/main" xmlns:ahyp="http://schemas.microsoft.com/office/drawing/2018/hyperlinkcolor" showMasterPhAnim="0" showMasterSp="0">
-  <p:cSld>
-    <p:spTree>
-      <p:nvGrpSpPr>
-        <p:cNvPr id="101" name="Shape 101"/>
-        <p:cNvGrpSpPr/>
-        <p:nvPr/>
-      </p:nvGrpSpPr>
-      <p:grpSpPr>
-        <a:xfrm>
-          <a:off x="0" y="0"/>
-          <a:ext cx="0" cy="0"/>
-          <a:chOff x="0" y="0"/>
-          <a:chExt cx="0" cy="0"/>
-        </a:xfrm>
-      </p:grpSpPr>
-      <p:sp>
-        <p:nvSpPr>
-          <p:cNvPr id="102" name="Google Shape;102;g127d21310b8_1_8:notes"/>
-          <p:cNvSpPr/>
-          <p:nvPr>
-            <p:ph idx="2" type="sldImg"/>
-          </p:nvPr>
-        </p:nvSpPr>
-        <p:spPr>
-          <a:xfrm>
-            <a:off x="381300" y="685800"/>
-            <a:ext cx="6096000" cy="3429000"/>
-          </a:xfrm>
-          <a:custGeom>
-            <a:rect b="b" l="l" r="r" t="t"/>
-            <a:pathLst>
-              <a:path extrusionOk="0" h="120000" w="120000">
-                <a:moveTo>
-                  <a:pt x="0" y="0"/>
-                </a:moveTo>
-                <a:lnTo>
-                  <a:pt x="120000" y="0"/>
-                </a:lnTo>
-                <a:lnTo>
-                  <a:pt x="120000" y="120000"/>
-                </a:lnTo>
-                <a:lnTo>
-                  <a:pt x="0" y="120000"/>
-                </a:lnTo>
-                <a:close/>
-              </a:path>
-            </a:pathLst>
-          </a:custGeom>
-        </p:spPr>
-      </p:sp>
-      <p:sp>
-        <p:nvSpPr>
-          <p:cNvPr id="103" name="Google Shape;103;g127d21310b8_1_8:notes"/>
-          <p:cNvSpPr txBox="1"/>
-          <p:nvPr>
-            <p:ph idx="1" type="body"/>
-          </p:nvPr>
-        </p:nvSpPr>
-        <p:spPr>
-          <a:xfrm>
-            <a:off x="685800" y="4343400"/>
-            <a:ext cx="5486400" cy="4114800"/>
-          </a:xfrm>
-          <a:prstGeom prst="rect">
-            <a:avLst/>
-          </a:prstGeom>
-        </p:spPr>
-        <p:txBody>
-          <a:bodyPr anchorCtr="0" anchor="t" bIns="91425" lIns="91425" spcFirstLastPara="1" rIns="91425" wrap="square" tIns="91425">
-            <a:noAutofit/>
-          </a:bodyPr>
-          <a:lstStyle/>
-          <a:p>
-            <a:pPr indent="0" lvl="0" marL="0" rtl="0" algn="l">
-              <a:spcBef>
-                <a:spcPts val="0"/>
-              </a:spcBef>
-              <a:spcAft>
-                <a:spcPts val="0"/>
-              </a:spcAft>
-              <a:buNone/>
-            </a:pPr>
-            <a:r>
-              <a:t/>
-            </a:r>
+            <a:pPr marL="0" lvl="0" indent="0" algn="l" rtl="0">
+              <a:spcBef>
+                <a:spcPts val="0"/>
+              </a:spcBef>
+              <a:spcAft>
+                <a:spcPts val="0"/>
+              </a:spcAft>
+              <a:buNone/>
+            </a:pPr>
             <a:endParaRPr/>
           </a:p>
         </p:txBody>
@@ -2589,11 +2602,11 @@
 </file>
 
 <file path=ppt/slideLayouts/slideLayout1.xml><?xml version="1.0" encoding="utf-8"?>
-<p:sldLayout xmlns:a="http://schemas.openxmlformats.org/drawingml/2006/main" xmlns:r="http://schemas.openxmlformats.org/officeDocument/2006/relationships" xmlns:mc="http://schemas.openxmlformats.org/markup-compatibility/2006" xmlns:mv="urn:schemas-microsoft-com:mac:vml" xmlns:p="http://schemas.openxmlformats.org/presentationml/2006/main" xmlns:c="http://schemas.openxmlformats.org/drawingml/2006/chart" xmlns:dgm="http://schemas.openxmlformats.org/drawingml/2006/diagram" xmlns:o="urn:schemas-microsoft-com:office:office" xmlns:v="urn:schemas-microsoft-com:vml" xmlns:pvml="urn:schemas-microsoft-com:office:powerpoint" xmlns:com="http://schemas.openxmlformats.org/drawingml/2006/compatibility" xmlns:p14="http://schemas.microsoft.com/office/powerpoint/2010/main" xmlns:p15="http://schemas.microsoft.com/office/powerpoint/2012/main" xmlns:ahyp="http://schemas.microsoft.com/office/drawing/2018/hyperlinkcolor" matchingName="Title slide" type="title">
+<p:sldLayout xmlns:a="http://schemas.openxmlformats.org/drawingml/2006/main" xmlns:r="http://schemas.openxmlformats.org/officeDocument/2006/relationships" xmlns:p="http://schemas.openxmlformats.org/presentationml/2006/main" matchingName="Title slide" type="title">
   <p:cSld name="TITLE">
     <p:spTree>
       <p:nvGrpSpPr>
-        <p:cNvPr id="9" name="Shape 9"/>
+        <p:cNvPr id="1" name="Shape 9"/>
         <p:cNvGrpSpPr/>
         <p:nvPr/>
       </p:nvGrpSpPr>
@@ -2608,7 +2621,9 @@
       <p:sp>
         <p:nvSpPr>
           <p:cNvPr id="10" name="Google Shape;10;p2"/>
-          <p:cNvSpPr txBox="1"/>
+          <p:cNvSpPr txBox="1">
+            <a:spLocks noGrp="1"/>
+          </p:cNvSpPr>
           <p:nvPr>
             <p:ph type="ctrTitle"/>
           </p:nvPr>
@@ -2623,7 +2638,7 @@
           </a:prstGeom>
         </p:spPr>
         <p:txBody>
-          <a:bodyPr anchorCtr="0" anchor="b" bIns="91425" lIns="91425" spcFirstLastPara="1" rIns="91425" wrap="square" tIns="91425">
+          <a:bodyPr spcFirstLastPara="1" wrap="square" lIns="91425" tIns="91425" rIns="91425" bIns="91425" anchor="b" anchorCtr="0">
             <a:normAutofit/>
           </a:bodyPr>
           <a:lstStyle>
@@ -2727,15 +2742,19 @@
               <a:defRPr sz="5200"/>
             </a:lvl9pPr>
           </a:lstStyle>
-          <a:p/>
+          <a:p>
+            <a:endParaRPr/>
+          </a:p>
         </p:txBody>
       </p:sp>
       <p:sp>
         <p:nvSpPr>
           <p:cNvPr id="11" name="Google Shape;11;p2"/>
-          <p:cNvSpPr txBox="1"/>
+          <p:cNvSpPr txBox="1">
+            <a:spLocks noGrp="1"/>
+          </p:cNvSpPr>
           <p:nvPr>
-            <p:ph idx="1" type="subTitle"/>
+            <p:ph type="subTitle" idx="1"/>
           </p:nvPr>
         </p:nvSpPr>
         <p:spPr>
@@ -2748,7 +2767,7 @@
           </a:prstGeom>
         </p:spPr>
         <p:txBody>
-          <a:bodyPr anchorCtr="0" anchor="t" bIns="91425" lIns="91425" spcFirstLastPara="1" rIns="91425" wrap="square" tIns="91425">
+          <a:bodyPr spcFirstLastPara="1" wrap="square" lIns="91425" tIns="91425" rIns="91425" bIns="91425" anchor="t" anchorCtr="0">
             <a:normAutofit/>
           </a:bodyPr>
           <a:lstStyle>
@@ -2879,15 +2898,19 @@
               <a:defRPr sz="2800"/>
             </a:lvl9pPr>
           </a:lstStyle>
-          <a:p/>
+          <a:p>
+            <a:endParaRPr/>
+          </a:p>
         </p:txBody>
       </p:sp>
       <p:sp>
         <p:nvSpPr>
           <p:cNvPr id="12" name="Google Shape;12;p2"/>
-          <p:cNvSpPr txBox="1"/>
+          <p:cNvSpPr txBox="1">
+            <a:spLocks noGrp="1"/>
+          </p:cNvSpPr>
           <p:nvPr>
-            <p:ph idx="12" type="sldNum"/>
+            <p:ph type="sldNum" idx="12"/>
           </p:nvPr>
         </p:nvSpPr>
         <p:spPr>
@@ -2900,7 +2923,7 @@
           </a:prstGeom>
         </p:spPr>
         <p:txBody>
-          <a:bodyPr anchorCtr="0" anchor="ctr" bIns="91425" lIns="91425" spcFirstLastPara="1" rIns="91425" wrap="square" tIns="91425">
+          <a:bodyPr spcFirstLastPara="1" wrap="square" lIns="91425" tIns="91425" rIns="91425" bIns="91425" anchor="ctr" anchorCtr="0">
             <a:normAutofit/>
           </a:bodyPr>
           <a:lstStyle>
@@ -2942,7 +2965,7 @@
             </a:lvl9pPr>
           </a:lstStyle>
           <a:p>
-            <a:pPr indent="0" lvl="0" marL="0" rtl="0" algn="r">
+            <a:pPr marL="0" lvl="0" indent="0" algn="r" rtl="0">
               <a:spcBef>
                 <a:spcPts val="0"/>
               </a:spcBef>
@@ -2968,11 +2991,11 @@
 </file>
 
 <file path=ppt/slideLayouts/slideLayout10.xml><?xml version="1.0" encoding="utf-8"?>
-<p:sldLayout xmlns:a="http://schemas.openxmlformats.org/drawingml/2006/main" xmlns:r="http://schemas.openxmlformats.org/officeDocument/2006/relationships" xmlns:mc="http://schemas.openxmlformats.org/markup-compatibility/2006" xmlns:mv="urn:schemas-microsoft-com:mac:vml" xmlns:p="http://schemas.openxmlformats.org/presentationml/2006/main" xmlns:c="http://schemas.openxmlformats.org/drawingml/2006/chart" xmlns:dgm="http://schemas.openxmlformats.org/drawingml/2006/diagram" xmlns:o="urn:schemas-microsoft-com:office:office" xmlns:v="urn:schemas-microsoft-com:vml" xmlns:pvml="urn:schemas-microsoft-com:office:powerpoint" xmlns:com="http://schemas.openxmlformats.org/drawingml/2006/compatibility" xmlns:p14="http://schemas.microsoft.com/office/powerpoint/2010/main" xmlns:p15="http://schemas.microsoft.com/office/powerpoint/2012/main" xmlns:ahyp="http://schemas.microsoft.com/office/drawing/2018/hyperlinkcolor" matchingName="Big number">
+<p:sldLayout xmlns:a="http://schemas.openxmlformats.org/drawingml/2006/main" xmlns:r="http://schemas.openxmlformats.org/officeDocument/2006/relationships" xmlns:p="http://schemas.openxmlformats.org/presentationml/2006/main" matchingName="Big number">
   <p:cSld name="BIG_NUMBER">
     <p:spTree>
       <p:nvGrpSpPr>
-        <p:cNvPr id="44" name="Shape 44"/>
+        <p:cNvPr id="1" name="Shape 44"/>
         <p:cNvGrpSpPr/>
         <p:nvPr/>
       </p:nvGrpSpPr>
@@ -2987,9 +3010,11 @@
       <p:sp>
         <p:nvSpPr>
           <p:cNvPr id="45" name="Google Shape;45;p11"/>
-          <p:cNvSpPr txBox="1"/>
+          <p:cNvSpPr txBox="1">
+            <a:spLocks noGrp="1"/>
+          </p:cNvSpPr>
           <p:nvPr>
-            <p:ph hasCustomPrompt="1" type="title"/>
+            <p:ph type="title" hasCustomPrompt="1"/>
           </p:nvPr>
         </p:nvSpPr>
         <p:spPr>
@@ -3002,7 +3027,7 @@
           </a:prstGeom>
         </p:spPr>
         <p:txBody>
-          <a:bodyPr anchorCtr="0" anchor="b" bIns="91425" lIns="91425" spcFirstLastPara="1" rIns="91425" wrap="square" tIns="91425">
+          <a:bodyPr spcFirstLastPara="1" wrap="square" lIns="91425" tIns="91425" rIns="91425" bIns="91425" anchor="b" anchorCtr="0">
             <a:normAutofit/>
           </a:bodyPr>
           <a:lstStyle>
@@ -3116,9 +3141,11 @@
       <p:sp>
         <p:nvSpPr>
           <p:cNvPr id="46" name="Google Shape;46;p11"/>
-          <p:cNvSpPr txBox="1"/>
+          <p:cNvSpPr txBox="1">
+            <a:spLocks noGrp="1"/>
+          </p:cNvSpPr>
           <p:nvPr>
-            <p:ph idx="1" type="body"/>
+            <p:ph type="body" idx="1"/>
           </p:nvPr>
         </p:nvSpPr>
         <p:spPr>
@@ -3131,11 +3158,11 @@
           </a:prstGeom>
         </p:spPr>
         <p:txBody>
-          <a:bodyPr anchorCtr="0" anchor="t" bIns="91425" lIns="91425" spcFirstLastPara="1" rIns="91425" wrap="square" tIns="91425">
+          <a:bodyPr spcFirstLastPara="1" wrap="square" lIns="91425" tIns="91425" rIns="91425" bIns="91425" anchor="t" anchorCtr="0">
             <a:normAutofit/>
           </a:bodyPr>
           <a:lstStyle>
-            <a:lvl1pPr indent="-342900" lvl="0" marL="457200" algn="ctr">
+            <a:lvl1pPr marL="457200" lvl="0" indent="-342900" algn="ctr">
               <a:spcBef>
                 <a:spcPts val="0"/>
               </a:spcBef>
@@ -3146,7 +3173,7 @@
               <a:buChar char="●"/>
               <a:defRPr/>
             </a:lvl1pPr>
-            <a:lvl2pPr indent="-317500" lvl="1" marL="914400" algn="ctr">
+            <a:lvl2pPr marL="914400" lvl="1" indent="-317500" algn="ctr">
               <a:spcBef>
                 <a:spcPts val="0"/>
               </a:spcBef>
@@ -3157,7 +3184,7 @@
               <a:buChar char="○"/>
               <a:defRPr/>
             </a:lvl2pPr>
-            <a:lvl3pPr indent="-317500" lvl="2" marL="1371600" algn="ctr">
+            <a:lvl3pPr marL="1371600" lvl="2" indent="-317500" algn="ctr">
               <a:spcBef>
                 <a:spcPts val="0"/>
               </a:spcBef>
@@ -3168,7 +3195,7 @@
               <a:buChar char="■"/>
               <a:defRPr/>
             </a:lvl3pPr>
-            <a:lvl4pPr indent="-317500" lvl="3" marL="1828800" algn="ctr">
+            <a:lvl4pPr marL="1828800" lvl="3" indent="-317500" algn="ctr">
               <a:spcBef>
                 <a:spcPts val="0"/>
               </a:spcBef>
@@ -3179,7 +3206,7 @@
               <a:buChar char="●"/>
               <a:defRPr/>
             </a:lvl4pPr>
-            <a:lvl5pPr indent="-317500" lvl="4" marL="2286000" algn="ctr">
+            <a:lvl5pPr marL="2286000" lvl="4" indent="-317500" algn="ctr">
               <a:spcBef>
                 <a:spcPts val="0"/>
               </a:spcBef>
@@ -3190,7 +3217,7 @@
               <a:buChar char="○"/>
               <a:defRPr/>
             </a:lvl5pPr>
-            <a:lvl6pPr indent="-317500" lvl="5" marL="2743200" algn="ctr">
+            <a:lvl6pPr marL="2743200" lvl="5" indent="-317500" algn="ctr">
               <a:spcBef>
                 <a:spcPts val="0"/>
               </a:spcBef>
@@ -3201,7 +3228,7 @@
               <a:buChar char="■"/>
               <a:defRPr/>
             </a:lvl6pPr>
-            <a:lvl7pPr indent="-317500" lvl="6" marL="3200400" algn="ctr">
+            <a:lvl7pPr marL="3200400" lvl="6" indent="-317500" algn="ctr">
               <a:spcBef>
                 <a:spcPts val="0"/>
               </a:spcBef>
@@ -3212,7 +3239,7 @@
               <a:buChar char="●"/>
               <a:defRPr/>
             </a:lvl7pPr>
-            <a:lvl8pPr indent="-317500" lvl="7" marL="3657600" algn="ctr">
+            <a:lvl8pPr marL="3657600" lvl="7" indent="-317500" algn="ctr">
               <a:spcBef>
                 <a:spcPts val="0"/>
               </a:spcBef>
@@ -3223,7 +3250,7 @@
               <a:buChar char="○"/>
               <a:defRPr/>
             </a:lvl8pPr>
-            <a:lvl9pPr indent="-317500" lvl="8" marL="4114800" algn="ctr">
+            <a:lvl9pPr marL="4114800" lvl="8" indent="-317500" algn="ctr">
               <a:spcBef>
                 <a:spcPts val="0"/>
               </a:spcBef>
@@ -3235,15 +3262,19 @@
               <a:defRPr/>
             </a:lvl9pPr>
           </a:lstStyle>
-          <a:p/>
+          <a:p>
+            <a:endParaRPr/>
+          </a:p>
         </p:txBody>
       </p:sp>
       <p:sp>
         <p:nvSpPr>
           <p:cNvPr id="47" name="Google Shape;47;p11"/>
-          <p:cNvSpPr txBox="1"/>
+          <p:cNvSpPr txBox="1">
+            <a:spLocks noGrp="1"/>
+          </p:cNvSpPr>
           <p:nvPr>
-            <p:ph idx="12" type="sldNum"/>
+            <p:ph type="sldNum" idx="12"/>
           </p:nvPr>
         </p:nvSpPr>
         <p:spPr>
@@ -3256,7 +3287,7 @@
           </a:prstGeom>
         </p:spPr>
         <p:txBody>
-          <a:bodyPr anchorCtr="0" anchor="ctr" bIns="91425" lIns="91425" spcFirstLastPara="1" rIns="91425" wrap="square" tIns="91425">
+          <a:bodyPr spcFirstLastPara="1" wrap="square" lIns="91425" tIns="91425" rIns="91425" bIns="91425" anchor="ctr" anchorCtr="0">
             <a:normAutofit/>
           </a:bodyPr>
           <a:lstStyle>
@@ -3298,7 +3329,7 @@
             </a:lvl9pPr>
           </a:lstStyle>
           <a:p>
-            <a:pPr indent="0" lvl="0" marL="0" rtl="0" algn="r">
+            <a:pPr marL="0" lvl="0" indent="0" algn="r" rtl="0">
               <a:spcBef>
                 <a:spcPts val="0"/>
               </a:spcBef>
@@ -3324,11 +3355,11 @@
 </file>
 
 <file path=ppt/slideLayouts/slideLayout11.xml><?xml version="1.0" encoding="utf-8"?>
-<p:sldLayout xmlns:a="http://schemas.openxmlformats.org/drawingml/2006/main" xmlns:r="http://schemas.openxmlformats.org/officeDocument/2006/relationships" xmlns:mc="http://schemas.openxmlformats.org/markup-compatibility/2006" xmlns:mv="urn:schemas-microsoft-com:mac:vml" xmlns:p="http://schemas.openxmlformats.org/presentationml/2006/main" xmlns:c="http://schemas.openxmlformats.org/drawingml/2006/chart" xmlns:dgm="http://schemas.openxmlformats.org/drawingml/2006/diagram" xmlns:o="urn:schemas-microsoft-com:office:office" xmlns:v="urn:schemas-microsoft-com:vml" xmlns:pvml="urn:schemas-microsoft-com:office:powerpoint" xmlns:com="http://schemas.openxmlformats.org/drawingml/2006/compatibility" xmlns:p14="http://schemas.microsoft.com/office/powerpoint/2010/main" xmlns:p15="http://schemas.microsoft.com/office/powerpoint/2012/main" xmlns:ahyp="http://schemas.microsoft.com/office/drawing/2018/hyperlinkcolor" matchingName="Blank" type="blank">
+<p:sldLayout xmlns:a="http://schemas.openxmlformats.org/drawingml/2006/main" xmlns:r="http://schemas.openxmlformats.org/officeDocument/2006/relationships" xmlns:p="http://schemas.openxmlformats.org/presentationml/2006/main" matchingName="Blank" type="blank">
   <p:cSld name="BLANK">
     <p:spTree>
       <p:nvGrpSpPr>
-        <p:cNvPr id="48" name="Shape 48"/>
+        <p:cNvPr id="1" name="Shape 48"/>
         <p:cNvGrpSpPr/>
         <p:nvPr/>
       </p:nvGrpSpPr>
@@ -3343,9 +3374,11 @@
       <p:sp>
         <p:nvSpPr>
           <p:cNvPr id="49" name="Google Shape;49;p12"/>
-          <p:cNvSpPr txBox="1"/>
+          <p:cNvSpPr txBox="1">
+            <a:spLocks noGrp="1"/>
+          </p:cNvSpPr>
           <p:nvPr>
-            <p:ph idx="12" type="sldNum"/>
+            <p:ph type="sldNum" idx="12"/>
           </p:nvPr>
         </p:nvSpPr>
         <p:spPr>
@@ -3358,7 +3391,7 @@
           </a:prstGeom>
         </p:spPr>
         <p:txBody>
-          <a:bodyPr anchorCtr="0" anchor="ctr" bIns="91425" lIns="91425" spcFirstLastPara="1" rIns="91425" wrap="square" tIns="91425">
+          <a:bodyPr spcFirstLastPara="1" wrap="square" lIns="91425" tIns="91425" rIns="91425" bIns="91425" anchor="ctr" anchorCtr="0">
             <a:normAutofit/>
           </a:bodyPr>
           <a:lstStyle>
@@ -3400,7 +3433,7 @@
             </a:lvl9pPr>
           </a:lstStyle>
           <a:p>
-            <a:pPr indent="0" lvl="0" marL="0" rtl="0" algn="r">
+            <a:pPr marL="0" lvl="0" indent="0" algn="r" rtl="0">
               <a:spcBef>
                 <a:spcPts val="0"/>
               </a:spcBef>
@@ -3426,11 +3459,11 @@
 </file>
 
 <file path=ppt/slideLayouts/slideLayout2.xml><?xml version="1.0" encoding="utf-8"?>
-<p:sldLayout xmlns:a="http://schemas.openxmlformats.org/drawingml/2006/main" xmlns:r="http://schemas.openxmlformats.org/officeDocument/2006/relationships" xmlns:mc="http://schemas.openxmlformats.org/markup-compatibility/2006" xmlns:mv="urn:schemas-microsoft-com:mac:vml" xmlns:p="http://schemas.openxmlformats.org/presentationml/2006/main" xmlns:c="http://schemas.openxmlformats.org/drawingml/2006/chart" xmlns:dgm="http://schemas.openxmlformats.org/drawingml/2006/diagram" xmlns:o="urn:schemas-microsoft-com:office:office" xmlns:v="urn:schemas-microsoft-com:vml" xmlns:pvml="urn:schemas-microsoft-com:office:powerpoint" xmlns:com="http://schemas.openxmlformats.org/drawingml/2006/compatibility" xmlns:p14="http://schemas.microsoft.com/office/powerpoint/2010/main" xmlns:p15="http://schemas.microsoft.com/office/powerpoint/2012/main" xmlns:ahyp="http://schemas.microsoft.com/office/drawing/2018/hyperlinkcolor" matchingName="Section header" type="secHead">
+<p:sldLayout xmlns:a="http://schemas.openxmlformats.org/drawingml/2006/main" xmlns:r="http://schemas.openxmlformats.org/officeDocument/2006/relationships" xmlns:p="http://schemas.openxmlformats.org/presentationml/2006/main" matchingName="Section header" type="secHead">
   <p:cSld name="SECTION_HEADER">
     <p:spTree>
       <p:nvGrpSpPr>
-        <p:cNvPr id="13" name="Shape 13"/>
+        <p:cNvPr id="1" name="Shape 13"/>
         <p:cNvGrpSpPr/>
         <p:nvPr/>
       </p:nvGrpSpPr>
@@ -3445,7 +3478,9 @@
       <p:sp>
         <p:nvSpPr>
           <p:cNvPr id="14" name="Google Shape;14;p3"/>
-          <p:cNvSpPr txBox="1"/>
+          <p:cNvSpPr txBox="1">
+            <a:spLocks noGrp="1"/>
+          </p:cNvSpPr>
           <p:nvPr>
             <p:ph type="title"/>
           </p:nvPr>
@@ -3460,7 +3495,7 @@
           </a:prstGeom>
         </p:spPr>
         <p:txBody>
-          <a:bodyPr anchorCtr="0" anchor="ctr" bIns="91425" lIns="91425" spcFirstLastPara="1" rIns="91425" wrap="square" tIns="91425">
+          <a:bodyPr spcFirstLastPara="1" wrap="square" lIns="91425" tIns="91425" rIns="91425" bIns="91425" anchor="ctr" anchorCtr="0">
             <a:normAutofit/>
           </a:bodyPr>
           <a:lstStyle>
@@ -3564,15 +3599,19 @@
               <a:defRPr sz="3600"/>
             </a:lvl9pPr>
           </a:lstStyle>
-          <a:p/>
+          <a:p>
+            <a:endParaRPr/>
+          </a:p>
         </p:txBody>
       </p:sp>
       <p:sp>
         <p:nvSpPr>
           <p:cNvPr id="15" name="Google Shape;15;p3"/>
-          <p:cNvSpPr txBox="1"/>
+          <p:cNvSpPr txBox="1">
+            <a:spLocks noGrp="1"/>
+          </p:cNvSpPr>
           <p:nvPr>
-            <p:ph idx="12" type="sldNum"/>
+            <p:ph type="sldNum" idx="12"/>
           </p:nvPr>
         </p:nvSpPr>
         <p:spPr>
@@ -3585,7 +3624,7 @@
           </a:prstGeom>
         </p:spPr>
         <p:txBody>
-          <a:bodyPr anchorCtr="0" anchor="ctr" bIns="91425" lIns="91425" spcFirstLastPara="1" rIns="91425" wrap="square" tIns="91425">
+          <a:bodyPr spcFirstLastPara="1" wrap="square" lIns="91425" tIns="91425" rIns="91425" bIns="91425" anchor="ctr" anchorCtr="0">
             <a:normAutofit/>
           </a:bodyPr>
           <a:lstStyle>
@@ -3627,7 +3666,7 @@
             </a:lvl9pPr>
           </a:lstStyle>
           <a:p>
-            <a:pPr indent="0" lvl="0" marL="0" rtl="0" algn="r">
+            <a:pPr marL="0" lvl="0" indent="0" algn="r" rtl="0">
               <a:spcBef>
                 <a:spcPts val="0"/>
               </a:spcBef>
@@ -3653,11 +3692,11 @@
 </file>
 
 <file path=ppt/slideLayouts/slideLayout3.xml><?xml version="1.0" encoding="utf-8"?>
-<p:sldLayout xmlns:a="http://schemas.openxmlformats.org/drawingml/2006/main" xmlns:r="http://schemas.openxmlformats.org/officeDocument/2006/relationships" xmlns:mc="http://schemas.openxmlformats.org/markup-compatibility/2006" xmlns:mv="urn:schemas-microsoft-com:mac:vml" xmlns:p="http://schemas.openxmlformats.org/presentationml/2006/main" xmlns:c="http://schemas.openxmlformats.org/drawingml/2006/chart" xmlns:dgm="http://schemas.openxmlformats.org/drawingml/2006/diagram" xmlns:o="urn:schemas-microsoft-com:office:office" xmlns:v="urn:schemas-microsoft-com:vml" xmlns:pvml="urn:schemas-microsoft-com:office:powerpoint" xmlns:com="http://schemas.openxmlformats.org/drawingml/2006/compatibility" xmlns:p14="http://schemas.microsoft.com/office/powerpoint/2010/main" xmlns:p15="http://schemas.microsoft.com/office/powerpoint/2012/main" xmlns:ahyp="http://schemas.microsoft.com/office/drawing/2018/hyperlinkcolor" matchingName="Title and body" type="tx">
+<p:sldLayout xmlns:a="http://schemas.openxmlformats.org/drawingml/2006/main" xmlns:r="http://schemas.openxmlformats.org/officeDocument/2006/relationships" xmlns:p="http://schemas.openxmlformats.org/presentationml/2006/main" matchingName="Title and body" type="tx">
   <p:cSld name="TITLE_AND_BODY">
     <p:spTree>
       <p:nvGrpSpPr>
-        <p:cNvPr id="16" name="Shape 16"/>
+        <p:cNvPr id="1" name="Shape 16"/>
         <p:cNvGrpSpPr/>
         <p:nvPr/>
       </p:nvGrpSpPr>
@@ -3672,7 +3711,9 @@
       <p:sp>
         <p:nvSpPr>
           <p:cNvPr id="17" name="Google Shape;17;p4"/>
-          <p:cNvSpPr txBox="1"/>
+          <p:cNvSpPr txBox="1">
+            <a:spLocks noGrp="1"/>
+          </p:cNvSpPr>
           <p:nvPr>
             <p:ph type="title"/>
           </p:nvPr>
@@ -3687,7 +3728,7 @@
           </a:prstGeom>
         </p:spPr>
         <p:txBody>
-          <a:bodyPr anchorCtr="0" anchor="t" bIns="91425" lIns="91425" spcFirstLastPara="1" rIns="91425" wrap="square" tIns="91425">
+          <a:bodyPr spcFirstLastPara="1" wrap="square" lIns="91425" tIns="91425" rIns="91425" bIns="91425" anchor="t" anchorCtr="0">
             <a:normAutofit/>
           </a:bodyPr>
           <a:lstStyle>
@@ -3791,15 +3832,19 @@
               <a:defRPr/>
             </a:lvl9pPr>
           </a:lstStyle>
-          <a:p/>
+          <a:p>
+            <a:endParaRPr/>
+          </a:p>
         </p:txBody>
       </p:sp>
       <p:sp>
         <p:nvSpPr>
           <p:cNvPr id="18" name="Google Shape;18;p4"/>
-          <p:cNvSpPr txBox="1"/>
+          <p:cNvSpPr txBox="1">
+            <a:spLocks noGrp="1"/>
+          </p:cNvSpPr>
           <p:nvPr>
-            <p:ph idx="1" type="body"/>
+            <p:ph type="body" idx="1"/>
           </p:nvPr>
         </p:nvSpPr>
         <p:spPr>
@@ -3812,11 +3857,11 @@
           </a:prstGeom>
         </p:spPr>
         <p:txBody>
-          <a:bodyPr anchorCtr="0" anchor="t" bIns="91425" lIns="91425" spcFirstLastPara="1" rIns="91425" wrap="square" tIns="91425">
+          <a:bodyPr spcFirstLastPara="1" wrap="square" lIns="91425" tIns="91425" rIns="91425" bIns="91425" anchor="t" anchorCtr="0">
             <a:normAutofit/>
           </a:bodyPr>
           <a:lstStyle>
-            <a:lvl1pPr indent="-342900" lvl="0" marL="457200">
+            <a:lvl1pPr marL="457200" lvl="0" indent="-342900">
               <a:spcBef>
                 <a:spcPts val="0"/>
               </a:spcBef>
@@ -3827,7 +3872,7 @@
               <a:buChar char="●"/>
               <a:defRPr/>
             </a:lvl1pPr>
-            <a:lvl2pPr indent="-317500" lvl="1" marL="914400">
+            <a:lvl2pPr marL="914400" lvl="1" indent="-317500">
               <a:spcBef>
                 <a:spcPts val="0"/>
               </a:spcBef>
@@ -3838,7 +3883,7 @@
               <a:buChar char="○"/>
               <a:defRPr/>
             </a:lvl2pPr>
-            <a:lvl3pPr indent="-317500" lvl="2" marL="1371600">
+            <a:lvl3pPr marL="1371600" lvl="2" indent="-317500">
               <a:spcBef>
                 <a:spcPts val="0"/>
               </a:spcBef>
@@ -3849,7 +3894,7 @@
               <a:buChar char="■"/>
               <a:defRPr/>
             </a:lvl3pPr>
-            <a:lvl4pPr indent="-317500" lvl="3" marL="1828800">
+            <a:lvl4pPr marL="1828800" lvl="3" indent="-317500">
               <a:spcBef>
                 <a:spcPts val="0"/>
               </a:spcBef>
@@ -3860,7 +3905,7 @@
               <a:buChar char="●"/>
               <a:defRPr/>
             </a:lvl4pPr>
-            <a:lvl5pPr indent="-317500" lvl="4" marL="2286000">
+            <a:lvl5pPr marL="2286000" lvl="4" indent="-317500">
               <a:spcBef>
                 <a:spcPts val="0"/>
               </a:spcBef>
@@ -3871,7 +3916,7 @@
               <a:buChar char="○"/>
               <a:defRPr/>
             </a:lvl5pPr>
-            <a:lvl6pPr indent="-317500" lvl="5" marL="2743200">
+            <a:lvl6pPr marL="2743200" lvl="5" indent="-317500">
               <a:spcBef>
                 <a:spcPts val="0"/>
               </a:spcBef>
@@ -3882,7 +3927,7 @@
               <a:buChar char="■"/>
               <a:defRPr/>
             </a:lvl6pPr>
-            <a:lvl7pPr indent="-317500" lvl="6" marL="3200400">
+            <a:lvl7pPr marL="3200400" lvl="6" indent="-317500">
               <a:spcBef>
                 <a:spcPts val="0"/>
               </a:spcBef>
@@ -3893,7 +3938,7 @@
               <a:buChar char="●"/>
               <a:defRPr/>
             </a:lvl7pPr>
-            <a:lvl8pPr indent="-317500" lvl="7" marL="3657600">
+            <a:lvl8pPr marL="3657600" lvl="7" indent="-317500">
               <a:spcBef>
                 <a:spcPts val="0"/>
               </a:spcBef>
@@ -3904,7 +3949,7 @@
               <a:buChar char="○"/>
               <a:defRPr/>
             </a:lvl8pPr>
-            <a:lvl9pPr indent="-317500" lvl="8" marL="4114800">
+            <a:lvl9pPr marL="4114800" lvl="8" indent="-317500">
               <a:spcBef>
                 <a:spcPts val="0"/>
               </a:spcBef>
@@ -3916,15 +3961,19 @@
               <a:defRPr/>
             </a:lvl9pPr>
           </a:lstStyle>
-          <a:p/>
+          <a:p>
+            <a:endParaRPr/>
+          </a:p>
         </p:txBody>
       </p:sp>
       <p:sp>
         <p:nvSpPr>
           <p:cNvPr id="19" name="Google Shape;19;p4"/>
-          <p:cNvSpPr txBox="1"/>
+          <p:cNvSpPr txBox="1">
+            <a:spLocks noGrp="1"/>
+          </p:cNvSpPr>
           <p:nvPr>
-            <p:ph idx="12" type="sldNum"/>
+            <p:ph type="sldNum" idx="12"/>
           </p:nvPr>
         </p:nvSpPr>
         <p:spPr>
@@ -3937,7 +3986,7 @@
           </a:prstGeom>
         </p:spPr>
         <p:txBody>
-          <a:bodyPr anchorCtr="0" anchor="ctr" bIns="91425" lIns="91425" spcFirstLastPara="1" rIns="91425" wrap="square" tIns="91425">
+          <a:bodyPr spcFirstLastPara="1" wrap="square" lIns="91425" tIns="91425" rIns="91425" bIns="91425" anchor="ctr" anchorCtr="0">
             <a:normAutofit/>
           </a:bodyPr>
           <a:lstStyle>
@@ -3979,7 +4028,7 @@
             </a:lvl9pPr>
           </a:lstStyle>
           <a:p>
-            <a:pPr indent="0" lvl="0" marL="0" rtl="0" algn="r">
+            <a:pPr marL="0" lvl="0" indent="0" algn="r" rtl="0">
               <a:spcBef>
                 <a:spcPts val="0"/>
               </a:spcBef>
@@ -4005,11 +4054,11 @@
 </file>
 
 <file path=ppt/slideLayouts/slideLayout4.xml><?xml version="1.0" encoding="utf-8"?>
-<p:sldLayout xmlns:a="http://schemas.openxmlformats.org/drawingml/2006/main" xmlns:r="http://schemas.openxmlformats.org/officeDocument/2006/relationships" xmlns:mc="http://schemas.openxmlformats.org/markup-compatibility/2006" xmlns:mv="urn:schemas-microsoft-com:mac:vml" xmlns:p="http://schemas.openxmlformats.org/presentationml/2006/main" xmlns:c="http://schemas.openxmlformats.org/drawingml/2006/chart" xmlns:dgm="http://schemas.openxmlformats.org/drawingml/2006/diagram" xmlns:o="urn:schemas-microsoft-com:office:office" xmlns:v="urn:schemas-microsoft-com:vml" xmlns:pvml="urn:schemas-microsoft-com:office:powerpoint" xmlns:com="http://schemas.openxmlformats.org/drawingml/2006/compatibility" xmlns:p14="http://schemas.microsoft.com/office/powerpoint/2010/main" xmlns:p15="http://schemas.microsoft.com/office/powerpoint/2012/main" xmlns:ahyp="http://schemas.microsoft.com/office/drawing/2018/hyperlinkcolor" matchingName="Title and two columns" type="twoColTx">
+<p:sldLayout xmlns:a="http://schemas.openxmlformats.org/drawingml/2006/main" xmlns:r="http://schemas.openxmlformats.org/officeDocument/2006/relationships" xmlns:p="http://schemas.openxmlformats.org/presentationml/2006/main" matchingName="Title and two columns" type="twoColTx">
   <p:cSld name="TITLE_AND_TWO_COLUMNS">
     <p:spTree>
       <p:nvGrpSpPr>
-        <p:cNvPr id="20" name="Shape 20"/>
+        <p:cNvPr id="1" name="Shape 20"/>
         <p:cNvGrpSpPr/>
         <p:nvPr/>
       </p:nvGrpSpPr>
@@ -4024,7 +4073,9 @@
       <p:sp>
         <p:nvSpPr>
           <p:cNvPr id="21" name="Google Shape;21;p5"/>
-          <p:cNvSpPr txBox="1"/>
+          <p:cNvSpPr txBox="1">
+            <a:spLocks noGrp="1"/>
+          </p:cNvSpPr>
           <p:nvPr>
             <p:ph type="title"/>
           </p:nvPr>
@@ -4039,7 +4090,7 @@
           </a:prstGeom>
         </p:spPr>
         <p:txBody>
-          <a:bodyPr anchorCtr="0" anchor="t" bIns="91425" lIns="91425" spcFirstLastPara="1" rIns="91425" wrap="square" tIns="91425">
+          <a:bodyPr spcFirstLastPara="1" wrap="square" lIns="91425" tIns="91425" rIns="91425" bIns="91425" anchor="t" anchorCtr="0">
             <a:normAutofit/>
           </a:bodyPr>
           <a:lstStyle>
@@ -4143,15 +4194,19 @@
               <a:defRPr/>
             </a:lvl9pPr>
           </a:lstStyle>
-          <a:p/>
+          <a:p>
+            <a:endParaRPr/>
+          </a:p>
         </p:txBody>
       </p:sp>
       <p:sp>
         <p:nvSpPr>
           <p:cNvPr id="22" name="Google Shape;22;p5"/>
-          <p:cNvSpPr txBox="1"/>
+          <p:cNvSpPr txBox="1">
+            <a:spLocks noGrp="1"/>
+          </p:cNvSpPr>
           <p:nvPr>
-            <p:ph idx="1" type="body"/>
+            <p:ph type="body" idx="1"/>
           </p:nvPr>
         </p:nvSpPr>
         <p:spPr>
@@ -4164,11 +4219,11 @@
           </a:prstGeom>
         </p:spPr>
         <p:txBody>
-          <a:bodyPr anchorCtr="0" anchor="t" bIns="91425" lIns="91425" spcFirstLastPara="1" rIns="91425" wrap="square" tIns="91425">
+          <a:bodyPr spcFirstLastPara="1" wrap="square" lIns="91425" tIns="91425" rIns="91425" bIns="91425" anchor="t" anchorCtr="0">
             <a:normAutofit/>
           </a:bodyPr>
           <a:lstStyle>
-            <a:lvl1pPr indent="-317500" lvl="0" marL="457200">
+            <a:lvl1pPr marL="457200" lvl="0" indent="-317500">
               <a:spcBef>
                 <a:spcPts val="0"/>
               </a:spcBef>
@@ -4179,7 +4234,7 @@
               <a:buChar char="●"/>
               <a:defRPr sz="1400"/>
             </a:lvl1pPr>
-            <a:lvl2pPr indent="-304800" lvl="1" marL="914400">
+            <a:lvl2pPr marL="914400" lvl="1" indent="-304800">
               <a:spcBef>
                 <a:spcPts val="0"/>
               </a:spcBef>
@@ -4190,7 +4245,7 @@
               <a:buChar char="○"/>
               <a:defRPr sz="1200"/>
             </a:lvl2pPr>
-            <a:lvl3pPr indent="-304800" lvl="2" marL="1371600">
+            <a:lvl3pPr marL="1371600" lvl="2" indent="-304800">
               <a:spcBef>
                 <a:spcPts val="0"/>
               </a:spcBef>
@@ -4201,7 +4256,7 @@
               <a:buChar char="■"/>
               <a:defRPr sz="1200"/>
             </a:lvl3pPr>
-            <a:lvl4pPr indent="-304800" lvl="3" marL="1828800">
+            <a:lvl4pPr marL="1828800" lvl="3" indent="-304800">
               <a:spcBef>
                 <a:spcPts val="0"/>
               </a:spcBef>
@@ -4212,7 +4267,7 @@
               <a:buChar char="●"/>
               <a:defRPr sz="1200"/>
             </a:lvl4pPr>
-            <a:lvl5pPr indent="-304800" lvl="4" marL="2286000">
+            <a:lvl5pPr marL="2286000" lvl="4" indent="-304800">
               <a:spcBef>
                 <a:spcPts val="0"/>
               </a:spcBef>
@@ -4223,7 +4278,7 @@
               <a:buChar char="○"/>
               <a:defRPr sz="1200"/>
             </a:lvl5pPr>
-            <a:lvl6pPr indent="-304800" lvl="5" marL="2743200">
+            <a:lvl6pPr marL="2743200" lvl="5" indent="-304800">
               <a:spcBef>
                 <a:spcPts val="0"/>
               </a:spcBef>
@@ -4234,7 +4289,7 @@
               <a:buChar char="■"/>
               <a:defRPr sz="1200"/>
             </a:lvl6pPr>
-            <a:lvl7pPr indent="-304800" lvl="6" marL="3200400">
+            <a:lvl7pPr marL="3200400" lvl="6" indent="-304800">
               <a:spcBef>
                 <a:spcPts val="0"/>
               </a:spcBef>
@@ -4245,7 +4300,7 @@
               <a:buChar char="●"/>
               <a:defRPr sz="1200"/>
             </a:lvl7pPr>
-            <a:lvl8pPr indent="-304800" lvl="7" marL="3657600">
+            <a:lvl8pPr marL="3657600" lvl="7" indent="-304800">
               <a:spcBef>
                 <a:spcPts val="0"/>
               </a:spcBef>
@@ -4256,7 +4311,7 @@
               <a:buChar char="○"/>
               <a:defRPr sz="1200"/>
             </a:lvl8pPr>
-            <a:lvl9pPr indent="-304800" lvl="8" marL="4114800">
+            <a:lvl9pPr marL="4114800" lvl="8" indent="-304800">
               <a:spcBef>
                 <a:spcPts val="0"/>
               </a:spcBef>
@@ -4268,15 +4323,19 @@
               <a:defRPr sz="1200"/>
             </a:lvl9pPr>
           </a:lstStyle>
-          <a:p/>
+          <a:p>
+            <a:endParaRPr/>
+          </a:p>
         </p:txBody>
       </p:sp>
       <p:sp>
         <p:nvSpPr>
           <p:cNvPr id="23" name="Google Shape;23;p5"/>
-          <p:cNvSpPr txBox="1"/>
+          <p:cNvSpPr txBox="1">
+            <a:spLocks noGrp="1"/>
+          </p:cNvSpPr>
           <p:nvPr>
-            <p:ph idx="2" type="body"/>
+            <p:ph type="body" idx="2"/>
           </p:nvPr>
         </p:nvSpPr>
         <p:spPr>
@@ -4289,11 +4348,11 @@
           </a:prstGeom>
         </p:spPr>
         <p:txBody>
-          <a:bodyPr anchorCtr="0" anchor="t" bIns="91425" lIns="91425" spcFirstLastPara="1" rIns="91425" wrap="square" tIns="91425">
+          <a:bodyPr spcFirstLastPara="1" wrap="square" lIns="91425" tIns="91425" rIns="91425" bIns="91425" anchor="t" anchorCtr="0">
             <a:normAutofit/>
           </a:bodyPr>
           <a:lstStyle>
-            <a:lvl1pPr indent="-317500" lvl="0" marL="457200">
+            <a:lvl1pPr marL="457200" lvl="0" indent="-317500">
               <a:spcBef>
                 <a:spcPts val="0"/>
               </a:spcBef>
@@ -4304,7 +4363,7 @@
               <a:buChar char="●"/>
               <a:defRPr sz="1400"/>
             </a:lvl1pPr>
-            <a:lvl2pPr indent="-304800" lvl="1" marL="914400">
+            <a:lvl2pPr marL="914400" lvl="1" indent="-304800">
               <a:spcBef>
                 <a:spcPts val="0"/>
               </a:spcBef>
@@ -4315,7 +4374,7 @@
               <a:buChar char="○"/>
               <a:defRPr sz="1200"/>
             </a:lvl2pPr>
-            <a:lvl3pPr indent="-304800" lvl="2" marL="1371600">
+            <a:lvl3pPr marL="1371600" lvl="2" indent="-304800">
               <a:spcBef>
                 <a:spcPts val="0"/>
               </a:spcBef>
@@ -4326,7 +4385,7 @@
               <a:buChar char="■"/>
               <a:defRPr sz="1200"/>
             </a:lvl3pPr>
-            <a:lvl4pPr indent="-304800" lvl="3" marL="1828800">
+            <a:lvl4pPr marL="1828800" lvl="3" indent="-304800">
               <a:spcBef>
                 <a:spcPts val="0"/>
               </a:spcBef>
@@ -4337,7 +4396,7 @@
               <a:buChar char="●"/>
               <a:defRPr sz="1200"/>
             </a:lvl4pPr>
-            <a:lvl5pPr indent="-304800" lvl="4" marL="2286000">
+            <a:lvl5pPr marL="2286000" lvl="4" indent="-304800">
               <a:spcBef>
                 <a:spcPts val="0"/>
               </a:spcBef>
@@ -4348,7 +4407,7 @@
               <a:buChar char="○"/>
               <a:defRPr sz="1200"/>
             </a:lvl5pPr>
-            <a:lvl6pPr indent="-304800" lvl="5" marL="2743200">
+            <a:lvl6pPr marL="2743200" lvl="5" indent="-304800">
               <a:spcBef>
                 <a:spcPts val="0"/>
               </a:spcBef>
@@ -4359,7 +4418,7 @@
               <a:buChar char="■"/>
               <a:defRPr sz="1200"/>
             </a:lvl6pPr>
-            <a:lvl7pPr indent="-304800" lvl="6" marL="3200400">
+            <a:lvl7pPr marL="3200400" lvl="6" indent="-304800">
               <a:spcBef>
                 <a:spcPts val="0"/>
               </a:spcBef>
@@ -4370,7 +4429,7 @@
               <a:buChar char="●"/>
               <a:defRPr sz="1200"/>
             </a:lvl7pPr>
-            <a:lvl8pPr indent="-304800" lvl="7" marL="3657600">
+            <a:lvl8pPr marL="3657600" lvl="7" indent="-304800">
               <a:spcBef>
                 <a:spcPts val="0"/>
               </a:spcBef>
@@ -4381,7 +4440,7 @@
               <a:buChar char="○"/>
               <a:defRPr sz="1200"/>
             </a:lvl8pPr>
-            <a:lvl9pPr indent="-304800" lvl="8" marL="4114800">
+            <a:lvl9pPr marL="4114800" lvl="8" indent="-304800">
               <a:spcBef>
                 <a:spcPts val="0"/>
               </a:spcBef>
@@ -4393,15 +4452,19 @@
               <a:defRPr sz="1200"/>
             </a:lvl9pPr>
           </a:lstStyle>
-          <a:p/>
+          <a:p>
+            <a:endParaRPr/>
+          </a:p>
         </p:txBody>
       </p:sp>
       <p:sp>
         <p:nvSpPr>
           <p:cNvPr id="24" name="Google Shape;24;p5"/>
-          <p:cNvSpPr txBox="1"/>
+          <p:cNvSpPr txBox="1">
+            <a:spLocks noGrp="1"/>
+          </p:cNvSpPr>
           <p:nvPr>
-            <p:ph idx="12" type="sldNum"/>
+            <p:ph type="sldNum" idx="12"/>
           </p:nvPr>
         </p:nvSpPr>
         <p:spPr>
@@ -4414,7 +4477,7 @@
           </a:prstGeom>
         </p:spPr>
         <p:txBody>
-          <a:bodyPr anchorCtr="0" anchor="ctr" bIns="91425" lIns="91425" spcFirstLastPara="1" rIns="91425" wrap="square" tIns="91425">
+          <a:bodyPr spcFirstLastPara="1" wrap="square" lIns="91425" tIns="91425" rIns="91425" bIns="91425" anchor="ctr" anchorCtr="0">
             <a:normAutofit/>
           </a:bodyPr>
           <a:lstStyle>
@@ -4456,7 +4519,7 @@
             </a:lvl9pPr>
           </a:lstStyle>
           <a:p>
-            <a:pPr indent="0" lvl="0" marL="0" rtl="0" algn="r">
+            <a:pPr marL="0" lvl="0" indent="0" algn="r" rtl="0">
               <a:spcBef>
                 <a:spcPts val="0"/>
               </a:spcBef>
@@ -4482,11 +4545,11 @@
 </file>
 
 <file path=ppt/slideLayouts/slideLayout5.xml><?xml version="1.0" encoding="utf-8"?>
-<p:sldLayout xmlns:a="http://schemas.openxmlformats.org/drawingml/2006/main" xmlns:r="http://schemas.openxmlformats.org/officeDocument/2006/relationships" xmlns:mc="http://schemas.openxmlformats.org/markup-compatibility/2006" xmlns:mv="urn:schemas-microsoft-com:mac:vml" xmlns:p="http://schemas.openxmlformats.org/presentationml/2006/main" xmlns:c="http://schemas.openxmlformats.org/drawingml/2006/chart" xmlns:dgm="http://schemas.openxmlformats.org/drawingml/2006/diagram" xmlns:o="urn:schemas-microsoft-com:office:office" xmlns:v="urn:schemas-microsoft-com:vml" xmlns:pvml="urn:schemas-microsoft-com:office:powerpoint" xmlns:com="http://schemas.openxmlformats.org/drawingml/2006/compatibility" xmlns:p14="http://schemas.microsoft.com/office/powerpoint/2010/main" xmlns:p15="http://schemas.microsoft.com/office/powerpoint/2012/main" xmlns:ahyp="http://schemas.microsoft.com/office/drawing/2018/hyperlinkcolor" matchingName="Title only" type="titleOnly">
+<p:sldLayout xmlns:a="http://schemas.openxmlformats.org/drawingml/2006/main" xmlns:r="http://schemas.openxmlformats.org/officeDocument/2006/relationships" xmlns:p="http://schemas.openxmlformats.org/presentationml/2006/main" matchingName="Title only" type="titleOnly">
   <p:cSld name="TITLE_ONLY">
     <p:spTree>
       <p:nvGrpSpPr>
-        <p:cNvPr id="25" name="Shape 25"/>
+        <p:cNvPr id="1" name="Shape 25"/>
         <p:cNvGrpSpPr/>
         <p:nvPr/>
       </p:nvGrpSpPr>
@@ -4501,7 +4564,9 @@
       <p:sp>
         <p:nvSpPr>
           <p:cNvPr id="26" name="Google Shape;26;p6"/>
-          <p:cNvSpPr txBox="1"/>
+          <p:cNvSpPr txBox="1">
+            <a:spLocks noGrp="1"/>
+          </p:cNvSpPr>
           <p:nvPr>
             <p:ph type="title"/>
           </p:nvPr>
@@ -4516,7 +4581,7 @@
           </a:prstGeom>
         </p:spPr>
         <p:txBody>
-          <a:bodyPr anchorCtr="0" anchor="t" bIns="91425" lIns="91425" spcFirstLastPara="1" rIns="91425" wrap="square" tIns="91425">
+          <a:bodyPr spcFirstLastPara="1" wrap="square" lIns="91425" tIns="91425" rIns="91425" bIns="91425" anchor="t" anchorCtr="0">
             <a:normAutofit/>
           </a:bodyPr>
           <a:lstStyle>
@@ -4620,15 +4685,19 @@
               <a:defRPr/>
             </a:lvl9pPr>
           </a:lstStyle>
-          <a:p/>
+          <a:p>
+            <a:endParaRPr/>
+          </a:p>
         </p:txBody>
       </p:sp>
       <p:sp>
         <p:nvSpPr>
           <p:cNvPr id="27" name="Google Shape;27;p6"/>
-          <p:cNvSpPr txBox="1"/>
+          <p:cNvSpPr txBox="1">
+            <a:spLocks noGrp="1"/>
+          </p:cNvSpPr>
           <p:nvPr>
-            <p:ph idx="12" type="sldNum"/>
+            <p:ph type="sldNum" idx="12"/>
           </p:nvPr>
         </p:nvSpPr>
         <p:spPr>
@@ -4641,7 +4710,7 @@
           </a:prstGeom>
         </p:spPr>
         <p:txBody>
-          <a:bodyPr anchorCtr="0" anchor="ctr" bIns="91425" lIns="91425" spcFirstLastPara="1" rIns="91425" wrap="square" tIns="91425">
+          <a:bodyPr spcFirstLastPara="1" wrap="square" lIns="91425" tIns="91425" rIns="91425" bIns="91425" anchor="ctr" anchorCtr="0">
             <a:normAutofit/>
           </a:bodyPr>
           <a:lstStyle>
@@ -4683,7 +4752,7 @@
             </a:lvl9pPr>
           </a:lstStyle>
           <a:p>
-            <a:pPr indent="0" lvl="0" marL="0" rtl="0" algn="r">
+            <a:pPr marL="0" lvl="0" indent="0" algn="r" rtl="0">
               <a:spcBef>
                 <a:spcPts val="0"/>
               </a:spcBef>
@@ -4709,11 +4778,11 @@
 </file>
 
 <file path=ppt/slideLayouts/slideLayout6.xml><?xml version="1.0" encoding="utf-8"?>
-<p:sldLayout xmlns:a="http://schemas.openxmlformats.org/drawingml/2006/main" xmlns:r="http://schemas.openxmlformats.org/officeDocument/2006/relationships" xmlns:mc="http://schemas.openxmlformats.org/markup-compatibility/2006" xmlns:mv="urn:schemas-microsoft-com:mac:vml" xmlns:p="http://schemas.openxmlformats.org/presentationml/2006/main" xmlns:c="http://schemas.openxmlformats.org/drawingml/2006/chart" xmlns:dgm="http://schemas.openxmlformats.org/drawingml/2006/diagram" xmlns:o="urn:schemas-microsoft-com:office:office" xmlns:v="urn:schemas-microsoft-com:vml" xmlns:pvml="urn:schemas-microsoft-com:office:powerpoint" xmlns:com="http://schemas.openxmlformats.org/drawingml/2006/compatibility" xmlns:p14="http://schemas.microsoft.com/office/powerpoint/2010/main" xmlns:p15="http://schemas.microsoft.com/office/powerpoint/2012/main" xmlns:ahyp="http://schemas.microsoft.com/office/drawing/2018/hyperlinkcolor" matchingName="One column text">
+<p:sldLayout xmlns:a="http://schemas.openxmlformats.org/drawingml/2006/main" xmlns:r="http://schemas.openxmlformats.org/officeDocument/2006/relationships" xmlns:p="http://schemas.openxmlformats.org/presentationml/2006/main" matchingName="One column text">
   <p:cSld name="ONE_COLUMN_TEXT">
     <p:spTree>
       <p:nvGrpSpPr>
-        <p:cNvPr id="28" name="Shape 28"/>
+        <p:cNvPr id="1" name="Shape 28"/>
         <p:cNvGrpSpPr/>
         <p:nvPr/>
       </p:nvGrpSpPr>
@@ -4728,7 +4797,9 @@
       <p:sp>
         <p:nvSpPr>
           <p:cNvPr id="29" name="Google Shape;29;p7"/>
-          <p:cNvSpPr txBox="1"/>
+          <p:cNvSpPr txBox="1">
+            <a:spLocks noGrp="1"/>
+          </p:cNvSpPr>
           <p:nvPr>
             <p:ph type="title"/>
           </p:nvPr>
@@ -4743,7 +4814,7 @@
           </a:prstGeom>
         </p:spPr>
         <p:txBody>
-          <a:bodyPr anchorCtr="0" anchor="b" bIns="91425" lIns="91425" spcFirstLastPara="1" rIns="91425" wrap="square" tIns="91425">
+          <a:bodyPr spcFirstLastPara="1" wrap="square" lIns="91425" tIns="91425" rIns="91425" bIns="91425" anchor="b" anchorCtr="0">
             <a:normAutofit/>
           </a:bodyPr>
           <a:lstStyle>
@@ -4847,15 +4918,19 @@
               <a:defRPr sz="2400"/>
             </a:lvl9pPr>
           </a:lstStyle>
-          <a:p/>
+          <a:p>
+            <a:endParaRPr/>
+          </a:p>
         </p:txBody>
       </p:sp>
       <p:sp>
         <p:nvSpPr>
           <p:cNvPr id="30" name="Google Shape;30;p7"/>
-          <p:cNvSpPr txBox="1"/>
+          <p:cNvSpPr txBox="1">
+            <a:spLocks noGrp="1"/>
+          </p:cNvSpPr>
           <p:nvPr>
-            <p:ph idx="1" type="body"/>
+            <p:ph type="body" idx="1"/>
           </p:nvPr>
         </p:nvSpPr>
         <p:spPr>
@@ -4868,11 +4943,11 @@
           </a:prstGeom>
         </p:spPr>
         <p:txBody>
-          <a:bodyPr anchorCtr="0" anchor="t" bIns="91425" lIns="91425" spcFirstLastPara="1" rIns="91425" wrap="square" tIns="91425">
+          <a:bodyPr spcFirstLastPara="1" wrap="square" lIns="91425" tIns="91425" rIns="91425" bIns="91425" anchor="t" anchorCtr="0">
             <a:normAutofit/>
           </a:bodyPr>
           <a:lstStyle>
-            <a:lvl1pPr indent="-304800" lvl="0" marL="457200">
+            <a:lvl1pPr marL="457200" lvl="0" indent="-304800">
               <a:spcBef>
                 <a:spcPts val="0"/>
               </a:spcBef>
@@ -4883,7 +4958,7 @@
               <a:buChar char="●"/>
               <a:defRPr sz="1200"/>
             </a:lvl1pPr>
-            <a:lvl2pPr indent="-304800" lvl="1" marL="914400">
+            <a:lvl2pPr marL="914400" lvl="1" indent="-304800">
               <a:spcBef>
                 <a:spcPts val="0"/>
               </a:spcBef>
@@ -4894,7 +4969,7 @@
               <a:buChar char="○"/>
               <a:defRPr sz="1200"/>
             </a:lvl2pPr>
-            <a:lvl3pPr indent="-304800" lvl="2" marL="1371600">
+            <a:lvl3pPr marL="1371600" lvl="2" indent="-304800">
               <a:spcBef>
                 <a:spcPts val="0"/>
               </a:spcBef>
@@ -4905,7 +4980,7 @@
               <a:buChar char="■"/>
               <a:defRPr sz="1200"/>
             </a:lvl3pPr>
-            <a:lvl4pPr indent="-304800" lvl="3" marL="1828800">
+            <a:lvl4pPr marL="1828800" lvl="3" indent="-304800">
               <a:spcBef>
                 <a:spcPts val="0"/>
               </a:spcBef>
@@ -4916,7 +4991,7 @@
               <a:buChar char="●"/>
               <a:defRPr sz="1200"/>
             </a:lvl4pPr>
-            <a:lvl5pPr indent="-304800" lvl="4" marL="2286000">
+            <a:lvl5pPr marL="2286000" lvl="4" indent="-304800">
               <a:spcBef>
                 <a:spcPts val="0"/>
               </a:spcBef>
@@ -4927,7 +5002,7 @@
               <a:buChar char="○"/>
               <a:defRPr sz="1200"/>
             </a:lvl5pPr>
-            <a:lvl6pPr indent="-304800" lvl="5" marL="2743200">
+            <a:lvl6pPr marL="2743200" lvl="5" indent="-304800">
               <a:spcBef>
                 <a:spcPts val="0"/>
               </a:spcBef>
@@ -4938,7 +5013,7 @@
               <a:buChar char="■"/>
               <a:defRPr sz="1200"/>
             </a:lvl6pPr>
-            <a:lvl7pPr indent="-304800" lvl="6" marL="3200400">
+            <a:lvl7pPr marL="3200400" lvl="6" indent="-304800">
               <a:spcBef>
                 <a:spcPts val="0"/>
               </a:spcBef>
@@ -4949,7 +5024,7 @@
               <a:buChar char="●"/>
               <a:defRPr sz="1200"/>
             </a:lvl7pPr>
-            <a:lvl8pPr indent="-304800" lvl="7" marL="3657600">
+            <a:lvl8pPr marL="3657600" lvl="7" indent="-304800">
               <a:spcBef>
                 <a:spcPts val="0"/>
               </a:spcBef>
@@ -4960,7 +5035,7 @@
               <a:buChar char="○"/>
               <a:defRPr sz="1200"/>
             </a:lvl8pPr>
-            <a:lvl9pPr indent="-304800" lvl="8" marL="4114800">
+            <a:lvl9pPr marL="4114800" lvl="8" indent="-304800">
               <a:spcBef>
                 <a:spcPts val="0"/>
               </a:spcBef>
@@ -4972,15 +5047,19 @@
               <a:defRPr sz="1200"/>
             </a:lvl9pPr>
           </a:lstStyle>
-          <a:p/>
+          <a:p>
+            <a:endParaRPr/>
+          </a:p>
         </p:txBody>
       </p:sp>
       <p:sp>
         <p:nvSpPr>
           <p:cNvPr id="31" name="Google Shape;31;p7"/>
-          <p:cNvSpPr txBox="1"/>
+          <p:cNvSpPr txBox="1">
+            <a:spLocks noGrp="1"/>
+          </p:cNvSpPr>
           <p:nvPr>
-            <p:ph idx="12" type="sldNum"/>
+            <p:ph type="sldNum" idx="12"/>
           </p:nvPr>
         </p:nvSpPr>
         <p:spPr>
@@ -4993,7 +5072,7 @@
           </a:prstGeom>
         </p:spPr>
         <p:txBody>
-          <a:bodyPr anchorCtr="0" anchor="ctr" bIns="91425" lIns="91425" spcFirstLastPara="1" rIns="91425" wrap="square" tIns="91425">
+          <a:bodyPr spcFirstLastPara="1" wrap="square" lIns="91425" tIns="91425" rIns="91425" bIns="91425" anchor="ctr" anchorCtr="0">
             <a:normAutofit/>
           </a:bodyPr>
           <a:lstStyle>
@@ -5035,7 +5114,7 @@
             </a:lvl9pPr>
           </a:lstStyle>
           <a:p>
-            <a:pPr indent="0" lvl="0" marL="0" rtl="0" algn="r">
+            <a:pPr marL="0" lvl="0" indent="0" algn="r" rtl="0">
               <a:spcBef>
                 <a:spcPts val="0"/>
               </a:spcBef>
@@ -5061,11 +5140,11 @@
 </file>
 
 <file path=ppt/slideLayouts/slideLayout7.xml><?xml version="1.0" encoding="utf-8"?>
-<p:sldLayout xmlns:a="http://schemas.openxmlformats.org/drawingml/2006/main" xmlns:r="http://schemas.openxmlformats.org/officeDocument/2006/relationships" xmlns:mc="http://schemas.openxmlformats.org/markup-compatibility/2006" xmlns:mv="urn:schemas-microsoft-com:mac:vml" xmlns:p="http://schemas.openxmlformats.org/presentationml/2006/main" xmlns:c="http://schemas.openxmlformats.org/drawingml/2006/chart" xmlns:dgm="http://schemas.openxmlformats.org/drawingml/2006/diagram" xmlns:o="urn:schemas-microsoft-com:office:office" xmlns:v="urn:schemas-microsoft-com:vml" xmlns:pvml="urn:schemas-microsoft-com:office:powerpoint" xmlns:com="http://schemas.openxmlformats.org/drawingml/2006/compatibility" xmlns:p14="http://schemas.microsoft.com/office/powerpoint/2010/main" xmlns:p15="http://schemas.microsoft.com/office/powerpoint/2012/main" xmlns:ahyp="http://schemas.microsoft.com/office/drawing/2018/hyperlinkcolor" matchingName="Main point">
+<p:sldLayout xmlns:a="http://schemas.openxmlformats.org/drawingml/2006/main" xmlns:r="http://schemas.openxmlformats.org/officeDocument/2006/relationships" xmlns:p="http://schemas.openxmlformats.org/presentationml/2006/main" matchingName="Main point">
   <p:cSld name="MAIN_POINT">
     <p:spTree>
       <p:nvGrpSpPr>
-        <p:cNvPr id="32" name="Shape 32"/>
+        <p:cNvPr id="1" name="Shape 32"/>
         <p:cNvGrpSpPr/>
         <p:nvPr/>
       </p:nvGrpSpPr>
@@ -5080,7 +5159,9 @@
       <p:sp>
         <p:nvSpPr>
           <p:cNvPr id="33" name="Google Shape;33;p8"/>
-          <p:cNvSpPr txBox="1"/>
+          <p:cNvSpPr txBox="1">
+            <a:spLocks noGrp="1"/>
+          </p:cNvSpPr>
           <p:nvPr>
             <p:ph type="title"/>
           </p:nvPr>
@@ -5095,7 +5176,7 @@
           </a:prstGeom>
         </p:spPr>
         <p:txBody>
-          <a:bodyPr anchorCtr="0" anchor="ctr" bIns="91425" lIns="91425" spcFirstLastPara="1" rIns="91425" wrap="square" tIns="91425">
+          <a:bodyPr spcFirstLastPara="1" wrap="square" lIns="91425" tIns="91425" rIns="91425" bIns="91425" anchor="ctr" anchorCtr="0">
             <a:normAutofit/>
           </a:bodyPr>
           <a:lstStyle>
@@ -5199,15 +5280,19 @@
               <a:defRPr sz="4800"/>
             </a:lvl9pPr>
           </a:lstStyle>
-          <a:p/>
+          <a:p>
+            <a:endParaRPr/>
+          </a:p>
         </p:txBody>
       </p:sp>
       <p:sp>
         <p:nvSpPr>
           <p:cNvPr id="34" name="Google Shape;34;p8"/>
-          <p:cNvSpPr txBox="1"/>
+          <p:cNvSpPr txBox="1">
+            <a:spLocks noGrp="1"/>
+          </p:cNvSpPr>
           <p:nvPr>
-            <p:ph idx="12" type="sldNum"/>
+            <p:ph type="sldNum" idx="12"/>
           </p:nvPr>
         </p:nvSpPr>
         <p:spPr>
@@ -5220,7 +5305,7 @@
           </a:prstGeom>
         </p:spPr>
         <p:txBody>
-          <a:bodyPr anchorCtr="0" anchor="ctr" bIns="91425" lIns="91425" spcFirstLastPara="1" rIns="91425" wrap="square" tIns="91425">
+          <a:bodyPr spcFirstLastPara="1" wrap="square" lIns="91425" tIns="91425" rIns="91425" bIns="91425" anchor="ctr" anchorCtr="0">
             <a:normAutofit/>
           </a:bodyPr>
           <a:lstStyle>
@@ -5262,7 +5347,7 @@
             </a:lvl9pPr>
           </a:lstStyle>
           <a:p>
-            <a:pPr indent="0" lvl="0" marL="0" rtl="0" algn="r">
+            <a:pPr marL="0" lvl="0" indent="0" algn="r" rtl="0">
               <a:spcBef>
                 <a:spcPts val="0"/>
               </a:spcBef>
@@ -5288,11 +5373,11 @@
 </file>
 
 <file path=ppt/slideLayouts/slideLayout8.xml><?xml version="1.0" encoding="utf-8"?>
-<p:sldLayout xmlns:a="http://schemas.openxmlformats.org/drawingml/2006/main" xmlns:r="http://schemas.openxmlformats.org/officeDocument/2006/relationships" xmlns:mc="http://schemas.openxmlformats.org/markup-compatibility/2006" xmlns:mv="urn:schemas-microsoft-com:mac:vml" xmlns:p="http://schemas.openxmlformats.org/presentationml/2006/main" xmlns:c="http://schemas.openxmlformats.org/drawingml/2006/chart" xmlns:dgm="http://schemas.openxmlformats.org/drawingml/2006/diagram" xmlns:o="urn:schemas-microsoft-com:office:office" xmlns:v="urn:schemas-microsoft-com:vml" xmlns:pvml="urn:schemas-microsoft-com:office:powerpoint" xmlns:com="http://schemas.openxmlformats.org/drawingml/2006/compatibility" xmlns:p14="http://schemas.microsoft.com/office/powerpoint/2010/main" xmlns:p15="http://schemas.microsoft.com/office/powerpoint/2012/main" xmlns:ahyp="http://schemas.microsoft.com/office/drawing/2018/hyperlinkcolor" matchingName="Section title and description">
+<p:sldLayout xmlns:a="http://schemas.openxmlformats.org/drawingml/2006/main" xmlns:r="http://schemas.openxmlformats.org/officeDocument/2006/relationships" xmlns:p="http://schemas.openxmlformats.org/presentationml/2006/main" matchingName="Section title and description">
   <p:cSld name="SECTION_TITLE_AND_DESCRIPTION">
     <p:spTree>
       <p:nvGrpSpPr>
-        <p:cNvPr id="35" name="Shape 35"/>
+        <p:cNvPr id="1" name="Shape 35"/>
         <p:cNvGrpSpPr/>
         <p:nvPr/>
       </p:nvGrpSpPr>
@@ -5326,23 +5411,20 @@
           </a:ln>
         </p:spPr>
         <p:txBody>
-          <a:bodyPr anchorCtr="0" anchor="ctr" bIns="91425" lIns="91425" spcFirstLastPara="1" rIns="91425" wrap="square" tIns="91425">
+          <a:bodyPr spcFirstLastPara="1" wrap="square" lIns="91425" tIns="91425" rIns="91425" bIns="91425" anchor="ctr" anchorCtr="0">
             <a:noAutofit/>
           </a:bodyPr>
           <a:lstStyle/>
           <a:p>
-            <a:pPr indent="0" lvl="0" marL="0" rtl="0" algn="l">
-              <a:spcBef>
-                <a:spcPts val="0"/>
-              </a:spcBef>
-              <a:spcAft>
-                <a:spcPts val="0"/>
-              </a:spcAft>
-              <a:buNone/>
-            </a:pPr>
-            <a:r>
-              <a:t/>
-            </a:r>
+            <a:pPr marL="0" lvl="0" indent="0" algn="l" rtl="0">
+              <a:spcBef>
+                <a:spcPts val="0"/>
+              </a:spcBef>
+              <a:spcAft>
+                <a:spcPts val="0"/>
+              </a:spcAft>
+              <a:buNone/>
+            </a:pPr>
             <a:endParaRPr/>
           </a:p>
         </p:txBody>
@@ -5350,7 +5432,9 @@
       <p:sp>
         <p:nvSpPr>
           <p:cNvPr id="37" name="Google Shape;37;p9"/>
-          <p:cNvSpPr txBox="1"/>
+          <p:cNvSpPr txBox="1">
+            <a:spLocks noGrp="1"/>
+          </p:cNvSpPr>
           <p:nvPr>
             <p:ph type="title"/>
           </p:nvPr>
@@ -5365,7 +5449,7 @@
           </a:prstGeom>
         </p:spPr>
         <p:txBody>
-          <a:bodyPr anchorCtr="0" anchor="b" bIns="91425" lIns="91425" spcFirstLastPara="1" rIns="91425" wrap="square" tIns="91425">
+          <a:bodyPr spcFirstLastPara="1" wrap="square" lIns="91425" tIns="91425" rIns="91425" bIns="91425" anchor="b" anchorCtr="0">
             <a:normAutofit/>
           </a:bodyPr>
           <a:lstStyle>
@@ -5469,15 +5553,19 @@
               <a:defRPr sz="4200"/>
             </a:lvl9pPr>
           </a:lstStyle>
-          <a:p/>
+          <a:p>
+            <a:endParaRPr/>
+          </a:p>
         </p:txBody>
       </p:sp>
       <p:sp>
         <p:nvSpPr>
           <p:cNvPr id="38" name="Google Shape;38;p9"/>
-          <p:cNvSpPr txBox="1"/>
+          <p:cNvSpPr txBox="1">
+            <a:spLocks noGrp="1"/>
+          </p:cNvSpPr>
           <p:nvPr>
-            <p:ph idx="1" type="subTitle"/>
+            <p:ph type="subTitle" idx="1"/>
           </p:nvPr>
         </p:nvSpPr>
         <p:spPr>
@@ -5490,7 +5578,7 @@
           </a:prstGeom>
         </p:spPr>
         <p:txBody>
-          <a:bodyPr anchorCtr="0" anchor="t" bIns="91425" lIns="91425" spcFirstLastPara="1" rIns="91425" wrap="square" tIns="91425">
+          <a:bodyPr spcFirstLastPara="1" wrap="square" lIns="91425" tIns="91425" rIns="91425" bIns="91425" anchor="t" anchorCtr="0">
             <a:normAutofit/>
           </a:bodyPr>
           <a:lstStyle>
@@ -5621,15 +5709,19 @@
               <a:defRPr sz="2100"/>
             </a:lvl9pPr>
           </a:lstStyle>
-          <a:p/>
+          <a:p>
+            <a:endParaRPr/>
+          </a:p>
         </p:txBody>
       </p:sp>
       <p:sp>
         <p:nvSpPr>
           <p:cNvPr id="39" name="Google Shape;39;p9"/>
-          <p:cNvSpPr txBox="1"/>
+          <p:cNvSpPr txBox="1">
+            <a:spLocks noGrp="1"/>
+          </p:cNvSpPr>
           <p:nvPr>
-            <p:ph idx="2" type="body"/>
+            <p:ph type="body" idx="2"/>
           </p:nvPr>
         </p:nvSpPr>
         <p:spPr>
@@ -5642,11 +5734,11 @@
           </a:prstGeom>
         </p:spPr>
         <p:txBody>
-          <a:bodyPr anchorCtr="0" anchor="ctr" bIns="91425" lIns="91425" spcFirstLastPara="1" rIns="91425" wrap="square" tIns="91425">
+          <a:bodyPr spcFirstLastPara="1" wrap="square" lIns="91425" tIns="91425" rIns="91425" bIns="91425" anchor="ctr" anchorCtr="0">
             <a:normAutofit/>
           </a:bodyPr>
           <a:lstStyle>
-            <a:lvl1pPr indent="-342900" lvl="0" marL="457200">
+            <a:lvl1pPr marL="457200" lvl="0" indent="-342900">
               <a:spcBef>
                 <a:spcPts val="0"/>
               </a:spcBef>
@@ -5657,7 +5749,7 @@
               <a:buChar char="●"/>
               <a:defRPr/>
             </a:lvl1pPr>
-            <a:lvl2pPr indent="-317500" lvl="1" marL="914400">
+            <a:lvl2pPr marL="914400" lvl="1" indent="-317500">
               <a:spcBef>
                 <a:spcPts val="0"/>
               </a:spcBef>
@@ -5668,7 +5760,7 @@
               <a:buChar char="○"/>
               <a:defRPr/>
             </a:lvl2pPr>
-            <a:lvl3pPr indent="-317500" lvl="2" marL="1371600">
+            <a:lvl3pPr marL="1371600" lvl="2" indent="-317500">
               <a:spcBef>
                 <a:spcPts val="0"/>
               </a:spcBef>
@@ -5679,7 +5771,7 @@
               <a:buChar char="■"/>
               <a:defRPr/>
             </a:lvl3pPr>
-            <a:lvl4pPr indent="-317500" lvl="3" marL="1828800">
+            <a:lvl4pPr marL="1828800" lvl="3" indent="-317500">
               <a:spcBef>
                 <a:spcPts val="0"/>
               </a:spcBef>
@@ -5690,7 +5782,7 @@
               <a:buChar char="●"/>
               <a:defRPr/>
             </a:lvl4pPr>
-            <a:lvl5pPr indent="-317500" lvl="4" marL="2286000">
+            <a:lvl5pPr marL="2286000" lvl="4" indent="-317500">
               <a:spcBef>
                 <a:spcPts val="0"/>
               </a:spcBef>
@@ -5701,7 +5793,7 @@
               <a:buChar char="○"/>
               <a:defRPr/>
             </a:lvl5pPr>
-            <a:lvl6pPr indent="-317500" lvl="5" marL="2743200">
+            <a:lvl6pPr marL="2743200" lvl="5" indent="-317500">
               <a:spcBef>
                 <a:spcPts val="0"/>
               </a:spcBef>
@@ -5712,7 +5804,7 @@
               <a:buChar char="■"/>
               <a:defRPr/>
             </a:lvl6pPr>
-            <a:lvl7pPr indent="-317500" lvl="6" marL="3200400">
+            <a:lvl7pPr marL="3200400" lvl="6" indent="-317500">
               <a:spcBef>
                 <a:spcPts val="0"/>
               </a:spcBef>
@@ -5723,7 +5815,7 @@
               <a:buChar char="●"/>
               <a:defRPr/>
             </a:lvl7pPr>
-            <a:lvl8pPr indent="-317500" lvl="7" marL="3657600">
+            <a:lvl8pPr marL="3657600" lvl="7" indent="-317500">
               <a:spcBef>
                 <a:spcPts val="0"/>
               </a:spcBef>
@@ -5734,7 +5826,7 @@
               <a:buChar char="○"/>
               <a:defRPr/>
             </a:lvl8pPr>
-            <a:lvl9pPr indent="-317500" lvl="8" marL="4114800">
+            <a:lvl9pPr marL="4114800" lvl="8" indent="-317500">
               <a:spcBef>
                 <a:spcPts val="0"/>
               </a:spcBef>
@@ -5746,15 +5838,19 @@
               <a:defRPr/>
             </a:lvl9pPr>
           </a:lstStyle>
-          <a:p/>
+          <a:p>
+            <a:endParaRPr/>
+          </a:p>
         </p:txBody>
       </p:sp>
       <p:sp>
         <p:nvSpPr>
           <p:cNvPr id="40" name="Google Shape;40;p9"/>
-          <p:cNvSpPr txBox="1"/>
+          <p:cNvSpPr txBox="1">
+            <a:spLocks noGrp="1"/>
+          </p:cNvSpPr>
           <p:nvPr>
-            <p:ph idx="12" type="sldNum"/>
+            <p:ph type="sldNum" idx="12"/>
           </p:nvPr>
         </p:nvSpPr>
         <p:spPr>
@@ -5767,7 +5863,7 @@
           </a:prstGeom>
         </p:spPr>
         <p:txBody>
-          <a:bodyPr anchorCtr="0" anchor="ctr" bIns="91425" lIns="91425" spcFirstLastPara="1" rIns="91425" wrap="square" tIns="91425">
+          <a:bodyPr spcFirstLastPara="1" wrap="square" lIns="91425" tIns="91425" rIns="91425" bIns="91425" anchor="ctr" anchorCtr="0">
             <a:normAutofit/>
           </a:bodyPr>
           <a:lstStyle>
@@ -5809,7 +5905,7 @@
             </a:lvl9pPr>
           </a:lstStyle>
           <a:p>
-            <a:pPr indent="0" lvl="0" marL="0" rtl="0" algn="r">
+            <a:pPr marL="0" lvl="0" indent="0" algn="r" rtl="0">
               <a:spcBef>
                 <a:spcPts val="0"/>
               </a:spcBef>
@@ -5835,11 +5931,11 @@
 </file>
 
 <file path=ppt/slideLayouts/slideLayout9.xml><?xml version="1.0" encoding="utf-8"?>
-<p:sldLayout xmlns:a="http://schemas.openxmlformats.org/drawingml/2006/main" xmlns:r="http://schemas.openxmlformats.org/officeDocument/2006/relationships" xmlns:mc="http://schemas.openxmlformats.org/markup-compatibility/2006" xmlns:mv="urn:schemas-microsoft-com:mac:vml" xmlns:p="http://schemas.openxmlformats.org/presentationml/2006/main" xmlns:c="http://schemas.openxmlformats.org/drawingml/2006/chart" xmlns:dgm="http://schemas.openxmlformats.org/drawingml/2006/diagram" xmlns:o="urn:schemas-microsoft-com:office:office" xmlns:v="urn:schemas-microsoft-com:vml" xmlns:pvml="urn:schemas-microsoft-com:office:powerpoint" xmlns:com="http://schemas.openxmlformats.org/drawingml/2006/compatibility" xmlns:p14="http://schemas.microsoft.com/office/powerpoint/2010/main" xmlns:p15="http://schemas.microsoft.com/office/powerpoint/2012/main" xmlns:ahyp="http://schemas.microsoft.com/office/drawing/2018/hyperlinkcolor" matchingName="Caption">
+<p:sldLayout xmlns:a="http://schemas.openxmlformats.org/drawingml/2006/main" xmlns:r="http://schemas.openxmlformats.org/officeDocument/2006/relationships" xmlns:p="http://schemas.openxmlformats.org/presentationml/2006/main" matchingName="Caption">
   <p:cSld name="CAPTION_ONLY">
     <p:spTree>
       <p:nvGrpSpPr>
-        <p:cNvPr id="41" name="Shape 41"/>
+        <p:cNvPr id="1" name="Shape 41"/>
         <p:cNvGrpSpPr/>
         <p:nvPr/>
       </p:nvGrpSpPr>
@@ -5854,9 +5950,11 @@
       <p:sp>
         <p:nvSpPr>
           <p:cNvPr id="42" name="Google Shape;42;p10"/>
-          <p:cNvSpPr txBox="1"/>
+          <p:cNvSpPr txBox="1">
+            <a:spLocks noGrp="1"/>
+          </p:cNvSpPr>
           <p:nvPr>
-            <p:ph idx="1" type="body"/>
+            <p:ph type="body" idx="1"/>
           </p:nvPr>
         </p:nvSpPr>
         <p:spPr>
@@ -5869,11 +5967,11 @@
           </a:prstGeom>
         </p:spPr>
         <p:txBody>
-          <a:bodyPr anchorCtr="0" anchor="ctr" bIns="91425" lIns="91425" spcFirstLastPara="1" rIns="91425" wrap="square" tIns="91425">
+          <a:bodyPr spcFirstLastPara="1" wrap="square" lIns="91425" tIns="91425" rIns="91425" bIns="91425" anchor="ctr" anchorCtr="0">
             <a:normAutofit/>
           </a:bodyPr>
           <a:lstStyle>
-            <a:lvl1pPr indent="-228600" lvl="0" marL="457200">
+            <a:lvl1pPr marL="457200" lvl="0" indent="-228600">
               <a:lnSpc>
                 <a:spcPct val="100000"/>
               </a:lnSpc>
@@ -5888,15 +5986,19 @@
               <a:defRPr/>
             </a:lvl1pPr>
           </a:lstStyle>
-          <a:p/>
+          <a:p>
+            <a:endParaRPr/>
+          </a:p>
         </p:txBody>
       </p:sp>
       <p:sp>
         <p:nvSpPr>
           <p:cNvPr id="43" name="Google Shape;43;p10"/>
-          <p:cNvSpPr txBox="1"/>
+          <p:cNvSpPr txBox="1">
+            <a:spLocks noGrp="1"/>
+          </p:cNvSpPr>
           <p:nvPr>
-            <p:ph idx="12" type="sldNum"/>
+            <p:ph type="sldNum" idx="12"/>
           </p:nvPr>
         </p:nvSpPr>
         <p:spPr>
@@ -5909,7 +6011,7 @@
           </a:prstGeom>
         </p:spPr>
         <p:txBody>
-          <a:bodyPr anchorCtr="0" anchor="ctr" bIns="91425" lIns="91425" spcFirstLastPara="1" rIns="91425" wrap="square" tIns="91425">
+          <a:bodyPr spcFirstLastPara="1" wrap="square" lIns="91425" tIns="91425" rIns="91425" bIns="91425" anchor="ctr" anchorCtr="0">
             <a:normAutofit/>
           </a:bodyPr>
           <a:lstStyle>
@@ -5951,7 +6053,7 @@
             </a:lvl9pPr>
           </a:lstStyle>
           <a:p>
-            <a:pPr indent="0" lvl="0" marL="0" rtl="0" algn="r">
+            <a:pPr marL="0" lvl="0" indent="0" algn="r" rtl="0">
               <a:spcBef>
                 <a:spcPts val="0"/>
               </a:spcBef>
@@ -5977,18 +6079,19 @@
 </file>
 
 <file path=ppt/slideMasters/slideMaster1.xml><?xml version="1.0" encoding="utf-8"?>
-<p:sldMaster xmlns:a="http://schemas.openxmlformats.org/drawingml/2006/main" xmlns:r="http://schemas.openxmlformats.org/officeDocument/2006/relationships" xmlns:mc="http://schemas.openxmlformats.org/markup-compatibility/2006" xmlns:mv="urn:schemas-microsoft-com:mac:vml" xmlns:p="http://schemas.openxmlformats.org/presentationml/2006/main" xmlns:c="http://schemas.openxmlformats.org/drawingml/2006/chart" xmlns:dgm="http://schemas.openxmlformats.org/drawingml/2006/diagram" xmlns:o="urn:schemas-microsoft-com:office:office" xmlns:v="urn:schemas-microsoft-com:vml" xmlns:pvml="urn:schemas-microsoft-com:office:powerpoint" xmlns:com="http://schemas.openxmlformats.org/drawingml/2006/compatibility" xmlns:p14="http://schemas.microsoft.com/office/powerpoint/2010/main" xmlns:p15="http://schemas.microsoft.com/office/powerpoint/2012/main" xmlns:ahyp="http://schemas.microsoft.com/office/drawing/2018/hyperlinkcolor">
+<p:sldMaster xmlns:a="http://schemas.openxmlformats.org/drawingml/2006/main" xmlns:r="http://schemas.openxmlformats.org/officeDocument/2006/relationships" xmlns:p="http://schemas.openxmlformats.org/presentationml/2006/main">
   <p:cSld name="simple-light-2">
     <p:bg>
       <p:bgPr>
         <a:solidFill>
           <a:schemeClr val="lt1"/>
         </a:solidFill>
+        <a:effectLst/>
       </p:bgPr>
     </p:bg>
     <p:spTree>
       <p:nvGrpSpPr>
-        <p:cNvPr id="5" name="Shape 5"/>
+        <p:cNvPr id="1" name="Shape 5"/>
         <p:cNvGrpSpPr/>
         <p:nvPr/>
       </p:nvGrpSpPr>
@@ -6003,7 +6106,9 @@
       <p:sp>
         <p:nvSpPr>
           <p:cNvPr id="6" name="Google Shape;6;p1"/>
-          <p:cNvSpPr txBox="1"/>
+          <p:cNvSpPr txBox="1">
+            <a:spLocks noGrp="1"/>
+          </p:cNvSpPr>
           <p:nvPr>
             <p:ph type="title"/>
           </p:nvPr>
@@ -6022,7 +6127,7 @@
           </a:ln>
         </p:spPr>
         <p:txBody>
-          <a:bodyPr anchorCtr="0" anchor="t" bIns="91425" lIns="91425" spcFirstLastPara="1" rIns="91425" wrap="square" tIns="91425">
+          <a:bodyPr spcFirstLastPara="1" wrap="square" lIns="91425" tIns="91425" rIns="91425" bIns="91425" anchor="t" anchorCtr="0">
             <a:normAutofit/>
           </a:bodyPr>
           <a:lstStyle>
@@ -6189,15 +6294,19 @@
               </a:defRPr>
             </a:lvl9pPr>
           </a:lstStyle>
-          <a:p/>
+          <a:p>
+            <a:endParaRPr/>
+          </a:p>
         </p:txBody>
       </p:sp>
       <p:sp>
         <p:nvSpPr>
           <p:cNvPr id="7" name="Google Shape;7;p1"/>
-          <p:cNvSpPr txBox="1"/>
+          <p:cNvSpPr txBox="1">
+            <a:spLocks noGrp="1"/>
+          </p:cNvSpPr>
           <p:nvPr>
-            <p:ph idx="1" type="body"/>
+            <p:ph type="body" idx="1"/>
           </p:nvPr>
         </p:nvSpPr>
         <p:spPr>
@@ -6214,11 +6323,11 @@
           </a:ln>
         </p:spPr>
         <p:txBody>
-          <a:bodyPr anchorCtr="0" anchor="t" bIns="91425" lIns="91425" spcFirstLastPara="1" rIns="91425" wrap="square" tIns="91425">
+          <a:bodyPr spcFirstLastPara="1" wrap="square" lIns="91425" tIns="91425" rIns="91425" bIns="91425" anchor="t" anchorCtr="0">
             <a:normAutofit/>
           </a:bodyPr>
           <a:lstStyle>
-            <a:lvl1pPr indent="-342900" lvl="0" marL="457200">
+            <a:lvl1pPr marL="457200" lvl="0" indent="-342900">
               <a:lnSpc>
                 <a:spcPct val="115000"/>
               </a:lnSpc>
@@ -6239,7 +6348,7 @@
                 </a:solidFill>
               </a:defRPr>
             </a:lvl1pPr>
-            <a:lvl2pPr indent="-317500" lvl="1" marL="914400">
+            <a:lvl2pPr marL="914400" lvl="1" indent="-317500">
               <a:lnSpc>
                 <a:spcPct val="115000"/>
               </a:lnSpc>
@@ -6260,7 +6369,7 @@
                 </a:solidFill>
               </a:defRPr>
             </a:lvl2pPr>
-            <a:lvl3pPr indent="-317500" lvl="2" marL="1371600">
+            <a:lvl3pPr marL="1371600" lvl="2" indent="-317500">
               <a:lnSpc>
                 <a:spcPct val="115000"/>
               </a:lnSpc>
@@ -6281,7 +6390,7 @@
                 </a:solidFill>
               </a:defRPr>
             </a:lvl3pPr>
-            <a:lvl4pPr indent="-317500" lvl="3" marL="1828800">
+            <a:lvl4pPr marL="1828800" lvl="3" indent="-317500">
               <a:lnSpc>
                 <a:spcPct val="115000"/>
               </a:lnSpc>
@@ -6302,7 +6411,7 @@
                 </a:solidFill>
               </a:defRPr>
             </a:lvl4pPr>
-            <a:lvl5pPr indent="-317500" lvl="4" marL="2286000">
+            <a:lvl5pPr marL="2286000" lvl="4" indent="-317500">
               <a:lnSpc>
                 <a:spcPct val="115000"/>
               </a:lnSpc>
@@ -6323,7 +6432,7 @@
                 </a:solidFill>
               </a:defRPr>
             </a:lvl5pPr>
-            <a:lvl6pPr indent="-317500" lvl="5" marL="2743200">
+            <a:lvl6pPr marL="2743200" lvl="5" indent="-317500">
               <a:lnSpc>
                 <a:spcPct val="115000"/>
               </a:lnSpc>
@@ -6344,7 +6453,7 @@
                 </a:solidFill>
               </a:defRPr>
             </a:lvl6pPr>
-            <a:lvl7pPr indent="-317500" lvl="6" marL="3200400">
+            <a:lvl7pPr marL="3200400" lvl="6" indent="-317500">
               <a:lnSpc>
                 <a:spcPct val="115000"/>
               </a:lnSpc>
@@ -6365,7 +6474,7 @@
                 </a:solidFill>
               </a:defRPr>
             </a:lvl7pPr>
-            <a:lvl8pPr indent="-317500" lvl="7" marL="3657600">
+            <a:lvl8pPr marL="3657600" lvl="7" indent="-317500">
               <a:lnSpc>
                 <a:spcPct val="115000"/>
               </a:lnSpc>
@@ -6386,7 +6495,7 @@
                 </a:solidFill>
               </a:defRPr>
             </a:lvl8pPr>
-            <a:lvl9pPr indent="-317500" lvl="8" marL="4114800">
+            <a:lvl9pPr marL="4114800" lvl="8" indent="-317500">
               <a:lnSpc>
                 <a:spcPct val="115000"/>
               </a:lnSpc>
@@ -6408,15 +6517,19 @@
               </a:defRPr>
             </a:lvl9pPr>
           </a:lstStyle>
-          <a:p/>
+          <a:p>
+            <a:endParaRPr/>
+          </a:p>
         </p:txBody>
       </p:sp>
       <p:sp>
         <p:nvSpPr>
           <p:cNvPr id="8" name="Google Shape;8;p1"/>
-          <p:cNvSpPr txBox="1"/>
+          <p:cNvSpPr txBox="1">
+            <a:spLocks noGrp="1"/>
+          </p:cNvSpPr>
           <p:nvPr>
-            <p:ph idx="12" type="sldNum"/>
+            <p:ph type="sldNum" idx="12"/>
           </p:nvPr>
         </p:nvSpPr>
         <p:spPr>
@@ -6433,7 +6546,7 @@
           </a:ln>
         </p:spPr>
         <p:txBody>
-          <a:bodyPr anchorCtr="0" anchor="ctr" bIns="91425" lIns="91425" spcFirstLastPara="1" rIns="91425" wrap="square" tIns="91425">
+          <a:bodyPr spcFirstLastPara="1" wrap="square" lIns="91425" tIns="91425" rIns="91425" bIns="91425" anchor="ctr" anchorCtr="0">
             <a:normAutofit/>
           </a:bodyPr>
           <a:lstStyle>
@@ -6511,7 +6624,7 @@
             </a:lvl9pPr>
           </a:lstStyle>
           <a:p>
-            <a:pPr indent="0" lvl="0" marL="0" rtl="0" algn="r">
+            <a:pPr marL="0" lvl="0" indent="0" algn="r" rtl="0">
               <a:spcBef>
                 <a:spcPts val="0"/>
               </a:spcBef>
@@ -6530,7 +6643,7 @@
       </p:sp>
     </p:spTree>
   </p:cSld>
-  <p:clrMap accent1="accent1" accent2="accent2" accent3="accent3" accent4="accent4" accent5="accent5" accent6="accent6" bg1="lt1" bg2="dk2" tx1="dk1" tx2="lt2" folHlink="folHlink" hlink="hlink"/>
+  <p:clrMap bg1="lt1" tx1="dk1" bg2="dk2" tx2="lt2" accent1="accent1" accent2="accent2" accent3="accent3" accent4="accent4" accent5="accent5" accent6="accent6" hlink="hlink" folHlink="folHlink"/>
   <p:sldLayoutIdLst>
     <p:sldLayoutId id="2147483648" r:id="rId1"/>
     <p:sldLayoutId id="2147483649" r:id="rId2"/>
@@ -6544,10 +6657,10 @@
     <p:sldLayoutId id="2147483657" r:id="rId10"/>
     <p:sldLayoutId id="2147483658" r:id="rId11"/>
   </p:sldLayoutIdLst>
-  <p:hf dt="0" ftr="0" hdr="0" sldNum="0"/>
+  <p:hf sldNum="0" hdr="0" ftr="0" dt="0"/>
   <p:txStyles>
     <p:titleStyle>
-      <a:defPPr lvl="0" marR="0" rtl="0" algn="l">
+      <a:defPPr marR="0" lvl="0" algn="l" rtl="0">
         <a:lnSpc>
           <a:spcPct val="100000"/>
         </a:lnSpc>
@@ -6558,7 +6671,7 @@
           <a:spcPts val="0"/>
         </a:spcAft>
       </a:defPPr>
-      <a:lvl1pPr lvl="0" marR="0" rtl="0" algn="l">
+      <a:lvl1pPr marR="0" lvl="0" algn="l" rtl="0">
         <a:lnSpc>
           <a:spcPct val="100000"/>
         </a:lnSpc>
@@ -6572,7 +6685,7 @@
           <a:srgbClr val="000000"/>
         </a:buClr>
         <a:buFont typeface="Arial"/>
-        <a:defRPr b="0" i="0" sz="1400" u="none" cap="none" strike="noStrike">
+        <a:defRPr sz="1400" b="0" i="0" u="none" strike="noStrike" cap="none">
           <a:solidFill>
             <a:srgbClr val="000000"/>
           </a:solidFill>
@@ -6582,7 +6695,7 @@
           <a:sym typeface="Arial"/>
         </a:defRPr>
       </a:lvl1pPr>
-      <a:lvl2pPr lvl="1" marR="0" rtl="0" algn="l">
+      <a:lvl2pPr marR="0" lvl="1" algn="l" rtl="0">
         <a:lnSpc>
           <a:spcPct val="100000"/>
         </a:lnSpc>
@@ -6596,7 +6709,7 @@
           <a:srgbClr val="000000"/>
         </a:buClr>
         <a:buFont typeface="Arial"/>
-        <a:defRPr b="0" i="0" sz="1400" u="none" cap="none" strike="noStrike">
+        <a:defRPr sz="1400" b="0" i="0" u="none" strike="noStrike" cap="none">
           <a:solidFill>
             <a:srgbClr val="000000"/>
           </a:solidFill>
@@ -6606,7 +6719,7 @@
           <a:sym typeface="Arial"/>
         </a:defRPr>
       </a:lvl2pPr>
-      <a:lvl3pPr lvl="2" marR="0" rtl="0" algn="l">
+      <a:lvl3pPr marR="0" lvl="2" algn="l" rtl="0">
         <a:lnSpc>
           <a:spcPct val="100000"/>
         </a:lnSpc>
@@ -6620,7 +6733,7 @@
           <a:srgbClr val="000000"/>
         </a:buClr>
         <a:buFont typeface="Arial"/>
-        <a:defRPr b="0" i="0" sz="1400" u="none" cap="none" strike="noStrike">
+        <a:defRPr sz="1400" b="0" i="0" u="none" strike="noStrike" cap="none">
           <a:solidFill>
             <a:srgbClr val="000000"/>
           </a:solidFill>
@@ -6630,7 +6743,7 @@
           <a:sym typeface="Arial"/>
         </a:defRPr>
       </a:lvl3pPr>
-      <a:lvl4pPr lvl="3" marR="0" rtl="0" algn="l">
+      <a:lvl4pPr marR="0" lvl="3" algn="l" rtl="0">
         <a:lnSpc>
           <a:spcPct val="100000"/>
         </a:lnSpc>
@@ -6644,7 +6757,7 @@
           <a:srgbClr val="000000"/>
         </a:buClr>
         <a:buFont typeface="Arial"/>
-        <a:defRPr b="0" i="0" sz="1400" u="none" cap="none" strike="noStrike">
+        <a:defRPr sz="1400" b="0" i="0" u="none" strike="noStrike" cap="none">
           <a:solidFill>
             <a:srgbClr val="000000"/>
           </a:solidFill>
@@ -6654,7 +6767,7 @@
           <a:sym typeface="Arial"/>
         </a:defRPr>
       </a:lvl4pPr>
-      <a:lvl5pPr lvl="4" marR="0" rtl="0" algn="l">
+      <a:lvl5pPr marR="0" lvl="4" algn="l" rtl="0">
         <a:lnSpc>
           <a:spcPct val="100000"/>
         </a:lnSpc>
@@ -6668,7 +6781,7 @@
           <a:srgbClr val="000000"/>
         </a:buClr>
         <a:buFont typeface="Arial"/>
-        <a:defRPr b="0" i="0" sz="1400" u="none" cap="none" strike="noStrike">
+        <a:defRPr sz="1400" b="0" i="0" u="none" strike="noStrike" cap="none">
           <a:solidFill>
             <a:srgbClr val="000000"/>
           </a:solidFill>
@@ -6678,7 +6791,7 @@
           <a:sym typeface="Arial"/>
         </a:defRPr>
       </a:lvl5pPr>
-      <a:lvl6pPr lvl="5" marR="0" rtl="0" algn="l">
+      <a:lvl6pPr marR="0" lvl="5" algn="l" rtl="0">
         <a:lnSpc>
           <a:spcPct val="100000"/>
         </a:lnSpc>
@@ -6692,7 +6805,7 @@
           <a:srgbClr val="000000"/>
         </a:buClr>
         <a:buFont typeface="Arial"/>
-        <a:defRPr b="0" i="0" sz="1400" u="none" cap="none" strike="noStrike">
+        <a:defRPr sz="1400" b="0" i="0" u="none" strike="noStrike" cap="none">
           <a:solidFill>
             <a:srgbClr val="000000"/>
           </a:solidFill>
@@ -6702,7 +6815,7 @@
           <a:sym typeface="Arial"/>
         </a:defRPr>
       </a:lvl6pPr>
-      <a:lvl7pPr lvl="6" marR="0" rtl="0" algn="l">
+      <a:lvl7pPr marR="0" lvl="6" algn="l" rtl="0">
         <a:lnSpc>
           <a:spcPct val="100000"/>
         </a:lnSpc>
@@ -6716,7 +6829,7 @@
           <a:srgbClr val="000000"/>
         </a:buClr>
         <a:buFont typeface="Arial"/>
-        <a:defRPr b="0" i="0" sz="1400" u="none" cap="none" strike="noStrike">
+        <a:defRPr sz="1400" b="0" i="0" u="none" strike="noStrike" cap="none">
           <a:solidFill>
             <a:srgbClr val="000000"/>
           </a:solidFill>
@@ -6726,7 +6839,7 @@
           <a:sym typeface="Arial"/>
         </a:defRPr>
       </a:lvl7pPr>
-      <a:lvl8pPr lvl="7" marR="0" rtl="0" algn="l">
+      <a:lvl8pPr marR="0" lvl="7" algn="l" rtl="0">
         <a:lnSpc>
           <a:spcPct val="100000"/>
         </a:lnSpc>
@@ -6740,7 +6853,7 @@
           <a:srgbClr val="000000"/>
         </a:buClr>
         <a:buFont typeface="Arial"/>
-        <a:defRPr b="0" i="0" sz="1400" u="none" cap="none" strike="noStrike">
+        <a:defRPr sz="1400" b="0" i="0" u="none" strike="noStrike" cap="none">
           <a:solidFill>
             <a:srgbClr val="000000"/>
           </a:solidFill>
@@ -6750,7 +6863,7 @@
           <a:sym typeface="Arial"/>
         </a:defRPr>
       </a:lvl8pPr>
-      <a:lvl9pPr lvl="8" marR="0" rtl="0" algn="l">
+      <a:lvl9pPr marR="0" lvl="8" algn="l" rtl="0">
         <a:lnSpc>
           <a:spcPct val="100000"/>
         </a:lnSpc>
@@ -6764,7 +6877,7 @@
           <a:srgbClr val="000000"/>
         </a:buClr>
         <a:buFont typeface="Arial"/>
-        <a:defRPr b="0" i="0" sz="1400" u="none" cap="none" strike="noStrike">
+        <a:defRPr sz="1400" b="0" i="0" u="none" strike="noStrike" cap="none">
           <a:solidFill>
             <a:srgbClr val="000000"/>
           </a:solidFill>
@@ -6776,7 +6889,7 @@
       </a:lvl9pPr>
     </p:titleStyle>
     <p:bodyStyle>
-      <a:defPPr lvl="0" marR="0" rtl="0" algn="l">
+      <a:defPPr marR="0" lvl="0" algn="l" rtl="0">
         <a:lnSpc>
           <a:spcPct val="100000"/>
         </a:lnSpc>
@@ -6787,7 +6900,7 @@
           <a:spcPts val="0"/>
         </a:spcAft>
       </a:defPPr>
-      <a:lvl1pPr lvl="0" marR="0" rtl="0" algn="l">
+      <a:lvl1pPr marR="0" lvl="0" algn="l" rtl="0">
         <a:lnSpc>
           <a:spcPct val="100000"/>
         </a:lnSpc>
@@ -6801,7 +6914,7 @@
           <a:srgbClr val="000000"/>
         </a:buClr>
         <a:buFont typeface="Arial"/>
-        <a:defRPr b="0" i="0" sz="1400" u="none" cap="none" strike="noStrike">
+        <a:defRPr sz="1400" b="0" i="0" u="none" strike="noStrike" cap="none">
           <a:solidFill>
             <a:srgbClr val="000000"/>
           </a:solidFill>
@@ -6811,7 +6924,7 @@
           <a:sym typeface="Arial"/>
         </a:defRPr>
       </a:lvl1pPr>
-      <a:lvl2pPr lvl="1" marR="0" rtl="0" algn="l">
+      <a:lvl2pPr marR="0" lvl="1" algn="l" rtl="0">
         <a:lnSpc>
           <a:spcPct val="100000"/>
         </a:lnSpc>
@@ -6825,7 +6938,7 @@
           <a:srgbClr val="000000"/>
         </a:buClr>
         <a:buFont typeface="Arial"/>
-        <a:defRPr b="0" i="0" sz="1400" u="none" cap="none" strike="noStrike">
+        <a:defRPr sz="1400" b="0" i="0" u="none" strike="noStrike" cap="none">
           <a:solidFill>
             <a:srgbClr val="000000"/>
           </a:solidFill>
@@ -6835,7 +6948,7 @@
           <a:sym typeface="Arial"/>
         </a:defRPr>
       </a:lvl2pPr>
-      <a:lvl3pPr lvl="2" marR="0" rtl="0" algn="l">
+      <a:lvl3pPr marR="0" lvl="2" algn="l" rtl="0">
         <a:lnSpc>
           <a:spcPct val="100000"/>
         </a:lnSpc>
@@ -6849,7 +6962,7 @@
           <a:srgbClr val="000000"/>
         </a:buClr>
         <a:buFont typeface="Arial"/>
-        <a:defRPr b="0" i="0" sz="1400" u="none" cap="none" strike="noStrike">
+        <a:defRPr sz="1400" b="0" i="0" u="none" strike="noStrike" cap="none">
           <a:solidFill>
             <a:srgbClr val="000000"/>
           </a:solidFill>
@@ -6859,7 +6972,7 @@
           <a:sym typeface="Arial"/>
         </a:defRPr>
       </a:lvl3pPr>
-      <a:lvl4pPr lvl="3" marR="0" rtl="0" algn="l">
+      <a:lvl4pPr marR="0" lvl="3" algn="l" rtl="0">
         <a:lnSpc>
           <a:spcPct val="100000"/>
         </a:lnSpc>
@@ -6873,7 +6986,7 @@
           <a:srgbClr val="000000"/>
         </a:buClr>
         <a:buFont typeface="Arial"/>
-        <a:defRPr b="0" i="0" sz="1400" u="none" cap="none" strike="noStrike">
+        <a:defRPr sz="1400" b="0" i="0" u="none" strike="noStrike" cap="none">
           <a:solidFill>
             <a:srgbClr val="000000"/>
           </a:solidFill>
@@ -6883,7 +6996,7 @@
           <a:sym typeface="Arial"/>
         </a:defRPr>
       </a:lvl4pPr>
-      <a:lvl5pPr lvl="4" marR="0" rtl="0" algn="l">
+      <a:lvl5pPr marR="0" lvl="4" algn="l" rtl="0">
         <a:lnSpc>
           <a:spcPct val="100000"/>
         </a:lnSpc>
@@ -6897,7 +7010,7 @@
           <a:srgbClr val="000000"/>
         </a:buClr>
         <a:buFont typeface="Arial"/>
-        <a:defRPr b="0" i="0" sz="1400" u="none" cap="none" strike="noStrike">
+        <a:defRPr sz="1400" b="0" i="0" u="none" strike="noStrike" cap="none">
           <a:solidFill>
             <a:srgbClr val="000000"/>
           </a:solidFill>
@@ -6907,7 +7020,7 @@
           <a:sym typeface="Arial"/>
         </a:defRPr>
       </a:lvl5pPr>
-      <a:lvl6pPr lvl="5" marR="0" rtl="0" algn="l">
+      <a:lvl6pPr marR="0" lvl="5" algn="l" rtl="0">
         <a:lnSpc>
           <a:spcPct val="100000"/>
         </a:lnSpc>
@@ -6921,7 +7034,7 @@
           <a:srgbClr val="000000"/>
         </a:buClr>
         <a:buFont typeface="Arial"/>
-        <a:defRPr b="0" i="0" sz="1400" u="none" cap="none" strike="noStrike">
+        <a:defRPr sz="1400" b="0" i="0" u="none" strike="noStrike" cap="none">
           <a:solidFill>
             <a:srgbClr val="000000"/>
           </a:solidFill>
@@ -6931,7 +7044,7 @@
           <a:sym typeface="Arial"/>
         </a:defRPr>
       </a:lvl6pPr>
-      <a:lvl7pPr lvl="6" marR="0" rtl="0" algn="l">
+      <a:lvl7pPr marR="0" lvl="6" algn="l" rtl="0">
         <a:lnSpc>
           <a:spcPct val="100000"/>
         </a:lnSpc>
@@ -6945,7 +7058,7 @@
           <a:srgbClr val="000000"/>
         </a:buClr>
         <a:buFont typeface="Arial"/>
-        <a:defRPr b="0" i="0" sz="1400" u="none" cap="none" strike="noStrike">
+        <a:defRPr sz="1400" b="0" i="0" u="none" strike="noStrike" cap="none">
           <a:solidFill>
             <a:srgbClr val="000000"/>
           </a:solidFill>
@@ -6955,7 +7068,7 @@
           <a:sym typeface="Arial"/>
         </a:defRPr>
       </a:lvl7pPr>
-      <a:lvl8pPr lvl="7" marR="0" rtl="0" algn="l">
+      <a:lvl8pPr marR="0" lvl="7" algn="l" rtl="0">
         <a:lnSpc>
           <a:spcPct val="100000"/>
         </a:lnSpc>
@@ -6969,7 +7082,7 @@
           <a:srgbClr val="000000"/>
         </a:buClr>
         <a:buFont typeface="Arial"/>
-        <a:defRPr b="0" i="0" sz="1400" u="none" cap="none" strike="noStrike">
+        <a:defRPr sz="1400" b="0" i="0" u="none" strike="noStrike" cap="none">
           <a:solidFill>
             <a:srgbClr val="000000"/>
           </a:solidFill>
@@ -6979,7 +7092,7 @@
           <a:sym typeface="Arial"/>
         </a:defRPr>
       </a:lvl8pPr>
-      <a:lvl9pPr lvl="8" marR="0" rtl="0" algn="l">
+      <a:lvl9pPr marR="0" lvl="8" algn="l" rtl="0">
         <a:lnSpc>
           <a:spcPct val="100000"/>
         </a:lnSpc>
@@ -6993,7 +7106,7 @@
           <a:srgbClr val="000000"/>
         </a:buClr>
         <a:buFont typeface="Arial"/>
-        <a:defRPr b="0" i="0" sz="1400" u="none" cap="none" strike="noStrike">
+        <a:defRPr sz="1400" b="0" i="0" u="none" strike="noStrike" cap="none">
           <a:solidFill>
             <a:srgbClr val="000000"/>
           </a:solidFill>
@@ -7005,7 +7118,7 @@
       </a:lvl9pPr>
     </p:bodyStyle>
     <p:otherStyle>
-      <a:defPPr lvl="0" marR="0" rtl="0" algn="l">
+      <a:defPPr marR="0" lvl="0" algn="l" rtl="0">
         <a:lnSpc>
           <a:spcPct val="100000"/>
         </a:lnSpc>
@@ -7016,7 +7129,7 @@
           <a:spcPts val="0"/>
         </a:spcAft>
       </a:defPPr>
-      <a:lvl1pPr lvl="0" marR="0" rtl="0" algn="l">
+      <a:lvl1pPr marR="0" lvl="0" algn="l" rtl="0">
         <a:lnSpc>
           <a:spcPct val="100000"/>
         </a:lnSpc>
@@ -7030,7 +7143,7 @@
           <a:srgbClr val="000000"/>
         </a:buClr>
         <a:buFont typeface="Arial"/>
-        <a:defRPr b="0" i="0" sz="1400" u="none" cap="none" strike="noStrike">
+        <a:defRPr sz="1400" b="0" i="0" u="none" strike="noStrike" cap="none">
           <a:solidFill>
             <a:srgbClr val="000000"/>
           </a:solidFill>
@@ -7040,7 +7153,7 @@
           <a:sym typeface="Arial"/>
         </a:defRPr>
       </a:lvl1pPr>
-      <a:lvl2pPr lvl="1" marR="0" rtl="0" algn="l">
+      <a:lvl2pPr marR="0" lvl="1" algn="l" rtl="0">
         <a:lnSpc>
           <a:spcPct val="100000"/>
         </a:lnSpc>
@@ -7054,7 +7167,7 @@
           <a:srgbClr val="000000"/>
         </a:buClr>
         <a:buFont typeface="Arial"/>
-        <a:defRPr b="0" i="0" sz="1400" u="none" cap="none" strike="noStrike">
+        <a:defRPr sz="1400" b="0" i="0" u="none" strike="noStrike" cap="none">
           <a:solidFill>
             <a:srgbClr val="000000"/>
           </a:solidFill>
@@ -7064,7 +7177,7 @@
           <a:sym typeface="Arial"/>
         </a:defRPr>
       </a:lvl2pPr>
-      <a:lvl3pPr lvl="2" marR="0" rtl="0" algn="l">
+      <a:lvl3pPr marR="0" lvl="2" algn="l" rtl="0">
         <a:lnSpc>
           <a:spcPct val="100000"/>
         </a:lnSpc>
@@ -7078,7 +7191,7 @@
           <a:srgbClr val="000000"/>
         </a:buClr>
         <a:buFont typeface="Arial"/>
-        <a:defRPr b="0" i="0" sz="1400" u="none" cap="none" strike="noStrike">
+        <a:defRPr sz="1400" b="0" i="0" u="none" strike="noStrike" cap="none">
           <a:solidFill>
             <a:srgbClr val="000000"/>
           </a:solidFill>
@@ -7088,7 +7201,7 @@
           <a:sym typeface="Arial"/>
         </a:defRPr>
       </a:lvl3pPr>
-      <a:lvl4pPr lvl="3" marR="0" rtl="0" algn="l">
+      <a:lvl4pPr marR="0" lvl="3" algn="l" rtl="0">
         <a:lnSpc>
           <a:spcPct val="100000"/>
         </a:lnSpc>
@@ -7102,7 +7215,7 @@
           <a:srgbClr val="000000"/>
         </a:buClr>
         <a:buFont typeface="Arial"/>
-        <a:defRPr b="0" i="0" sz="1400" u="none" cap="none" strike="noStrike">
+        <a:defRPr sz="1400" b="0" i="0" u="none" strike="noStrike" cap="none">
           <a:solidFill>
             <a:srgbClr val="000000"/>
           </a:solidFill>
@@ -7112,7 +7225,7 @@
           <a:sym typeface="Arial"/>
         </a:defRPr>
       </a:lvl4pPr>
-      <a:lvl5pPr lvl="4" marR="0" rtl="0" algn="l">
+      <a:lvl5pPr marR="0" lvl="4" algn="l" rtl="0">
         <a:lnSpc>
           <a:spcPct val="100000"/>
         </a:lnSpc>
@@ -7126,7 +7239,7 @@
           <a:srgbClr val="000000"/>
         </a:buClr>
         <a:buFont typeface="Arial"/>
-        <a:defRPr b="0" i="0" sz="1400" u="none" cap="none" strike="noStrike">
+        <a:defRPr sz="1400" b="0" i="0" u="none" strike="noStrike" cap="none">
           <a:solidFill>
             <a:srgbClr val="000000"/>
           </a:solidFill>
@@ -7136,7 +7249,7 @@
           <a:sym typeface="Arial"/>
         </a:defRPr>
       </a:lvl5pPr>
-      <a:lvl6pPr lvl="5" marR="0" rtl="0" algn="l">
+      <a:lvl6pPr marR="0" lvl="5" algn="l" rtl="0">
         <a:lnSpc>
           <a:spcPct val="100000"/>
         </a:lnSpc>
@@ -7150,7 +7263,7 @@
           <a:srgbClr val="000000"/>
         </a:buClr>
         <a:buFont typeface="Arial"/>
-        <a:defRPr b="0" i="0" sz="1400" u="none" cap="none" strike="noStrike">
+        <a:defRPr sz="1400" b="0" i="0" u="none" strike="noStrike" cap="none">
           <a:solidFill>
             <a:srgbClr val="000000"/>
           </a:solidFill>
@@ -7160,7 +7273,7 @@
           <a:sym typeface="Arial"/>
         </a:defRPr>
       </a:lvl6pPr>
-      <a:lvl7pPr lvl="6" marR="0" rtl="0" algn="l">
+      <a:lvl7pPr marR="0" lvl="6" algn="l" rtl="0">
         <a:lnSpc>
           <a:spcPct val="100000"/>
         </a:lnSpc>
@@ -7174,7 +7287,7 @@
           <a:srgbClr val="000000"/>
         </a:buClr>
         <a:buFont typeface="Arial"/>
-        <a:defRPr b="0" i="0" sz="1400" u="none" cap="none" strike="noStrike">
+        <a:defRPr sz="1400" b="0" i="0" u="none" strike="noStrike" cap="none">
           <a:solidFill>
             <a:srgbClr val="000000"/>
           </a:solidFill>
@@ -7184,7 +7297,7 @@
           <a:sym typeface="Arial"/>
         </a:defRPr>
       </a:lvl7pPr>
-      <a:lvl8pPr lvl="7" marR="0" rtl="0" algn="l">
+      <a:lvl8pPr marR="0" lvl="7" algn="l" rtl="0">
         <a:lnSpc>
           <a:spcPct val="100000"/>
         </a:lnSpc>
@@ -7198,7 +7311,7 @@
           <a:srgbClr val="000000"/>
         </a:buClr>
         <a:buFont typeface="Arial"/>
-        <a:defRPr b="0" i="0" sz="1400" u="none" cap="none" strike="noStrike">
+        <a:defRPr sz="1400" b="0" i="0" u="none" strike="noStrike" cap="none">
           <a:solidFill>
             <a:srgbClr val="000000"/>
           </a:solidFill>
@@ -7208,7 +7321,7 @@
           <a:sym typeface="Arial"/>
         </a:defRPr>
       </a:lvl8pPr>
-      <a:lvl9pPr lvl="8" marR="0" rtl="0" algn="l">
+      <a:lvl9pPr marR="0" lvl="8" algn="l" rtl="0">
         <a:lnSpc>
           <a:spcPct val="100000"/>
         </a:lnSpc>
@@ -7222,7 +7335,7 @@
           <a:srgbClr val="000000"/>
         </a:buClr>
         <a:buFont typeface="Arial"/>
-        <a:defRPr b="0" i="0" sz="1400" u="none" cap="none" strike="noStrike">
+        <a:defRPr sz="1400" b="0" i="0" u="none" strike="noStrike" cap="none">
           <a:solidFill>
             <a:srgbClr val="000000"/>
           </a:solidFill>
@@ -7238,11 +7351,11 @@
 </file>
 
 <file path=ppt/slides/slide1.xml><?xml version="1.0" encoding="utf-8"?>
-<p:sld xmlns:a="http://schemas.openxmlformats.org/drawingml/2006/main" xmlns:r="http://schemas.openxmlformats.org/officeDocument/2006/relationships" xmlns:mc="http://schemas.openxmlformats.org/markup-compatibility/2006" xmlns:mv="urn:schemas-microsoft-com:mac:vml" xmlns:p="http://schemas.openxmlformats.org/presentationml/2006/main" xmlns:c="http://schemas.openxmlformats.org/drawingml/2006/chart" xmlns:dgm="http://schemas.openxmlformats.org/drawingml/2006/diagram" xmlns:o="urn:schemas-microsoft-com:office:office" xmlns:v="urn:schemas-microsoft-com:vml" xmlns:pvml="urn:schemas-microsoft-com:office:powerpoint" xmlns:com="http://schemas.openxmlformats.org/drawingml/2006/compatibility" xmlns:p14="http://schemas.microsoft.com/office/powerpoint/2010/main" xmlns:p15="http://schemas.microsoft.com/office/powerpoint/2012/main" xmlns:ahyp="http://schemas.microsoft.com/office/drawing/2018/hyperlinkcolor">
+<p:sld xmlns:a="http://schemas.openxmlformats.org/drawingml/2006/main" xmlns:r="http://schemas.openxmlformats.org/officeDocument/2006/relationships" xmlns:p="http://schemas.openxmlformats.org/presentationml/2006/main">
   <p:cSld>
     <p:spTree>
       <p:nvGrpSpPr>
-        <p:cNvPr id="53" name="Shape 53"/>
+        <p:cNvPr id="1" name="Shape 53"/>
         <p:cNvGrpSpPr/>
         <p:nvPr/>
       </p:nvGrpSpPr>
@@ -7257,7 +7370,9 @@
       <p:sp>
         <p:nvSpPr>
           <p:cNvPr id="54" name="Google Shape;54;p13"/>
-          <p:cNvSpPr txBox="1"/>
+          <p:cNvSpPr txBox="1">
+            <a:spLocks noGrp="1"/>
+          </p:cNvSpPr>
           <p:nvPr>
             <p:ph type="ctrTitle"/>
           </p:nvPr>
@@ -7272,12 +7387,12 @@
           </a:prstGeom>
         </p:spPr>
         <p:txBody>
-          <a:bodyPr anchorCtr="0" anchor="b" bIns="91425" lIns="91425" spcFirstLastPara="1" rIns="91425" wrap="square" tIns="91425">
+          <a:bodyPr spcFirstLastPara="1" wrap="square" lIns="91425" tIns="91425" rIns="91425" bIns="91425" anchor="b" anchorCtr="0">
             <a:normAutofit/>
           </a:bodyPr>
           <a:lstStyle/>
           <a:p>
-            <a:pPr indent="0" lvl="0" marL="0" rtl="0" algn="ctr">
+            <a:pPr marL="0" lvl="0" indent="0" algn="ctr" rtl="0">
               <a:spcBef>
                 <a:spcPts val="0"/>
               </a:spcBef>
@@ -7297,9 +7412,11 @@
       <p:sp>
         <p:nvSpPr>
           <p:cNvPr id="55" name="Google Shape;55;p13"/>
-          <p:cNvSpPr txBox="1"/>
+          <p:cNvSpPr txBox="1">
+            <a:spLocks noGrp="1"/>
+          </p:cNvSpPr>
           <p:nvPr>
-            <p:ph idx="1" type="subTitle"/>
+            <p:ph type="subTitle" idx="1"/>
           </p:nvPr>
         </p:nvSpPr>
         <p:spPr>
@@ -7312,12 +7429,12 @@
           </a:prstGeom>
         </p:spPr>
         <p:txBody>
-          <a:bodyPr anchorCtr="0" anchor="t" bIns="91425" lIns="91425" spcFirstLastPara="1" rIns="91425" wrap="square" tIns="91425">
+          <a:bodyPr spcFirstLastPara="1" wrap="square" lIns="91425" tIns="91425" rIns="91425" bIns="91425" anchor="t" anchorCtr="0">
             <a:normAutofit/>
           </a:bodyPr>
           <a:lstStyle/>
           <a:p>
-            <a:pPr indent="0" lvl="0" marL="0" rtl="0" algn="ctr">
+            <a:pPr marL="0" lvl="0" indent="0" algn="ctr" rtl="0">
               <a:spcBef>
                 <a:spcPts val="0"/>
               </a:spcBef>
@@ -7343,11 +7460,11 @@
 </file>
 
 <file path=ppt/slides/slide10.xml><?xml version="1.0" encoding="utf-8"?>
-<p:sld xmlns:a="http://schemas.openxmlformats.org/drawingml/2006/main" xmlns:r="http://schemas.openxmlformats.org/officeDocument/2006/relationships" xmlns:mc="http://schemas.openxmlformats.org/markup-compatibility/2006" xmlns:mv="urn:schemas-microsoft-com:mac:vml" xmlns:p="http://schemas.openxmlformats.org/presentationml/2006/main" xmlns:c="http://schemas.openxmlformats.org/drawingml/2006/chart" xmlns:dgm="http://schemas.openxmlformats.org/drawingml/2006/diagram" xmlns:o="urn:schemas-microsoft-com:office:office" xmlns:v="urn:schemas-microsoft-com:vml" xmlns:pvml="urn:schemas-microsoft-com:office:powerpoint" xmlns:com="http://schemas.openxmlformats.org/drawingml/2006/compatibility" xmlns:p14="http://schemas.microsoft.com/office/powerpoint/2010/main" xmlns:p15="http://schemas.microsoft.com/office/powerpoint/2012/main" xmlns:ahyp="http://schemas.microsoft.com/office/drawing/2018/hyperlinkcolor">
+<p:sld xmlns:a="http://schemas.openxmlformats.org/drawingml/2006/main" xmlns:r="http://schemas.openxmlformats.org/officeDocument/2006/relationships" xmlns:p="http://schemas.openxmlformats.org/presentationml/2006/main">
   <p:cSld>
     <p:spTree>
       <p:nvGrpSpPr>
-        <p:cNvPr id="111" name="Shape 111"/>
+        <p:cNvPr id="1" name="Shape 111"/>
         <p:cNvGrpSpPr/>
         <p:nvPr/>
       </p:nvGrpSpPr>
@@ -7362,7 +7479,9 @@
       <p:sp>
         <p:nvSpPr>
           <p:cNvPr id="112" name="Google Shape;112;p22"/>
-          <p:cNvSpPr txBox="1"/>
+          <p:cNvSpPr txBox="1">
+            <a:spLocks noGrp="1"/>
+          </p:cNvSpPr>
           <p:nvPr>
             <p:ph type="title"/>
           </p:nvPr>
@@ -7377,12 +7496,12 @@
           </a:prstGeom>
         </p:spPr>
         <p:txBody>
-          <a:bodyPr anchorCtr="0" anchor="t" bIns="91425" lIns="91425" spcFirstLastPara="1" rIns="91425" wrap="square" tIns="91425">
+          <a:bodyPr spcFirstLastPara="1" wrap="square" lIns="91425" tIns="91425" rIns="91425" bIns="91425" anchor="t" anchorCtr="0">
             <a:normAutofit fontScale="90000"/>
           </a:bodyPr>
           <a:lstStyle/>
           <a:p>
-            <a:pPr indent="0" lvl="0" marL="0" rtl="0" algn="l">
+            <a:pPr marL="0" lvl="0" indent="0" algn="l" rtl="0">
               <a:spcBef>
                 <a:spcPts val="0"/>
               </a:spcBef>
@@ -7402,9 +7521,11 @@
       <p:sp>
         <p:nvSpPr>
           <p:cNvPr id="113" name="Google Shape;113;p22"/>
-          <p:cNvSpPr txBox="1"/>
+          <p:cNvSpPr txBox="1">
+            <a:spLocks noGrp="1"/>
+          </p:cNvSpPr>
           <p:nvPr>
-            <p:ph idx="1" type="body"/>
+            <p:ph type="body" idx="1"/>
           </p:nvPr>
         </p:nvSpPr>
         <p:spPr>
@@ -7417,12 +7538,12 @@
           </a:prstGeom>
         </p:spPr>
         <p:txBody>
-          <a:bodyPr anchorCtr="0" anchor="t" bIns="91425" lIns="91425" spcFirstLastPara="1" rIns="91425" wrap="square" tIns="91425">
+          <a:bodyPr spcFirstLastPara="1" wrap="square" lIns="91425" tIns="91425" rIns="91425" bIns="91425" anchor="t" anchorCtr="0">
             <a:normAutofit/>
           </a:bodyPr>
           <a:lstStyle/>
           <a:p>
-            <a:pPr indent="0" lvl="0" marL="0" rtl="0" algn="l">
+            <a:pPr marL="0" lvl="0" indent="0" algn="l" rtl="0">
               <a:spcBef>
                 <a:spcPts val="0"/>
               </a:spcBef>
@@ -7438,7 +7559,7 @@
             <a:endParaRPr/>
           </a:p>
           <a:p>
-            <a:pPr indent="0" lvl="0" marL="0" rtl="0" algn="l">
+            <a:pPr marL="0" lvl="0" indent="0" algn="l" rtl="0">
               <a:spcBef>
                 <a:spcPts val="1200"/>
               </a:spcBef>
@@ -7454,7 +7575,7 @@
             <a:endParaRPr/>
           </a:p>
           <a:p>
-            <a:pPr indent="0" lvl="0" marL="0" rtl="0" algn="l">
+            <a:pPr marL="0" lvl="0" indent="0" algn="l" rtl="0">
               <a:spcBef>
                 <a:spcPts val="1200"/>
               </a:spcBef>
@@ -7463,9 +7584,6 @@
               </a:spcAft>
               <a:buNone/>
             </a:pPr>
-            <a:r>
-              <a:t/>
-            </a:r>
             <a:endParaRPr/>
           </a:p>
         </p:txBody>
@@ -7507,11 +7625,11 @@
 </file>
 
 <file path=ppt/slides/slide11.xml><?xml version="1.0" encoding="utf-8"?>
-<p:sld xmlns:a="http://schemas.openxmlformats.org/drawingml/2006/main" xmlns:r="http://schemas.openxmlformats.org/officeDocument/2006/relationships" xmlns:mc="http://schemas.openxmlformats.org/markup-compatibility/2006" xmlns:mv="urn:schemas-microsoft-com:mac:vml" xmlns:p="http://schemas.openxmlformats.org/presentationml/2006/main" xmlns:c="http://schemas.openxmlformats.org/drawingml/2006/chart" xmlns:dgm="http://schemas.openxmlformats.org/drawingml/2006/diagram" xmlns:o="urn:schemas-microsoft-com:office:office" xmlns:v="urn:schemas-microsoft-com:vml" xmlns:pvml="urn:schemas-microsoft-com:office:powerpoint" xmlns:com="http://schemas.openxmlformats.org/drawingml/2006/compatibility" xmlns:p14="http://schemas.microsoft.com/office/powerpoint/2010/main" xmlns:p15="http://schemas.microsoft.com/office/powerpoint/2012/main" xmlns:ahyp="http://schemas.microsoft.com/office/drawing/2018/hyperlinkcolor">
+<p:sld xmlns:a="http://schemas.openxmlformats.org/drawingml/2006/main" xmlns:r="http://schemas.openxmlformats.org/officeDocument/2006/relationships" xmlns:p="http://schemas.openxmlformats.org/presentationml/2006/main">
   <p:cSld>
     <p:spTree>
       <p:nvGrpSpPr>
-        <p:cNvPr id="118" name="Shape 118"/>
+        <p:cNvPr id="1" name="Shape 118"/>
         <p:cNvGrpSpPr/>
         <p:nvPr/>
       </p:nvGrpSpPr>
@@ -7526,7 +7644,9 @@
       <p:sp>
         <p:nvSpPr>
           <p:cNvPr id="119" name="Google Shape;119;p23"/>
-          <p:cNvSpPr txBox="1"/>
+          <p:cNvSpPr txBox="1">
+            <a:spLocks noGrp="1"/>
+          </p:cNvSpPr>
           <p:nvPr>
             <p:ph type="title"/>
           </p:nvPr>
@@ -7541,12 +7661,12 @@
           </a:prstGeom>
         </p:spPr>
         <p:txBody>
-          <a:bodyPr anchorCtr="0" anchor="t" bIns="91425" lIns="91425" spcFirstLastPara="1" rIns="91425" wrap="square" tIns="91425">
+          <a:bodyPr spcFirstLastPara="1" wrap="square" lIns="91425" tIns="91425" rIns="91425" bIns="91425" anchor="t" anchorCtr="0">
             <a:normAutofit fontScale="90000"/>
           </a:bodyPr>
           <a:lstStyle/>
           <a:p>
-            <a:pPr indent="0" lvl="0" marL="0" rtl="0" algn="l">
+            <a:pPr marL="0" lvl="0" indent="0" algn="l" rtl="0">
               <a:spcBef>
                 <a:spcPts val="0"/>
               </a:spcBef>
@@ -7566,9 +7686,11 @@
       <p:sp>
         <p:nvSpPr>
           <p:cNvPr id="120" name="Google Shape;120;p23"/>
-          <p:cNvSpPr txBox="1"/>
+          <p:cNvSpPr txBox="1">
+            <a:spLocks noGrp="1"/>
+          </p:cNvSpPr>
           <p:nvPr>
-            <p:ph idx="1" type="body"/>
+            <p:ph type="body" idx="1"/>
           </p:nvPr>
         </p:nvSpPr>
         <p:spPr>
@@ -7581,12 +7703,12 @@
           </a:prstGeom>
         </p:spPr>
         <p:txBody>
-          <a:bodyPr anchorCtr="0" anchor="t" bIns="91425" lIns="91425" spcFirstLastPara="1" rIns="91425" wrap="square" tIns="91425">
+          <a:bodyPr spcFirstLastPara="1" wrap="square" lIns="91425" tIns="91425" rIns="91425" bIns="91425" anchor="t" anchorCtr="0">
             <a:normAutofit/>
           </a:bodyPr>
           <a:lstStyle/>
           <a:p>
-            <a:pPr indent="0" lvl="0" marL="0" rtl="0" algn="l">
+            <a:pPr marL="0" lvl="0" indent="0" algn="l" rtl="0">
               <a:spcBef>
                 <a:spcPts val="0"/>
               </a:spcBef>
@@ -7602,7 +7724,7 @@
             <a:endParaRPr/>
           </a:p>
           <a:p>
-            <a:pPr indent="0" lvl="0" marL="0" rtl="0" algn="l">
+            <a:pPr marL="0" lvl="0" indent="0" algn="l" rtl="0">
               <a:spcBef>
                 <a:spcPts val="1200"/>
               </a:spcBef>
@@ -7618,7 +7740,7 @@
             <a:endParaRPr/>
           </a:p>
           <a:p>
-            <a:pPr indent="0" lvl="0" marL="0" rtl="0" algn="l">
+            <a:pPr marL="0" lvl="0" indent="0" algn="l" rtl="0">
               <a:spcBef>
                 <a:spcPts val="1200"/>
               </a:spcBef>
@@ -7634,7 +7756,7 @@
             <a:endParaRPr/>
           </a:p>
           <a:p>
-            <a:pPr indent="0" lvl="0" marL="0" rtl="0" algn="l">
+            <a:pPr marL="0" lvl="0" indent="0" algn="l" rtl="0">
               <a:spcBef>
                 <a:spcPts val="1200"/>
               </a:spcBef>
@@ -7643,9 +7765,6 @@
               </a:spcAft>
               <a:buNone/>
             </a:pPr>
-            <a:r>
-              <a:t/>
-            </a:r>
             <a:endParaRPr/>
           </a:p>
         </p:txBody>
@@ -7659,11 +7778,11 @@
 </file>
 
 <file path=ppt/slides/slide12.xml><?xml version="1.0" encoding="utf-8"?>
-<p:sld xmlns:a="http://schemas.openxmlformats.org/drawingml/2006/main" xmlns:r="http://schemas.openxmlformats.org/officeDocument/2006/relationships" xmlns:mc="http://schemas.openxmlformats.org/markup-compatibility/2006" xmlns:mv="urn:schemas-microsoft-com:mac:vml" xmlns:p="http://schemas.openxmlformats.org/presentationml/2006/main" xmlns:c="http://schemas.openxmlformats.org/drawingml/2006/chart" xmlns:dgm="http://schemas.openxmlformats.org/drawingml/2006/diagram" xmlns:o="urn:schemas-microsoft-com:office:office" xmlns:v="urn:schemas-microsoft-com:vml" xmlns:pvml="urn:schemas-microsoft-com:office:powerpoint" xmlns:com="http://schemas.openxmlformats.org/drawingml/2006/compatibility" xmlns:p14="http://schemas.microsoft.com/office/powerpoint/2010/main" xmlns:p15="http://schemas.microsoft.com/office/powerpoint/2012/main" xmlns:ahyp="http://schemas.microsoft.com/office/drawing/2018/hyperlinkcolor">
+<p:sld xmlns:a="http://schemas.openxmlformats.org/drawingml/2006/main" xmlns:r="http://schemas.openxmlformats.org/officeDocument/2006/relationships" xmlns:p="http://schemas.openxmlformats.org/presentationml/2006/main">
   <p:cSld>
     <p:spTree>
       <p:nvGrpSpPr>
-        <p:cNvPr id="124" name="Shape 124"/>
+        <p:cNvPr id="1" name="Shape 124"/>
         <p:cNvGrpSpPr/>
         <p:nvPr/>
       </p:nvGrpSpPr>
@@ -7678,7 +7797,9 @@
       <p:sp>
         <p:nvSpPr>
           <p:cNvPr id="125" name="Google Shape;125;p24"/>
-          <p:cNvSpPr txBox="1"/>
+          <p:cNvSpPr txBox="1">
+            <a:spLocks noGrp="1"/>
+          </p:cNvSpPr>
           <p:nvPr>
             <p:ph type="title"/>
           </p:nvPr>
@@ -7693,12 +7814,12 @@
           </a:prstGeom>
         </p:spPr>
         <p:txBody>
-          <a:bodyPr anchorCtr="0" anchor="t" bIns="91425" lIns="91425" spcFirstLastPara="1" rIns="91425" wrap="square" tIns="91425">
+          <a:bodyPr spcFirstLastPara="1" wrap="square" lIns="91425" tIns="91425" rIns="91425" bIns="91425" anchor="t" anchorCtr="0">
             <a:normAutofit fontScale="90000"/>
           </a:bodyPr>
           <a:lstStyle/>
           <a:p>
-            <a:pPr indent="0" lvl="0" marL="0" rtl="0" algn="l">
+            <a:pPr marL="0" lvl="0" indent="0" algn="l" rtl="0">
               <a:spcBef>
                 <a:spcPts val="0"/>
               </a:spcBef>
@@ -7718,9 +7839,11 @@
       <p:sp>
         <p:nvSpPr>
           <p:cNvPr id="126" name="Google Shape;126;p24"/>
-          <p:cNvSpPr txBox="1"/>
+          <p:cNvSpPr txBox="1">
+            <a:spLocks noGrp="1"/>
+          </p:cNvSpPr>
           <p:nvPr>
-            <p:ph idx="1" type="body"/>
+            <p:ph type="body" idx="1"/>
           </p:nvPr>
         </p:nvSpPr>
         <p:spPr>
@@ -7733,12 +7856,12 @@
           </a:prstGeom>
         </p:spPr>
         <p:txBody>
-          <a:bodyPr anchorCtr="0" anchor="t" bIns="91425" lIns="91425" spcFirstLastPara="1" rIns="91425" wrap="square" tIns="91425">
+          <a:bodyPr spcFirstLastPara="1" wrap="square" lIns="91425" tIns="91425" rIns="91425" bIns="91425" anchor="t" anchorCtr="0">
             <a:normAutofit/>
           </a:bodyPr>
           <a:lstStyle/>
           <a:p>
-            <a:pPr indent="0" lvl="0" marL="0" rtl="0" algn="l">
+            <a:pPr marL="0" lvl="0" indent="0" algn="l" rtl="0">
               <a:spcBef>
                 <a:spcPts val="0"/>
               </a:spcBef>
@@ -7752,13 +7875,13 @@
               <a:t>Result: Memory should be </a:t>
             </a:r>
             <a:r>
-              <a:rPr b="1" lang="en"/>
+              <a:rPr lang="en" b="1"/>
               <a:t>W + Sqrt(W)</a:t>
             </a:r>
             <a:endParaRPr b="1"/>
           </a:p>
           <a:p>
-            <a:pPr indent="0" lvl="0" marL="0" rtl="0" algn="l">
+            <a:pPr marL="0" lvl="0" indent="0" algn="l" rtl="0">
               <a:spcBef>
                 <a:spcPts val="1200"/>
               </a:spcBef>
@@ -7774,7 +7897,7 @@
             <a:endParaRPr/>
           </a:p>
           <a:p>
-            <a:pPr indent="0" lvl="0" marL="0" rtl="0" algn="l">
+            <a:pPr marL="0" lvl="0" indent="0" algn="l" rtl="0">
               <a:spcBef>
                 <a:spcPts val="1200"/>
               </a:spcBef>
@@ -7785,16 +7908,12 @@
             </a:pPr>
             <a:r>
               <a:rPr lang="en"/>
-              <a:t>G</a:t>
+              <a:t>Give me 1000$ &gt; Give bill gate 1000$</a:t>
             </a:r>
-            <a:r>
-              <a:rPr lang="en"/>
-              <a:t>ive me 1000$ &gt; Give bill gate 1000$</a:t>
-            </a:r>
-            <a:endParaRPr/>
-          </a:p>
-          <a:p>
-            <a:pPr indent="0" lvl="0" marL="0" rtl="0" algn="l">
+            <a:endParaRPr/>
+          </a:p>
+          <a:p>
+            <a:pPr marL="0" lvl="0" indent="0" algn="l" rtl="0">
               <a:spcBef>
                 <a:spcPts val="1200"/>
               </a:spcBef>
@@ -7810,7 +7929,7 @@
             <a:endParaRPr/>
           </a:p>
           <a:p>
-            <a:pPr indent="0" lvl="0" marL="0" rtl="0" algn="l">
+            <a:pPr marL="0" lvl="0" indent="0" algn="l" rtl="0">
               <a:spcBef>
                 <a:spcPts val="1200"/>
               </a:spcBef>
@@ -7826,7 +7945,7 @@
             <a:endParaRPr/>
           </a:p>
           <a:p>
-            <a:pPr indent="0" lvl="0" marL="0" rtl="0" algn="l">
+            <a:pPr marL="0" lvl="0" indent="0" algn="l" rtl="0">
               <a:spcBef>
                 <a:spcPts val="1200"/>
               </a:spcBef>
@@ -7842,7 +7961,7 @@
             <a:endParaRPr/>
           </a:p>
           <a:p>
-            <a:pPr indent="0" lvl="0" marL="0" rtl="0" algn="l">
+            <a:pPr marL="0" lvl="0" indent="0" algn="l" rtl="0">
               <a:spcBef>
                 <a:spcPts val="1200"/>
               </a:spcBef>
@@ -7868,11 +7987,11 @@
 </file>
 
 <file path=ppt/slides/slide13.xml><?xml version="1.0" encoding="utf-8"?>
-<p:sld xmlns:a="http://schemas.openxmlformats.org/drawingml/2006/main" xmlns:r="http://schemas.openxmlformats.org/officeDocument/2006/relationships" xmlns:mc="http://schemas.openxmlformats.org/markup-compatibility/2006" xmlns:mv="urn:schemas-microsoft-com:mac:vml" xmlns:p="http://schemas.openxmlformats.org/presentationml/2006/main" xmlns:c="http://schemas.openxmlformats.org/drawingml/2006/chart" xmlns:dgm="http://schemas.openxmlformats.org/drawingml/2006/diagram" xmlns:o="urn:schemas-microsoft-com:office:office" xmlns:v="urn:schemas-microsoft-com:vml" xmlns:pvml="urn:schemas-microsoft-com:office:powerpoint" xmlns:com="http://schemas.openxmlformats.org/drawingml/2006/compatibility" xmlns:p14="http://schemas.microsoft.com/office/powerpoint/2010/main" xmlns:p15="http://schemas.microsoft.com/office/powerpoint/2012/main" xmlns:ahyp="http://schemas.microsoft.com/office/drawing/2018/hyperlinkcolor">
+<p:sld xmlns:a="http://schemas.openxmlformats.org/drawingml/2006/main" xmlns:r="http://schemas.openxmlformats.org/officeDocument/2006/relationships" xmlns:p="http://schemas.openxmlformats.org/presentationml/2006/main">
   <p:cSld>
     <p:spTree>
       <p:nvGrpSpPr>
-        <p:cNvPr id="130" name="Shape 130"/>
+        <p:cNvPr id="1" name="Shape 130"/>
         <p:cNvGrpSpPr/>
         <p:nvPr/>
       </p:nvGrpSpPr>
@@ -7887,7 +8006,9 @@
       <p:sp>
         <p:nvSpPr>
           <p:cNvPr id="131" name="Google Shape;131;p25"/>
-          <p:cNvSpPr txBox="1"/>
+          <p:cNvSpPr txBox="1">
+            <a:spLocks noGrp="1"/>
+          </p:cNvSpPr>
           <p:nvPr>
             <p:ph type="title"/>
           </p:nvPr>
@@ -7902,12 +8023,12 @@
           </a:prstGeom>
         </p:spPr>
         <p:txBody>
-          <a:bodyPr anchorCtr="0" anchor="t" bIns="91425" lIns="91425" spcFirstLastPara="1" rIns="91425" wrap="square" tIns="91425">
+          <a:bodyPr spcFirstLastPara="1" wrap="square" lIns="91425" tIns="91425" rIns="91425" bIns="91425" anchor="t" anchorCtr="0">
             <a:normAutofit fontScale="90000"/>
           </a:bodyPr>
           <a:lstStyle/>
           <a:p>
-            <a:pPr indent="0" lvl="0" marL="0" rtl="0" algn="l">
+            <a:pPr marL="0" lvl="0" indent="0" algn="l" rtl="0">
               <a:spcBef>
                 <a:spcPts val="0"/>
               </a:spcBef>
@@ -7989,11 +8110,11 @@
 </file>
 
 <file path=ppt/slides/slide14.xml><?xml version="1.0" encoding="utf-8"?>
-<p:sld xmlns:a="http://schemas.openxmlformats.org/drawingml/2006/main" xmlns:r="http://schemas.openxmlformats.org/officeDocument/2006/relationships" xmlns:mc="http://schemas.openxmlformats.org/markup-compatibility/2006" xmlns:mv="urn:schemas-microsoft-com:mac:vml" xmlns:p="http://schemas.openxmlformats.org/presentationml/2006/main" xmlns:c="http://schemas.openxmlformats.org/drawingml/2006/chart" xmlns:dgm="http://schemas.openxmlformats.org/drawingml/2006/diagram" xmlns:o="urn:schemas-microsoft-com:office:office" xmlns:v="urn:schemas-microsoft-com:vml" xmlns:pvml="urn:schemas-microsoft-com:office:powerpoint" xmlns:com="http://schemas.openxmlformats.org/drawingml/2006/compatibility" xmlns:p14="http://schemas.microsoft.com/office/powerpoint/2010/main" xmlns:p15="http://schemas.microsoft.com/office/powerpoint/2012/main" xmlns:ahyp="http://schemas.microsoft.com/office/drawing/2018/hyperlinkcolor">
+<p:sld xmlns:a="http://schemas.openxmlformats.org/drawingml/2006/main" xmlns:r="http://schemas.openxmlformats.org/officeDocument/2006/relationships" xmlns:p="http://schemas.openxmlformats.org/presentationml/2006/main">
   <p:cSld>
     <p:spTree>
       <p:nvGrpSpPr>
-        <p:cNvPr id="137" name="Shape 137"/>
+        <p:cNvPr id="1" name="Shape 137"/>
         <p:cNvGrpSpPr/>
         <p:nvPr/>
       </p:nvGrpSpPr>
@@ -8008,7 +8129,9 @@
       <p:sp>
         <p:nvSpPr>
           <p:cNvPr id="138" name="Google Shape;138;p26"/>
-          <p:cNvSpPr txBox="1"/>
+          <p:cNvSpPr txBox="1">
+            <a:spLocks noGrp="1"/>
+          </p:cNvSpPr>
           <p:nvPr>
             <p:ph type="title"/>
           </p:nvPr>
@@ -8023,12 +8146,12 @@
           </a:prstGeom>
         </p:spPr>
         <p:txBody>
-          <a:bodyPr anchorCtr="0" anchor="t" bIns="91425" lIns="91425" spcFirstLastPara="1" rIns="91425" wrap="square" tIns="91425">
+          <a:bodyPr spcFirstLastPara="1" wrap="square" lIns="91425" tIns="91425" rIns="91425" bIns="91425" anchor="t" anchorCtr="0">
             <a:normAutofit fontScale="90000"/>
           </a:bodyPr>
           <a:lstStyle/>
           <a:p>
-            <a:pPr indent="0" lvl="0" marL="0" rtl="0" algn="l">
+            <a:pPr marL="0" lvl="0" indent="0" algn="l" rtl="0">
               <a:spcBef>
                 <a:spcPts val="0"/>
               </a:spcBef>
@@ -8048,9 +8171,11 @@
       <p:sp>
         <p:nvSpPr>
           <p:cNvPr id="139" name="Google Shape;139;p26"/>
-          <p:cNvSpPr txBox="1"/>
+          <p:cNvSpPr txBox="1">
+            <a:spLocks noGrp="1"/>
+          </p:cNvSpPr>
           <p:nvPr>
-            <p:ph idx="1" type="body"/>
+            <p:ph type="body" idx="1"/>
           </p:nvPr>
         </p:nvSpPr>
         <p:spPr>
@@ -8063,12 +8188,12 @@
           </a:prstGeom>
         </p:spPr>
         <p:txBody>
-          <a:bodyPr anchorCtr="0" anchor="t" bIns="91425" lIns="91425" spcFirstLastPara="1" rIns="91425" wrap="square" tIns="91425">
+          <a:bodyPr spcFirstLastPara="1" wrap="square" lIns="91425" tIns="91425" rIns="91425" bIns="91425" anchor="t" anchorCtr="0">
             <a:normAutofit/>
           </a:bodyPr>
           <a:lstStyle/>
           <a:p>
-            <a:pPr indent="0" lvl="0" marL="0" rtl="0" algn="l">
+            <a:pPr marL="0" lvl="0" indent="0" algn="l" rtl="0">
               <a:spcBef>
                 <a:spcPts val="0"/>
               </a:spcBef>
@@ -8084,7 +8209,7 @@
             <a:endParaRPr/>
           </a:p>
           <a:p>
-            <a:pPr indent="0" lvl="0" marL="0" rtl="0" algn="l">
+            <a:pPr marL="0" lvl="0" indent="0" algn="l" rtl="0">
               <a:spcBef>
                 <a:spcPts val="1200"/>
               </a:spcBef>
@@ -8105,7 +8230,7 @@
             <a:endParaRPr/>
           </a:p>
           <a:p>
-            <a:pPr indent="0" lvl="0" marL="0" rtl="0" algn="l">
+            <a:pPr marL="0" lvl="0" indent="0" algn="l" rtl="0">
               <a:spcBef>
                 <a:spcPts val="1200"/>
               </a:spcBef>
@@ -8121,7 +8246,7 @@
             <a:endParaRPr/>
           </a:p>
           <a:p>
-            <a:pPr indent="-342900" lvl="0" marL="457200" rtl="0" algn="l">
+            <a:pPr marL="457200" lvl="0" indent="-342900" algn="l" rtl="0">
               <a:spcBef>
                 <a:spcPts val="1200"/>
               </a:spcBef>
@@ -8138,7 +8263,7 @@
             <a:endParaRPr/>
           </a:p>
           <a:p>
-            <a:pPr indent="-342900" lvl="0" marL="457200" rtl="0" algn="l">
+            <a:pPr marL="457200" lvl="0" indent="-342900" algn="l" rtl="0">
               <a:spcBef>
                 <a:spcPts val="0"/>
               </a:spcBef>
@@ -8155,7 +8280,7 @@
             <a:endParaRPr/>
           </a:p>
           <a:p>
-            <a:pPr indent="-342900" lvl="0" marL="457200" rtl="0" algn="l">
+            <a:pPr marL="457200" lvl="0" indent="-342900" algn="l" rtl="0">
               <a:spcBef>
                 <a:spcPts val="0"/>
               </a:spcBef>
@@ -8172,7 +8297,7 @@
             <a:endParaRPr/>
           </a:p>
           <a:p>
-            <a:pPr indent="0" lvl="0" marL="0" rtl="0" algn="l">
+            <a:pPr marL="0" lvl="0" indent="0" algn="l" rtl="0">
               <a:spcBef>
                 <a:spcPts val="1200"/>
               </a:spcBef>
@@ -8198,11 +8323,11 @@
 </file>
 
 <file path=ppt/slides/slide15.xml><?xml version="1.0" encoding="utf-8"?>
-<p:sld xmlns:a="http://schemas.openxmlformats.org/drawingml/2006/main" xmlns:r="http://schemas.openxmlformats.org/officeDocument/2006/relationships" xmlns:mc="http://schemas.openxmlformats.org/markup-compatibility/2006" xmlns:mv="urn:schemas-microsoft-com:mac:vml" xmlns:p="http://schemas.openxmlformats.org/presentationml/2006/main" xmlns:c="http://schemas.openxmlformats.org/drawingml/2006/chart" xmlns:dgm="http://schemas.openxmlformats.org/drawingml/2006/diagram" xmlns:o="urn:schemas-microsoft-com:office:office" xmlns:v="urn:schemas-microsoft-com:vml" xmlns:pvml="urn:schemas-microsoft-com:office:powerpoint" xmlns:com="http://schemas.openxmlformats.org/drawingml/2006/compatibility" xmlns:p14="http://schemas.microsoft.com/office/powerpoint/2010/main" xmlns:p15="http://schemas.microsoft.com/office/powerpoint/2012/main" xmlns:ahyp="http://schemas.microsoft.com/office/drawing/2018/hyperlinkcolor">
+<p:sld xmlns:a="http://schemas.openxmlformats.org/drawingml/2006/main" xmlns:r="http://schemas.openxmlformats.org/officeDocument/2006/relationships" xmlns:p="http://schemas.openxmlformats.org/presentationml/2006/main">
   <p:cSld>
     <p:spTree>
       <p:nvGrpSpPr>
-        <p:cNvPr id="143" name="Shape 143"/>
+        <p:cNvPr id="1" name="Shape 143"/>
         <p:cNvGrpSpPr/>
         <p:nvPr/>
       </p:nvGrpSpPr>
@@ -8217,7 +8342,9 @@
       <p:sp>
         <p:nvSpPr>
           <p:cNvPr id="144" name="Google Shape;144;p27"/>
-          <p:cNvSpPr txBox="1"/>
+          <p:cNvSpPr txBox="1">
+            <a:spLocks noGrp="1"/>
+          </p:cNvSpPr>
           <p:nvPr>
             <p:ph type="title"/>
           </p:nvPr>
@@ -8232,12 +8359,12 @@
           </a:prstGeom>
         </p:spPr>
         <p:txBody>
-          <a:bodyPr anchorCtr="0" anchor="t" bIns="91425" lIns="91425" spcFirstLastPara="1" rIns="91425" wrap="square" tIns="91425">
+          <a:bodyPr spcFirstLastPara="1" wrap="square" lIns="91425" tIns="91425" rIns="91425" bIns="91425" anchor="t" anchorCtr="0">
             <a:normAutofit fontScale="90000"/>
           </a:bodyPr>
           <a:lstStyle/>
           <a:p>
-            <a:pPr indent="0" lvl="0" marL="0" rtl="0" algn="l">
+            <a:pPr marL="0" lvl="0" indent="0" algn="l" rtl="0">
               <a:spcBef>
                 <a:spcPts val="0"/>
               </a:spcBef>
@@ -8248,11 +8375,7 @@
             </a:pPr>
             <a:r>
               <a:rPr lang="en"/>
-              <a:t>Flexible: </a:t>
-            </a:r>
-            <a:r>
-              <a:rPr lang="en"/>
-              <a:t>Tunable parameter c</a:t>
+              <a:t>Flexible: Tunable parameter c</a:t>
             </a:r>
             <a:endParaRPr/>
           </a:p>
@@ -8261,9 +8384,11 @@
       <p:sp>
         <p:nvSpPr>
           <p:cNvPr id="145" name="Google Shape;145;p27"/>
-          <p:cNvSpPr txBox="1"/>
+          <p:cNvSpPr txBox="1">
+            <a:spLocks noGrp="1"/>
+          </p:cNvSpPr>
           <p:nvPr>
-            <p:ph idx="1" type="body"/>
+            <p:ph type="body" idx="1"/>
           </p:nvPr>
         </p:nvSpPr>
         <p:spPr>
@@ -8276,12 +8401,12 @@
           </a:prstGeom>
         </p:spPr>
         <p:txBody>
-          <a:bodyPr anchorCtr="0" anchor="t" bIns="91425" lIns="91425" spcFirstLastPara="1" rIns="91425" wrap="square" tIns="91425">
+          <a:bodyPr spcFirstLastPara="1" wrap="square" lIns="91425" tIns="91425" rIns="91425" bIns="91425" anchor="t" anchorCtr="0">
             <a:normAutofit/>
           </a:bodyPr>
           <a:lstStyle/>
           <a:p>
-            <a:pPr indent="0" lvl="0" marL="0" rtl="0" algn="l">
+            <a:pPr marL="0" lvl="0" indent="0" algn="l" rtl="0">
               <a:spcBef>
                 <a:spcPts val="0"/>
               </a:spcBef>
@@ -8297,7 +8422,7 @@
             <a:endParaRPr/>
           </a:p>
           <a:p>
-            <a:pPr indent="0" lvl="0" marL="0" rtl="0" algn="l">
+            <a:pPr marL="0" lvl="0" indent="0" algn="l" rtl="0">
               <a:spcBef>
                 <a:spcPts val="1200"/>
               </a:spcBef>
@@ -8313,7 +8438,7 @@
             <a:endParaRPr/>
           </a:p>
           <a:p>
-            <a:pPr indent="0" lvl="0" marL="0" rtl="0" algn="l">
+            <a:pPr marL="0" lvl="0" indent="0" algn="l" rtl="0">
               <a:spcBef>
                 <a:spcPts val="1200"/>
               </a:spcBef>
@@ -8324,16 +8449,12 @@
             </a:pPr>
             <a:r>
               <a:rPr lang="en"/>
-              <a:t>API </a:t>
+              <a:t>API for our model! Tune it to reflect practical concern!</a:t>
             </a:r>
-            <a:r>
-              <a:rPr lang="en"/>
-              <a:t>for our model! Tune it to reflect practical concern!</a:t>
-            </a:r>
-            <a:endParaRPr/>
-          </a:p>
-          <a:p>
-            <a:pPr indent="0" lvl="0" marL="0" rtl="0" algn="l">
+            <a:endParaRPr/>
+          </a:p>
+          <a:p>
+            <a:pPr marL="0" lvl="0" indent="0" algn="l" rtl="0">
               <a:spcBef>
                 <a:spcPts val="1200"/>
               </a:spcBef>
@@ -8349,7 +8470,7 @@
             <a:endParaRPr/>
           </a:p>
           <a:p>
-            <a:pPr indent="-342900" lvl="0" marL="457200" rtl="0" algn="l">
+            <a:pPr marL="457200" lvl="0" indent="-342900" algn="l" rtl="0">
               <a:spcBef>
                 <a:spcPts val="1200"/>
               </a:spcBef>
@@ -8366,7 +8487,7 @@
             <a:endParaRPr/>
           </a:p>
           <a:p>
-            <a:pPr indent="-342900" lvl="0" marL="457200" rtl="0" algn="l">
+            <a:pPr marL="457200" lvl="0" indent="-342900" algn="l" rtl="0">
               <a:spcBef>
                 <a:spcPts val="0"/>
               </a:spcBef>
@@ -8383,7 +8504,7 @@
             <a:endParaRPr/>
           </a:p>
           <a:p>
-            <a:pPr indent="-342900" lvl="0" marL="457200" rtl="0" algn="l">
+            <a:pPr marL="457200" lvl="0" indent="-342900" algn="l" rtl="0">
               <a:spcBef>
                 <a:spcPts val="0"/>
               </a:spcBef>
@@ -8410,11 +8531,11 @@
 </file>
 
 <file path=ppt/slides/slide16.xml><?xml version="1.0" encoding="utf-8"?>
-<p:sld xmlns:a="http://schemas.openxmlformats.org/drawingml/2006/main" xmlns:r="http://schemas.openxmlformats.org/officeDocument/2006/relationships" xmlns:mc="http://schemas.openxmlformats.org/markup-compatibility/2006" xmlns:mv="urn:schemas-microsoft-com:mac:vml" xmlns:p="http://schemas.openxmlformats.org/presentationml/2006/main" xmlns:c="http://schemas.openxmlformats.org/drawingml/2006/chart" xmlns:dgm="http://schemas.openxmlformats.org/drawingml/2006/diagram" xmlns:o="urn:schemas-microsoft-com:office:office" xmlns:v="urn:schemas-microsoft-com:vml" xmlns:pvml="urn:schemas-microsoft-com:office:powerpoint" xmlns:com="http://schemas.openxmlformats.org/drawingml/2006/compatibility" xmlns:p14="http://schemas.microsoft.com/office/powerpoint/2010/main" xmlns:p15="http://schemas.microsoft.com/office/powerpoint/2012/main" xmlns:ahyp="http://schemas.microsoft.com/office/drawing/2018/hyperlinkcolor">
+<p:sld xmlns:a="http://schemas.openxmlformats.org/drawingml/2006/main" xmlns:r="http://schemas.openxmlformats.org/officeDocument/2006/relationships" xmlns:p="http://schemas.openxmlformats.org/presentationml/2006/main">
   <p:cSld>
     <p:spTree>
       <p:nvGrpSpPr>
-        <p:cNvPr id="149" name="Shape 149"/>
+        <p:cNvPr id="1" name="Shape 149"/>
         <p:cNvGrpSpPr/>
         <p:nvPr/>
       </p:nvGrpSpPr>
@@ -8429,7 +8550,9 @@
       <p:sp>
         <p:nvSpPr>
           <p:cNvPr id="150" name="Google Shape;150;p28"/>
-          <p:cNvSpPr txBox="1"/>
+          <p:cNvSpPr txBox="1">
+            <a:spLocks noGrp="1"/>
+          </p:cNvSpPr>
           <p:nvPr>
             <p:ph type="title"/>
           </p:nvPr>
@@ -8444,12 +8567,12 @@
           </a:prstGeom>
         </p:spPr>
         <p:txBody>
-          <a:bodyPr anchorCtr="0" anchor="t" bIns="91425" lIns="91425" spcFirstLastPara="1" rIns="91425" wrap="square" tIns="91425">
+          <a:bodyPr spcFirstLastPara="1" wrap="square" lIns="91425" tIns="91425" rIns="91425" bIns="91425" anchor="t" anchorCtr="0">
             <a:normAutofit fontScale="90000"/>
           </a:bodyPr>
           <a:lstStyle/>
           <a:p>
-            <a:pPr indent="0" lvl="0" marL="0" rtl="0" algn="l">
+            <a:pPr marL="0" lvl="0" indent="0" algn="l" rtl="0">
               <a:spcBef>
                 <a:spcPts val="0"/>
               </a:spcBef>
@@ -8469,9 +8592,11 @@
       <p:sp>
         <p:nvSpPr>
           <p:cNvPr id="151" name="Google Shape;151;p28"/>
-          <p:cNvSpPr txBox="1"/>
+          <p:cNvSpPr txBox="1">
+            <a:spLocks noGrp="1"/>
+          </p:cNvSpPr>
           <p:nvPr>
-            <p:ph idx="1" type="body"/>
+            <p:ph type="body" idx="1"/>
           </p:nvPr>
         </p:nvSpPr>
         <p:spPr>
@@ -8484,12 +8609,12 @@
           </a:prstGeom>
         </p:spPr>
         <p:txBody>
-          <a:bodyPr anchorCtr="0" anchor="t" bIns="91425" lIns="91425" spcFirstLastPara="1" rIns="91425" wrap="square" tIns="91425">
+          <a:bodyPr spcFirstLastPara="1" wrap="square" lIns="91425" tIns="91425" rIns="91425" bIns="91425" anchor="t" anchorCtr="0">
             <a:normAutofit/>
           </a:bodyPr>
           <a:lstStyle/>
           <a:p>
-            <a:pPr indent="0" lvl="0" marL="0" rtl="0" algn="l">
+            <a:pPr marL="0" lvl="0" indent="0" algn="l" rtl="0">
               <a:spcBef>
                 <a:spcPts val="0"/>
               </a:spcBef>
@@ -8505,7 +8630,7 @@
             <a:endParaRPr/>
           </a:p>
           <a:p>
-            <a:pPr indent="0" lvl="0" marL="0" rtl="0" algn="l">
+            <a:pPr marL="0" lvl="0" indent="0" algn="l" rtl="0">
               <a:spcBef>
                 <a:spcPts val="1200"/>
               </a:spcBef>
@@ -8521,7 +8646,7 @@
             <a:endParaRPr/>
           </a:p>
           <a:p>
-            <a:pPr indent="0" lvl="0" marL="0" rtl="0" algn="l">
+            <a:pPr marL="0" lvl="0" indent="0" algn="l" rtl="0">
               <a:spcBef>
                 <a:spcPts val="1200"/>
               </a:spcBef>
@@ -8537,7 +8662,7 @@
             <a:endParaRPr/>
           </a:p>
           <a:p>
-            <a:pPr indent="0" lvl="0" marL="0" rtl="0" algn="l">
+            <a:pPr marL="0" lvl="0" indent="0" algn="l" rtl="0">
               <a:spcBef>
                 <a:spcPts val="1200"/>
               </a:spcBef>
@@ -8553,7 +8678,7 @@
             <a:endParaRPr/>
           </a:p>
           <a:p>
-            <a:pPr indent="0" lvl="0" marL="0" rtl="0" algn="l">
+            <a:pPr marL="0" lvl="0" indent="0" algn="l" rtl="0">
               <a:spcBef>
                 <a:spcPts val="1200"/>
               </a:spcBef>
@@ -8569,7 +8694,7 @@
             <a:endParaRPr/>
           </a:p>
           <a:p>
-            <a:pPr indent="0" lvl="0" marL="0" rtl="0" algn="l">
+            <a:pPr marL="0" lvl="0" indent="0" algn="l" rtl="0">
               <a:spcBef>
                 <a:spcPts val="1200"/>
               </a:spcBef>
@@ -8578,9 +8703,6 @@
               </a:spcAft>
               <a:buNone/>
             </a:pPr>
-            <a:r>
-              <a:t/>
-            </a:r>
             <a:endParaRPr/>
           </a:p>
         </p:txBody>
@@ -8594,168 +8716,11 @@
 </file>
 
 <file path=ppt/slides/slide17.xml><?xml version="1.0" encoding="utf-8"?>
-<p:sld xmlns:a="http://schemas.openxmlformats.org/drawingml/2006/main" xmlns:r="http://schemas.openxmlformats.org/officeDocument/2006/relationships" xmlns:mc="http://schemas.openxmlformats.org/markup-compatibility/2006" xmlns:mv="urn:schemas-microsoft-com:mac:vml" xmlns:p="http://schemas.openxmlformats.org/presentationml/2006/main" xmlns:c="http://schemas.openxmlformats.org/drawingml/2006/chart" xmlns:dgm="http://schemas.openxmlformats.org/drawingml/2006/diagram" xmlns:o="urn:schemas-microsoft-com:office:office" xmlns:v="urn:schemas-microsoft-com:vml" xmlns:pvml="urn:schemas-microsoft-com:office:powerpoint" xmlns:com="http://schemas.openxmlformats.org/drawingml/2006/compatibility" xmlns:p14="http://schemas.microsoft.com/office/powerpoint/2010/main" xmlns:p15="http://schemas.microsoft.com/office/powerpoint/2012/main" xmlns:ahyp="http://schemas.microsoft.com/office/drawing/2018/hyperlinkcolor">
+<p:sld xmlns:a="http://schemas.openxmlformats.org/drawingml/2006/main" xmlns:r="http://schemas.openxmlformats.org/officeDocument/2006/relationships" xmlns:p="http://schemas.openxmlformats.org/presentationml/2006/main">
   <p:cSld>
     <p:spTree>
       <p:nvGrpSpPr>
-        <p:cNvPr id="155" name="Shape 155"/>
-        <p:cNvGrpSpPr/>
-        <p:nvPr/>
-      </p:nvGrpSpPr>
-      <p:grpSpPr>
-        <a:xfrm>
-          <a:off x="0" y="0"/>
-          <a:ext cx="0" cy="0"/>
-          <a:chOff x="0" y="0"/>
-          <a:chExt cx="0" cy="0"/>
-        </a:xfrm>
-      </p:grpSpPr>
-      <p:sp>
-        <p:nvSpPr>
-          <p:cNvPr id="156" name="Google Shape;156;p29"/>
-          <p:cNvSpPr txBox="1"/>
-          <p:nvPr>
-            <p:ph type="title"/>
-          </p:nvPr>
-        </p:nvSpPr>
-        <p:spPr>
-          <a:xfrm>
-            <a:off x="311700" y="445025"/>
-            <a:ext cx="8520600" cy="572700"/>
-          </a:xfrm>
-          <a:prstGeom prst="rect">
-            <a:avLst/>
-          </a:prstGeom>
-        </p:spPr>
-        <p:txBody>
-          <a:bodyPr anchorCtr="0" anchor="t" bIns="91425" lIns="91425" spcFirstLastPara="1" rIns="91425" wrap="square" tIns="91425">
-            <a:normAutofit fontScale="90000"/>
-          </a:bodyPr>
-          <a:lstStyle/>
-          <a:p>
-            <a:pPr indent="0" lvl="0" marL="0" rtl="0" algn="l">
-              <a:spcBef>
-                <a:spcPts val="0"/>
-              </a:spcBef>
-              <a:spcAft>
-                <a:spcPts val="0"/>
-              </a:spcAft>
-              <a:buNone/>
-            </a:pPr>
-            <a:r>
-              <a:rPr lang="en"/>
-              <a:t>Potential Implementation in v8</a:t>
-            </a:r>
-            <a:endParaRPr/>
-          </a:p>
-        </p:txBody>
-      </p:sp>
-      <p:sp>
-        <p:nvSpPr>
-          <p:cNvPr id="157" name="Google Shape;157;p29"/>
-          <p:cNvSpPr txBox="1"/>
-          <p:nvPr>
-            <p:ph idx="1" type="body"/>
-          </p:nvPr>
-        </p:nvSpPr>
-        <p:spPr>
-          <a:xfrm>
-            <a:off x="311700" y="1152475"/>
-            <a:ext cx="8520600" cy="3416400"/>
-          </a:xfrm>
-          <a:prstGeom prst="rect">
-            <a:avLst/>
-          </a:prstGeom>
-        </p:spPr>
-        <p:txBody>
-          <a:bodyPr anchorCtr="0" anchor="t" bIns="91425" lIns="91425" spcFirstLastPara="1" rIns="91425" wrap="square" tIns="91425">
-            <a:normAutofit/>
-          </a:bodyPr>
-          <a:lstStyle/>
-          <a:p>
-            <a:pPr indent="0" lvl="0" marL="0" rtl="0" algn="l">
-              <a:spcBef>
-                <a:spcPts val="0"/>
-              </a:spcBef>
-              <a:spcAft>
-                <a:spcPts val="0"/>
-              </a:spcAft>
-              <a:buNone/>
-            </a:pPr>
-            <a:r>
-              <a:rPr lang="en"/>
-              <a:t>When heap limit drop beyond current heap size, schedule a gc</a:t>
-            </a:r>
-            <a:endParaRPr/>
-          </a:p>
-          <a:p>
-            <a:pPr indent="0" lvl="0" marL="0" rtl="0" algn="l">
-              <a:spcBef>
-                <a:spcPts val="1200"/>
-              </a:spcBef>
-              <a:spcAft>
-                <a:spcPts val="0"/>
-              </a:spcAft>
-              <a:buNone/>
-            </a:pPr>
-            <a:r>
-              <a:rPr lang="en"/>
-              <a:t>Heap limit may decrease </a:t>
-            </a:r>
-            <a:r>
-              <a:rPr lang="en"/>
-              <a:t>outside of gc, caused by heartbeat thread</a:t>
-            </a:r>
-            <a:endParaRPr/>
-          </a:p>
-          <a:p>
-            <a:pPr indent="0" lvl="0" marL="0" rtl="0" algn="l">
-              <a:spcBef>
-                <a:spcPts val="1200"/>
-              </a:spcBef>
-              <a:spcAft>
-                <a:spcPts val="0"/>
-              </a:spcAft>
-              <a:buNone/>
-            </a:pPr>
-            <a:r>
-              <a:rPr lang="en"/>
-              <a:t>Major example: idleness</a:t>
-            </a:r>
-            <a:endParaRPr/>
-          </a:p>
-          <a:p>
-            <a:pPr indent="0" lvl="0" marL="0" rtl="0" algn="l">
-              <a:spcBef>
-                <a:spcPts val="1200"/>
-              </a:spcBef>
-              <a:spcAft>
-                <a:spcPts val="1200"/>
-              </a:spcAft>
-              <a:buNone/>
-            </a:pPr>
-            <a:r>
-              <a:rPr lang="en"/>
-              <a:t>Replace idle time gc memory reducer in a coherent framework</a:t>
-            </a:r>
-            <a:endParaRPr/>
-          </a:p>
-        </p:txBody>
-      </p:sp>
-    </p:spTree>
-  </p:cSld>
-  <p:clrMapOvr>
-    <a:masterClrMapping/>
-  </p:clrMapOvr>
-</p:sld>
-</file>
-
-<file path=ppt/slides/slide18.xml><?xml version="1.0" encoding="utf-8"?>
-<p:sld xmlns:a="http://schemas.openxmlformats.org/drawingml/2006/main" xmlns:r="http://schemas.openxmlformats.org/officeDocument/2006/relationships" xmlns:mc="http://schemas.openxmlformats.org/markup-compatibility/2006" xmlns:mv="urn:schemas-microsoft-com:mac:vml" xmlns:p="http://schemas.openxmlformats.org/presentationml/2006/main" xmlns:c="http://schemas.openxmlformats.org/drawingml/2006/chart" xmlns:dgm="http://schemas.openxmlformats.org/drawingml/2006/diagram" xmlns:o="urn:schemas-microsoft-com:office:office" xmlns:v="urn:schemas-microsoft-com:vml" xmlns:pvml="urn:schemas-microsoft-com:office:powerpoint" xmlns:com="http://schemas.openxmlformats.org/drawingml/2006/compatibility" xmlns:p14="http://schemas.microsoft.com/office/powerpoint/2010/main" xmlns:p15="http://schemas.microsoft.com/office/powerpoint/2012/main" xmlns:ahyp="http://schemas.microsoft.com/office/drawing/2018/hyperlinkcolor">
-  <p:cSld>
-    <p:spTree>
-      <p:nvGrpSpPr>
-        <p:cNvPr id="161" name="Shape 161"/>
+        <p:cNvPr id="1" name="Shape 161"/>
         <p:cNvGrpSpPr/>
         <p:nvPr/>
       </p:nvGrpSpPr>
@@ -8770,7 +8735,9 @@
       <p:sp>
         <p:nvSpPr>
           <p:cNvPr id="162" name="Google Shape;162;p30"/>
-          <p:cNvSpPr txBox="1"/>
+          <p:cNvSpPr txBox="1">
+            <a:spLocks noGrp="1"/>
+          </p:cNvSpPr>
           <p:nvPr>
             <p:ph type="title"/>
           </p:nvPr>
@@ -8785,12 +8752,12 @@
           </a:prstGeom>
         </p:spPr>
         <p:txBody>
-          <a:bodyPr anchorCtr="0" anchor="t" bIns="91425" lIns="91425" spcFirstLastPara="1" rIns="91425" wrap="square" tIns="91425">
+          <a:bodyPr spcFirstLastPara="1" wrap="square" lIns="91425" tIns="91425" rIns="91425" bIns="91425" anchor="t" anchorCtr="0">
             <a:normAutofit fontScale="90000"/>
           </a:bodyPr>
           <a:lstStyle/>
           <a:p>
-            <a:pPr indent="0" lvl="0" marL="0" rtl="0" algn="l">
+            <a:pPr marL="0" lvl="0" indent="0" algn="l" rtl="0">
               <a:spcBef>
                 <a:spcPts val="0"/>
               </a:spcBef>
@@ -8810,9 +8777,11 @@
       <p:sp>
         <p:nvSpPr>
           <p:cNvPr id="163" name="Google Shape;163;p30"/>
-          <p:cNvSpPr txBox="1"/>
+          <p:cNvSpPr txBox="1">
+            <a:spLocks noGrp="1"/>
+          </p:cNvSpPr>
           <p:nvPr>
-            <p:ph idx="1" type="body"/>
+            <p:ph type="body" idx="1"/>
           </p:nvPr>
         </p:nvSpPr>
         <p:spPr>
@@ -8825,12 +8794,12 @@
           </a:prstGeom>
         </p:spPr>
         <p:txBody>
-          <a:bodyPr anchorCtr="0" anchor="t" bIns="91425" lIns="91425" spcFirstLastPara="1" rIns="91425" wrap="square" tIns="91425">
+          <a:bodyPr spcFirstLastPara="1" wrap="square" lIns="91425" tIns="91425" rIns="91425" bIns="91425" anchor="t" anchorCtr="0">
             <a:normAutofit/>
           </a:bodyPr>
           <a:lstStyle/>
           <a:p>
-            <a:pPr indent="0" lvl="0" marL="0" rtl="0" algn="l">
+            <a:pPr marL="0" lvl="0" indent="0" algn="l" rtl="0">
               <a:spcBef>
                 <a:spcPts val="0"/>
               </a:spcBef>
@@ -8846,7 +8815,7 @@
             <a:endParaRPr/>
           </a:p>
           <a:p>
-            <a:pPr indent="0" lvl="0" marL="0" rtl="0" algn="l">
+            <a:pPr marL="0" lvl="0" indent="0" algn="l" rtl="0">
               <a:spcBef>
                 <a:spcPts val="1200"/>
               </a:spcBef>
@@ -8862,7 +8831,7 @@
             <a:endParaRPr/>
           </a:p>
           <a:p>
-            <a:pPr indent="0" lvl="0" marL="0" rtl="0" algn="l">
+            <a:pPr marL="0" lvl="0" indent="0" algn="l" rtl="0">
               <a:spcBef>
                 <a:spcPts val="1200"/>
               </a:spcBef>
@@ -8943,12 +8912,12 @@
 </p:sld>
 </file>
 
-<file path=ppt/slides/slide19.xml><?xml version="1.0" encoding="utf-8"?>
-<p:sld xmlns:a="http://schemas.openxmlformats.org/drawingml/2006/main" xmlns:r="http://schemas.openxmlformats.org/officeDocument/2006/relationships" xmlns:mc="http://schemas.openxmlformats.org/markup-compatibility/2006" xmlns:mv="urn:schemas-microsoft-com:mac:vml" xmlns:p="http://schemas.openxmlformats.org/presentationml/2006/main" xmlns:c="http://schemas.openxmlformats.org/drawingml/2006/chart" xmlns:dgm="http://schemas.openxmlformats.org/drawingml/2006/diagram" xmlns:o="urn:schemas-microsoft-com:office:office" xmlns:v="urn:schemas-microsoft-com:vml" xmlns:pvml="urn:schemas-microsoft-com:office:powerpoint" xmlns:com="http://schemas.openxmlformats.org/drawingml/2006/compatibility" xmlns:p14="http://schemas.microsoft.com/office/powerpoint/2010/main" xmlns:p15="http://schemas.microsoft.com/office/powerpoint/2012/main" xmlns:ahyp="http://schemas.microsoft.com/office/drawing/2018/hyperlinkcolor">
+<file path=ppt/slides/slide18.xml><?xml version="1.0" encoding="utf-8"?>
+<p:sld xmlns:a="http://schemas.openxmlformats.org/drawingml/2006/main" xmlns:r="http://schemas.openxmlformats.org/officeDocument/2006/relationships" xmlns:p="http://schemas.openxmlformats.org/presentationml/2006/main">
   <p:cSld>
     <p:spTree>
       <p:nvGrpSpPr>
-        <p:cNvPr id="169" name="Shape 169"/>
+        <p:cNvPr id="1" name="Shape 169"/>
         <p:cNvGrpSpPr/>
         <p:nvPr/>
       </p:nvGrpSpPr>
@@ -8963,7 +8932,9 @@
       <p:sp>
         <p:nvSpPr>
           <p:cNvPr id="170" name="Google Shape;170;p31"/>
-          <p:cNvSpPr txBox="1"/>
+          <p:cNvSpPr txBox="1">
+            <a:spLocks noGrp="1"/>
+          </p:cNvSpPr>
           <p:nvPr>
             <p:ph type="title"/>
           </p:nvPr>
@@ -8978,12 +8949,12 @@
           </a:prstGeom>
         </p:spPr>
         <p:txBody>
-          <a:bodyPr anchorCtr="0" anchor="t" bIns="91425" lIns="91425" spcFirstLastPara="1" rIns="91425" wrap="square" tIns="91425">
+          <a:bodyPr spcFirstLastPara="1" wrap="square" lIns="91425" tIns="91425" rIns="91425" bIns="91425" anchor="t" anchorCtr="0">
             <a:normAutofit fontScale="90000"/>
           </a:bodyPr>
           <a:lstStyle/>
           <a:p>
-            <a:pPr indent="0" lvl="0" marL="0" rtl="0" algn="l">
+            <a:pPr marL="0" lvl="0" indent="0" algn="l" rtl="0">
               <a:spcBef>
                 <a:spcPts val="0"/>
               </a:spcBef>
@@ -9003,9 +8974,11 @@
       <p:sp>
         <p:nvSpPr>
           <p:cNvPr id="171" name="Google Shape;171;p31"/>
-          <p:cNvSpPr txBox="1"/>
+          <p:cNvSpPr txBox="1">
+            <a:spLocks noGrp="1"/>
+          </p:cNvSpPr>
           <p:nvPr>
-            <p:ph idx="1" type="body"/>
+            <p:ph type="body" idx="1"/>
           </p:nvPr>
         </p:nvSpPr>
         <p:spPr>
@@ -9018,12 +8991,12 @@
           </a:prstGeom>
         </p:spPr>
         <p:txBody>
-          <a:bodyPr anchorCtr="0" anchor="t" bIns="91425" lIns="91425" spcFirstLastPara="1" rIns="91425" wrap="square" tIns="91425">
+          <a:bodyPr spcFirstLastPara="1" wrap="square" lIns="91425" tIns="91425" rIns="91425" bIns="91425" anchor="t" anchorCtr="0">
             <a:normAutofit/>
           </a:bodyPr>
           <a:lstStyle/>
           <a:p>
-            <a:pPr indent="0" lvl="0" marL="0" rtl="0" algn="l">
+            <a:pPr marL="0" lvl="0" indent="0" algn="l" rtl="0">
               <a:spcBef>
                 <a:spcPts val="0"/>
               </a:spcBef>
@@ -9039,7 +9012,7 @@
             <a:endParaRPr/>
           </a:p>
           <a:p>
-            <a:pPr indent="0" lvl="0" marL="0" rtl="0" algn="l">
+            <a:pPr marL="0" lvl="0" indent="0" algn="l" rtl="0">
               <a:spcBef>
                 <a:spcPts val="1200"/>
               </a:spcBef>
@@ -9055,7 +9028,7 @@
             <a:endParaRPr/>
           </a:p>
           <a:p>
-            <a:pPr indent="0" lvl="0" marL="0" rtl="0" algn="l">
+            <a:pPr marL="0" lvl="0" indent="0" algn="l" rtl="0">
               <a:spcBef>
                 <a:spcPts val="1200"/>
               </a:spcBef>
@@ -9071,7 +9044,7 @@
             <a:endParaRPr/>
           </a:p>
           <a:p>
-            <a:pPr indent="0" lvl="0" marL="0" rtl="0" algn="l">
+            <a:pPr marL="0" lvl="0" indent="0" algn="l" rtl="0">
               <a:spcBef>
                 <a:spcPts val="1200"/>
               </a:spcBef>
@@ -9087,7 +9060,7 @@
             <a:endParaRPr/>
           </a:p>
           <a:p>
-            <a:pPr indent="0" lvl="0" marL="0" rtl="0" algn="l">
+            <a:pPr marL="0" lvl="0" indent="0" algn="l" rtl="0">
               <a:spcBef>
                 <a:spcPts val="1200"/>
               </a:spcBef>
@@ -9096,9 +9069,6 @@
               </a:spcAft>
               <a:buNone/>
             </a:pPr>
-            <a:r>
-              <a:t/>
-            </a:r>
             <a:endParaRPr/>
           </a:p>
         </p:txBody>
@@ -9112,11 +9082,11 @@
 </file>
 
 <file path=ppt/slides/slide2.xml><?xml version="1.0" encoding="utf-8"?>
-<p:sld xmlns:a="http://schemas.openxmlformats.org/drawingml/2006/main" xmlns:r="http://schemas.openxmlformats.org/officeDocument/2006/relationships" xmlns:mc="http://schemas.openxmlformats.org/markup-compatibility/2006" xmlns:mv="urn:schemas-microsoft-com:mac:vml" xmlns:p="http://schemas.openxmlformats.org/presentationml/2006/main" xmlns:c="http://schemas.openxmlformats.org/drawingml/2006/chart" xmlns:dgm="http://schemas.openxmlformats.org/drawingml/2006/diagram" xmlns:o="urn:schemas-microsoft-com:office:office" xmlns:v="urn:schemas-microsoft-com:vml" xmlns:pvml="urn:schemas-microsoft-com:office:powerpoint" xmlns:com="http://schemas.openxmlformats.org/drawingml/2006/compatibility" xmlns:p14="http://schemas.microsoft.com/office/powerpoint/2010/main" xmlns:p15="http://schemas.microsoft.com/office/powerpoint/2012/main" xmlns:ahyp="http://schemas.microsoft.com/office/drawing/2018/hyperlinkcolor">
+<p:sld xmlns:a="http://schemas.openxmlformats.org/drawingml/2006/main" xmlns:r="http://schemas.openxmlformats.org/officeDocument/2006/relationships" xmlns:p="http://schemas.openxmlformats.org/presentationml/2006/main">
   <p:cSld>
     <p:spTree>
       <p:nvGrpSpPr>
-        <p:cNvPr id="59" name="Shape 59"/>
+        <p:cNvPr id="1" name="Shape 59"/>
         <p:cNvGrpSpPr/>
         <p:nvPr/>
       </p:nvGrpSpPr>
@@ -9193,11 +9163,11 @@
 </file>
 
 <file path=ppt/slides/slide3.xml><?xml version="1.0" encoding="utf-8"?>
-<p:sld xmlns:a="http://schemas.openxmlformats.org/drawingml/2006/main" xmlns:r="http://schemas.openxmlformats.org/officeDocument/2006/relationships" xmlns:mc="http://schemas.openxmlformats.org/markup-compatibility/2006" xmlns:mv="urn:schemas-microsoft-com:mac:vml" xmlns:p="http://schemas.openxmlformats.org/presentationml/2006/main" xmlns:c="http://schemas.openxmlformats.org/drawingml/2006/chart" xmlns:dgm="http://schemas.openxmlformats.org/drawingml/2006/diagram" xmlns:o="urn:schemas-microsoft-com:office:office" xmlns:v="urn:schemas-microsoft-com:vml" xmlns:pvml="urn:schemas-microsoft-com:office:powerpoint" xmlns:com="http://schemas.openxmlformats.org/drawingml/2006/compatibility" xmlns:p14="http://schemas.microsoft.com/office/powerpoint/2010/main" xmlns:p15="http://schemas.microsoft.com/office/powerpoint/2012/main" xmlns:ahyp="http://schemas.microsoft.com/office/drawing/2018/hyperlinkcolor">
+<p:sld xmlns:a="http://schemas.openxmlformats.org/drawingml/2006/main" xmlns:r="http://schemas.openxmlformats.org/officeDocument/2006/relationships" xmlns:p="http://schemas.openxmlformats.org/presentationml/2006/main">
   <p:cSld>
     <p:spTree>
       <p:nvGrpSpPr>
-        <p:cNvPr id="65" name="Shape 65"/>
+        <p:cNvPr id="1" name="Shape 65"/>
         <p:cNvGrpSpPr/>
         <p:nvPr/>
       </p:nvGrpSpPr>
@@ -9212,7 +9182,9 @@
       <p:sp>
         <p:nvSpPr>
           <p:cNvPr id="66" name="Google Shape;66;p15"/>
-          <p:cNvSpPr txBox="1"/>
+          <p:cNvSpPr txBox="1">
+            <a:spLocks noGrp="1"/>
+          </p:cNvSpPr>
           <p:nvPr>
             <p:ph type="title"/>
           </p:nvPr>
@@ -9227,12 +9199,12 @@
           </a:prstGeom>
         </p:spPr>
         <p:txBody>
-          <a:bodyPr anchorCtr="0" anchor="t" bIns="91425" lIns="91425" spcFirstLastPara="1" rIns="91425" wrap="square" tIns="91425">
+          <a:bodyPr spcFirstLastPara="1" wrap="square" lIns="91425" tIns="91425" rIns="91425" bIns="91425" anchor="t" anchorCtr="0">
             <a:normAutofit fontScale="90000"/>
           </a:bodyPr>
           <a:lstStyle/>
           <a:p>
-            <a:pPr indent="0" lvl="0" marL="0" rtl="0" algn="l">
+            <a:pPr marL="0" lvl="0" indent="0" algn="l" rtl="0">
               <a:spcBef>
                 <a:spcPts val="0"/>
               </a:spcBef>
@@ -9252,9 +9224,11 @@
       <p:sp>
         <p:nvSpPr>
           <p:cNvPr id="67" name="Google Shape;67;p15"/>
-          <p:cNvSpPr txBox="1"/>
+          <p:cNvSpPr txBox="1">
+            <a:spLocks noGrp="1"/>
+          </p:cNvSpPr>
           <p:nvPr>
-            <p:ph idx="1" type="body"/>
+            <p:ph type="body" idx="1"/>
           </p:nvPr>
         </p:nvSpPr>
         <p:spPr>
@@ -9267,12 +9241,12 @@
           </a:prstGeom>
         </p:spPr>
         <p:txBody>
-          <a:bodyPr anchorCtr="0" anchor="t" bIns="91425" lIns="91425" spcFirstLastPara="1" rIns="91425" wrap="square" tIns="91425">
+          <a:bodyPr spcFirstLastPara="1" wrap="square" lIns="91425" tIns="91425" rIns="91425" bIns="91425" anchor="t" anchorCtr="0">
             <a:normAutofit/>
           </a:bodyPr>
           <a:lstStyle/>
           <a:p>
-            <a:pPr indent="0" lvl="0" marL="0" rtl="0" algn="l">
+            <a:pPr marL="0" lvl="0" indent="0" algn="l" rtl="0">
               <a:spcBef>
                 <a:spcPts val="0"/>
               </a:spcBef>
@@ -9288,7 +9262,7 @@
             <a:endParaRPr/>
           </a:p>
           <a:p>
-            <a:pPr indent="0" lvl="0" marL="0" rtl="0" algn="l">
+            <a:pPr marL="0" lvl="0" indent="0" algn="l" rtl="0">
               <a:spcBef>
                 <a:spcPts val="1200"/>
               </a:spcBef>
@@ -9304,7 +9278,7 @@
             <a:endParaRPr/>
           </a:p>
           <a:p>
-            <a:pPr indent="0" lvl="0" marL="0" rtl="0" algn="l">
+            <a:pPr marL="0" lvl="0" indent="0" algn="l" rtl="0">
               <a:spcBef>
                 <a:spcPts val="1200"/>
               </a:spcBef>
@@ -9320,7 +9294,7 @@
             <a:endParaRPr/>
           </a:p>
           <a:p>
-            <a:pPr indent="0" lvl="0" marL="0" rtl="0" algn="l">
+            <a:pPr marL="0" lvl="0" indent="0" algn="l" rtl="0">
               <a:spcBef>
                 <a:spcPts val="1200"/>
               </a:spcBef>
@@ -9329,9 +9303,6 @@
               </a:spcAft>
               <a:buNone/>
             </a:pPr>
-            <a:r>
-              <a:t/>
-            </a:r>
             <a:endParaRPr/>
           </a:p>
         </p:txBody>
@@ -9345,11 +9316,11 @@
 </file>
 
 <file path=ppt/slides/slide4.xml><?xml version="1.0" encoding="utf-8"?>
-<p:sld xmlns:a="http://schemas.openxmlformats.org/drawingml/2006/main" xmlns:r="http://schemas.openxmlformats.org/officeDocument/2006/relationships" xmlns:mc="http://schemas.openxmlformats.org/markup-compatibility/2006" xmlns:mv="urn:schemas-microsoft-com:mac:vml" xmlns:p="http://schemas.openxmlformats.org/presentationml/2006/main" xmlns:c="http://schemas.openxmlformats.org/drawingml/2006/chart" xmlns:dgm="http://schemas.openxmlformats.org/drawingml/2006/diagram" xmlns:o="urn:schemas-microsoft-com:office:office" xmlns:v="urn:schemas-microsoft-com:vml" xmlns:pvml="urn:schemas-microsoft-com:office:powerpoint" xmlns:com="http://schemas.openxmlformats.org/drawingml/2006/compatibility" xmlns:p14="http://schemas.microsoft.com/office/powerpoint/2010/main" xmlns:p15="http://schemas.microsoft.com/office/powerpoint/2012/main" xmlns:ahyp="http://schemas.microsoft.com/office/drawing/2018/hyperlinkcolor">
+<p:sld xmlns:a="http://schemas.openxmlformats.org/drawingml/2006/main" xmlns:r="http://schemas.openxmlformats.org/officeDocument/2006/relationships" xmlns:p="http://schemas.openxmlformats.org/presentationml/2006/main">
   <p:cSld>
     <p:spTree>
       <p:nvGrpSpPr>
-        <p:cNvPr id="71" name="Shape 71"/>
+        <p:cNvPr id="1" name="Shape 71"/>
         <p:cNvGrpSpPr/>
         <p:nvPr/>
       </p:nvGrpSpPr>
@@ -9364,7 +9335,9 @@
       <p:sp>
         <p:nvSpPr>
           <p:cNvPr id="72" name="Google Shape;72;p16"/>
-          <p:cNvSpPr txBox="1"/>
+          <p:cNvSpPr txBox="1">
+            <a:spLocks noGrp="1"/>
+          </p:cNvSpPr>
           <p:nvPr>
             <p:ph type="title"/>
           </p:nvPr>
@@ -9379,12 +9352,12 @@
           </a:prstGeom>
         </p:spPr>
         <p:txBody>
-          <a:bodyPr anchorCtr="0" anchor="t" bIns="91425" lIns="91425" spcFirstLastPara="1" rIns="91425" wrap="square" tIns="91425">
+          <a:bodyPr spcFirstLastPara="1" wrap="square" lIns="91425" tIns="91425" rIns="91425" bIns="91425" anchor="t" anchorCtr="0">
             <a:normAutofit fontScale="90000"/>
           </a:bodyPr>
           <a:lstStyle/>
           <a:p>
-            <a:pPr indent="0" lvl="0" marL="0" rtl="0" algn="l">
+            <a:pPr marL="0" lvl="0" indent="0" algn="l" rtl="0">
               <a:spcBef>
                 <a:spcPts val="0"/>
               </a:spcBef>
@@ -9404,9 +9377,11 @@
       <p:sp>
         <p:nvSpPr>
           <p:cNvPr id="73" name="Google Shape;73;p16"/>
-          <p:cNvSpPr txBox="1"/>
+          <p:cNvSpPr txBox="1">
+            <a:spLocks noGrp="1"/>
+          </p:cNvSpPr>
           <p:nvPr>
-            <p:ph idx="1" type="body"/>
+            <p:ph type="body" idx="1"/>
           </p:nvPr>
         </p:nvSpPr>
         <p:spPr>
@@ -9419,12 +9394,12 @@
           </a:prstGeom>
         </p:spPr>
         <p:txBody>
-          <a:bodyPr anchorCtr="0" anchor="t" bIns="91425" lIns="91425" spcFirstLastPara="1" rIns="91425" wrap="square" tIns="91425">
+          <a:bodyPr spcFirstLastPara="1" wrap="square" lIns="91425" tIns="91425" rIns="91425" bIns="91425" anchor="t" anchorCtr="0">
             <a:normAutofit/>
           </a:bodyPr>
           <a:lstStyle/>
           <a:p>
-            <a:pPr indent="0" lvl="0" marL="0" rtl="0" algn="l">
+            <a:pPr marL="0" lvl="0" indent="0" algn="l" rtl="0">
               <a:spcBef>
                 <a:spcPts val="0"/>
               </a:spcBef>
@@ -9440,7 +9415,7 @@
             <a:endParaRPr/>
           </a:p>
           <a:p>
-            <a:pPr indent="0" lvl="0" marL="0" rtl="0" algn="l">
+            <a:pPr marL="0" lvl="0" indent="0" algn="l" rtl="0">
               <a:spcBef>
                 <a:spcPts val="1200"/>
               </a:spcBef>
@@ -9456,7 +9431,7 @@
             <a:endParaRPr/>
           </a:p>
           <a:p>
-            <a:pPr indent="0" lvl="0" marL="0" rtl="0" algn="l">
+            <a:pPr marL="0" lvl="0" indent="0" algn="l" rtl="0">
               <a:spcBef>
                 <a:spcPts val="1200"/>
               </a:spcBef>
@@ -9477,7 +9452,7 @@
             <a:endParaRPr/>
           </a:p>
           <a:p>
-            <a:pPr indent="0" lvl="0" marL="0" rtl="0" algn="l">
+            <a:pPr marL="0" lvl="0" indent="0" algn="l" rtl="0">
               <a:spcBef>
                 <a:spcPts val="1200"/>
               </a:spcBef>
@@ -9486,9 +9461,6 @@
               </a:spcAft>
               <a:buNone/>
             </a:pPr>
-            <a:r>
-              <a:t/>
-            </a:r>
             <a:endParaRPr/>
           </a:p>
         </p:txBody>
@@ -9502,11 +9474,11 @@
 </file>
 
 <file path=ppt/slides/slide5.xml><?xml version="1.0" encoding="utf-8"?>
-<p:sld xmlns:a="http://schemas.openxmlformats.org/drawingml/2006/main" xmlns:r="http://schemas.openxmlformats.org/officeDocument/2006/relationships" xmlns:mc="http://schemas.openxmlformats.org/markup-compatibility/2006" xmlns:mv="urn:schemas-microsoft-com:mac:vml" xmlns:p="http://schemas.openxmlformats.org/presentationml/2006/main" xmlns:c="http://schemas.openxmlformats.org/drawingml/2006/chart" xmlns:dgm="http://schemas.openxmlformats.org/drawingml/2006/diagram" xmlns:o="urn:schemas-microsoft-com:office:office" xmlns:v="urn:schemas-microsoft-com:vml" xmlns:pvml="urn:schemas-microsoft-com:office:powerpoint" xmlns:com="http://schemas.openxmlformats.org/drawingml/2006/compatibility" xmlns:p14="http://schemas.microsoft.com/office/powerpoint/2010/main" xmlns:p15="http://schemas.microsoft.com/office/powerpoint/2012/main" xmlns:ahyp="http://schemas.microsoft.com/office/drawing/2018/hyperlinkcolor">
+<p:sld xmlns:a="http://schemas.openxmlformats.org/drawingml/2006/main" xmlns:r="http://schemas.openxmlformats.org/officeDocument/2006/relationships" xmlns:p="http://schemas.openxmlformats.org/presentationml/2006/main">
   <p:cSld>
     <p:spTree>
       <p:nvGrpSpPr>
-        <p:cNvPr id="77" name="Shape 77"/>
+        <p:cNvPr id="1" name="Shape 77"/>
         <p:cNvGrpSpPr/>
         <p:nvPr/>
       </p:nvGrpSpPr>
@@ -9521,7 +9493,9 @@
       <p:sp>
         <p:nvSpPr>
           <p:cNvPr id="78" name="Google Shape;78;p17"/>
-          <p:cNvSpPr txBox="1"/>
+          <p:cNvSpPr txBox="1">
+            <a:spLocks noGrp="1"/>
+          </p:cNvSpPr>
           <p:nvPr>
             <p:ph type="title"/>
           </p:nvPr>
@@ -9536,12 +9510,12 @@
           </a:prstGeom>
         </p:spPr>
         <p:txBody>
-          <a:bodyPr anchorCtr="0" anchor="t" bIns="91425" lIns="91425" spcFirstLastPara="1" rIns="91425" wrap="square" tIns="91425">
+          <a:bodyPr spcFirstLastPara="1" wrap="square" lIns="91425" tIns="91425" rIns="91425" bIns="91425" anchor="t" anchorCtr="0">
             <a:normAutofit fontScale="90000"/>
           </a:bodyPr>
           <a:lstStyle/>
           <a:p>
-            <a:pPr indent="0" lvl="0" marL="0" rtl="0" algn="l">
+            <a:pPr marL="0" lvl="0" indent="0" algn="l" rtl="0">
               <a:spcBef>
                 <a:spcPts val="0"/>
               </a:spcBef>
@@ -9561,9 +9535,11 @@
       <p:sp>
         <p:nvSpPr>
           <p:cNvPr id="79" name="Google Shape;79;p17"/>
-          <p:cNvSpPr txBox="1"/>
+          <p:cNvSpPr txBox="1">
+            <a:spLocks noGrp="1"/>
+          </p:cNvSpPr>
           <p:nvPr>
-            <p:ph idx="1" type="body"/>
+            <p:ph type="body" idx="1"/>
           </p:nvPr>
         </p:nvSpPr>
         <p:spPr>
@@ -9576,12 +9552,12 @@
           </a:prstGeom>
         </p:spPr>
         <p:txBody>
-          <a:bodyPr anchorCtr="0" anchor="t" bIns="91425" lIns="91425" spcFirstLastPara="1" rIns="91425" wrap="square" tIns="91425">
+          <a:bodyPr spcFirstLastPara="1" wrap="square" lIns="91425" tIns="91425" rIns="91425" bIns="91425" anchor="t" anchorCtr="0">
             <a:normAutofit/>
           </a:bodyPr>
           <a:lstStyle/>
           <a:p>
-            <a:pPr indent="0" lvl="0" marL="0" rtl="0" algn="l">
+            <a:pPr marL="0" lvl="0" indent="0" algn="l" rtl="0">
               <a:spcBef>
                 <a:spcPts val="0"/>
               </a:spcBef>
@@ -9597,7 +9573,7 @@
             <a:endParaRPr/>
           </a:p>
           <a:p>
-            <a:pPr indent="-342900" lvl="0" marL="457200" rtl="0" algn="l">
+            <a:pPr marL="457200" lvl="0" indent="-342900" algn="l" rtl="0">
               <a:spcBef>
                 <a:spcPts val="1200"/>
               </a:spcBef>
@@ -9614,7 +9590,7 @@
             <a:endParaRPr/>
           </a:p>
           <a:p>
-            <a:pPr indent="-342900" lvl="0" marL="457200" rtl="0" algn="l">
+            <a:pPr marL="457200" lvl="0" indent="-342900" algn="l" rtl="0">
               <a:spcBef>
                 <a:spcPts val="0"/>
               </a:spcBef>
@@ -9631,7 +9607,7 @@
             <a:endParaRPr/>
           </a:p>
           <a:p>
-            <a:pPr indent="-342900" lvl="0" marL="457200" rtl="0" algn="l">
+            <a:pPr marL="457200" lvl="0" indent="-342900" algn="l" rtl="0">
               <a:spcBef>
                 <a:spcPts val="0"/>
               </a:spcBef>
@@ -9648,7 +9624,7 @@
             <a:endParaRPr/>
           </a:p>
           <a:p>
-            <a:pPr indent="-342900" lvl="0" marL="457200" rtl="0" algn="l">
+            <a:pPr marL="457200" lvl="0" indent="-342900" algn="l" rtl="0">
               <a:spcBef>
                 <a:spcPts val="0"/>
               </a:spcBef>
@@ -9665,7 +9641,7 @@
             <a:endParaRPr/>
           </a:p>
           <a:p>
-            <a:pPr indent="0" lvl="0" marL="0" rtl="0" algn="l">
+            <a:pPr marL="0" lvl="0" indent="0" algn="l" rtl="0">
               <a:spcBef>
                 <a:spcPts val="1200"/>
               </a:spcBef>
@@ -9681,7 +9657,7 @@
             <a:endParaRPr/>
           </a:p>
           <a:p>
-            <a:pPr indent="0" lvl="0" marL="0" rtl="0" algn="l">
+            <a:pPr marL="0" lvl="0" indent="0" algn="l" rtl="0">
               <a:spcBef>
                 <a:spcPts val="1200"/>
               </a:spcBef>
@@ -9707,11 +9683,11 @@
 </file>
 
 <file path=ppt/slides/slide6.xml><?xml version="1.0" encoding="utf-8"?>
-<p:sld xmlns:a="http://schemas.openxmlformats.org/drawingml/2006/main" xmlns:r="http://schemas.openxmlformats.org/officeDocument/2006/relationships" xmlns:mc="http://schemas.openxmlformats.org/markup-compatibility/2006" xmlns:mv="urn:schemas-microsoft-com:mac:vml" xmlns:p="http://schemas.openxmlformats.org/presentationml/2006/main" xmlns:c="http://schemas.openxmlformats.org/drawingml/2006/chart" xmlns:dgm="http://schemas.openxmlformats.org/drawingml/2006/diagram" xmlns:o="urn:schemas-microsoft-com:office:office" xmlns:v="urn:schemas-microsoft-com:vml" xmlns:pvml="urn:schemas-microsoft-com:office:powerpoint" xmlns:com="http://schemas.openxmlformats.org/drawingml/2006/compatibility" xmlns:p14="http://schemas.microsoft.com/office/powerpoint/2010/main" xmlns:p15="http://schemas.microsoft.com/office/powerpoint/2012/main" xmlns:ahyp="http://schemas.microsoft.com/office/drawing/2018/hyperlinkcolor">
+<p:sld xmlns:a="http://schemas.openxmlformats.org/drawingml/2006/main" xmlns:r="http://schemas.openxmlformats.org/officeDocument/2006/relationships" xmlns:p="http://schemas.openxmlformats.org/presentationml/2006/main">
   <p:cSld>
     <p:spTree>
       <p:nvGrpSpPr>
-        <p:cNvPr id="83" name="Shape 83"/>
+        <p:cNvPr id="1" name="Shape 83"/>
         <p:cNvGrpSpPr/>
         <p:nvPr/>
       </p:nvGrpSpPr>
@@ -9726,7 +9702,9 @@
       <p:sp>
         <p:nvSpPr>
           <p:cNvPr id="84" name="Google Shape;84;p18"/>
-          <p:cNvSpPr txBox="1"/>
+          <p:cNvSpPr txBox="1">
+            <a:spLocks noGrp="1"/>
+          </p:cNvSpPr>
           <p:nvPr>
             <p:ph type="title"/>
           </p:nvPr>
@@ -9741,12 +9719,12 @@
           </a:prstGeom>
         </p:spPr>
         <p:txBody>
-          <a:bodyPr anchorCtr="0" anchor="t" bIns="91425" lIns="91425" spcFirstLastPara="1" rIns="91425" wrap="square" tIns="91425">
+          <a:bodyPr spcFirstLastPara="1" wrap="square" lIns="91425" tIns="91425" rIns="91425" bIns="91425" anchor="t" anchorCtr="0">
             <a:normAutofit fontScale="90000"/>
           </a:bodyPr>
           <a:lstStyle/>
           <a:p>
-            <a:pPr indent="0" lvl="0" marL="0" rtl="0" algn="l">
+            <a:pPr marL="0" lvl="0" indent="0" algn="l" rtl="0">
               <a:spcBef>
                 <a:spcPts val="0"/>
               </a:spcBef>
@@ -9766,9 +9744,11 @@
       <p:sp>
         <p:nvSpPr>
           <p:cNvPr id="85" name="Google Shape;85;p18"/>
-          <p:cNvSpPr txBox="1"/>
+          <p:cNvSpPr txBox="1">
+            <a:spLocks noGrp="1"/>
+          </p:cNvSpPr>
           <p:nvPr>
-            <p:ph idx="1" type="body"/>
+            <p:ph type="body" idx="1"/>
           </p:nvPr>
         </p:nvSpPr>
         <p:spPr>
@@ -9781,12 +9761,12 @@
           </a:prstGeom>
         </p:spPr>
         <p:txBody>
-          <a:bodyPr anchorCtr="0" anchor="t" bIns="91425" lIns="91425" spcFirstLastPara="1" rIns="91425" wrap="square" tIns="91425">
+          <a:bodyPr spcFirstLastPara="1" wrap="square" lIns="91425" tIns="91425" rIns="91425" bIns="91425" anchor="t" anchorCtr="0">
             <a:normAutofit/>
           </a:bodyPr>
           <a:lstStyle/>
           <a:p>
-            <a:pPr indent="0" lvl="0" marL="0" rtl="0" algn="l">
+            <a:pPr marL="0" lvl="0" indent="0" algn="l" rtl="0">
               <a:spcBef>
                 <a:spcPts val="0"/>
               </a:spcBef>
@@ -9807,7 +9787,7 @@
             <a:endParaRPr/>
           </a:p>
           <a:p>
-            <a:pPr indent="0" lvl="0" marL="0" rtl="0" algn="l">
+            <a:pPr marL="0" lvl="0" indent="0" algn="l" rtl="0">
               <a:spcBef>
                 <a:spcPts val="1200"/>
               </a:spcBef>
@@ -9828,7 +9808,7 @@
             <a:endParaRPr/>
           </a:p>
           <a:p>
-            <a:pPr indent="0" lvl="0" marL="0" rtl="0" algn="l">
+            <a:pPr marL="0" lvl="0" indent="0" algn="l" rtl="0">
               <a:spcBef>
                 <a:spcPts val="1200"/>
               </a:spcBef>
@@ -9849,7 +9829,7 @@
             <a:endParaRPr/>
           </a:p>
           <a:p>
-            <a:pPr indent="0" lvl="0" marL="0" rtl="0" algn="l">
+            <a:pPr marL="0" lvl="0" indent="0" algn="l" rtl="0">
               <a:spcBef>
                 <a:spcPts val="1200"/>
               </a:spcBef>
@@ -9870,7 +9850,7 @@
             <a:endParaRPr/>
           </a:p>
           <a:p>
-            <a:pPr indent="0" lvl="0" marL="0" rtl="0" algn="l">
+            <a:pPr marL="0" lvl="0" indent="0" algn="l" rtl="0">
               <a:spcBef>
                 <a:spcPts val="1200"/>
               </a:spcBef>
@@ -9884,9 +9864,6 @@
               <a:buFont typeface="Arial"/>
               <a:buNone/>
             </a:pPr>
-            <a:r>
-              <a:t/>
-            </a:r>
             <a:endParaRPr/>
           </a:p>
         </p:txBody>
@@ -9900,11 +9877,11 @@
 </file>
 
 <file path=ppt/slides/slide7.xml><?xml version="1.0" encoding="utf-8"?>
-<p:sld xmlns:a="http://schemas.openxmlformats.org/drawingml/2006/main" xmlns:r="http://schemas.openxmlformats.org/officeDocument/2006/relationships" xmlns:mc="http://schemas.openxmlformats.org/markup-compatibility/2006" xmlns:mv="urn:schemas-microsoft-com:mac:vml" xmlns:p="http://schemas.openxmlformats.org/presentationml/2006/main" xmlns:c="http://schemas.openxmlformats.org/drawingml/2006/chart" xmlns:dgm="http://schemas.openxmlformats.org/drawingml/2006/diagram" xmlns:o="urn:schemas-microsoft-com:office:office" xmlns:v="urn:schemas-microsoft-com:vml" xmlns:pvml="urn:schemas-microsoft-com:office:powerpoint" xmlns:com="http://schemas.openxmlformats.org/drawingml/2006/compatibility" xmlns:p14="http://schemas.microsoft.com/office/powerpoint/2010/main" xmlns:p15="http://schemas.microsoft.com/office/powerpoint/2012/main" xmlns:ahyp="http://schemas.microsoft.com/office/drawing/2018/hyperlinkcolor">
+<p:sld xmlns:a="http://schemas.openxmlformats.org/drawingml/2006/main" xmlns:r="http://schemas.openxmlformats.org/officeDocument/2006/relationships" xmlns:p="http://schemas.openxmlformats.org/presentationml/2006/main">
   <p:cSld>
     <p:spTree>
       <p:nvGrpSpPr>
-        <p:cNvPr id="89" name="Shape 89"/>
+        <p:cNvPr id="1" name="Shape 89"/>
         <p:cNvGrpSpPr/>
         <p:nvPr/>
       </p:nvGrpSpPr>
@@ -9919,7 +9896,9 @@
       <p:sp>
         <p:nvSpPr>
           <p:cNvPr id="90" name="Google Shape;90;p19"/>
-          <p:cNvSpPr txBox="1"/>
+          <p:cNvSpPr txBox="1">
+            <a:spLocks noGrp="1"/>
+          </p:cNvSpPr>
           <p:nvPr>
             <p:ph type="title"/>
           </p:nvPr>
@@ -9934,12 +9913,12 @@
           </a:prstGeom>
         </p:spPr>
         <p:txBody>
-          <a:bodyPr anchorCtr="0" anchor="t" bIns="91425" lIns="91425" spcFirstLastPara="1" rIns="91425" wrap="square" tIns="91425">
+          <a:bodyPr spcFirstLastPara="1" wrap="square" lIns="91425" tIns="91425" rIns="91425" bIns="91425" anchor="t" anchorCtr="0">
             <a:normAutofit fontScale="90000"/>
           </a:bodyPr>
           <a:lstStyle/>
           <a:p>
-            <a:pPr indent="0" lvl="0" marL="0" rtl="0" algn="l">
+            <a:pPr marL="0" lvl="0" indent="0" algn="l" rtl="0">
               <a:spcBef>
                 <a:spcPts val="0"/>
               </a:spcBef>
@@ -9960,18 +9939,15 @@
             <a:endParaRPr/>
           </a:p>
           <a:p>
-            <a:pPr indent="0" lvl="0" marL="0" rtl="0" algn="l">
-              <a:spcBef>
-                <a:spcPts val="0"/>
-              </a:spcBef>
-              <a:spcAft>
-                <a:spcPts val="0"/>
-              </a:spcAft>
-              <a:buNone/>
-            </a:pPr>
-            <a:r>
-              <a:t/>
-            </a:r>
+            <a:pPr marL="0" lvl="0" indent="0" algn="l" rtl="0">
+              <a:spcBef>
+                <a:spcPts val="0"/>
+              </a:spcBef>
+              <a:spcAft>
+                <a:spcPts val="0"/>
+              </a:spcAft>
+              <a:buNone/>
+            </a:pPr>
             <a:endParaRPr/>
           </a:p>
         </p:txBody>
@@ -9979,9 +9955,11 @@
       <p:sp>
         <p:nvSpPr>
           <p:cNvPr id="91" name="Google Shape;91;p19"/>
-          <p:cNvSpPr txBox="1"/>
+          <p:cNvSpPr txBox="1">
+            <a:spLocks noGrp="1"/>
+          </p:cNvSpPr>
           <p:nvPr>
-            <p:ph idx="1" type="body"/>
+            <p:ph type="body" idx="1"/>
           </p:nvPr>
         </p:nvSpPr>
         <p:spPr>
@@ -9994,12 +9972,12 @@
           </a:prstGeom>
         </p:spPr>
         <p:txBody>
-          <a:bodyPr anchorCtr="0" anchor="t" bIns="91425" lIns="91425" spcFirstLastPara="1" rIns="91425" wrap="square" tIns="91425">
+          <a:bodyPr spcFirstLastPara="1" wrap="square" lIns="91425" tIns="91425" rIns="91425" bIns="91425" anchor="t" anchorCtr="0">
             <a:normAutofit/>
           </a:bodyPr>
           <a:lstStyle/>
           <a:p>
-            <a:pPr indent="0" lvl="0" marL="0" rtl="0" algn="l">
+            <a:pPr marL="0" lvl="0" indent="0" algn="l" rtl="0">
               <a:spcBef>
                 <a:spcPts val="0"/>
               </a:spcBef>
@@ -10015,7 +9993,7 @@
             <a:endParaRPr/>
           </a:p>
           <a:p>
-            <a:pPr indent="0" lvl="0" marL="0" rtl="0" algn="l">
+            <a:pPr marL="0" lvl="0" indent="0" algn="l" rtl="0">
               <a:spcBef>
                 <a:spcPts val="1200"/>
               </a:spcBef>
@@ -10031,7 +10009,7 @@
             <a:endParaRPr/>
           </a:p>
           <a:p>
-            <a:pPr indent="0" lvl="0" marL="0" rtl="0" algn="l">
+            <a:pPr marL="0" lvl="0" indent="0" algn="l" rtl="0">
               <a:spcBef>
                 <a:spcPts val="1200"/>
               </a:spcBef>
@@ -10047,7 +10025,7 @@
             <a:endParaRPr/>
           </a:p>
           <a:p>
-            <a:pPr indent="0" lvl="0" marL="0" rtl="0" algn="l">
+            <a:pPr marL="0" lvl="0" indent="0" algn="l" rtl="0">
               <a:spcBef>
                 <a:spcPts val="1200"/>
               </a:spcBef>
@@ -10063,7 +10041,7 @@
             <a:endParaRPr/>
           </a:p>
           <a:p>
-            <a:pPr indent="-342900" lvl="0" marL="457200" rtl="0" algn="l">
+            <a:pPr marL="457200" lvl="0" indent="-342900" algn="l" rtl="0">
               <a:spcBef>
                 <a:spcPts val="1200"/>
               </a:spcBef>
@@ -10080,7 +10058,7 @@
             <a:endParaRPr/>
           </a:p>
           <a:p>
-            <a:pPr indent="-342900" lvl="0" marL="457200" rtl="0" algn="l">
+            <a:pPr marL="457200" lvl="0" indent="-342900" algn="l" rtl="0">
               <a:spcBef>
                 <a:spcPts val="0"/>
               </a:spcBef>
@@ -10097,7 +10075,7 @@
             <a:endParaRPr/>
           </a:p>
           <a:p>
-            <a:pPr indent="0" lvl="0" marL="0" rtl="0" algn="l">
+            <a:pPr marL="0" lvl="0" indent="0" algn="l" rtl="0">
               <a:spcBef>
                 <a:spcPts val="1200"/>
               </a:spcBef>
@@ -10123,11 +10101,11 @@
 </file>
 
 <file path=ppt/slides/slide8.xml><?xml version="1.0" encoding="utf-8"?>
-<p:sld xmlns:a="http://schemas.openxmlformats.org/drawingml/2006/main" xmlns:r="http://schemas.openxmlformats.org/officeDocument/2006/relationships" xmlns:mc="http://schemas.openxmlformats.org/markup-compatibility/2006" xmlns:mv="urn:schemas-microsoft-com:mac:vml" xmlns:p="http://schemas.openxmlformats.org/presentationml/2006/main" xmlns:c="http://schemas.openxmlformats.org/drawingml/2006/chart" xmlns:dgm="http://schemas.openxmlformats.org/drawingml/2006/diagram" xmlns:o="urn:schemas-microsoft-com:office:office" xmlns:v="urn:schemas-microsoft-com:vml" xmlns:pvml="urn:schemas-microsoft-com:office:powerpoint" xmlns:com="http://schemas.openxmlformats.org/drawingml/2006/compatibility" xmlns:p14="http://schemas.microsoft.com/office/powerpoint/2010/main" xmlns:p15="http://schemas.microsoft.com/office/powerpoint/2012/main" xmlns:ahyp="http://schemas.microsoft.com/office/drawing/2018/hyperlinkcolor">
+<p:sld xmlns:a="http://schemas.openxmlformats.org/drawingml/2006/main" xmlns:r="http://schemas.openxmlformats.org/officeDocument/2006/relationships" xmlns:p="http://schemas.openxmlformats.org/presentationml/2006/main">
   <p:cSld>
     <p:spTree>
       <p:nvGrpSpPr>
-        <p:cNvPr id="95" name="Shape 95"/>
+        <p:cNvPr id="1" name="Shape 95"/>
         <p:cNvGrpSpPr/>
         <p:nvPr/>
       </p:nvGrpSpPr>
@@ -10142,7 +10120,9 @@
       <p:sp>
         <p:nvSpPr>
           <p:cNvPr id="96" name="Google Shape;96;p20"/>
-          <p:cNvSpPr txBox="1"/>
+          <p:cNvSpPr txBox="1">
+            <a:spLocks noGrp="1"/>
+          </p:cNvSpPr>
           <p:nvPr>
             <p:ph type="title"/>
           </p:nvPr>
@@ -10157,12 +10137,12 @@
           </a:prstGeom>
         </p:spPr>
         <p:txBody>
-          <a:bodyPr anchorCtr="0" anchor="t" bIns="91425" lIns="91425" spcFirstLastPara="1" rIns="91425" wrap="square" tIns="91425">
+          <a:bodyPr spcFirstLastPara="1" wrap="square" lIns="91425" tIns="91425" rIns="91425" bIns="91425" anchor="t" anchorCtr="0">
             <a:normAutofit fontScale="90000"/>
           </a:bodyPr>
           <a:lstStyle/>
           <a:p>
-            <a:pPr indent="0" lvl="0" marL="0" rtl="0" algn="l">
+            <a:pPr marL="0" lvl="0" indent="0" algn="l" rtl="0">
               <a:spcBef>
                 <a:spcPts val="0"/>
               </a:spcBef>
@@ -10182,9 +10162,11 @@
       <p:sp>
         <p:nvSpPr>
           <p:cNvPr id="97" name="Google Shape;97;p20"/>
-          <p:cNvSpPr txBox="1"/>
+          <p:cNvSpPr txBox="1">
+            <a:spLocks noGrp="1"/>
+          </p:cNvSpPr>
           <p:nvPr>
-            <p:ph idx="1" type="body"/>
+            <p:ph type="body" idx="1"/>
           </p:nvPr>
         </p:nvSpPr>
         <p:spPr>
@@ -10197,12 +10179,12 @@
           </a:prstGeom>
         </p:spPr>
         <p:txBody>
-          <a:bodyPr anchorCtr="0" anchor="t" bIns="91425" lIns="91425" spcFirstLastPara="1" rIns="91425" wrap="square" tIns="91425">
+          <a:bodyPr spcFirstLastPara="1" wrap="square" lIns="91425" tIns="91425" rIns="91425" bIns="91425" anchor="t" anchorCtr="0">
             <a:normAutofit/>
           </a:bodyPr>
           <a:lstStyle/>
           <a:p>
-            <a:pPr indent="0" lvl="0" marL="0" rtl="0" algn="l">
+            <a:pPr marL="0" lvl="0" indent="0" algn="l" rtl="0">
               <a:spcBef>
                 <a:spcPts val="0"/>
               </a:spcBef>
@@ -10218,7 +10200,7 @@
             <a:endParaRPr/>
           </a:p>
           <a:p>
-            <a:pPr indent="0" lvl="0" marL="0" rtl="0" algn="l">
+            <a:pPr marL="0" lvl="0" indent="0" algn="l" rtl="0">
               <a:spcBef>
                 <a:spcPts val="1200"/>
               </a:spcBef>
@@ -10234,7 +10216,7 @@
             <a:endParaRPr/>
           </a:p>
           <a:p>
-            <a:pPr indent="0" lvl="0" marL="0" rtl="0" algn="l">
+            <a:pPr marL="0" lvl="0" indent="0" algn="l" rtl="0">
               <a:spcBef>
                 <a:spcPts val="1200"/>
               </a:spcBef>
@@ -10243,9 +10225,6 @@
               </a:spcAft>
               <a:buNone/>
             </a:pPr>
-            <a:r>
-              <a:t/>
-            </a:r>
             <a:endParaRPr/>
           </a:p>
         </p:txBody>
@@ -10343,11 +10322,11 @@
 </file>
 
 <file path=ppt/slides/slide9.xml><?xml version="1.0" encoding="utf-8"?>
-<p:sld xmlns:a="http://schemas.openxmlformats.org/drawingml/2006/main" xmlns:r="http://schemas.openxmlformats.org/officeDocument/2006/relationships" xmlns:mc="http://schemas.openxmlformats.org/markup-compatibility/2006" xmlns:mv="urn:schemas-microsoft-com:mac:vml" xmlns:p="http://schemas.openxmlformats.org/presentationml/2006/main" xmlns:c="http://schemas.openxmlformats.org/drawingml/2006/chart" xmlns:dgm="http://schemas.openxmlformats.org/drawingml/2006/diagram" xmlns:o="urn:schemas-microsoft-com:office:office" xmlns:v="urn:schemas-microsoft-com:vml" xmlns:pvml="urn:schemas-microsoft-com:office:powerpoint" xmlns:com="http://schemas.openxmlformats.org/drawingml/2006/compatibility" xmlns:p14="http://schemas.microsoft.com/office/powerpoint/2010/main" xmlns:p15="http://schemas.microsoft.com/office/powerpoint/2012/main" xmlns:ahyp="http://schemas.microsoft.com/office/drawing/2018/hyperlinkcolor">
+<p:sld xmlns:a="http://schemas.openxmlformats.org/drawingml/2006/main" xmlns:r="http://schemas.openxmlformats.org/officeDocument/2006/relationships" xmlns:p="http://schemas.openxmlformats.org/presentationml/2006/main">
   <p:cSld>
     <p:spTree>
       <p:nvGrpSpPr>
-        <p:cNvPr id="104" name="Shape 104"/>
+        <p:cNvPr id="1" name="Shape 104"/>
         <p:cNvGrpSpPr/>
         <p:nvPr/>
       </p:nvGrpSpPr>
@@ -10362,7 +10341,9 @@
       <p:sp>
         <p:nvSpPr>
           <p:cNvPr id="105" name="Google Shape;105;p21"/>
-          <p:cNvSpPr txBox="1"/>
+          <p:cNvSpPr txBox="1">
+            <a:spLocks noGrp="1"/>
+          </p:cNvSpPr>
           <p:nvPr>
             <p:ph type="title"/>
           </p:nvPr>
@@ -10377,12 +10358,12 @@
           </a:prstGeom>
         </p:spPr>
         <p:txBody>
-          <a:bodyPr anchorCtr="0" anchor="t" bIns="91425" lIns="91425" spcFirstLastPara="1" rIns="91425" wrap="square" tIns="91425">
+          <a:bodyPr spcFirstLastPara="1" wrap="square" lIns="91425" tIns="91425" rIns="91425" bIns="91425" anchor="t" anchorCtr="0">
             <a:normAutofit fontScale="90000"/>
           </a:bodyPr>
           <a:lstStyle/>
           <a:p>
-            <a:pPr indent="0" lvl="0" marL="0" rtl="0" algn="l">
+            <a:pPr marL="0" lvl="0" indent="0" algn="l" rtl="0">
               <a:spcBef>
                 <a:spcPts val="0"/>
               </a:spcBef>
@@ -10402,9 +10383,11 @@
       <p:sp>
         <p:nvSpPr>
           <p:cNvPr id="106" name="Google Shape;106;p21"/>
-          <p:cNvSpPr txBox="1"/>
+          <p:cNvSpPr txBox="1">
+            <a:spLocks noGrp="1"/>
+          </p:cNvSpPr>
           <p:nvPr>
-            <p:ph idx="1" type="body"/>
+            <p:ph type="body" idx="1"/>
           </p:nvPr>
         </p:nvSpPr>
         <p:spPr>
@@ -10417,12 +10400,12 @@
           </a:prstGeom>
         </p:spPr>
         <p:txBody>
-          <a:bodyPr anchorCtr="0" anchor="t" bIns="91425" lIns="91425" spcFirstLastPara="1" rIns="91425" wrap="square" tIns="91425">
+          <a:bodyPr spcFirstLastPara="1" wrap="square" lIns="91425" tIns="91425" rIns="91425" bIns="91425" anchor="t" anchorCtr="0">
             <a:normAutofit/>
           </a:bodyPr>
           <a:lstStyle/>
           <a:p>
-            <a:pPr indent="0" lvl="0" marL="0" rtl="0" algn="l">
+            <a:pPr marL="0" lvl="0" indent="0" algn="l" rtl="0">
               <a:spcBef>
                 <a:spcPts val="0"/>
               </a:spcBef>
@@ -10438,7 +10421,7 @@
             <a:endParaRPr/>
           </a:p>
           <a:p>
-            <a:pPr indent="0" lvl="0" marL="0" rtl="0" algn="l">
+            <a:pPr marL="0" lvl="0" indent="0" algn="l" rtl="0">
               <a:spcBef>
                 <a:spcPts val="1200"/>
               </a:spcBef>
@@ -10454,7 +10437,7 @@
             <a:endParaRPr/>
           </a:p>
           <a:p>
-            <a:pPr indent="0" lvl="0" marL="0" rtl="0" algn="l">
+            <a:pPr marL="0" lvl="0" indent="0" algn="l" rtl="0">
               <a:spcBef>
                 <a:spcPts val="1200"/>
               </a:spcBef>
@@ -10463,9 +10446,6 @@
               </a:spcAft>
               <a:buNone/>
             </a:pPr>
-            <a:r>
-              <a:t/>
-            </a:r>
             <a:endParaRPr/>
           </a:p>
         </p:txBody>
@@ -10507,7 +10487,288 @@
 </file>
 
 <file path=ppt/theme/theme1.xml><?xml version="1.0" encoding="utf-8"?>
-<a:theme xmlns:a="http://schemas.openxmlformats.org/drawingml/2006/main" xmlns:r="http://schemas.openxmlformats.org/officeDocument/2006/relationships">
+<a:theme xmlns:a="http://schemas.openxmlformats.org/drawingml/2006/main" name="Simple Light">
+  <a:themeElements>
+    <a:clrScheme name="Simple Light">
+      <a:dk1>
+        <a:srgbClr val="000000"/>
+      </a:dk1>
+      <a:lt1>
+        <a:srgbClr val="FFFFFF"/>
+      </a:lt1>
+      <a:dk2>
+        <a:srgbClr val="595959"/>
+      </a:dk2>
+      <a:lt2>
+        <a:srgbClr val="EEEEEE"/>
+      </a:lt2>
+      <a:accent1>
+        <a:srgbClr val="4285F4"/>
+      </a:accent1>
+      <a:accent2>
+        <a:srgbClr val="212121"/>
+      </a:accent2>
+      <a:accent3>
+        <a:srgbClr val="78909C"/>
+      </a:accent3>
+      <a:accent4>
+        <a:srgbClr val="FFAB40"/>
+      </a:accent4>
+      <a:accent5>
+        <a:srgbClr val="0097A7"/>
+      </a:accent5>
+      <a:accent6>
+        <a:srgbClr val="EEFF41"/>
+      </a:accent6>
+      <a:hlink>
+        <a:srgbClr val="0097A7"/>
+      </a:hlink>
+      <a:folHlink>
+        <a:srgbClr val="0097A7"/>
+      </a:folHlink>
+    </a:clrScheme>
+    <a:fontScheme name="Office">
+      <a:majorFont>
+        <a:latin typeface="Arial"/>
+        <a:ea typeface=""/>
+        <a:cs typeface=""/>
+        <a:font script="Jpan" typeface="ＭＳ Ｐゴシック"/>
+        <a:font script="Hang" typeface="맑은 고딕"/>
+        <a:font script="Hans" typeface="宋体"/>
+        <a:font script="Hant" typeface="新細明體"/>
+        <a:font script="Arab" typeface="Times New Roman"/>
+        <a:font script="Hebr" typeface="Times New Roman"/>
+        <a:font script="Thai" typeface="Angsana New"/>
+        <a:font script="Ethi" typeface="Nyala"/>
+        <a:font script="Beng" typeface="Vrinda"/>
+        <a:font script="Gujr" typeface="Shruti"/>
+        <a:font script="Khmr" typeface="MoolBoran"/>
+        <a:font script="Knda" typeface="Tunga"/>
+        <a:font script="Guru" typeface="Raavi"/>
+        <a:font script="Cans" typeface="Euphemia"/>
+        <a:font script="Cher" typeface="Plantagenet Cherokee"/>
+        <a:font script="Yiii" typeface="Microsoft Yi Baiti"/>
+        <a:font script="Tibt" typeface="Microsoft Himalaya"/>
+        <a:font script="Thaa" typeface="MV Boli"/>
+        <a:font script="Deva" typeface="Mangal"/>
+        <a:font script="Telu" typeface="Gautami"/>
+        <a:font script="Taml" typeface="Latha"/>
+        <a:font script="Syrc" typeface="Estrangelo Edessa"/>
+        <a:font script="Orya" typeface="Kalinga"/>
+        <a:font script="Mlym" typeface="Kartika"/>
+        <a:font script="Laoo" typeface="DokChampa"/>
+        <a:font script="Sinh" typeface="Iskoola Pota"/>
+        <a:font script="Mong" typeface="Mongolian Baiti"/>
+        <a:font script="Viet" typeface="Times New Roman"/>
+        <a:font script="Uigh" typeface="Microsoft Uighur"/>
+        <a:font script="Geor" typeface="Sylfaen"/>
+      </a:majorFont>
+      <a:minorFont>
+        <a:latin typeface="Arial"/>
+        <a:ea typeface=""/>
+        <a:cs typeface=""/>
+        <a:font script="Jpan" typeface="ＭＳ Ｐゴシック"/>
+        <a:font script="Hang" typeface="맑은 고딕"/>
+        <a:font script="Hans" typeface="宋体"/>
+        <a:font script="Hant" typeface="新細明體"/>
+        <a:font script="Arab" typeface="Arial"/>
+        <a:font script="Hebr" typeface="Arial"/>
+        <a:font script="Thai" typeface="Cordia New"/>
+        <a:font script="Ethi" typeface="Nyala"/>
+        <a:font script="Beng" typeface="Vrinda"/>
+        <a:font script="Gujr" typeface="Shruti"/>
+        <a:font script="Khmr" typeface="DaunPenh"/>
+        <a:font script="Knda" typeface="Tunga"/>
+        <a:font script="Guru" typeface="Raavi"/>
+        <a:font script="Cans" typeface="Euphemia"/>
+        <a:font script="Cher" typeface="Plantagenet Cherokee"/>
+        <a:font script="Yiii" typeface="Microsoft Yi Baiti"/>
+        <a:font script="Tibt" typeface="Microsoft Himalaya"/>
+        <a:font script="Thaa" typeface="MV Boli"/>
+        <a:font script="Deva" typeface="Mangal"/>
+        <a:font script="Telu" typeface="Gautami"/>
+        <a:font script="Taml" typeface="Latha"/>
+        <a:font script="Syrc" typeface="Estrangelo Edessa"/>
+        <a:font script="Orya" typeface="Kalinga"/>
+        <a:font script="Mlym" typeface="Kartika"/>
+        <a:font script="Laoo" typeface="DokChampa"/>
+        <a:font script="Sinh" typeface="Iskoola Pota"/>
+        <a:font script="Mong" typeface="Mongolian Baiti"/>
+        <a:font script="Viet" typeface="Arial"/>
+        <a:font script="Uigh" typeface="Microsoft Uighur"/>
+        <a:font script="Geor" typeface="Sylfaen"/>
+      </a:minorFont>
+    </a:fontScheme>
+    <a:fmtScheme name="Office">
+      <a:fillStyleLst>
+        <a:solidFill>
+          <a:schemeClr val="phClr"/>
+        </a:solidFill>
+        <a:gradFill rotWithShape="1">
+          <a:gsLst>
+            <a:gs pos="0">
+              <a:schemeClr val="phClr">
+                <a:tint val="50000"/>
+                <a:satMod val="300000"/>
+              </a:schemeClr>
+            </a:gs>
+            <a:gs pos="35000">
+              <a:schemeClr val="phClr">
+                <a:tint val="37000"/>
+                <a:satMod val="300000"/>
+              </a:schemeClr>
+            </a:gs>
+            <a:gs pos="100000">
+              <a:schemeClr val="phClr">
+                <a:tint val="15000"/>
+                <a:satMod val="350000"/>
+              </a:schemeClr>
+            </a:gs>
+          </a:gsLst>
+          <a:lin ang="16200000" scaled="1"/>
+        </a:gradFill>
+        <a:gradFill rotWithShape="1">
+          <a:gsLst>
+            <a:gs pos="0">
+              <a:schemeClr val="phClr">
+                <a:tint val="100000"/>
+                <a:shade val="100000"/>
+                <a:satMod val="130000"/>
+              </a:schemeClr>
+            </a:gs>
+            <a:gs pos="100000">
+              <a:schemeClr val="phClr">
+                <a:tint val="50000"/>
+                <a:shade val="100000"/>
+                <a:satMod val="350000"/>
+              </a:schemeClr>
+            </a:gs>
+          </a:gsLst>
+          <a:lin ang="16200000" scaled="0"/>
+        </a:gradFill>
+      </a:fillStyleLst>
+      <a:lnStyleLst>
+        <a:ln w="9525" cap="flat" cmpd="sng" algn="ctr">
+          <a:solidFill>
+            <a:schemeClr val="phClr">
+              <a:shade val="95000"/>
+              <a:satMod val="105000"/>
+            </a:schemeClr>
+          </a:solidFill>
+          <a:prstDash val="solid"/>
+        </a:ln>
+        <a:ln w="25400" cap="flat" cmpd="sng" algn="ctr">
+          <a:solidFill>
+            <a:schemeClr val="phClr"/>
+          </a:solidFill>
+          <a:prstDash val="solid"/>
+        </a:ln>
+        <a:ln w="38100" cap="flat" cmpd="sng" algn="ctr">
+          <a:solidFill>
+            <a:schemeClr val="phClr"/>
+          </a:solidFill>
+          <a:prstDash val="solid"/>
+        </a:ln>
+      </a:lnStyleLst>
+      <a:effectStyleLst>
+        <a:effectStyle>
+          <a:effectLst>
+            <a:outerShdw blurRad="40000" dist="20000" dir="5400000" rotWithShape="0">
+              <a:srgbClr val="000000">
+                <a:alpha val="38000"/>
+              </a:srgbClr>
+            </a:outerShdw>
+          </a:effectLst>
+        </a:effectStyle>
+        <a:effectStyle>
+          <a:effectLst>
+            <a:outerShdw blurRad="40000" dist="23000" dir="5400000" rotWithShape="0">
+              <a:srgbClr val="000000">
+                <a:alpha val="35000"/>
+              </a:srgbClr>
+            </a:outerShdw>
+          </a:effectLst>
+        </a:effectStyle>
+        <a:effectStyle>
+          <a:effectLst>
+            <a:outerShdw blurRad="40000" dist="23000" dir="5400000" rotWithShape="0">
+              <a:srgbClr val="000000">
+                <a:alpha val="35000"/>
+              </a:srgbClr>
+            </a:outerShdw>
+          </a:effectLst>
+          <a:scene3d>
+            <a:camera prst="orthographicFront">
+              <a:rot lat="0" lon="0" rev="0"/>
+            </a:camera>
+            <a:lightRig rig="threePt" dir="t">
+              <a:rot lat="0" lon="0" rev="1200000"/>
+            </a:lightRig>
+          </a:scene3d>
+          <a:sp3d>
+            <a:bevelT w="63500" h="25400"/>
+          </a:sp3d>
+        </a:effectStyle>
+      </a:effectStyleLst>
+      <a:bgFillStyleLst>
+        <a:solidFill>
+          <a:schemeClr val="phClr"/>
+        </a:solidFill>
+        <a:gradFill rotWithShape="1">
+          <a:gsLst>
+            <a:gs pos="0">
+              <a:schemeClr val="phClr">
+                <a:tint val="40000"/>
+                <a:satMod val="350000"/>
+              </a:schemeClr>
+            </a:gs>
+            <a:gs pos="40000">
+              <a:schemeClr val="phClr">
+                <a:tint val="45000"/>
+                <a:shade val="99000"/>
+                <a:satMod val="350000"/>
+              </a:schemeClr>
+            </a:gs>
+            <a:gs pos="100000">
+              <a:schemeClr val="phClr">
+                <a:shade val="20000"/>
+                <a:satMod val="255000"/>
+              </a:schemeClr>
+            </a:gs>
+          </a:gsLst>
+          <a:path path="circle">
+            <a:fillToRect l="50000" t="-80000" r="50000" b="180000"/>
+          </a:path>
+        </a:gradFill>
+        <a:gradFill rotWithShape="1">
+          <a:gsLst>
+            <a:gs pos="0">
+              <a:schemeClr val="phClr">
+                <a:tint val="80000"/>
+                <a:satMod val="300000"/>
+              </a:schemeClr>
+            </a:gs>
+            <a:gs pos="100000">
+              <a:schemeClr val="phClr">
+                <a:shade val="30000"/>
+                <a:satMod val="200000"/>
+              </a:schemeClr>
+            </a:gs>
+          </a:gsLst>
+          <a:path path="circle">
+            <a:fillToRect l="50000" t="50000" r="50000" b="50000"/>
+          </a:path>
+        </a:gradFill>
+      </a:bgFillStyleLst>
+    </a:fmtScheme>
+  </a:themeElements>
+  <a:objectDefaults/>
+  <a:extraClrSchemeLst/>
+</a:theme>
+</file>
+
+<file path=ppt/theme/theme2.xml><?xml version="1.0" encoding="utf-8"?>
+<a:theme xmlns:a="http://schemas.openxmlformats.org/drawingml/2006/main">
   <a:themeElements>
     <a:clrScheme name="Default">
       <a:dk1>
@@ -10782,284 +11043,7 @@
       </a:bgFillStyleLst>
     </a:fmtScheme>
   </a:themeElements>
-</a:theme>
-</file>
-
-<file path=ppt/theme/theme2.xml><?xml version="1.0" encoding="utf-8"?>
-<a:theme xmlns:a="http://schemas.openxmlformats.org/drawingml/2006/main" xmlns:r="http://schemas.openxmlformats.org/officeDocument/2006/relationships" name="Simple Light">
-  <a:themeElements>
-    <a:clrScheme name="Simple Light">
-      <a:dk1>
-        <a:srgbClr val="000000"/>
-      </a:dk1>
-      <a:lt1>
-        <a:srgbClr val="FFFFFF"/>
-      </a:lt1>
-      <a:dk2>
-        <a:srgbClr val="595959"/>
-      </a:dk2>
-      <a:lt2>
-        <a:srgbClr val="EEEEEE"/>
-      </a:lt2>
-      <a:accent1>
-        <a:srgbClr val="4285F4"/>
-      </a:accent1>
-      <a:accent2>
-        <a:srgbClr val="212121"/>
-      </a:accent2>
-      <a:accent3>
-        <a:srgbClr val="78909C"/>
-      </a:accent3>
-      <a:accent4>
-        <a:srgbClr val="FFAB40"/>
-      </a:accent4>
-      <a:accent5>
-        <a:srgbClr val="0097A7"/>
-      </a:accent5>
-      <a:accent6>
-        <a:srgbClr val="EEFF41"/>
-      </a:accent6>
-      <a:hlink>
-        <a:srgbClr val="0097A7"/>
-      </a:hlink>
-      <a:folHlink>
-        <a:srgbClr val="0097A7"/>
-      </a:folHlink>
-    </a:clrScheme>
-    <a:fontScheme name="Office">
-      <a:majorFont>
-        <a:latin typeface="Arial"/>
-        <a:ea typeface=""/>
-        <a:cs typeface=""/>
-        <a:font script="Jpan" typeface="ＭＳ Ｐゴシック"/>
-        <a:font script="Hang" typeface="맑은 고딕"/>
-        <a:font script="Hans" typeface="宋体"/>
-        <a:font script="Hant" typeface="新細明體"/>
-        <a:font script="Arab" typeface="Times New Roman"/>
-        <a:font script="Hebr" typeface="Times New Roman"/>
-        <a:font script="Thai" typeface="Angsana New"/>
-        <a:font script="Ethi" typeface="Nyala"/>
-        <a:font script="Beng" typeface="Vrinda"/>
-        <a:font script="Gujr" typeface="Shruti"/>
-        <a:font script="Khmr" typeface="MoolBoran"/>
-        <a:font script="Knda" typeface="Tunga"/>
-        <a:font script="Guru" typeface="Raavi"/>
-        <a:font script="Cans" typeface="Euphemia"/>
-        <a:font script="Cher" typeface="Plantagenet Cherokee"/>
-        <a:font script="Yiii" typeface="Microsoft Yi Baiti"/>
-        <a:font script="Tibt" typeface="Microsoft Himalaya"/>
-        <a:font script="Thaa" typeface="MV Boli"/>
-        <a:font script="Deva" typeface="Mangal"/>
-        <a:font script="Telu" typeface="Gautami"/>
-        <a:font script="Taml" typeface="Latha"/>
-        <a:font script="Syrc" typeface="Estrangelo Edessa"/>
-        <a:font script="Orya" typeface="Kalinga"/>
-        <a:font script="Mlym" typeface="Kartika"/>
-        <a:font script="Laoo" typeface="DokChampa"/>
-        <a:font script="Sinh" typeface="Iskoola Pota"/>
-        <a:font script="Mong" typeface="Mongolian Baiti"/>
-        <a:font script="Viet" typeface="Times New Roman"/>
-        <a:font script="Uigh" typeface="Microsoft Uighur"/>
-        <a:font script="Geor" typeface="Sylfaen"/>
-      </a:majorFont>
-      <a:minorFont>
-        <a:latin typeface="Arial"/>
-        <a:ea typeface=""/>
-        <a:cs typeface=""/>
-        <a:font script="Jpan" typeface="ＭＳ Ｐゴシック"/>
-        <a:font script="Hang" typeface="맑은 고딕"/>
-        <a:font script="Hans" typeface="宋体"/>
-        <a:font script="Hant" typeface="新細明體"/>
-        <a:font script="Arab" typeface="Arial"/>
-        <a:font script="Hebr" typeface="Arial"/>
-        <a:font script="Thai" typeface="Cordia New"/>
-        <a:font script="Ethi" typeface="Nyala"/>
-        <a:font script="Beng" typeface="Vrinda"/>
-        <a:font script="Gujr" typeface="Shruti"/>
-        <a:font script="Khmr" typeface="DaunPenh"/>
-        <a:font script="Knda" typeface="Tunga"/>
-        <a:font script="Guru" typeface="Raavi"/>
-        <a:font script="Cans" typeface="Euphemia"/>
-        <a:font script="Cher" typeface="Plantagenet Cherokee"/>
-        <a:font script="Yiii" typeface="Microsoft Yi Baiti"/>
-        <a:font script="Tibt" typeface="Microsoft Himalaya"/>
-        <a:font script="Thaa" typeface="MV Boli"/>
-        <a:font script="Deva" typeface="Mangal"/>
-        <a:font script="Telu" typeface="Gautami"/>
-        <a:font script="Taml" typeface="Latha"/>
-        <a:font script="Syrc" typeface="Estrangelo Edessa"/>
-        <a:font script="Orya" typeface="Kalinga"/>
-        <a:font script="Mlym" typeface="Kartika"/>
-        <a:font script="Laoo" typeface="DokChampa"/>
-        <a:font script="Sinh" typeface="Iskoola Pota"/>
-        <a:font script="Mong" typeface="Mongolian Baiti"/>
-        <a:font script="Viet" typeface="Arial"/>
-        <a:font script="Uigh" typeface="Microsoft Uighur"/>
-        <a:font script="Geor" typeface="Sylfaen"/>
-      </a:minorFont>
-    </a:fontScheme>
-    <a:fmtScheme name="Office">
-      <a:fillStyleLst>
-        <a:solidFill>
-          <a:schemeClr val="phClr"/>
-        </a:solidFill>
-        <a:gradFill rotWithShape="1">
-          <a:gsLst>
-            <a:gs pos="0">
-              <a:schemeClr val="phClr">
-                <a:tint val="50000"/>
-                <a:satMod val="300000"/>
-              </a:schemeClr>
-            </a:gs>
-            <a:gs pos="35000">
-              <a:schemeClr val="phClr">
-                <a:tint val="37000"/>
-                <a:satMod val="300000"/>
-              </a:schemeClr>
-            </a:gs>
-            <a:gs pos="100000">
-              <a:schemeClr val="phClr">
-                <a:tint val="15000"/>
-                <a:satMod val="350000"/>
-              </a:schemeClr>
-            </a:gs>
-          </a:gsLst>
-          <a:lin ang="16200000" scaled="1"/>
-        </a:gradFill>
-        <a:gradFill rotWithShape="1">
-          <a:gsLst>
-            <a:gs pos="0">
-              <a:schemeClr val="phClr">
-                <a:tint val="100000"/>
-                <a:shade val="100000"/>
-                <a:satMod val="130000"/>
-              </a:schemeClr>
-            </a:gs>
-            <a:gs pos="100000">
-              <a:schemeClr val="phClr">
-                <a:tint val="50000"/>
-                <a:shade val="100000"/>
-                <a:satMod val="350000"/>
-              </a:schemeClr>
-            </a:gs>
-          </a:gsLst>
-          <a:lin ang="16200000" scaled="0"/>
-        </a:gradFill>
-      </a:fillStyleLst>
-      <a:lnStyleLst>
-        <a:ln w="9525" cap="flat" cmpd="sng" algn="ctr">
-          <a:solidFill>
-            <a:schemeClr val="phClr">
-              <a:shade val="95000"/>
-              <a:satMod val="105000"/>
-            </a:schemeClr>
-          </a:solidFill>
-          <a:prstDash val="solid"/>
-        </a:ln>
-        <a:ln w="25400" cap="flat" cmpd="sng" algn="ctr">
-          <a:solidFill>
-            <a:schemeClr val="phClr"/>
-          </a:solidFill>
-          <a:prstDash val="solid"/>
-        </a:ln>
-        <a:ln w="38100" cap="flat" cmpd="sng" algn="ctr">
-          <a:solidFill>
-            <a:schemeClr val="phClr"/>
-          </a:solidFill>
-          <a:prstDash val="solid"/>
-        </a:ln>
-      </a:lnStyleLst>
-      <a:effectStyleLst>
-        <a:effectStyle>
-          <a:effectLst>
-            <a:outerShdw blurRad="40000" dist="20000" dir="5400000" rotWithShape="0">
-              <a:srgbClr val="000000">
-                <a:alpha val="38000"/>
-              </a:srgbClr>
-            </a:outerShdw>
-          </a:effectLst>
-        </a:effectStyle>
-        <a:effectStyle>
-          <a:effectLst>
-            <a:outerShdw blurRad="40000" dist="23000" dir="5400000" rotWithShape="0">
-              <a:srgbClr val="000000">
-                <a:alpha val="35000"/>
-              </a:srgbClr>
-            </a:outerShdw>
-          </a:effectLst>
-        </a:effectStyle>
-        <a:effectStyle>
-          <a:effectLst>
-            <a:outerShdw blurRad="40000" dist="23000" dir="5400000" rotWithShape="0">
-              <a:srgbClr val="000000">
-                <a:alpha val="35000"/>
-              </a:srgbClr>
-            </a:outerShdw>
-          </a:effectLst>
-          <a:scene3d>
-            <a:camera prst="orthographicFront">
-              <a:rot lat="0" lon="0" rev="0"/>
-            </a:camera>
-            <a:lightRig rig="threePt" dir="t">
-              <a:rot lat="0" lon="0" rev="1200000"/>
-            </a:lightRig>
-          </a:scene3d>
-          <a:sp3d>
-            <a:bevelT w="63500" h="25400"/>
-          </a:sp3d>
-        </a:effectStyle>
-      </a:effectStyleLst>
-      <a:bgFillStyleLst>
-        <a:solidFill>
-          <a:schemeClr val="phClr"/>
-        </a:solidFill>
-        <a:gradFill rotWithShape="1">
-          <a:gsLst>
-            <a:gs pos="0">
-              <a:schemeClr val="phClr">
-                <a:tint val="40000"/>
-                <a:satMod val="350000"/>
-              </a:schemeClr>
-            </a:gs>
-            <a:gs pos="40000">
-              <a:schemeClr val="phClr">
-                <a:tint val="45000"/>
-                <a:shade val="99000"/>
-                <a:satMod val="350000"/>
-              </a:schemeClr>
-            </a:gs>
-            <a:gs pos="100000">
-              <a:schemeClr val="phClr">
-                <a:shade val="20000"/>
-                <a:satMod val="255000"/>
-              </a:schemeClr>
-            </a:gs>
-          </a:gsLst>
-          <a:path path="circle">
-            <a:fillToRect l="50000" t="-80000" r="50000" b="180000"/>
-          </a:path>
-        </a:gradFill>
-        <a:gradFill rotWithShape="1">
-          <a:gsLst>
-            <a:gs pos="0">
-              <a:schemeClr val="phClr">
-                <a:tint val="80000"/>
-                <a:satMod val="300000"/>
-              </a:schemeClr>
-            </a:gs>
-            <a:gs pos="100000">
-              <a:schemeClr val="phClr">
-                <a:shade val="30000"/>
-                <a:satMod val="200000"/>
-              </a:schemeClr>
-            </a:gs>
-          </a:gsLst>
-          <a:path path="circle">
-            <a:fillToRect l="50000" t="50000" r="50000" b="50000"/>
-          </a:path>
-        </a:gradFill>
-      </a:bgFillStyleLst>
-    </a:fmtScheme>
-  </a:themeElements>
+  <a:objectDefaults/>
+  <a:extraClrSchemeLst/>
 </a:theme>
 </file>